--- a/GE.pptx
+++ b/GE.pptx
@@ -12,8 +12,8 @@
     <p:sldId id="282" r:id="rId3"/>
     <p:sldId id="275" r:id="rId4"/>
     <p:sldId id="281" r:id="rId5"/>
-    <p:sldId id="280" r:id="rId6"/>
-    <p:sldId id="279" r:id="rId7"/>
+    <p:sldId id="283" r:id="rId6"/>
+    <p:sldId id="280" r:id="rId7"/>
     <p:sldId id="278" r:id="rId8"/>
     <p:sldId id="277" r:id="rId9"/>
     <p:sldId id="270" r:id="rId10"/>
@@ -573,6 +573,178 @@
 </p:notes>
 </file>
 
+<file path=ppt/notesSlides/notesSlide10.xml><?xml version="1.0" encoding="utf-8"?>
+<p:notes xmlns:a="http://schemas.openxmlformats.org/drawingml/2006/main" xmlns:r="http://schemas.openxmlformats.org/officeDocument/2006/relationships" xmlns:p="http://schemas.openxmlformats.org/presentationml/2006/main">
+  <p:cSld>
+    <p:spTree>
+      <p:nvGrpSpPr>
+        <p:cNvPr id="1" name=""/>
+        <p:cNvGrpSpPr/>
+        <p:nvPr/>
+      </p:nvGrpSpPr>
+      <p:grpSpPr>
+        <a:xfrm>
+          <a:off x="0" y="0"/>
+          <a:ext cx="0" cy="0"/>
+          <a:chOff x="0" y="0"/>
+          <a:chExt cx="0" cy="0"/>
+        </a:xfrm>
+      </p:grpSpPr>
+      <p:sp>
+        <p:nvSpPr>
+          <p:cNvPr id="2" name="幻灯片图像占位符 1"/>
+          <p:cNvSpPr>
+            <a:spLocks noGrp="1" noRot="1" noChangeAspect="1"/>
+          </p:cNvSpPr>
+          <p:nvPr>
+            <p:ph type="sldImg"/>
+          </p:nvPr>
+        </p:nvSpPr>
+        <p:spPr/>
+      </p:sp>
+      <p:sp>
+        <p:nvSpPr>
+          <p:cNvPr id="3" name="备注占位符 2"/>
+          <p:cNvSpPr>
+            <a:spLocks noGrp="1"/>
+          </p:cNvSpPr>
+          <p:nvPr>
+            <p:ph type="body" idx="1"/>
+          </p:nvPr>
+        </p:nvSpPr>
+        <p:spPr/>
+        <p:txBody>
+          <a:bodyPr/>
+          <a:lstStyle/>
+          <a:p>
+            <a:r>
+              <a:rPr lang="zh-CN" altLang="en-US" dirty="0"/>
+              <a:t>删除</a:t>
+            </a:r>
+            <a:r>
+              <a:rPr lang="en-US" altLang="zh-CN" dirty="0"/>
+              <a:t>50%</a:t>
+            </a:r>
+            <a:r>
+              <a:rPr lang="zh-CN" altLang="en-US" dirty="0"/>
+              <a:t>的边保持连通性，因为</a:t>
+            </a:r>
+            <a:r>
+              <a:rPr lang="en-US" altLang="zh-CN" dirty="0"/>
+              <a:t>random walk</a:t>
+            </a:r>
+            <a:r>
+              <a:rPr lang="zh-CN" altLang="en-US" dirty="0"/>
+              <a:t>天然基于连通性来采样。</a:t>
+            </a:r>
+            <a:endParaRPr lang="en-US" altLang="zh-CN" dirty="0"/>
+          </a:p>
+          <a:p>
+            <a:r>
+              <a:rPr lang="zh-CN" altLang="en-US" dirty="0"/>
+              <a:t>正样本就是移除的那些边，剩下的边用来</a:t>
+            </a:r>
+            <a:r>
+              <a:rPr lang="en-US" altLang="zh-CN" dirty="0"/>
+              <a:t>node2vec</a:t>
+            </a:r>
+            <a:r>
+              <a:rPr lang="zh-CN" altLang="en-US" dirty="0"/>
+              <a:t>训练得到嵌入。</a:t>
+            </a:r>
+            <a:endParaRPr lang="en-US" altLang="zh-CN" dirty="0"/>
+          </a:p>
+          <a:p>
+            <a:r>
+              <a:rPr lang="zh-CN" altLang="en-US" dirty="0"/>
+              <a:t>负样本就是在原网络中没有边的那些</a:t>
+            </a:r>
+            <a:r>
+              <a:rPr lang="en-US" altLang="zh-CN" dirty="0"/>
+              <a:t>node pair</a:t>
+            </a:r>
+            <a:r>
+              <a:rPr lang="zh-CN" altLang="en-US" dirty="0"/>
+              <a:t>。</a:t>
+            </a:r>
+            <a:endParaRPr lang="en-US" altLang="zh-CN" dirty="0"/>
+          </a:p>
+          <a:p>
+            <a:r>
+              <a:rPr lang="zh-CN" altLang="en-US" dirty="0"/>
+              <a:t>正负样本个数相等，然后用来做</a:t>
+            </a:r>
+            <a:r>
+              <a:rPr lang="en-US" altLang="zh-CN" dirty="0"/>
+              <a:t>link prediction</a:t>
+            </a:r>
+            <a:r>
+              <a:rPr lang="zh-CN" altLang="en-US" dirty="0"/>
+              <a:t>。</a:t>
+            </a:r>
+            <a:endParaRPr lang="en-US" altLang="zh-CN" dirty="0"/>
+          </a:p>
+          <a:p>
+            <a:r>
+              <a:rPr lang="zh-CN" altLang="en-US" dirty="0"/>
+              <a:t>选好的节点对利用</a:t>
+            </a:r>
+            <a:r>
+              <a:rPr lang="en-US" altLang="zh-CN" dirty="0"/>
+              <a:t>operator</a:t>
+            </a:r>
+            <a:r>
+              <a:rPr lang="zh-CN" altLang="en-US" dirty="0"/>
+              <a:t>生成边的</a:t>
+            </a:r>
+            <a:r>
+              <a:rPr lang="en-US" altLang="zh-CN" dirty="0"/>
+              <a:t>features</a:t>
+            </a:r>
+            <a:r>
+              <a:rPr lang="zh-CN" altLang="en-US" dirty="0"/>
+              <a:t>。</a:t>
+            </a:r>
+            <a:endParaRPr lang="en-US" altLang="zh-CN" dirty="0"/>
+          </a:p>
+        </p:txBody>
+      </p:sp>
+      <p:sp>
+        <p:nvSpPr>
+          <p:cNvPr id="4" name="灯片编号占位符 3"/>
+          <p:cNvSpPr>
+            <a:spLocks noGrp="1"/>
+          </p:cNvSpPr>
+          <p:nvPr>
+            <p:ph type="sldNum" sz="quarter" idx="5"/>
+          </p:nvPr>
+        </p:nvSpPr>
+        <p:spPr/>
+        <p:txBody>
+          <a:bodyPr/>
+          <a:lstStyle/>
+          <a:p>
+            <a:fld id="{F0BEF969-9955-4A7A-886D-0A6DC0CB3B66}" type="slidenum">
+              <a:rPr lang="zh-CN" altLang="en-US" smtClean="0"/>
+              <a:t>18</a:t>
+            </a:fld>
+            <a:endParaRPr lang="zh-CN" altLang="en-US"/>
+          </a:p>
+        </p:txBody>
+      </p:sp>
+    </p:spTree>
+    <p:extLst>
+      <p:ext uri="{BB962C8B-B14F-4D97-AF65-F5344CB8AC3E}">
+        <p14:creationId xmlns:p14="http://schemas.microsoft.com/office/powerpoint/2010/main" val="868391438"/>
+      </p:ext>
+    </p:extLst>
+  </p:cSld>
+  <p:clrMapOvr>
+    <a:masterClrMapping/>
+  </p:clrMapOvr>
+</p:notes>
+</file>
+
 <file path=ppt/notesSlides/notesSlide2.xml><?xml version="1.0" encoding="utf-8"?>
 <p:notes xmlns:a="http://schemas.openxmlformats.org/drawingml/2006/main" xmlns:r="http://schemas.openxmlformats.org/officeDocument/2006/relationships" xmlns:p="http://schemas.openxmlformats.org/presentationml/2006/main">
   <p:cSld>
@@ -836,7 +1008,7 @@
     </p:spTree>
     <p:extLst>
       <p:ext uri="{BB962C8B-B14F-4D97-AF65-F5344CB8AC3E}">
-        <p14:creationId xmlns:p14="http://schemas.microsoft.com/office/powerpoint/2010/main" val="3204672105"/>
+        <p14:creationId xmlns:p14="http://schemas.microsoft.com/office/powerpoint/2010/main" val="2427793032"/>
       </p:ext>
     </p:extLst>
   </p:cSld>
@@ -890,7 +1062,14 @@
           <a:bodyPr/>
           <a:lstStyle/>
           <a:p>
-            <a:endParaRPr lang="zh-CN" altLang="en-US" dirty="0"/>
+            <a:r>
+              <a:rPr lang="en-US" altLang="zh-CN" dirty="0"/>
+              <a:t>Encoder</a:t>
+            </a:r>
+            <a:r>
+              <a:rPr lang="zh-CN" altLang="en-US" dirty="0"/>
+              <a:t>就是学习一个矩阵，每行是结点的向量表示</a:t>
+            </a:r>
           </a:p>
         </p:txBody>
       </p:sp>
@@ -911,7 +1090,7 @@
           <a:p>
             <a:fld id="{F0BEF969-9955-4A7A-886D-0A6DC0CB3B66}" type="slidenum">
               <a:rPr lang="zh-CN" altLang="en-US" smtClean="0"/>
-              <a:t>10</a:t>
+              <a:t>6</a:t>
             </a:fld>
             <a:endParaRPr lang="zh-CN" altLang="en-US"/>
           </a:p>
@@ -920,7 +1099,7 @@
     </p:spTree>
     <p:extLst>
       <p:ext uri="{BB962C8B-B14F-4D97-AF65-F5344CB8AC3E}">
-        <p14:creationId xmlns:p14="http://schemas.microsoft.com/office/powerpoint/2010/main" val="2163684871"/>
+        <p14:creationId xmlns:p14="http://schemas.microsoft.com/office/powerpoint/2010/main" val="3204672105"/>
       </p:ext>
     </p:extLst>
   </p:cSld>
@@ -974,28 +1153,7 @@
           <a:bodyPr/>
           <a:lstStyle/>
           <a:p>
-            <a:r>
-              <a:rPr lang="zh-CN" altLang="en-US" dirty="0"/>
-              <a:t>蓝色可能是一些桥梁结点作为</a:t>
-            </a:r>
-            <a:r>
-              <a:rPr lang="en-US" altLang="zh-CN" dirty="0"/>
-              <a:t>novel</a:t>
-            </a:r>
-            <a:r>
-              <a:rPr lang="zh-CN" altLang="en-US" dirty="0"/>
-              <a:t>中的不同</a:t>
-            </a:r>
-            <a:r>
-              <a:rPr lang="en-US" altLang="zh-CN" dirty="0"/>
-              <a:t>sub-plot</a:t>
-            </a:r>
-          </a:p>
-          <a:p>
-            <a:r>
-              <a:rPr lang="zh-CN" altLang="en-US" dirty="0"/>
-              <a:t>黄色代表很小有联系的结点</a:t>
-            </a:r>
+            <a:endParaRPr lang="zh-CN" altLang="en-US" dirty="0"/>
           </a:p>
         </p:txBody>
       </p:sp>
@@ -1016,7 +1174,7 @@
           <a:p>
             <a:fld id="{F0BEF969-9955-4A7A-886D-0A6DC0CB3B66}" type="slidenum">
               <a:rPr lang="zh-CN" altLang="en-US" smtClean="0"/>
-              <a:t>14</a:t>
+              <a:t>10</a:t>
             </a:fld>
             <a:endParaRPr lang="zh-CN" altLang="en-US"/>
           </a:p>
@@ -1025,7 +1183,7 @@
     </p:spTree>
     <p:extLst>
       <p:ext uri="{BB962C8B-B14F-4D97-AF65-F5344CB8AC3E}">
-        <p14:creationId xmlns:p14="http://schemas.microsoft.com/office/powerpoint/2010/main" val="533303251"/>
+        <p14:creationId xmlns:p14="http://schemas.microsoft.com/office/powerpoint/2010/main" val="2163684871"/>
       </p:ext>
     </p:extLst>
   </p:cSld>
@@ -1081,21 +1239,26 @@
           <a:p>
             <a:r>
               <a:rPr lang="zh-CN" altLang="en-US" dirty="0"/>
-              <a:t>分类器是</a:t>
+              <a:t>蓝色可能是一些桥梁结点作为</a:t>
             </a:r>
             <a:r>
               <a:rPr lang="en-US" altLang="zh-CN" dirty="0"/>
-              <a:t>one-vs-rest</a:t>
+              <a:t>novel</a:t>
             </a:r>
             <a:r>
               <a:rPr lang="zh-CN" altLang="en-US" dirty="0"/>
-              <a:t> </a:t>
+              <a:t>中的不同</a:t>
             </a:r>
             <a:r>
               <a:rPr lang="en-US" altLang="zh-CN" dirty="0"/>
-              <a:t>logistic regression with L2 regularization.</a:t>
-            </a:r>
-            <a:endParaRPr lang="zh-CN" altLang="en-US" dirty="0"/>
+              <a:t>sub-plot</a:t>
+            </a:r>
+          </a:p>
+          <a:p>
+            <a:r>
+              <a:rPr lang="zh-CN" altLang="en-US" dirty="0"/>
+              <a:t>黄色代表很小有联系的结点</a:t>
+            </a:r>
           </a:p>
         </p:txBody>
       </p:sp>
@@ -1116,7 +1279,7 @@
           <a:p>
             <a:fld id="{F0BEF969-9955-4A7A-886D-0A6DC0CB3B66}" type="slidenum">
               <a:rPr lang="zh-CN" altLang="en-US" smtClean="0"/>
-              <a:t>15</a:t>
+              <a:t>14</a:t>
             </a:fld>
             <a:endParaRPr lang="zh-CN" altLang="en-US"/>
           </a:p>
@@ -1125,7 +1288,7 @@
     </p:spTree>
     <p:extLst>
       <p:ext uri="{BB962C8B-B14F-4D97-AF65-F5344CB8AC3E}">
-        <p14:creationId xmlns:p14="http://schemas.microsoft.com/office/powerpoint/2010/main" val="3893403186"/>
+        <p14:creationId xmlns:p14="http://schemas.microsoft.com/office/powerpoint/2010/main" val="533303251"/>
       </p:ext>
     </p:extLst>
   </p:cSld>
@@ -1179,6 +1342,22 @@
           <a:bodyPr/>
           <a:lstStyle/>
           <a:p>
+            <a:r>
+              <a:rPr lang="zh-CN" altLang="en-US" dirty="0"/>
+              <a:t>分类器是</a:t>
+            </a:r>
+            <a:r>
+              <a:rPr lang="en-US" altLang="zh-CN" dirty="0"/>
+              <a:t>one-vs-rest</a:t>
+            </a:r>
+            <a:r>
+              <a:rPr lang="zh-CN" altLang="en-US" dirty="0"/>
+              <a:t> </a:t>
+            </a:r>
+            <a:r>
+              <a:rPr lang="en-US" altLang="zh-CN" dirty="0"/>
+              <a:t>logistic regression with L2 regularization.</a:t>
+            </a:r>
             <a:endParaRPr lang="zh-CN" altLang="en-US" dirty="0"/>
           </a:p>
         </p:txBody>
@@ -1200,7 +1379,7 @@
           <a:p>
             <a:fld id="{F0BEF969-9955-4A7A-886D-0A6DC0CB3B66}" type="slidenum">
               <a:rPr lang="zh-CN" altLang="en-US" smtClean="0"/>
-              <a:t>16</a:t>
+              <a:t>15</a:t>
             </a:fld>
             <a:endParaRPr lang="zh-CN" altLang="en-US"/>
           </a:p>
@@ -1209,7 +1388,7 @@
     </p:spTree>
     <p:extLst>
       <p:ext uri="{BB962C8B-B14F-4D97-AF65-F5344CB8AC3E}">
-        <p14:creationId xmlns:p14="http://schemas.microsoft.com/office/powerpoint/2010/main" val="684216524"/>
+        <p14:creationId xmlns:p14="http://schemas.microsoft.com/office/powerpoint/2010/main" val="3893403186"/>
       </p:ext>
     </p:extLst>
   </p:cSld>
@@ -1263,95 +1442,7 @@
           <a:bodyPr/>
           <a:lstStyle/>
           <a:p>
-            <a:r>
-              <a:rPr lang="zh-CN" altLang="en-US" dirty="0"/>
-              <a:t>删除</a:t>
-            </a:r>
-            <a:r>
-              <a:rPr lang="en-US" altLang="zh-CN" dirty="0"/>
-              <a:t>50%</a:t>
-            </a:r>
-            <a:r>
-              <a:rPr lang="zh-CN" altLang="en-US" dirty="0"/>
-              <a:t>的边保持连通性，因为</a:t>
-            </a:r>
-            <a:r>
-              <a:rPr lang="en-US" altLang="zh-CN" dirty="0"/>
-              <a:t>random walk</a:t>
-            </a:r>
-            <a:r>
-              <a:rPr lang="zh-CN" altLang="en-US" dirty="0"/>
-              <a:t>天然基于连通性来采样。</a:t>
-            </a:r>
-            <a:endParaRPr lang="en-US" altLang="zh-CN" dirty="0"/>
-          </a:p>
-          <a:p>
-            <a:r>
-              <a:rPr lang="zh-CN" altLang="en-US" dirty="0"/>
-              <a:t>正样本就是移除的那些边，剩下的边用来</a:t>
-            </a:r>
-            <a:r>
-              <a:rPr lang="en-US" altLang="zh-CN" dirty="0"/>
-              <a:t>node2vec</a:t>
-            </a:r>
-            <a:r>
-              <a:rPr lang="zh-CN" altLang="en-US" dirty="0"/>
-              <a:t>训练得到嵌入。</a:t>
-            </a:r>
-            <a:endParaRPr lang="en-US" altLang="zh-CN" dirty="0"/>
-          </a:p>
-          <a:p>
-            <a:r>
-              <a:rPr lang="zh-CN" altLang="en-US" dirty="0"/>
-              <a:t>负样本就是在原网络中没有边的那些</a:t>
-            </a:r>
-            <a:r>
-              <a:rPr lang="en-US" altLang="zh-CN" dirty="0"/>
-              <a:t>node pair</a:t>
-            </a:r>
-            <a:r>
-              <a:rPr lang="zh-CN" altLang="en-US" dirty="0"/>
-              <a:t>。</a:t>
-            </a:r>
-            <a:endParaRPr lang="en-US" altLang="zh-CN" dirty="0"/>
-          </a:p>
-          <a:p>
-            <a:r>
-              <a:rPr lang="zh-CN" altLang="en-US" dirty="0"/>
-              <a:t>正负样本个数相等，然后用来做</a:t>
-            </a:r>
-            <a:r>
-              <a:rPr lang="en-US" altLang="zh-CN" dirty="0"/>
-              <a:t>link prediction</a:t>
-            </a:r>
-            <a:r>
-              <a:rPr lang="zh-CN" altLang="en-US" dirty="0"/>
-              <a:t>。</a:t>
-            </a:r>
-            <a:endParaRPr lang="en-US" altLang="zh-CN" dirty="0"/>
-          </a:p>
-          <a:p>
-            <a:r>
-              <a:rPr lang="zh-CN" altLang="en-US" dirty="0"/>
-              <a:t>选好的节点对利用</a:t>
-            </a:r>
-            <a:r>
-              <a:rPr lang="en-US" altLang="zh-CN" dirty="0"/>
-              <a:t>operator</a:t>
-            </a:r>
-            <a:r>
-              <a:rPr lang="zh-CN" altLang="en-US" dirty="0"/>
-              <a:t>生成边的</a:t>
-            </a:r>
-            <a:r>
-              <a:rPr lang="en-US" altLang="zh-CN" dirty="0"/>
-              <a:t>features</a:t>
-            </a:r>
-            <a:r>
-              <a:rPr lang="zh-CN" altLang="en-US" dirty="0"/>
-              <a:t>。</a:t>
-            </a:r>
-            <a:endParaRPr lang="en-US" altLang="zh-CN" dirty="0"/>
+            <a:endParaRPr lang="zh-CN" altLang="en-US" dirty="0"/>
           </a:p>
         </p:txBody>
       </p:sp>
@@ -1372,7 +1463,7 @@
           <a:p>
             <a:fld id="{F0BEF969-9955-4A7A-886D-0A6DC0CB3B66}" type="slidenum">
               <a:rPr lang="zh-CN" altLang="en-US" smtClean="0"/>
-              <a:t>18</a:t>
+              <a:t>16</a:t>
             </a:fld>
             <a:endParaRPr lang="zh-CN" altLang="en-US"/>
           </a:p>
@@ -1381,7 +1472,7 @@
     </p:spTree>
     <p:extLst>
       <p:ext uri="{BB962C8B-B14F-4D97-AF65-F5344CB8AC3E}">
-        <p14:creationId xmlns:p14="http://schemas.microsoft.com/office/powerpoint/2010/main" val="868391438"/>
+        <p14:creationId xmlns:p14="http://schemas.microsoft.com/office/powerpoint/2010/main" val="684216524"/>
       </p:ext>
     </p:extLst>
   </p:cSld>
@@ -4365,8 +4456,8 @@
         </p:nvSpPr>
         <p:spPr>
           <a:xfrm>
-            <a:off x="742382" y="1873907"/>
-            <a:ext cx="10463173" cy="1384995"/>
+            <a:off x="443999" y="1657897"/>
+            <a:ext cx="11000439" cy="1384995"/>
           </a:xfrm>
           <a:prstGeom prst="rect">
             <a:avLst/>
@@ -4407,19 +4498,6 @@
               <a:solidFill>
                 <a:prstClr val="black"/>
               </a:solidFill>
-              <a:highlight>
-                <a:srgbClr val="65B7CE"/>
-              </a:highlight>
-              <a:latin typeface="微软雅黑" panose="020B0503020204020204" pitchFamily="34" charset="-122"/>
-              <a:ea typeface="微软雅黑" panose="020B0503020204020204" pitchFamily="34" charset="-122"/>
-              <a:cs typeface="Times New Roman" panose="02020603050405020304" pitchFamily="18" charset="0"/>
-            </a:endParaRPr>
-          </a:p>
-          <a:p>
-            <a:endParaRPr lang="en-US" altLang="zh-CN" sz="2800" dirty="0">
-              <a:solidFill>
-                <a:prstClr val="black"/>
-              </a:solidFill>
               <a:latin typeface="微软雅黑" panose="020B0503020204020204" pitchFamily="34" charset="-122"/>
               <a:ea typeface="微软雅黑" panose="020B0503020204020204" pitchFamily="34" charset="-122"/>
               <a:cs typeface="Times New Roman" panose="02020603050405020304" pitchFamily="18" charset="0"/>
@@ -4513,6 +4591,95 @@
                 <a:cs typeface="Times New Roman" panose="02020603050405020304" pitchFamily="18" charset="0"/>
               </a:rPr>
               <a:t>做内积）</a:t>
+            </a:r>
+            <a:endParaRPr lang="en-US" altLang="zh-CN" sz="2800" dirty="0">
+              <a:solidFill>
+                <a:prstClr val="black"/>
+              </a:solidFill>
+              <a:latin typeface="微软雅黑" panose="020B0503020204020204" pitchFamily="34" charset="-122"/>
+              <a:ea typeface="微软雅黑" panose="020B0503020204020204" pitchFamily="34" charset="-122"/>
+              <a:cs typeface="Times New Roman" panose="02020603050405020304" pitchFamily="18" charset="0"/>
+            </a:endParaRPr>
+          </a:p>
+          <a:p>
+            <a:r>
+              <a:rPr lang="zh-CN" altLang="en-US" sz="2800" dirty="0">
+                <a:solidFill>
+                  <a:prstClr val="black"/>
+                </a:solidFill>
+                <a:latin typeface="微软雅黑" panose="020B0503020204020204" pitchFamily="34" charset="-122"/>
+                <a:ea typeface="微软雅黑" panose="020B0503020204020204" pitchFamily="34" charset="-122"/>
+                <a:cs typeface="Times New Roman" panose="02020603050405020304" pitchFamily="18" charset="0"/>
+              </a:rPr>
+              <a:t>或者说在嵌入空间中的</a:t>
+            </a:r>
+            <a:r>
+              <a:rPr lang="zh-CN" altLang="en-US" sz="2800" dirty="0">
+                <a:solidFill>
+                  <a:schemeClr val="accent1"/>
+                </a:solidFill>
+                <a:latin typeface="微软雅黑" panose="020B0503020204020204" pitchFamily="34" charset="-122"/>
+                <a:ea typeface="微软雅黑" panose="020B0503020204020204" pitchFamily="34" charset="-122"/>
+                <a:cs typeface="Times New Roman" panose="02020603050405020304" pitchFamily="18" charset="0"/>
+              </a:rPr>
+              <a:t>几何关系</a:t>
+            </a:r>
+            <a:r>
+              <a:rPr lang="zh-CN" altLang="en-US" sz="2800" dirty="0">
+                <a:solidFill>
+                  <a:prstClr val="black"/>
+                </a:solidFill>
+                <a:latin typeface="微软雅黑" panose="020B0503020204020204" pitchFamily="34" charset="-122"/>
+                <a:ea typeface="微软雅黑" panose="020B0503020204020204" pitchFamily="34" charset="-122"/>
+                <a:cs typeface="Times New Roman" panose="02020603050405020304" pitchFamily="18" charset="0"/>
+              </a:rPr>
+              <a:t>和原网络中的</a:t>
+            </a:r>
+            <a:r>
+              <a:rPr lang="zh-CN" altLang="en-US" sz="2800" dirty="0">
+                <a:solidFill>
+                  <a:srgbClr val="C00000"/>
+                </a:solidFill>
+                <a:latin typeface="微软雅黑" panose="020B0503020204020204" pitchFamily="34" charset="-122"/>
+                <a:ea typeface="微软雅黑" panose="020B0503020204020204" pitchFamily="34" charset="-122"/>
+                <a:cs typeface="Times New Roman" panose="02020603050405020304" pitchFamily="18" charset="0"/>
+              </a:rPr>
+              <a:t>关系</a:t>
+            </a:r>
+            <a:r>
+              <a:rPr lang="zh-CN" altLang="en-US" sz="2800" dirty="0">
+                <a:latin typeface="微软雅黑" panose="020B0503020204020204" pitchFamily="34" charset="-122"/>
+                <a:ea typeface="微软雅黑" panose="020B0503020204020204" pitchFamily="34" charset="-122"/>
+                <a:cs typeface="Times New Roman" panose="02020603050405020304" pitchFamily="18" charset="0"/>
+              </a:rPr>
+              <a:t>（</a:t>
+            </a:r>
+            <a:r>
+              <a:rPr lang="en-US" altLang="zh-CN" sz="2800" dirty="0">
+                <a:latin typeface="微软雅黑" panose="020B0503020204020204" pitchFamily="34" charset="-122"/>
+                <a:ea typeface="微软雅黑" panose="020B0503020204020204" pitchFamily="34" charset="-122"/>
+                <a:cs typeface="Times New Roman" panose="02020603050405020304" pitchFamily="18" charset="0"/>
+              </a:rPr>
+              <a:t>e.g., </a:t>
+            </a:r>
+            <a:r>
+              <a:rPr lang="zh-CN" altLang="en-US" sz="2800" dirty="0">
+                <a:latin typeface="微软雅黑" panose="020B0503020204020204" pitchFamily="34" charset="-122"/>
+                <a:ea typeface="微软雅黑" panose="020B0503020204020204" pitchFamily="34" charset="-122"/>
+                <a:cs typeface="Times New Roman" panose="02020603050405020304" pitchFamily="18" charset="0"/>
+              </a:rPr>
+              <a:t>边）</a:t>
+            </a:r>
+            <a:r>
+              <a:rPr lang="zh-CN" altLang="en-US" sz="2800" dirty="0">
+                <a:solidFill>
+                  <a:prstClr val="black"/>
+                </a:solidFill>
+                <a:latin typeface="微软雅黑" panose="020B0503020204020204" pitchFamily="34" charset="-122"/>
+                <a:ea typeface="微软雅黑" panose="020B0503020204020204" pitchFamily="34" charset="-122"/>
+                <a:cs typeface="Times New Roman" panose="02020603050405020304" pitchFamily="18" charset="0"/>
+              </a:rPr>
+              <a:t>对应</a:t>
             </a:r>
             <a:endParaRPr lang="zh-CN" altLang="en-US" sz="1400" dirty="0">
               <a:latin typeface="微软雅黑" panose="020B0503020204020204" pitchFamily="34" charset="-122"/>
@@ -4915,8 +5082,8 @@
           </a:prstGeom>
         </p:spPr>
       </p:pic>
-      <mc:AlternateContent xmlns:mc="http://schemas.openxmlformats.org/markup-compatibility/2006">
-        <mc:Choice xmlns:a14="http://schemas.microsoft.com/office/drawing/2010/main" Requires="a14">
+      <mc:AlternateContent xmlns:mc="http://schemas.openxmlformats.org/markup-compatibility/2006" xmlns:a14="http://schemas.microsoft.com/office/drawing/2010/main">
+        <mc:Choice Requires="a14">
           <p:sp>
             <p:nvSpPr>
               <p:cNvPr id="11" name="矩形 10">
@@ -5157,7 +5324,7 @@
             </p:txBody>
           </p:sp>
         </mc:Choice>
-        <mc:Fallback>
+        <mc:Fallback xmlns="">
           <p:sp>
             <p:nvSpPr>
               <p:cNvPr id="11" name="矩形 10">
@@ -5202,8 +5369,8 @@
           </p:sp>
         </mc:Fallback>
       </mc:AlternateContent>
-      <mc:AlternateContent xmlns:mc="http://schemas.openxmlformats.org/markup-compatibility/2006">
-        <mc:Choice xmlns:a14="http://schemas.microsoft.com/office/drawing/2010/main" Requires="a14">
+      <mc:AlternateContent xmlns:mc="http://schemas.openxmlformats.org/markup-compatibility/2006" xmlns:a14="http://schemas.microsoft.com/office/drawing/2010/main">
+        <mc:Choice Requires="a14">
           <p:sp>
             <p:nvSpPr>
               <p:cNvPr id="15" name="矩形 14">
@@ -5376,6 +5543,7 @@
                 </a:endParaRPr>
               </a:p>
               <a:p>
+                <a:pPr/>
                 <a14:m>
                   <m:oMathPara xmlns:m="http://schemas.openxmlformats.org/officeDocument/2006/math">
                     <m:oMathParaPr>
@@ -5448,31 +5616,7 @@
                         <a:rPr lang="en-US" altLang="zh-CN" sz="2400" i="1">
                           <a:latin typeface="Cambria Math" panose="02040503050406030204" pitchFamily="18" charset="0"/>
                         </a:rPr>
-                        <m:t>,</m:t>
-                      </m:r>
-                      <m:r>
-                        <a:rPr lang="en-US" altLang="zh-CN" sz="2400" i="1">
-                          <a:latin typeface="Cambria Math" panose="02040503050406030204" pitchFamily="18" charset="0"/>
-                        </a:rPr>
-                        <m:t>·</m:t>
-                      </m:r>
-                      <m:r>
-                        <a:rPr lang="en-US" altLang="zh-CN" sz="2400" i="1">
-                          <a:latin typeface="Cambria Math" panose="02040503050406030204" pitchFamily="18" charset="0"/>
-                        </a:rPr>
-                        <m:t>·</m:t>
-                      </m:r>
-                      <m:r>
-                        <a:rPr lang="en-US" altLang="zh-CN" sz="2400" i="1">
-                          <a:latin typeface="Cambria Math" panose="02040503050406030204" pitchFamily="18" charset="0"/>
-                        </a:rPr>
-                        <m:t>·</m:t>
-                      </m:r>
-                      <m:r>
-                        <a:rPr lang="en-US" altLang="zh-CN" sz="2400" i="1">
-                          <a:latin typeface="Cambria Math" panose="02040503050406030204" pitchFamily="18" charset="0"/>
-                        </a:rPr>
-                        <m:t>,</m:t>
+                        <m:t>,···,</m:t>
                       </m:r>
                       <m:sSub>
                         <m:sSubPr>
@@ -5533,6 +5677,7 @@
                 </a:endParaRPr>
               </a:p>
               <a:p>
+                <a:pPr/>
                 <a14:m>
                   <m:oMathPara xmlns:m="http://schemas.openxmlformats.org/officeDocument/2006/math">
                     <m:oMathParaPr>
@@ -6001,7 +6146,7 @@
             </p:txBody>
           </p:sp>
         </mc:Choice>
-        <mc:Fallback>
+        <mc:Fallback xmlns="">
           <p:sp>
             <p:nvSpPr>
               <p:cNvPr id="15" name="矩形 14">
@@ -10550,7 +10695,7 @@
         <p:spPr>
           <a:xfrm>
             <a:off x="106638" y="326480"/>
-            <a:ext cx="4339650" cy="923330"/>
+            <a:ext cx="7515199" cy="923330"/>
           </a:xfrm>
           <a:prstGeom prst="rect">
             <a:avLst/>
@@ -10571,7 +10716,29 @@
                 <a:ea typeface="微软雅黑" panose="020B0503020204020204" pitchFamily="34" charset="-122"/>
                 <a:cs typeface="Times New Roman" panose="02020603050405020304" pitchFamily="18" charset="0"/>
               </a:rPr>
-              <a:t>学习结点嵌入</a:t>
+              <a:t>学习结点嵌入的</a:t>
+            </a:r>
+            <a:r>
+              <a:rPr lang="en-US" altLang="zh-CN" sz="5400" dirty="0">
+                <a:solidFill>
+                  <a:srgbClr val="FCFCFF"/>
+                </a:solidFill>
+                <a:latin typeface="微软雅黑" panose="020B0503020204020204" pitchFamily="34" charset="-122"/>
+                <a:ea typeface="微软雅黑" panose="020B0503020204020204" pitchFamily="34" charset="-122"/>
+                <a:cs typeface="Times New Roman" panose="02020603050405020304" pitchFamily="18" charset="0"/>
+              </a:rPr>
+              <a:t>4</a:t>
+            </a:r>
+            <a:r>
+              <a:rPr lang="zh-CN" altLang="en-US" sz="5400" dirty="0">
+                <a:solidFill>
+                  <a:srgbClr val="FCFCFF"/>
+                </a:solidFill>
+                <a:latin typeface="微软雅黑" panose="020B0503020204020204" pitchFamily="34" charset="-122"/>
+                <a:ea typeface="微软雅黑" panose="020B0503020204020204" pitchFamily="34" charset="-122"/>
+                <a:cs typeface="Times New Roman" panose="02020603050405020304" pitchFamily="18" charset="0"/>
+              </a:rPr>
+              <a:t>个部分</a:t>
             </a:r>
             <a:endParaRPr lang="zh-CN" altLang="en-US" sz="5400" dirty="0">
               <a:solidFill>
@@ -10583,8 +10750,8 @@
           </a:p>
         </p:txBody>
       </p:sp>
-      <mc:AlternateContent xmlns:mc="http://schemas.openxmlformats.org/markup-compatibility/2006">
-        <mc:Choice xmlns:a14="http://schemas.microsoft.com/office/drawing/2010/main" Requires="a14">
+      <mc:AlternateContent xmlns:mc="http://schemas.openxmlformats.org/markup-compatibility/2006" xmlns:a14="http://schemas.microsoft.com/office/drawing/2010/main">
+        <mc:Choice Requires="a14">
           <p:sp>
             <p:nvSpPr>
               <p:cNvPr id="8" name="矩形 7">
@@ -10755,7 +10922,7 @@
                     <m:sSub>
                       <m:sSubPr>
                         <m:ctrlPr>
-                          <a:rPr lang="en-US" altLang="zh-CN" sz="2800" b="0" i="0" dirty="0" smtClean="0">
+                          <a:rPr lang="en-US" altLang="zh-CN" sz="2800" b="0" i="1" dirty="0" smtClean="0">
                             <a:solidFill>
                               <a:prstClr val="black"/>
                             </a:solidFill>
@@ -10840,7 +11007,7 @@
             </p:txBody>
           </p:sp>
         </mc:Choice>
-        <mc:Fallback>
+        <mc:Fallback xmlns="">
           <p:sp>
             <p:nvSpPr>
               <p:cNvPr id="8" name="矩形 7">
@@ -10885,8 +11052,8 @@
           </p:sp>
         </mc:Fallback>
       </mc:AlternateContent>
-      <mc:AlternateContent xmlns:mc="http://schemas.openxmlformats.org/markup-compatibility/2006">
-        <mc:Choice xmlns:a14="http://schemas.microsoft.com/office/drawing/2010/main" Requires="a14">
+      <mc:AlternateContent xmlns:mc="http://schemas.openxmlformats.org/markup-compatibility/2006" xmlns:a14="http://schemas.microsoft.com/office/drawing/2010/main">
+        <mc:Choice Requires="a14">
           <p:sp>
             <p:nvSpPr>
               <p:cNvPr id="10" name="矩形 9">
@@ -11002,7 +11169,7 @@
             </p:txBody>
           </p:sp>
         </mc:Choice>
-        <mc:Fallback>
+        <mc:Fallback xmlns="">
           <p:sp>
             <p:nvSpPr>
               <p:cNvPr id="10" name="矩形 9">
@@ -11047,8 +11214,8 @@
           </p:sp>
         </mc:Fallback>
       </mc:AlternateContent>
-      <mc:AlternateContent xmlns:mc="http://schemas.openxmlformats.org/markup-compatibility/2006">
-        <mc:Choice xmlns:a14="http://schemas.microsoft.com/office/drawing/2010/main" Requires="a14">
+      <mc:AlternateContent xmlns:mc="http://schemas.openxmlformats.org/markup-compatibility/2006" xmlns:a14="http://schemas.microsoft.com/office/drawing/2010/main">
+        <mc:Choice Requires="a14">
           <p:sp>
             <p:nvSpPr>
               <p:cNvPr id="11" name="矩形 10">
@@ -11076,6 +11243,7 @@
               </a:bodyPr>
               <a:lstStyle/>
               <a:p>
+                <a:pPr/>
                 <a14:m>
                   <m:oMathPara xmlns:m="http://schemas.openxmlformats.org/officeDocument/2006/math">
                     <m:oMathParaPr>
@@ -11129,7 +11297,7 @@
                       <m:sSub>
                         <m:sSubPr>
                           <m:ctrlPr>
-                            <a:rPr lang="en-US" altLang="zh-CN" sz="2800" b="1" i="0" dirty="0" smtClean="0">
+                            <a:rPr lang="en-US" altLang="zh-CN" sz="2800" b="1" i="1" dirty="0" smtClean="0">
                               <a:solidFill>
                                 <a:prstClr val="black"/>
                               </a:solidFill>
@@ -11171,7 +11339,7 @@
             </p:txBody>
           </p:sp>
         </mc:Choice>
-        <mc:Fallback>
+        <mc:Fallback xmlns="">
           <p:sp>
             <p:nvSpPr>
               <p:cNvPr id="11" name="矩形 10">
@@ -11293,8 +11461,8 @@
           </a:p>
         </p:txBody>
       </p:sp>
-      <mc:AlternateContent xmlns:mc="http://schemas.openxmlformats.org/markup-compatibility/2006">
-        <mc:Choice xmlns:a14="http://schemas.microsoft.com/office/drawing/2010/main" Requires="a14">
+      <mc:AlternateContent xmlns:mc="http://schemas.openxmlformats.org/markup-compatibility/2006" xmlns:a14="http://schemas.microsoft.com/office/drawing/2010/main">
+        <mc:Choice Requires="a14">
           <p:sp>
             <p:nvSpPr>
               <p:cNvPr id="16" name="矩形 15">
@@ -11478,7 +11646,7 @@
             </p:txBody>
           </p:sp>
         </mc:Choice>
-        <mc:Fallback>
+        <mc:Fallback xmlns="">
           <p:sp>
             <p:nvSpPr>
               <p:cNvPr id="16" name="矩形 15">
@@ -11523,8 +11691,8 @@
           </p:sp>
         </mc:Fallback>
       </mc:AlternateContent>
-      <mc:AlternateContent xmlns:mc="http://schemas.openxmlformats.org/markup-compatibility/2006">
-        <mc:Choice xmlns:a14="http://schemas.microsoft.com/office/drawing/2010/main" Requires="a14">
+      <mc:AlternateContent xmlns:mc="http://schemas.openxmlformats.org/markup-compatibility/2006" xmlns:a14="http://schemas.microsoft.com/office/drawing/2010/main">
+        <mc:Choice Requires="a14">
           <p:sp>
             <p:nvSpPr>
               <p:cNvPr id="19" name="矩形 18">
@@ -11644,7 +11812,7 @@
             </p:txBody>
           </p:sp>
         </mc:Choice>
-        <mc:Fallback>
+        <mc:Fallback xmlns="">
           <p:sp>
             <p:nvSpPr>
               <p:cNvPr id="19" name="矩形 18">
@@ -11689,8 +11857,8 @@
           </p:sp>
         </mc:Fallback>
       </mc:AlternateContent>
-      <mc:AlternateContent xmlns:mc="http://schemas.openxmlformats.org/markup-compatibility/2006">
-        <mc:Choice xmlns:a14="http://schemas.microsoft.com/office/drawing/2010/main" Requires="a14">
+      <mc:AlternateContent xmlns:mc="http://schemas.openxmlformats.org/markup-compatibility/2006" xmlns:a14="http://schemas.microsoft.com/office/drawing/2010/main">
+        <mc:Choice Requires="a14">
           <p:sp>
             <p:nvSpPr>
               <p:cNvPr id="22" name="矩形 21">
@@ -11718,6 +11886,7 @@
               </a:bodyPr>
               <a:lstStyle/>
               <a:p>
+                <a:pPr/>
                 <a14:m>
                   <m:oMathPara xmlns:m="http://schemas.openxmlformats.org/officeDocument/2006/math">
                     <m:oMathParaPr>
@@ -11845,7 +12014,7 @@
             </p:txBody>
           </p:sp>
         </mc:Choice>
-        <mc:Fallback>
+        <mc:Fallback xmlns="">
           <p:sp>
             <p:nvSpPr>
               <p:cNvPr id="22" name="矩形 21">
@@ -11890,8 +12059,8 @@
           </p:sp>
         </mc:Fallback>
       </mc:AlternateContent>
-      <mc:AlternateContent xmlns:mc="http://schemas.openxmlformats.org/markup-compatibility/2006">
-        <mc:Choice xmlns:a14="http://schemas.microsoft.com/office/drawing/2010/main" Requires="a14">
+      <mc:AlternateContent xmlns:mc="http://schemas.openxmlformats.org/markup-compatibility/2006" xmlns:a14="http://schemas.microsoft.com/office/drawing/2010/main">
+        <mc:Choice Requires="a14">
           <p:sp>
             <p:nvSpPr>
               <p:cNvPr id="23" name="矩形 22">
@@ -11919,6 +12088,7 @@
               </a:bodyPr>
               <a:lstStyle/>
               <a:p>
+                <a:pPr/>
                 <a14:m>
                   <m:oMathPara xmlns:m="http://schemas.openxmlformats.org/officeDocument/2006/math">
                     <m:oMathParaPr>
@@ -12078,7 +12248,7 @@
             </p:txBody>
           </p:sp>
         </mc:Choice>
-        <mc:Fallback>
+        <mc:Fallback xmlns="">
           <p:sp>
             <p:nvSpPr>
               <p:cNvPr id="23" name="矩形 22">
@@ -12279,8 +12449,8 @@
           </a:p>
         </p:txBody>
       </p:sp>
-      <mc:AlternateContent xmlns:mc="http://schemas.openxmlformats.org/markup-compatibility/2006">
-        <mc:Choice xmlns:a14="http://schemas.microsoft.com/office/drawing/2010/main" Requires="a14">
+      <mc:AlternateContent xmlns:mc="http://schemas.openxmlformats.org/markup-compatibility/2006" xmlns:a14="http://schemas.microsoft.com/office/drawing/2010/main">
+        <mc:Choice Requires="a14">
           <p:sp>
             <p:nvSpPr>
               <p:cNvPr id="30" name="矩形 29">
@@ -12308,6 +12478,7 @@
               </a:bodyPr>
               <a:lstStyle/>
               <a:p>
+                <a:pPr/>
                 <a14:m>
                   <m:oMathPara xmlns:m="http://schemas.openxmlformats.org/officeDocument/2006/math">
                     <m:oMathParaPr>
@@ -12516,7 +12687,7 @@
             </p:txBody>
           </p:sp>
         </mc:Choice>
-        <mc:Fallback>
+        <mc:Fallback xmlns="">
           <p:sp>
             <p:nvSpPr>
               <p:cNvPr id="30" name="矩形 29">
@@ -12888,7 +13059,7 @@
         </p:nvSpPr>
         <p:spPr>
           <a:xfrm>
-            <a:off x="0" y="0"/>
+            <a:off x="0" y="-28876"/>
             <a:ext cx="12192000" cy="1439334"/>
           </a:xfrm>
           <a:prstGeom prst="rect">
@@ -12942,7 +13113,7 @@
         <p:spPr>
           <a:xfrm>
             <a:off x="106638" y="326480"/>
-            <a:ext cx="4339650" cy="923330"/>
+            <a:ext cx="6266844" cy="923330"/>
           </a:xfrm>
           <a:prstGeom prst="rect">
             <a:avLst/>
@@ -12955,7 +13126,7 @@
           <a:lstStyle/>
           <a:p>
             <a:r>
-              <a:rPr lang="zh-CN" altLang="en-US" sz="5400" dirty="0">
+              <a:rPr lang="en-US" altLang="zh-CN" sz="5400" dirty="0">
                 <a:solidFill>
                   <a:srgbClr val="FCFCFF"/>
                 </a:solidFill>
@@ -12963,7 +13134,7 @@
                 <a:ea typeface="微软雅黑" panose="020B0503020204020204" pitchFamily="34" charset="-122"/>
                 <a:cs typeface="Times New Roman" panose="02020603050405020304" pitchFamily="18" charset="0"/>
               </a:rPr>
-              <a:t>学习结点嵌入</a:t>
+              <a:t>Objective function</a:t>
             </a:r>
             <a:endParaRPr lang="zh-CN" altLang="en-US" sz="5400" dirty="0">
               <a:solidFill>
@@ -13057,8 +13228,8 @@
           </a:p>
         </p:txBody>
       </p:sp>
-      <mc:AlternateContent xmlns:mc="http://schemas.openxmlformats.org/markup-compatibility/2006">
-        <mc:Choice xmlns:a14="http://schemas.microsoft.com/office/drawing/2010/main" Requires="a14">
+      <mc:AlternateContent xmlns:mc="http://schemas.openxmlformats.org/markup-compatibility/2006" xmlns:a14="http://schemas.microsoft.com/office/drawing/2010/main">
+        <mc:Choice Requires="a14">
           <p:sp>
             <p:nvSpPr>
               <p:cNvPr id="31" name="矩形 30">
@@ -13086,6 +13257,7 @@
               </a:bodyPr>
               <a:lstStyle/>
               <a:p>
+                <a:pPr/>
                 <a14:m>
                   <m:oMathPara xmlns:m="http://schemas.openxmlformats.org/officeDocument/2006/math">
                     <m:oMathParaPr>
@@ -13371,7 +13543,7 @@
             </p:txBody>
           </p:sp>
         </mc:Choice>
-        <mc:Fallback>
+        <mc:Fallback xmlns="">
           <p:sp>
             <p:nvSpPr>
               <p:cNvPr id="31" name="矩形 30">
@@ -13416,8 +13588,8 @@
           </p:sp>
         </mc:Fallback>
       </mc:AlternateContent>
-      <mc:AlternateContent xmlns:mc="http://schemas.openxmlformats.org/markup-compatibility/2006">
-        <mc:Choice xmlns:a14="http://schemas.microsoft.com/office/drawing/2010/main" Requires="a14">
+      <mc:AlternateContent xmlns:mc="http://schemas.openxmlformats.org/markup-compatibility/2006" xmlns:a14="http://schemas.microsoft.com/office/drawing/2010/main">
+        <mc:Choice Requires="a14">
           <p:sp>
             <p:nvSpPr>
               <p:cNvPr id="46" name="文本框 45">
@@ -13446,6 +13618,7 @@
               </a:bodyPr>
               <a:lstStyle/>
               <a:p>
+                <a:pPr/>
                 <a14:m>
                   <m:oMathPara xmlns:m="http://schemas.openxmlformats.org/officeDocument/2006/math">
                     <m:oMathParaPr>
@@ -13471,7 +13644,7 @@
                           <m:grow m:val="on"/>
                           <m:supHide m:val="on"/>
                           <m:ctrlPr>
-                            <a:rPr lang="zh-CN" altLang="en-US" sz="2800" dirty="0" smtClean="0">
+                            <a:rPr lang="zh-CN" altLang="en-US" sz="2800" i="1" dirty="0" smtClean="0">
                               <a:latin typeface="Cambria Math" panose="02040503050406030204" pitchFamily="18" charset="0"/>
                             </a:rPr>
                           </m:ctrlPr>
@@ -13661,7 +13834,7 @@
             </p:txBody>
           </p:sp>
         </mc:Choice>
-        <mc:Fallback>
+        <mc:Fallback xmlns="">
           <p:sp>
             <p:nvSpPr>
               <p:cNvPr id="46" name="文本框 45">
@@ -13745,8 +13918,8 @@
           </a:p>
         </p:txBody>
       </p:sp>
-      <mc:AlternateContent xmlns:mc="http://schemas.openxmlformats.org/markup-compatibility/2006">
-        <mc:Choice xmlns:a14="http://schemas.microsoft.com/office/drawing/2010/main" Requires="a14">
+      <mc:AlternateContent xmlns:mc="http://schemas.openxmlformats.org/markup-compatibility/2006" xmlns:a14="http://schemas.microsoft.com/office/drawing/2010/main">
+        <mc:Choice Requires="a14">
           <p:sp>
             <p:nvSpPr>
               <p:cNvPr id="50" name="矩形 49">
@@ -13774,7 +13947,6 @@
               </a:bodyPr>
               <a:lstStyle/>
               <a:p>
-                <a:pPr/>
                 <a14:m>
                   <m:oMath xmlns:m="http://schemas.openxmlformats.org/officeDocument/2006/math">
                     <m:r>
@@ -13889,7 +14061,6 @@
                 </a:endParaRPr>
               </a:p>
               <a:p>
-                <a:pPr/>
                 <a:r>
                   <a:rPr lang="zh-CN" altLang="en-US" sz="2800" dirty="0">
                     <a:latin typeface="微软雅黑" panose="020B0503020204020204" pitchFamily="34" charset="-122"/>
@@ -13903,7 +14074,6 @@
                 </a:endParaRPr>
               </a:p>
               <a:p>
-                <a:pPr/>
                 <a:r>
                   <a:rPr lang="zh-CN" altLang="en-US" sz="2800" dirty="0">
                     <a:latin typeface="微软雅黑" panose="020B0503020204020204" pitchFamily="34" charset="-122"/>
@@ -13931,7 +14101,6 @@
                 </a:endParaRPr>
               </a:p>
               <a:p>
-                <a:pPr/>
                 <a:r>
                   <a:rPr lang="zh-CN" altLang="en-US" sz="2800" dirty="0">
                     <a:latin typeface="微软雅黑" panose="020B0503020204020204" pitchFamily="34" charset="-122"/>
@@ -13961,7 +14130,7 @@
             </p:txBody>
           </p:sp>
         </mc:Choice>
-        <mc:Fallback>
+        <mc:Fallback xmlns="">
           <p:sp>
             <p:nvSpPr>
               <p:cNvPr id="50" name="矩形 49">
@@ -14091,8 +14260,8 @@
           </a:fontRef>
         </p:style>
       </p:cxnSp>
-      <mc:AlternateContent xmlns:mc="http://schemas.openxmlformats.org/markup-compatibility/2006">
-        <mc:Choice xmlns:a14="http://schemas.microsoft.com/office/drawing/2010/main" Requires="a14">
+      <mc:AlternateContent xmlns:mc="http://schemas.openxmlformats.org/markup-compatibility/2006" xmlns:a14="http://schemas.microsoft.com/office/drawing/2010/main">
+        <mc:Choice Requires="a14">
           <p:sp>
             <p:nvSpPr>
               <p:cNvPr id="57" name="矩形 56">
@@ -14155,7 +14324,7 @@
             </p:txBody>
           </p:sp>
         </mc:Choice>
-        <mc:Fallback>
+        <mc:Fallback xmlns="">
           <p:sp>
             <p:nvSpPr>
               <p:cNvPr id="57" name="矩形 56">
@@ -14359,7 +14528,7 @@
         <p:spPr>
           <a:xfrm>
             <a:off x="106638" y="326480"/>
-            <a:ext cx="5650906" cy="923330"/>
+            <a:ext cx="2880917" cy="923330"/>
           </a:xfrm>
           <a:prstGeom prst="rect">
             <a:avLst/>
@@ -14380,7 +14549,7 @@
                 <a:ea typeface="微软雅黑" panose="020B0503020204020204" pitchFamily="34" charset="-122"/>
                 <a:cs typeface="Times New Roman" panose="02020603050405020304" pitchFamily="18" charset="0"/>
               </a:rPr>
-              <a:t>Shallow Encoder</a:t>
+              <a:t>Encoder</a:t>
             </a:r>
             <a:endParaRPr lang="zh-CN" altLang="en-US" sz="5400" dirty="0">
               <a:solidFill>
@@ -14392,8 +14561,8 @@
           </a:p>
         </p:txBody>
       </p:sp>
-      <mc:AlternateContent xmlns:mc="http://schemas.openxmlformats.org/markup-compatibility/2006">
-        <mc:Choice xmlns:a14="http://schemas.microsoft.com/office/drawing/2010/main" Requires="a14">
+      <mc:AlternateContent xmlns:mc="http://schemas.openxmlformats.org/markup-compatibility/2006" xmlns:a14="http://schemas.microsoft.com/office/drawing/2010/main">
+        <mc:Choice Requires="a14">
           <p:sp>
             <p:nvSpPr>
               <p:cNvPr id="18" name="矩形 17">
@@ -14421,6 +14590,7 @@
               </a:bodyPr>
               <a:lstStyle/>
               <a:p>
+                <a:pPr/>
                 <a14:m>
                   <m:oMathPara xmlns:m="http://schemas.openxmlformats.org/officeDocument/2006/math">
                     <m:oMathParaPr>
@@ -14474,7 +14644,7 @@
                       <m:sSub>
                         <m:sSubPr>
                           <m:ctrlPr>
-                            <a:rPr lang="en-US" altLang="zh-CN" sz="2800" b="1" i="0" dirty="0" smtClean="0">
+                            <a:rPr lang="en-US" altLang="zh-CN" sz="2800" b="1" i="1" dirty="0" smtClean="0">
                               <a:solidFill>
                                 <a:prstClr val="black"/>
                               </a:solidFill>
@@ -14552,7 +14722,7 @@
             </p:txBody>
           </p:sp>
         </mc:Choice>
-        <mc:Fallback>
+        <mc:Fallback xmlns="">
           <p:sp>
             <p:nvSpPr>
               <p:cNvPr id="18" name="矩形 17">
@@ -14612,7 +14782,7 @@
         <p:spPr>
           <a:xfrm>
             <a:off x="394760" y="1765814"/>
-            <a:ext cx="11617283" cy="523220"/>
+            <a:ext cx="11232562" cy="523220"/>
           </a:xfrm>
           <a:prstGeom prst="rect">
             <a:avLst/>
@@ -14633,7 +14803,7 @@
                 <a:ea typeface="微软雅黑" panose="020B0503020204020204" pitchFamily="34" charset="-122"/>
                 <a:cs typeface="Times New Roman" panose="02020603050405020304" pitchFamily="18" charset="0"/>
               </a:rPr>
-              <a:t>Shallow embedding</a:t>
+              <a:t>Shallow encoding</a:t>
             </a:r>
             <a:r>
               <a:rPr lang="en-US" altLang="zh-CN" sz="2800" dirty="0">
@@ -14727,8 +14897,8 @@
           </a:p>
         </p:txBody>
       </p:sp>
-      <mc:AlternateContent xmlns:mc="http://schemas.openxmlformats.org/markup-compatibility/2006">
-        <mc:Choice xmlns:a14="http://schemas.microsoft.com/office/drawing/2010/main" Requires="a14">
+      <mc:AlternateContent xmlns:mc="http://schemas.openxmlformats.org/markup-compatibility/2006" xmlns:a14="http://schemas.microsoft.com/office/drawing/2010/main">
+        <mc:Choice Requires="a14">
           <p:sp>
             <p:nvSpPr>
               <p:cNvPr id="6" name="矩形 5">
@@ -14931,7 +15101,7 @@
             </p:txBody>
           </p:sp>
         </mc:Choice>
-        <mc:Fallback>
+        <mc:Fallback xmlns="">
           <p:sp>
             <p:nvSpPr>
               <p:cNvPr id="6" name="矩形 5">
@@ -14976,8 +15146,8 @@
           </p:sp>
         </mc:Fallback>
       </mc:AlternateContent>
-      <mc:AlternateContent xmlns:mc="http://schemas.openxmlformats.org/markup-compatibility/2006">
-        <mc:Choice xmlns:a14="http://schemas.microsoft.com/office/drawing/2010/main" Requires="a14">
+      <mc:AlternateContent xmlns:mc="http://schemas.openxmlformats.org/markup-compatibility/2006" xmlns:a14="http://schemas.microsoft.com/office/drawing/2010/main">
+        <mc:Choice Requires="a14">
           <p:sp>
             <p:nvSpPr>
               <p:cNvPr id="15" name="矩形 14">
@@ -15028,7 +15198,7 @@
                     <m:sSup>
                       <m:sSupPr>
                         <m:ctrlPr>
-                          <a:rPr lang="en-US" altLang="zh-CN" sz="2800" b="1" dirty="0" smtClean="0">
+                          <a:rPr lang="en-US" altLang="zh-CN" sz="2800" b="1" i="1" dirty="0" smtClean="0">
                             <a:solidFill>
                               <a:prstClr val="black"/>
                             </a:solidFill>
@@ -15173,7 +15343,7 @@
             </p:txBody>
           </p:sp>
         </mc:Choice>
-        <mc:Fallback>
+        <mc:Fallback xmlns="">
           <p:sp>
             <p:nvSpPr>
               <p:cNvPr id="15" name="矩形 14">
@@ -15346,7 +15516,7 @@
         <p:spPr>
           <a:xfrm>
             <a:off x="106638" y="326480"/>
-            <a:ext cx="6678431" cy="923330"/>
+            <a:ext cx="3869521" cy="923330"/>
           </a:xfrm>
           <a:prstGeom prst="rect">
             <a:avLst/>
@@ -15359,17 +15529,6 @@
           <a:lstStyle/>
           <a:p>
             <a:r>
-              <a:rPr lang="zh-CN" altLang="en-US" sz="5400" dirty="0">
-                <a:solidFill>
-                  <a:srgbClr val="FCFCFF"/>
-                </a:solidFill>
-                <a:latin typeface="微软雅黑" panose="020B0503020204020204" pitchFamily="34" charset="-122"/>
-                <a:ea typeface="微软雅黑" panose="020B0503020204020204" pitchFamily="34" charset="-122"/>
-                <a:cs typeface="Times New Roman" panose="02020603050405020304" pitchFamily="18" charset="0"/>
-              </a:rPr>
-              <a:t>编码器</a:t>
-            </a:r>
-            <a:r>
               <a:rPr lang="en-US" altLang="zh-CN" sz="5400" dirty="0">
                 <a:solidFill>
                   <a:srgbClr val="FCFCFF"/>
@@ -15378,18 +15537,7 @@
                 <a:ea typeface="微软雅黑" panose="020B0503020204020204" pitchFamily="34" charset="-122"/>
                 <a:cs typeface="Times New Roman" panose="02020603050405020304" pitchFamily="18" charset="0"/>
               </a:rPr>
-              <a:t>—</a:t>
-            </a:r>
-            <a:r>
-              <a:rPr lang="zh-CN" altLang="en-US" sz="5400" dirty="0">
-                <a:solidFill>
-                  <a:srgbClr val="FCFCFF"/>
-                </a:solidFill>
-                <a:latin typeface="微软雅黑" panose="020B0503020204020204" pitchFamily="34" charset="-122"/>
-                <a:ea typeface="微软雅黑" panose="020B0503020204020204" pitchFamily="34" charset="-122"/>
-                <a:cs typeface="Times New Roman" panose="02020603050405020304" pitchFamily="18" charset="0"/>
-              </a:rPr>
-              <a:t>解码器 视角</a:t>
+              <a:t>Framework</a:t>
             </a:r>
             <a:endParaRPr lang="zh-CN" altLang="en-US" sz="5400" dirty="0">
               <a:solidFill>
@@ -15401,698 +15549,12 @@
           </a:p>
         </p:txBody>
       </p:sp>
-      <mc:AlternateContent xmlns:mc="http://schemas.openxmlformats.org/markup-compatibility/2006">
-        <mc:Choice xmlns:a14="http://schemas.microsoft.com/office/drawing/2010/main" Requires="a14">
-          <p:sp>
-            <p:nvSpPr>
-              <p:cNvPr id="8" name="矩形 7">
-                <a:extLst>
-                  <a:ext uri="{FF2B5EF4-FFF2-40B4-BE49-F238E27FC236}">
-                    <a16:creationId xmlns:a16="http://schemas.microsoft.com/office/drawing/2014/main" id="{604D1639-1F48-425B-A806-E1247E4105F4}"/>
-                  </a:ext>
-                </a:extLst>
-              </p:cNvPr>
-              <p:cNvSpPr/>
-              <p:nvPr/>
-            </p:nvSpPr>
-            <p:spPr>
-              <a:xfrm>
-                <a:off x="460045" y="1636775"/>
-                <a:ext cx="10712908" cy="1206869"/>
-              </a:xfrm>
-              <a:prstGeom prst="rect">
-                <a:avLst/>
-              </a:prstGeom>
-            </p:spPr>
-            <p:txBody>
-              <a:bodyPr wrap="square">
-                <a:spAutoFit/>
-              </a:bodyPr>
-              <a:lstStyle/>
-              <a:p>
-                <a:pPr marL="571500" indent="-571500">
-                  <a:buClr>
-                    <a:schemeClr val="accent2"/>
-                  </a:buClr>
-                  <a:buFont typeface="Wingdings" panose="05000000000000000000" pitchFamily="2" charset="2"/>
-                  <a:buChar char="p"/>
-                </a:pPr>
-                <a:r>
-                  <a:rPr lang="en-US" altLang="zh-CN" sz="2400" dirty="0">
-                    <a:latin typeface="微软雅黑" panose="020B0503020204020204" pitchFamily="34" charset="-122"/>
-                    <a:ea typeface="微软雅黑" panose="020B0503020204020204" pitchFamily="34" charset="-122"/>
-                    <a:cs typeface="Times New Roman" panose="02020603050405020304" pitchFamily="18" charset="0"/>
-                  </a:rPr>
-                  <a:t>Encoder</a:t>
-                </a:r>
-              </a:p>
-              <a:p>
-                <a:pPr>
-                  <a:buClr>
-                    <a:schemeClr val="accent2"/>
-                  </a:buClr>
-                </a:pPr>
-                <a:endParaRPr lang="en-US" altLang="zh-CN" sz="2400" dirty="0">
-                  <a:latin typeface="微软雅黑" panose="020B0503020204020204" pitchFamily="34" charset="-122"/>
-                  <a:ea typeface="微软雅黑" panose="020B0503020204020204" pitchFamily="34" charset="-122"/>
-                  <a:cs typeface="Times New Roman" panose="02020603050405020304" pitchFamily="18" charset="0"/>
-                </a:endParaRPr>
-              </a:p>
-              <a:p>
-                <a:pPr>
-                  <a:buClr>
-                    <a:schemeClr val="accent2"/>
-                  </a:buClr>
-                </a:pPr>
-                <a:r>
-                  <a:rPr lang="en-US" altLang="zh-CN" sz="2400" dirty="0">
-                    <a:latin typeface="微软雅黑" panose="020B0503020204020204" pitchFamily="34" charset="-122"/>
-                    <a:ea typeface="微软雅黑" panose="020B0503020204020204" pitchFamily="34" charset="-122"/>
-                    <a:cs typeface="Times New Roman" panose="02020603050405020304" pitchFamily="18" charset="0"/>
-                  </a:rPr>
-                  <a:t>Encoder</a:t>
-                </a:r>
-                <a:r>
-                  <a:rPr lang="zh-CN" altLang="en-US" sz="2400" dirty="0">
-                    <a:latin typeface="微软雅黑" panose="020B0503020204020204" pitchFamily="34" charset="-122"/>
-                    <a:ea typeface="微软雅黑" panose="020B0503020204020204" pitchFamily="34" charset="-122"/>
-                    <a:cs typeface="Times New Roman" panose="02020603050405020304" pitchFamily="18" charset="0"/>
-                  </a:rPr>
-                  <a:t>是一个函数，将结点</a:t>
-                </a:r>
-                <a14:m>
-                  <m:oMath xmlns:m="http://schemas.openxmlformats.org/officeDocument/2006/math">
-                    <m:r>
-                      <a:rPr lang="en-US" altLang="zh-CN" sz="2400" b="0" i="1" smtClean="0">
-                        <a:solidFill>
-                          <a:prstClr val="black"/>
-                        </a:solidFill>
-                        <a:latin typeface="Cambria Math" panose="02040503050406030204" pitchFamily="18" charset="0"/>
-                      </a:rPr>
-                      <m:t>𝑣</m:t>
-                    </m:r>
-                    <m:r>
-                      <a:rPr lang="en-US" altLang="zh-CN" sz="2400" b="0" i="1" smtClean="0">
-                        <a:solidFill>
-                          <a:prstClr val="black"/>
-                        </a:solidFill>
-                        <a:latin typeface="Cambria Math" panose="02040503050406030204" pitchFamily="18" charset="0"/>
-                      </a:rPr>
-                      <m:t>∈</m:t>
-                    </m:r>
-                    <m:r>
-                      <a:rPr lang="en-US" altLang="zh-CN" sz="2400" i="1">
-                        <a:solidFill>
-                          <a:prstClr val="black"/>
-                        </a:solidFill>
-                        <a:latin typeface="Cambria Math" panose="02040503050406030204" pitchFamily="18" charset="0"/>
-                      </a:rPr>
-                      <m:t>𝑉</m:t>
-                    </m:r>
-                  </m:oMath>
-                </a14:m>
-                <a:r>
-                  <a:rPr lang="zh-CN" altLang="en-US" sz="2400" dirty="0">
-                    <a:latin typeface="微软雅黑" panose="020B0503020204020204" pitchFamily="34" charset="-122"/>
-                    <a:ea typeface="微软雅黑" panose="020B0503020204020204" pitchFamily="34" charset="-122"/>
-                    <a:cs typeface="Times New Roman" panose="02020603050405020304" pitchFamily="18" charset="0"/>
-                  </a:rPr>
-                  <a:t>映射到</a:t>
-                </a:r>
-                <a14:m>
-                  <m:oMath xmlns:m="http://schemas.openxmlformats.org/officeDocument/2006/math">
-                    <m:sSub>
-                      <m:sSubPr>
-                        <m:ctrlPr>
-                          <a:rPr lang="en-US" altLang="zh-CN" sz="2400" b="0" i="0" dirty="0" smtClean="0">
-                            <a:solidFill>
-                              <a:prstClr val="black"/>
-                            </a:solidFill>
-                            <a:latin typeface="Cambria Math" panose="02040503050406030204" pitchFamily="18" charset="0"/>
-                          </a:rPr>
-                        </m:ctrlPr>
-                      </m:sSubPr>
-                      <m:e>
-                        <m:r>
-                          <a:rPr lang="en-US" altLang="zh-CN" sz="2400" b="1" i="1" dirty="0" smtClean="0">
-                            <a:solidFill>
-                              <a:prstClr val="black"/>
-                            </a:solidFill>
-                            <a:latin typeface="Cambria Math" panose="02040503050406030204" pitchFamily="18" charset="0"/>
-                          </a:rPr>
-                          <m:t>𝒛</m:t>
-                        </m:r>
-                      </m:e>
-                      <m:sub>
-                        <m:r>
-                          <a:rPr lang="en-US" altLang="zh-CN" sz="2400" b="0" i="1" dirty="0" smtClean="0">
-                            <a:solidFill>
-                              <a:prstClr val="black"/>
-                            </a:solidFill>
-                            <a:latin typeface="Cambria Math" panose="02040503050406030204" pitchFamily="18" charset="0"/>
-                          </a:rPr>
-                          <m:t>𝑣</m:t>
-                        </m:r>
-                      </m:sub>
-                    </m:sSub>
-                    <m:r>
-                      <a:rPr lang="en-US" altLang="zh-CN" sz="2400" b="0" i="1" dirty="0" smtClean="0">
-                        <a:solidFill>
-                          <a:prstClr val="black"/>
-                        </a:solidFill>
-                        <a:latin typeface="Cambria Math" panose="02040503050406030204" pitchFamily="18" charset="0"/>
-                      </a:rPr>
-                      <m:t>∈</m:t>
-                    </m:r>
-                    <m:sSup>
-                      <m:sSupPr>
-                        <m:ctrlPr>
-                          <a:rPr lang="zh-CN" altLang="en-US" sz="2400" i="1" dirty="0">
-                            <a:solidFill>
-                              <a:prstClr val="black"/>
-                            </a:solidFill>
-                            <a:latin typeface="Cambria Math" panose="02040503050406030204" pitchFamily="18" charset="0"/>
-                          </a:rPr>
-                        </m:ctrlPr>
-                      </m:sSupPr>
-                      <m:e>
-                        <m:r>
-                          <a:rPr lang="zh-CN" altLang="en-US" sz="2400" dirty="0">
-                            <a:solidFill>
-                              <a:prstClr val="black"/>
-                            </a:solidFill>
-                            <a:latin typeface="Cambria Math" panose="02040503050406030204" pitchFamily="18" charset="0"/>
-                          </a:rPr>
-                          <m:t>ℝ</m:t>
-                        </m:r>
-                      </m:e>
-                      <m:sup>
-                        <m:r>
-                          <a:rPr lang="zh-CN" altLang="en-US" sz="2400" i="1" dirty="0">
-                            <a:solidFill>
-                              <a:prstClr val="black"/>
-                            </a:solidFill>
-                            <a:latin typeface="Cambria Math" panose="02040503050406030204" pitchFamily="18" charset="0"/>
-                          </a:rPr>
-                          <m:t>𝑑</m:t>
-                        </m:r>
-                      </m:sup>
-                    </m:sSup>
-                  </m:oMath>
-                </a14:m>
-                <a:endParaRPr lang="en-US" altLang="zh-CN" sz="2400" dirty="0">
-                  <a:latin typeface="微软雅黑" panose="020B0503020204020204" pitchFamily="34" charset="-122"/>
-                  <a:ea typeface="微软雅黑" panose="020B0503020204020204" pitchFamily="34" charset="-122"/>
-                  <a:cs typeface="Times New Roman" panose="02020603050405020304" pitchFamily="18" charset="0"/>
-                </a:endParaRPr>
-              </a:p>
-            </p:txBody>
-          </p:sp>
-        </mc:Choice>
-        <mc:Fallback>
-          <p:sp>
-            <p:nvSpPr>
-              <p:cNvPr id="8" name="矩形 7">
-                <a:extLst>
-                  <a:ext uri="{FF2B5EF4-FFF2-40B4-BE49-F238E27FC236}">
-                    <a16:creationId xmlns:a16="http://schemas.microsoft.com/office/drawing/2014/main" id="{604D1639-1F48-425B-A806-E1247E4105F4}"/>
-                  </a:ext>
-                </a:extLst>
-              </p:cNvPr>
-              <p:cNvSpPr>
-                <a:spLocks noRot="1" noChangeAspect="1" noMove="1" noResize="1" noEditPoints="1" noAdjustHandles="1" noChangeArrowheads="1" noChangeShapeType="1" noTextEdit="1"/>
-              </p:cNvSpPr>
-              <p:nvPr/>
-            </p:nvSpPr>
-            <p:spPr>
-              <a:xfrm>
-                <a:off x="460045" y="1636775"/>
-                <a:ext cx="10712908" cy="1206869"/>
-              </a:xfrm>
-              <a:prstGeom prst="rect">
-                <a:avLst/>
-              </a:prstGeom>
-              <a:blipFill>
-                <a:blip r:embed="rId3"/>
-                <a:stretch>
-                  <a:fillRect l="-853" t="-3535" b="-10606"/>
-                </a:stretch>
-              </a:blipFill>
-            </p:spPr>
-            <p:txBody>
-              <a:bodyPr/>
-              <a:lstStyle/>
-              <a:p>
-                <a:r>
-                  <a:rPr lang="zh-CN" altLang="en-US">
-                    <a:noFill/>
-                  </a:rPr>
-                  <a:t> </a:t>
-                </a:r>
-              </a:p>
-            </p:txBody>
-          </p:sp>
-        </mc:Fallback>
-      </mc:AlternateContent>
-      <mc:AlternateContent xmlns:mc="http://schemas.openxmlformats.org/markup-compatibility/2006">
-        <mc:Choice xmlns:a14="http://schemas.microsoft.com/office/drawing/2010/main" Requires="a14">
-          <p:sp>
-            <p:nvSpPr>
-              <p:cNvPr id="10" name="矩形 9">
-                <a:extLst>
-                  <a:ext uri="{FF2B5EF4-FFF2-40B4-BE49-F238E27FC236}">
-                    <a16:creationId xmlns:a16="http://schemas.microsoft.com/office/drawing/2014/main" id="{BE2CFA7A-BED8-4464-A15C-80AA3392B0FD}"/>
-                  </a:ext>
-                </a:extLst>
-              </p:cNvPr>
-              <p:cNvSpPr/>
-              <p:nvPr/>
-            </p:nvSpPr>
-            <p:spPr>
-              <a:xfrm>
-                <a:off x="4218243" y="1878245"/>
-                <a:ext cx="2037929" cy="468205"/>
-              </a:xfrm>
-              <a:prstGeom prst="rect">
-                <a:avLst/>
-              </a:prstGeom>
-            </p:spPr>
-            <p:txBody>
-              <a:bodyPr wrap="none">
-                <a:spAutoFit/>
-              </a:bodyPr>
-              <a:lstStyle/>
-              <a:p>
-                <a:pPr/>
-                <a14:m>
-                  <m:oMathPara xmlns:m="http://schemas.openxmlformats.org/officeDocument/2006/math">
-                    <m:oMathParaPr>
-                      <m:jc m:val="centerGroup"/>
-                    </m:oMathParaPr>
-                    <m:oMath xmlns:m="http://schemas.openxmlformats.org/officeDocument/2006/math">
-                      <m:r>
-                        <m:rPr>
-                          <m:sty m:val="p"/>
-                        </m:rPr>
-                        <a:rPr lang="en-US" altLang="zh-CN" sz="2400" b="0" i="0" smtClean="0">
-                          <a:solidFill>
-                            <a:prstClr val="black"/>
-                          </a:solidFill>
-                          <a:latin typeface="Cambria Math" panose="02040503050406030204" pitchFamily="18" charset="0"/>
-                        </a:rPr>
-                        <m:t>ENC</m:t>
-                      </m:r>
-                      <m:r>
-                        <a:rPr lang="en-US" altLang="zh-CN" sz="2400" i="1">
-                          <a:solidFill>
-                            <a:prstClr val="black"/>
-                          </a:solidFill>
-                          <a:latin typeface="Cambria Math" panose="02040503050406030204" pitchFamily="18" charset="0"/>
-                        </a:rPr>
-                        <m:t>:</m:t>
-                      </m:r>
-                      <m:r>
-                        <a:rPr lang="en-US" altLang="zh-CN" sz="2400" i="1">
-                          <a:solidFill>
-                            <a:prstClr val="black"/>
-                          </a:solidFill>
-                          <a:latin typeface="Cambria Math" panose="02040503050406030204" pitchFamily="18" charset="0"/>
-                        </a:rPr>
-                        <m:t>𝑉</m:t>
-                      </m:r>
-                      <m:r>
-                        <a:rPr lang="en-US" altLang="zh-CN" sz="2400" i="1">
-                          <a:solidFill>
-                            <a:prstClr val="black"/>
-                          </a:solidFill>
-                          <a:latin typeface="Cambria Math" panose="02040503050406030204" pitchFamily="18" charset="0"/>
-                        </a:rPr>
-                        <m:t>→ </m:t>
-                      </m:r>
-                      <m:sSup>
-                        <m:sSupPr>
-                          <m:ctrlPr>
-                            <a:rPr lang="zh-CN" altLang="en-US" sz="2400" i="1" dirty="0">
-                              <a:solidFill>
-                                <a:prstClr val="black"/>
-                              </a:solidFill>
-                              <a:latin typeface="Cambria Math" panose="02040503050406030204" pitchFamily="18" charset="0"/>
-                            </a:rPr>
-                          </m:ctrlPr>
-                        </m:sSupPr>
-                        <m:e>
-                          <m:r>
-                            <a:rPr lang="zh-CN" altLang="en-US" sz="2400" dirty="0">
-                              <a:solidFill>
-                                <a:prstClr val="black"/>
-                              </a:solidFill>
-                              <a:latin typeface="Cambria Math" panose="02040503050406030204" pitchFamily="18" charset="0"/>
-                            </a:rPr>
-                            <m:t>ℝ</m:t>
-                          </m:r>
-                        </m:e>
-                        <m:sup>
-                          <m:r>
-                            <a:rPr lang="zh-CN" altLang="en-US" sz="2400" i="1" dirty="0">
-                              <a:solidFill>
-                                <a:prstClr val="black"/>
-                              </a:solidFill>
-                              <a:latin typeface="Cambria Math" panose="02040503050406030204" pitchFamily="18" charset="0"/>
-                            </a:rPr>
-                            <m:t>𝑑</m:t>
-                          </m:r>
-                        </m:sup>
-                      </m:sSup>
-                    </m:oMath>
-                  </m:oMathPara>
-                </a14:m>
-                <a:endParaRPr lang="zh-CN" altLang="en-US" sz="1200" dirty="0"/>
-              </a:p>
-            </p:txBody>
-          </p:sp>
-        </mc:Choice>
-        <mc:Fallback>
-          <p:sp>
-            <p:nvSpPr>
-              <p:cNvPr id="10" name="矩形 9">
-                <a:extLst>
-                  <a:ext uri="{FF2B5EF4-FFF2-40B4-BE49-F238E27FC236}">
-                    <a16:creationId xmlns:a16="http://schemas.microsoft.com/office/drawing/2014/main" id="{BE2CFA7A-BED8-4464-A15C-80AA3392B0FD}"/>
-                  </a:ext>
-                </a:extLst>
-              </p:cNvPr>
-              <p:cNvSpPr>
-                <a:spLocks noRot="1" noChangeAspect="1" noMove="1" noResize="1" noEditPoints="1" noAdjustHandles="1" noChangeArrowheads="1" noChangeShapeType="1" noTextEdit="1"/>
-              </p:cNvSpPr>
-              <p:nvPr/>
-            </p:nvSpPr>
-            <p:spPr>
-              <a:xfrm>
-                <a:off x="4218243" y="1878245"/>
-                <a:ext cx="2037929" cy="468205"/>
-              </a:xfrm>
-              <a:prstGeom prst="rect">
-                <a:avLst/>
-              </a:prstGeom>
-              <a:blipFill>
-                <a:blip r:embed="rId4"/>
-                <a:stretch>
-                  <a:fillRect/>
-                </a:stretch>
-              </a:blipFill>
-            </p:spPr>
-            <p:txBody>
-              <a:bodyPr/>
-              <a:lstStyle/>
-              <a:p>
-                <a:r>
-                  <a:rPr lang="zh-CN" altLang="en-US">
-                    <a:noFill/>
-                  </a:rPr>
-                  <a:t> </a:t>
-                </a:r>
-              </a:p>
-            </p:txBody>
-          </p:sp>
-        </mc:Fallback>
-      </mc:AlternateContent>
-      <mc:AlternateContent xmlns:mc="http://schemas.openxmlformats.org/markup-compatibility/2006">
-        <mc:Choice xmlns:a14="http://schemas.microsoft.com/office/drawing/2010/main" Requires="a14">
-          <p:sp>
-            <p:nvSpPr>
-              <p:cNvPr id="11" name="矩形 10">
-                <a:extLst>
-                  <a:ext uri="{FF2B5EF4-FFF2-40B4-BE49-F238E27FC236}">
-                    <a16:creationId xmlns:a16="http://schemas.microsoft.com/office/drawing/2014/main" id="{5D87FFE9-FD83-444A-A0FA-8B6E317F0876}"/>
-                  </a:ext>
-                </a:extLst>
-              </p:cNvPr>
-              <p:cNvSpPr/>
-              <p:nvPr/>
-            </p:nvSpPr>
-            <p:spPr>
-              <a:xfrm>
-                <a:off x="460045" y="3057441"/>
-                <a:ext cx="8222572" cy="484684"/>
-              </a:xfrm>
-              <a:prstGeom prst="rect">
-                <a:avLst/>
-              </a:prstGeom>
-            </p:spPr>
-            <p:txBody>
-              <a:bodyPr wrap="none">
-                <a:spAutoFit/>
-              </a:bodyPr>
-              <a:lstStyle/>
-              <a:p>
-                <a14:m>
-                  <m:oMath xmlns:m="http://schemas.openxmlformats.org/officeDocument/2006/math">
-                    <m:r>
-                      <a:rPr lang="en-US" altLang="zh-CN" sz="2400" b="1" i="0" dirty="0" smtClean="0">
-                        <a:solidFill>
-                          <a:prstClr val="black"/>
-                        </a:solidFill>
-                        <a:latin typeface="Cambria Math" panose="02040503050406030204" pitchFamily="18" charset="0"/>
-                      </a:rPr>
-                      <m:t>𝐙</m:t>
-                    </m:r>
-                    <m:r>
-                      <a:rPr lang="en-US" altLang="zh-CN" sz="2400" b="1" i="1" dirty="0" smtClean="0">
-                        <a:solidFill>
-                          <a:prstClr val="black"/>
-                        </a:solidFill>
-                        <a:latin typeface="Cambria Math" panose="02040503050406030204" pitchFamily="18" charset="0"/>
-                      </a:rPr>
-                      <m:t>∈</m:t>
-                    </m:r>
-                    <m:sSup>
-                      <m:sSupPr>
-                        <m:ctrlPr>
-                          <a:rPr lang="zh-CN" altLang="en-US" sz="2400" i="1" dirty="0">
-                            <a:solidFill>
-                              <a:prstClr val="black"/>
-                            </a:solidFill>
-                            <a:latin typeface="Cambria Math" panose="02040503050406030204" pitchFamily="18" charset="0"/>
-                          </a:rPr>
-                        </m:ctrlPr>
-                      </m:sSupPr>
-                      <m:e>
-                        <m:r>
-                          <a:rPr lang="zh-CN" altLang="en-US" sz="2400" dirty="0">
-                            <a:solidFill>
-                              <a:prstClr val="black"/>
-                            </a:solidFill>
-                            <a:latin typeface="Cambria Math" panose="02040503050406030204" pitchFamily="18" charset="0"/>
-                          </a:rPr>
-                          <m:t>ℝ</m:t>
-                        </m:r>
-                      </m:e>
-                      <m:sup>
-                        <m:d>
-                          <m:dPr>
-                            <m:begChr m:val="|"/>
-                            <m:endChr m:val="|"/>
-                            <m:ctrlPr>
-                              <a:rPr lang="en-US" altLang="zh-CN" sz="2400" b="0" i="1" dirty="0" smtClean="0">
-                                <a:solidFill>
-                                  <a:prstClr val="black"/>
-                                </a:solidFill>
-                                <a:latin typeface="Cambria Math" panose="02040503050406030204" pitchFamily="18" charset="0"/>
-                              </a:rPr>
-                            </m:ctrlPr>
-                          </m:dPr>
-                          <m:e>
-                            <m:r>
-                              <a:rPr lang="en-US" altLang="zh-CN" sz="2400" b="0" i="1" dirty="0" smtClean="0">
-                                <a:solidFill>
-                                  <a:prstClr val="black"/>
-                                </a:solidFill>
-                                <a:latin typeface="Cambria Math" panose="02040503050406030204" pitchFamily="18" charset="0"/>
-                              </a:rPr>
-                              <m:t>𝑉</m:t>
-                            </m:r>
-                          </m:e>
-                        </m:d>
-                        <m:r>
-                          <a:rPr lang="en-US" altLang="zh-CN" sz="2400" b="0" i="1" dirty="0" smtClean="0">
-                            <a:solidFill>
-                              <a:prstClr val="black"/>
-                            </a:solidFill>
-                            <a:latin typeface="Cambria Math" panose="02040503050406030204" pitchFamily="18" charset="0"/>
-                          </a:rPr>
-                          <m:t>×</m:t>
-                        </m:r>
-                        <m:r>
-                          <a:rPr lang="zh-CN" altLang="en-US" sz="2400" i="1" dirty="0">
-                            <a:solidFill>
-                              <a:prstClr val="black"/>
-                            </a:solidFill>
-                            <a:latin typeface="Cambria Math" panose="02040503050406030204" pitchFamily="18" charset="0"/>
-                          </a:rPr>
-                          <m:t>𝑑</m:t>
-                        </m:r>
-                      </m:sup>
-                    </m:sSup>
-                  </m:oMath>
-                </a14:m>
-                <a:r>
-                  <a:rPr lang="zh-CN" altLang="en-US" sz="2400" dirty="0">
-                    <a:latin typeface="微软雅黑" panose="020B0503020204020204" pitchFamily="34" charset="-122"/>
-                    <a:ea typeface="微软雅黑" panose="020B0503020204020204" pitchFamily="34" charset="-122"/>
-                  </a:rPr>
-                  <a:t>是包含所有结点嵌入向量的矩阵，</a:t>
-                </a:r>
-                <a:r>
-                  <a:rPr lang="en-US" altLang="zh-CN" sz="2400" dirty="0">
-                    <a:solidFill>
-                      <a:prstClr val="black"/>
-                    </a:solidFill>
-                  </a:rPr>
-                  <a:t> </a:t>
-                </a:r>
-                <a14:m>
-                  <m:oMath xmlns:m="http://schemas.openxmlformats.org/officeDocument/2006/math">
-                    <m:r>
-                      <m:rPr>
-                        <m:sty m:val="p"/>
-                      </m:rPr>
-                      <a:rPr lang="en-US" altLang="zh-CN" sz="2400">
-                        <a:solidFill>
-                          <a:prstClr val="black"/>
-                        </a:solidFill>
-                        <a:latin typeface="Cambria Math" panose="02040503050406030204" pitchFamily="18" charset="0"/>
-                      </a:rPr>
-                      <m:t>ENC</m:t>
-                    </m:r>
-                    <m:d>
-                      <m:dPr>
-                        <m:ctrlPr>
-                          <a:rPr lang="en-US" altLang="zh-CN" sz="2400" b="0" i="1" smtClean="0">
-                            <a:solidFill>
-                              <a:prstClr val="black"/>
-                            </a:solidFill>
-                            <a:latin typeface="Cambria Math" panose="02040503050406030204" pitchFamily="18" charset="0"/>
-                          </a:rPr>
-                        </m:ctrlPr>
-                      </m:dPr>
-                      <m:e>
-                        <m:r>
-                          <a:rPr lang="en-US" altLang="zh-CN" sz="2400" b="0" i="1" smtClean="0">
-                            <a:solidFill>
-                              <a:prstClr val="black"/>
-                            </a:solidFill>
-                            <a:latin typeface="Cambria Math" panose="02040503050406030204" pitchFamily="18" charset="0"/>
-                          </a:rPr>
-                          <m:t>𝑣</m:t>
-                        </m:r>
-                      </m:e>
-                    </m:d>
-                    <m:r>
-                      <a:rPr lang="en-US" altLang="zh-CN" sz="2400" b="0" i="1" smtClean="0">
-                        <a:solidFill>
-                          <a:prstClr val="black"/>
-                        </a:solidFill>
-                        <a:latin typeface="Cambria Math" panose="02040503050406030204" pitchFamily="18" charset="0"/>
-                      </a:rPr>
-                      <m:t>=</m:t>
-                    </m:r>
-                    <m:r>
-                      <a:rPr lang="en-US" altLang="zh-CN" sz="2400" b="1" dirty="0">
-                        <a:solidFill>
-                          <a:prstClr val="black"/>
-                        </a:solidFill>
-                        <a:latin typeface="Cambria Math" panose="02040503050406030204" pitchFamily="18" charset="0"/>
-                      </a:rPr>
-                      <m:t>𝐙</m:t>
-                    </m:r>
-                    <m:r>
-                      <a:rPr lang="en-US" altLang="zh-CN" sz="2400" b="1" i="0" dirty="0" smtClean="0">
-                        <a:solidFill>
-                          <a:prstClr val="black"/>
-                        </a:solidFill>
-                        <a:latin typeface="Cambria Math" panose="02040503050406030204" pitchFamily="18" charset="0"/>
-                      </a:rPr>
-                      <m:t>[</m:t>
-                    </m:r>
-                    <m:r>
-                      <a:rPr lang="en-US" altLang="zh-CN" sz="2400" b="0" i="1" dirty="0" smtClean="0">
-                        <a:solidFill>
-                          <a:prstClr val="black"/>
-                        </a:solidFill>
-                        <a:latin typeface="Cambria Math" panose="02040503050406030204" pitchFamily="18" charset="0"/>
-                      </a:rPr>
-                      <m:t>𝑣</m:t>
-                    </m:r>
-                    <m:r>
-                      <a:rPr lang="en-US" altLang="zh-CN" sz="2400" b="1" i="0" dirty="0" smtClean="0">
-                        <a:solidFill>
-                          <a:prstClr val="black"/>
-                        </a:solidFill>
-                        <a:latin typeface="Cambria Math" panose="02040503050406030204" pitchFamily="18" charset="0"/>
-                      </a:rPr>
-                      <m:t>]</m:t>
-                    </m:r>
-                  </m:oMath>
-                </a14:m>
-                <a:endParaRPr lang="zh-CN" altLang="en-US" sz="1200" dirty="0">
-                  <a:latin typeface="微软雅黑" panose="020B0503020204020204" pitchFamily="34" charset="-122"/>
-                  <a:ea typeface="微软雅黑" panose="020B0503020204020204" pitchFamily="34" charset="-122"/>
-                </a:endParaRPr>
-              </a:p>
-            </p:txBody>
-          </p:sp>
-        </mc:Choice>
-        <mc:Fallback>
-          <p:sp>
-            <p:nvSpPr>
-              <p:cNvPr id="11" name="矩形 10">
-                <a:extLst>
-                  <a:ext uri="{FF2B5EF4-FFF2-40B4-BE49-F238E27FC236}">
-                    <a16:creationId xmlns:a16="http://schemas.microsoft.com/office/drawing/2014/main" id="{5D87FFE9-FD83-444A-A0FA-8B6E317F0876}"/>
-                  </a:ext>
-                </a:extLst>
-              </p:cNvPr>
-              <p:cNvSpPr>
-                <a:spLocks noRot="1" noChangeAspect="1" noMove="1" noResize="1" noEditPoints="1" noAdjustHandles="1" noChangeArrowheads="1" noChangeShapeType="1" noTextEdit="1"/>
-              </p:cNvSpPr>
-              <p:nvPr/>
-            </p:nvSpPr>
-            <p:spPr>
-              <a:xfrm>
-                <a:off x="460045" y="3057441"/>
-                <a:ext cx="8222572" cy="484684"/>
-              </a:xfrm>
-              <a:prstGeom prst="rect">
-                <a:avLst/>
-              </a:prstGeom>
-              <a:blipFill>
-                <a:blip r:embed="rId5"/>
-                <a:stretch>
-                  <a:fillRect t="-6329" b="-27848"/>
-                </a:stretch>
-              </a:blipFill>
-            </p:spPr>
-            <p:txBody>
-              <a:bodyPr/>
-              <a:lstStyle/>
-              <a:p>
-                <a:r>
-                  <a:rPr lang="zh-CN" altLang="en-US">
-                    <a:noFill/>
-                  </a:rPr>
-                  <a:t> </a:t>
-                </a:r>
-              </a:p>
-            </p:txBody>
-          </p:sp>
-        </mc:Fallback>
-      </mc:AlternateContent>
       <p:pic>
         <p:nvPicPr>
-          <p:cNvPr id="12" name="图片 11">
+          <p:cNvPr id="2" name="图片 1">
             <a:extLst>
               <a:ext uri="{FF2B5EF4-FFF2-40B4-BE49-F238E27FC236}">
-                <a16:creationId xmlns:a16="http://schemas.microsoft.com/office/drawing/2014/main" id="{F0093D92-1055-4690-9FA1-705FCA939D2B}"/>
+                <a16:creationId xmlns:a16="http://schemas.microsoft.com/office/drawing/2014/main" id="{3C45CE72-3801-457C-BF1C-1602D5D8C06D}"/>
               </a:ext>
             </a:extLst>
           </p:cNvPr>
@@ -16101,16 +15563,15 @@
           </p:cNvPicPr>
           <p:nvPr/>
         </p:nvPicPr>
-        <p:blipFill>
-          <a:blip r:embed="rId6"/>
-          <a:stretch>
-            <a:fillRect/>
-          </a:stretch>
+        <p:blipFill rotWithShape="1">
+          <a:blip r:embed="rId3"/>
+          <a:srcRect t="1043" b="-1"/>
+          <a:stretch/>
         </p:blipFill>
         <p:spPr>
           <a:xfrm>
-            <a:off x="578631" y="6683453"/>
-            <a:ext cx="6761905" cy="2371429"/>
+            <a:off x="795908" y="5522830"/>
+            <a:ext cx="10195924" cy="3621170"/>
           </a:xfrm>
           <a:prstGeom prst="rect">
             <a:avLst/>
@@ -16119,10 +15580,10 @@
       </p:pic>
       <p:sp>
         <p:nvSpPr>
-          <p:cNvPr id="14" name="矩形 13">
+          <p:cNvPr id="8" name="矩形 7">
             <a:extLst>
               <a:ext uri="{FF2B5EF4-FFF2-40B4-BE49-F238E27FC236}">
-                <a16:creationId xmlns:a16="http://schemas.microsoft.com/office/drawing/2014/main" id="{47CD3DF6-71D6-4D22-B47D-7EC510EC4211}"/>
+                <a16:creationId xmlns:a16="http://schemas.microsoft.com/office/drawing/2014/main" id="{D213B1F8-A93A-4FA1-9A2C-9EA325B9B8E1}"/>
               </a:ext>
             </a:extLst>
           </p:cNvPr>
@@ -16131,8 +15592,8 @@
         </p:nvSpPr>
         <p:spPr>
           <a:xfrm>
-            <a:off x="460045" y="3674594"/>
-            <a:ext cx="10385755" cy="1569660"/>
+            <a:off x="0" y="1765814"/>
+            <a:ext cx="6840003" cy="3108543"/>
           </a:xfrm>
           <a:prstGeom prst="rect">
             <a:avLst/>
@@ -16144,1710 +15605,325 @@
           </a:bodyPr>
           <a:lstStyle/>
           <a:p>
-            <a:pPr marL="571500" indent="-571500">
-              <a:buClr>
-                <a:schemeClr val="accent2"/>
-              </a:buClr>
-              <a:buFont typeface="Wingdings" panose="05000000000000000000" pitchFamily="2" charset="2"/>
-              <a:buChar char="p"/>
-            </a:pPr>
-            <a:r>
-              <a:rPr lang="en-US" altLang="zh-CN" sz="2400" dirty="0">
+            <a:r>
+              <a:rPr lang="en-US" altLang="zh-CN" sz="2800" dirty="0">
+                <a:solidFill>
+                  <a:schemeClr val="accent1"/>
+                </a:solidFill>
                 <a:latin typeface="微软雅黑" panose="020B0503020204020204" pitchFamily="34" charset="-122"/>
                 <a:ea typeface="微软雅黑" panose="020B0503020204020204" pitchFamily="34" charset="-122"/>
-                <a:cs typeface="Times New Roman" panose="02020603050405020304" pitchFamily="18" charset="0"/>
               </a:rPr>
-              <a:t>Decoder </a:t>
-            </a:r>
-          </a:p>
-          <a:p>
-            <a:pPr>
-              <a:buClr>
-                <a:schemeClr val="accent2"/>
-              </a:buClr>
-            </a:pPr>
-            <a:endParaRPr lang="en-US" altLang="zh-CN" sz="2400" dirty="0">
+              <a:t>encoder-decoder</a:t>
+            </a:r>
+            <a:r>
+              <a:rPr lang="zh-CN" altLang="en-US" sz="2800" dirty="0">
+                <a:solidFill>
+                  <a:schemeClr val="accent1"/>
+                </a:solidFill>
+                <a:latin typeface="微软雅黑" panose="020B0503020204020204" pitchFamily="34" charset="-122"/>
+                <a:ea typeface="微软雅黑" panose="020B0503020204020204" pitchFamily="34" charset="-122"/>
+              </a:rPr>
+              <a:t>框架</a:t>
+            </a:r>
+            <a:r>
+              <a:rPr lang="zh-CN" altLang="en-US" sz="2800" dirty="0">
+                <a:solidFill>
+                  <a:prstClr val="black"/>
+                </a:solidFill>
+                <a:latin typeface="微软雅黑" panose="020B0503020204020204" pitchFamily="34" charset="-122"/>
+                <a:ea typeface="微软雅黑" panose="020B0503020204020204" pitchFamily="34" charset="-122"/>
+              </a:rPr>
+              <a:t>的好处：可以根据</a:t>
+            </a:r>
+            <a:endParaRPr lang="en-US" altLang="zh-CN" sz="2800" dirty="0">
+              <a:solidFill>
+                <a:prstClr val="black"/>
+              </a:solidFill>
               <a:latin typeface="微软雅黑" panose="020B0503020204020204" pitchFamily="34" charset="-122"/>
               <a:ea typeface="微软雅黑" panose="020B0503020204020204" pitchFamily="34" charset="-122"/>
-              <a:cs typeface="Times New Roman" panose="02020603050405020304" pitchFamily="18" charset="0"/>
             </a:endParaRPr>
           </a:p>
           <a:p>
-            <a:pPr>
-              <a:buClr>
-                <a:schemeClr val="accent2"/>
-              </a:buClr>
+            <a:endParaRPr lang="en-US" altLang="zh-CN" sz="2800" dirty="0">
+              <a:solidFill>
+                <a:prstClr val="black"/>
+              </a:solidFill>
+              <a:latin typeface="微软雅黑" panose="020B0503020204020204" pitchFamily="34" charset="-122"/>
+              <a:ea typeface="微软雅黑" panose="020B0503020204020204" pitchFamily="34" charset="-122"/>
+            </a:endParaRPr>
+          </a:p>
+          <a:p>
+            <a:pPr marL="514350" indent="-514350">
+              <a:buFont typeface="+mj-lt"/>
+              <a:buAutoNum type="arabicPeriod"/>
             </a:pPr>
             <a:r>
-              <a:rPr lang="en-US" altLang="zh-CN" sz="2400" dirty="0">
+              <a:rPr lang="en-US" altLang="zh-CN" sz="2800" dirty="0">
+                <a:solidFill>
+                  <a:prstClr val="black"/>
+                </a:solidFill>
+                <a:latin typeface="微软雅黑" panose="020B0503020204020204" pitchFamily="34" charset="-122"/>
+                <a:ea typeface="微软雅黑" panose="020B0503020204020204" pitchFamily="34" charset="-122"/>
+              </a:rPr>
+              <a:t>decoder function</a:t>
+            </a:r>
+          </a:p>
+          <a:p>
+            <a:pPr marL="514350" indent="-514350">
+              <a:buFont typeface="+mj-lt"/>
+              <a:buAutoNum type="arabicPeriod"/>
+            </a:pPr>
+            <a:r>
+              <a:rPr lang="en-US" altLang="zh-CN" sz="2800" dirty="0">
+                <a:solidFill>
+                  <a:prstClr val="black"/>
+                </a:solidFill>
+                <a:latin typeface="微软雅黑" panose="020B0503020204020204" pitchFamily="34" charset="-122"/>
+                <a:ea typeface="微软雅黑" panose="020B0503020204020204" pitchFamily="34" charset="-122"/>
+              </a:rPr>
+              <a:t>graph-based similarity measure</a:t>
+            </a:r>
+          </a:p>
+          <a:p>
+            <a:pPr marL="514350" indent="-514350">
+              <a:buFont typeface="+mj-lt"/>
+              <a:buAutoNum type="arabicPeriod"/>
+            </a:pPr>
+            <a:r>
+              <a:rPr lang="en-US" altLang="zh-CN" sz="2800" dirty="0">
+                <a:solidFill>
+                  <a:prstClr val="black"/>
+                </a:solidFill>
+                <a:latin typeface="微软雅黑" panose="020B0503020204020204" pitchFamily="34" charset="-122"/>
+                <a:ea typeface="微软雅黑" panose="020B0503020204020204" pitchFamily="34" charset="-122"/>
+              </a:rPr>
+              <a:t>loss function</a:t>
+            </a:r>
+          </a:p>
+          <a:p>
+            <a:endParaRPr lang="en-US" altLang="zh-CN" sz="2800" dirty="0">
+              <a:solidFill>
+                <a:prstClr val="black"/>
+              </a:solidFill>
+              <a:latin typeface="微软雅黑" panose="020B0503020204020204" pitchFamily="34" charset="-122"/>
+              <a:ea typeface="微软雅黑" panose="020B0503020204020204" pitchFamily="34" charset="-122"/>
+            </a:endParaRPr>
+          </a:p>
+          <a:p>
+            <a:r>
+              <a:rPr lang="zh-CN" altLang="en-US" sz="2800" dirty="0">
+                <a:solidFill>
+                  <a:prstClr val="black"/>
+                </a:solidFill>
+                <a:latin typeface="微软雅黑" panose="020B0503020204020204" pitchFamily="34" charset="-122"/>
+                <a:ea typeface="微软雅黑" panose="020B0503020204020204" pitchFamily="34" charset="-122"/>
+              </a:rPr>
+              <a:t>定义和比较不同的</a:t>
+            </a:r>
+            <a:r>
+              <a:rPr lang="en-US" altLang="zh-CN" sz="2800" dirty="0">
+                <a:solidFill>
+                  <a:prstClr val="black"/>
+                </a:solidFill>
+                <a:latin typeface="微软雅黑" panose="020B0503020204020204" pitchFamily="34" charset="-122"/>
+                <a:ea typeface="微软雅黑" panose="020B0503020204020204" pitchFamily="34" charset="-122"/>
+              </a:rPr>
+              <a:t>embedding</a:t>
+            </a:r>
+            <a:r>
+              <a:rPr lang="zh-CN" altLang="en-US" sz="2800" dirty="0">
+                <a:solidFill>
+                  <a:prstClr val="black"/>
+                </a:solidFill>
+                <a:latin typeface="微软雅黑" panose="020B0503020204020204" pitchFamily="34" charset="-122"/>
+                <a:ea typeface="微软雅黑" panose="020B0503020204020204" pitchFamily="34" charset="-122"/>
+              </a:rPr>
+              <a:t>方法</a:t>
+            </a:r>
+            <a:endParaRPr lang="en-US" altLang="zh-CN" sz="2800" dirty="0">
+              <a:solidFill>
+                <a:prstClr val="black"/>
+              </a:solidFill>
+              <a:latin typeface="微软雅黑" panose="020B0503020204020204" pitchFamily="34" charset="-122"/>
+              <a:ea typeface="微软雅黑" panose="020B0503020204020204" pitchFamily="34" charset="-122"/>
+            </a:endParaRPr>
+          </a:p>
+        </p:txBody>
+      </p:sp>
+      <p:sp>
+        <p:nvSpPr>
+          <p:cNvPr id="10" name="矩形 9">
+            <a:extLst>
+              <a:ext uri="{FF2B5EF4-FFF2-40B4-BE49-F238E27FC236}">
+                <a16:creationId xmlns:a16="http://schemas.microsoft.com/office/drawing/2014/main" id="{E00ADFCA-AD14-4FC1-B7C9-AA77828F7349}"/>
+              </a:ext>
+            </a:extLst>
+          </p:cNvPr>
+          <p:cNvSpPr/>
+          <p:nvPr/>
+        </p:nvSpPr>
+        <p:spPr>
+          <a:xfrm>
+            <a:off x="6414615" y="2568217"/>
+            <a:ext cx="5852628" cy="2246769"/>
+          </a:xfrm>
+          <a:prstGeom prst="rect">
+            <a:avLst/>
+          </a:prstGeom>
+        </p:spPr>
+        <p:txBody>
+          <a:bodyPr wrap="none">
+            <a:spAutoFit/>
+          </a:bodyPr>
+          <a:lstStyle/>
+          <a:p>
+            <a:r>
+              <a:rPr lang="zh-CN" altLang="en-US" sz="2800" dirty="0">
+                <a:solidFill>
+                  <a:prstClr val="black"/>
+                </a:solidFill>
+                <a:latin typeface="微软雅黑" panose="020B0503020204020204" pitchFamily="34" charset="-122"/>
+                <a:ea typeface="微软雅黑" panose="020B0503020204020204" pitchFamily="34" charset="-122"/>
+              </a:rPr>
+              <a:t>方法大概可分两类：</a:t>
+            </a:r>
+            <a:endParaRPr lang="en-US" altLang="zh-CN" sz="2800" dirty="0">
+              <a:solidFill>
+                <a:prstClr val="black"/>
+              </a:solidFill>
+              <a:latin typeface="微软雅黑" panose="020B0503020204020204" pitchFamily="34" charset="-122"/>
+              <a:ea typeface="微软雅黑" panose="020B0503020204020204" pitchFamily="34" charset="-122"/>
+            </a:endParaRPr>
+          </a:p>
+          <a:p>
+            <a:r>
+              <a:rPr lang="zh-CN" altLang="en-US" sz="2800" dirty="0">
+                <a:solidFill>
+                  <a:prstClr val="black"/>
+                </a:solidFill>
+                <a:latin typeface="微软雅黑" panose="020B0503020204020204" pitchFamily="34" charset="-122"/>
+                <a:ea typeface="微软雅黑" panose="020B0503020204020204" pitchFamily="34" charset="-122"/>
+              </a:rPr>
+              <a:t>（</a:t>
+            </a:r>
+            <a:r>
+              <a:rPr lang="en-US" altLang="zh-CN" sz="2800" dirty="0">
+                <a:solidFill>
+                  <a:prstClr val="black"/>
+                </a:solidFill>
+                <a:latin typeface="微软雅黑" panose="020B0503020204020204" pitchFamily="34" charset="-122"/>
+                <a:ea typeface="微软雅黑" panose="020B0503020204020204" pitchFamily="34" charset="-122"/>
+              </a:rPr>
+              <a:t>1</a:t>
+            </a:r>
+            <a:r>
+              <a:rPr lang="zh-CN" altLang="en-US" sz="2800" dirty="0">
+                <a:solidFill>
+                  <a:prstClr val="black"/>
+                </a:solidFill>
+                <a:latin typeface="微软雅黑" panose="020B0503020204020204" pitchFamily="34" charset="-122"/>
+                <a:ea typeface="微软雅黑" panose="020B0503020204020204" pitchFamily="34" charset="-122"/>
+              </a:rPr>
+              <a:t>）</a:t>
+            </a:r>
+            <a:r>
+              <a:rPr lang="zh-CN" altLang="en-US" sz="2800" dirty="0">
+                <a:solidFill>
+                  <a:schemeClr val="accent6"/>
+                </a:solidFill>
+                <a:latin typeface="微软雅黑" panose="020B0503020204020204" pitchFamily="34" charset="-122"/>
+                <a:ea typeface="微软雅黑" panose="020B0503020204020204" pitchFamily="34" charset="-122"/>
+              </a:rPr>
+              <a:t>矩阵分解方法</a:t>
+            </a:r>
+            <a:endParaRPr lang="en-US" altLang="zh-CN" sz="2800" dirty="0">
+              <a:solidFill>
+                <a:schemeClr val="accent6"/>
+              </a:solidFill>
+              <a:latin typeface="微软雅黑" panose="020B0503020204020204" pitchFamily="34" charset="-122"/>
+              <a:ea typeface="微软雅黑" panose="020B0503020204020204" pitchFamily="34" charset="-122"/>
+            </a:endParaRPr>
+          </a:p>
+          <a:p>
+            <a:r>
+              <a:rPr lang="en-US" altLang="zh-CN" sz="2800" dirty="0">
+                <a:solidFill>
+                  <a:prstClr val="black"/>
+                </a:solidFill>
+                <a:latin typeface="微软雅黑" panose="020B0503020204020204" pitchFamily="34" charset="-122"/>
+                <a:ea typeface="微软雅黑" panose="020B0503020204020204" pitchFamily="34" charset="-122"/>
+              </a:rPr>
+              <a:t>(matrix factorization approaches)</a:t>
+            </a:r>
+          </a:p>
+          <a:p>
+            <a:r>
+              <a:rPr lang="zh-CN" altLang="en-US" sz="2800" dirty="0">
+                <a:solidFill>
+                  <a:prstClr val="black"/>
+                </a:solidFill>
+                <a:latin typeface="微软雅黑" panose="020B0503020204020204" pitchFamily="34" charset="-122"/>
+                <a:ea typeface="微软雅黑" panose="020B0503020204020204" pitchFamily="34" charset="-122"/>
+              </a:rPr>
+              <a:t>（</a:t>
+            </a:r>
+            <a:r>
+              <a:rPr lang="en-US" altLang="zh-CN" sz="2800" dirty="0">
+                <a:solidFill>
+                  <a:prstClr val="black"/>
+                </a:solidFill>
+                <a:latin typeface="微软雅黑" panose="020B0503020204020204" pitchFamily="34" charset="-122"/>
+                <a:ea typeface="微软雅黑" panose="020B0503020204020204" pitchFamily="34" charset="-122"/>
+              </a:rPr>
+              <a:t>2</a:t>
+            </a:r>
+            <a:r>
+              <a:rPr lang="zh-CN" altLang="en-US" sz="2800" dirty="0">
+                <a:solidFill>
+                  <a:prstClr val="black"/>
+                </a:solidFill>
+                <a:latin typeface="微软雅黑" panose="020B0503020204020204" pitchFamily="34" charset="-122"/>
+                <a:ea typeface="微软雅黑" panose="020B0503020204020204" pitchFamily="34" charset="-122"/>
+              </a:rPr>
+              <a:t>）</a:t>
+            </a:r>
+            <a:r>
+              <a:rPr lang="zh-CN" altLang="en-US" sz="2800" dirty="0">
                 <a:solidFill>
                   <a:srgbClr val="C00000"/>
                 </a:solidFill>
                 <a:latin typeface="微软雅黑" panose="020B0503020204020204" pitchFamily="34" charset="-122"/>
                 <a:ea typeface="微软雅黑" panose="020B0503020204020204" pitchFamily="34" charset="-122"/>
-                <a:cs typeface="Times New Roman" panose="02020603050405020304" pitchFamily="18" charset="0"/>
               </a:rPr>
-              <a:t>Pairwise</a:t>
-            </a:r>
-            <a:r>
-              <a:rPr lang="en-US" altLang="zh-CN" sz="2400" dirty="0">
-                <a:latin typeface="微软雅黑" panose="020B0503020204020204" pitchFamily="34" charset="-122"/>
-                <a:ea typeface="微软雅黑" panose="020B0503020204020204" pitchFamily="34" charset="-122"/>
-                <a:cs typeface="Times New Roman" panose="02020603050405020304" pitchFamily="18" charset="0"/>
-              </a:rPr>
-              <a:t> decoder</a:t>
-            </a:r>
-            <a:r>
-              <a:rPr lang="zh-CN" altLang="en-US" sz="2400" dirty="0">
-                <a:latin typeface="微软雅黑" panose="020B0503020204020204" pitchFamily="34" charset="-122"/>
-                <a:ea typeface="微软雅黑" panose="020B0503020204020204" pitchFamily="34" charset="-122"/>
-                <a:cs typeface="Times New Roman" panose="02020603050405020304" pitchFamily="18" charset="0"/>
-              </a:rPr>
-              <a:t>通常用来根据</a:t>
-            </a:r>
-            <a:r>
-              <a:rPr lang="en-US" altLang="zh-CN" sz="2400" dirty="0">
-                <a:latin typeface="微软雅黑" panose="020B0503020204020204" pitchFamily="34" charset="-122"/>
-                <a:ea typeface="微软雅黑" panose="020B0503020204020204" pitchFamily="34" charset="-122"/>
-                <a:cs typeface="Times New Roman" panose="02020603050405020304" pitchFamily="18" charset="0"/>
-              </a:rPr>
-              <a:t>encoder</a:t>
-            </a:r>
-            <a:r>
-              <a:rPr lang="zh-CN" altLang="en-US" sz="2400" dirty="0">
-                <a:latin typeface="微软雅黑" panose="020B0503020204020204" pitchFamily="34" charset="-122"/>
-                <a:ea typeface="微软雅黑" panose="020B0503020204020204" pitchFamily="34" charset="-122"/>
-                <a:cs typeface="Times New Roman" panose="02020603050405020304" pitchFamily="18" charset="0"/>
-              </a:rPr>
-              <a:t>得到的向量来</a:t>
-            </a:r>
-            <a:r>
-              <a:rPr lang="zh-CN" altLang="en-US" sz="2400" dirty="0">
+              <a:t>随机游走方法</a:t>
+            </a:r>
+            <a:endParaRPr lang="en-US" altLang="zh-CN" sz="2800" dirty="0">
+              <a:solidFill>
+                <a:srgbClr val="C00000"/>
+              </a:solidFill>
+              <a:latin typeface="微软雅黑" panose="020B0503020204020204" pitchFamily="34" charset="-122"/>
+              <a:ea typeface="微软雅黑" panose="020B0503020204020204" pitchFamily="34" charset="-122"/>
+            </a:endParaRPr>
+          </a:p>
+          <a:p>
+            <a:r>
+              <a:rPr lang="en-US" altLang="zh-CN" sz="2800" dirty="0">
                 <a:solidFill>
-                  <a:schemeClr val="accent1"/>
+                  <a:prstClr val="black"/>
                 </a:solidFill>
                 <a:latin typeface="微软雅黑" panose="020B0503020204020204" pitchFamily="34" charset="-122"/>
                 <a:ea typeface="微软雅黑" panose="020B0503020204020204" pitchFamily="34" charset="-122"/>
-                <a:cs typeface="Times New Roman" panose="02020603050405020304" pitchFamily="18" charset="0"/>
               </a:rPr>
-              <a:t>重构</a:t>
-            </a:r>
-            <a:r>
-              <a:rPr lang="zh-CN" altLang="en-US" sz="2400" dirty="0">
-                <a:latin typeface="微软雅黑" panose="020B0503020204020204" pitchFamily="34" charset="-122"/>
-                <a:ea typeface="微软雅黑" panose="020B0503020204020204" pitchFamily="34" charset="-122"/>
-                <a:cs typeface="Times New Roman" panose="02020603050405020304" pitchFamily="18" charset="0"/>
-              </a:rPr>
-              <a:t>图的一些性质，预测结点对的关系或相似性。</a:t>
-            </a:r>
-            <a:endParaRPr lang="en-US" altLang="zh-CN" sz="2400" dirty="0">
-              <a:latin typeface="微软雅黑" panose="020B0503020204020204" pitchFamily="34" charset="-122"/>
-              <a:ea typeface="微软雅黑" panose="020B0503020204020204" pitchFamily="34" charset="-122"/>
-              <a:cs typeface="Times New Roman" panose="02020603050405020304" pitchFamily="18" charset="0"/>
-            </a:endParaRPr>
+              <a:t>(random walks approaches)</a:t>
+            </a:r>
+            <a:endParaRPr lang="zh-CN" altLang="en-US" dirty="0"/>
           </a:p>
         </p:txBody>
       </p:sp>
-      <mc:AlternateContent xmlns:mc="http://schemas.openxmlformats.org/markup-compatibility/2006">
-        <mc:Choice xmlns:a14="http://schemas.microsoft.com/office/drawing/2010/main" Requires="a14">
-          <p:sp>
-            <p:nvSpPr>
-              <p:cNvPr id="16" name="矩形 15">
-                <a:extLst>
-                  <a:ext uri="{FF2B5EF4-FFF2-40B4-BE49-F238E27FC236}">
-                    <a16:creationId xmlns:a16="http://schemas.microsoft.com/office/drawing/2014/main" id="{D72B4469-0744-4861-B098-280E80DFD727}"/>
-                  </a:ext>
-                </a:extLst>
-              </p:cNvPr>
-              <p:cNvSpPr/>
-              <p:nvPr/>
-            </p:nvSpPr>
-            <p:spPr>
-              <a:xfrm>
-                <a:off x="4129343" y="3862535"/>
-                <a:ext cx="2984727" cy="468205"/>
-              </a:xfrm>
-              <a:prstGeom prst="rect">
-                <a:avLst/>
-              </a:prstGeom>
-            </p:spPr>
-            <p:txBody>
-              <a:bodyPr wrap="none">
-                <a:spAutoFit/>
-              </a:bodyPr>
-              <a:lstStyle/>
-              <a:p>
-                <a:pPr/>
-                <a14:m>
-                  <m:oMathPara xmlns:m="http://schemas.openxmlformats.org/officeDocument/2006/math">
-                    <m:oMathParaPr>
-                      <m:jc m:val="centerGroup"/>
-                    </m:oMathParaPr>
-                    <m:oMath xmlns:m="http://schemas.openxmlformats.org/officeDocument/2006/math">
-                      <m:r>
-                        <m:rPr>
-                          <m:sty m:val="p"/>
-                        </m:rPr>
-                        <a:rPr lang="en-US" altLang="zh-CN" sz="2400" b="0" i="0" smtClean="0">
-                          <a:solidFill>
-                            <a:prstClr val="black"/>
-                          </a:solidFill>
-                          <a:latin typeface="Cambria Math" panose="02040503050406030204" pitchFamily="18" charset="0"/>
-                        </a:rPr>
-                        <m:t>DEC</m:t>
-                      </m:r>
-                      <m:r>
-                        <a:rPr lang="en-US" altLang="zh-CN" sz="2400" i="1">
-                          <a:solidFill>
-                            <a:prstClr val="black"/>
-                          </a:solidFill>
-                          <a:latin typeface="Cambria Math" panose="02040503050406030204" pitchFamily="18" charset="0"/>
-                        </a:rPr>
-                        <m:t>:</m:t>
-                      </m:r>
-                      <m:sSup>
-                        <m:sSupPr>
-                          <m:ctrlPr>
-                            <a:rPr lang="zh-CN" altLang="en-US" sz="2400" i="1" dirty="0">
-                              <a:solidFill>
-                                <a:prstClr val="black"/>
-                              </a:solidFill>
-                              <a:latin typeface="Cambria Math" panose="02040503050406030204" pitchFamily="18" charset="0"/>
-                            </a:rPr>
-                          </m:ctrlPr>
-                        </m:sSupPr>
-                        <m:e>
-                          <m:r>
-                            <a:rPr lang="zh-CN" altLang="en-US" sz="2400" dirty="0">
-                              <a:solidFill>
-                                <a:prstClr val="black"/>
-                              </a:solidFill>
-                              <a:latin typeface="Cambria Math" panose="02040503050406030204" pitchFamily="18" charset="0"/>
-                            </a:rPr>
-                            <m:t>ℝ</m:t>
-                          </m:r>
-                        </m:e>
-                        <m:sup>
-                          <m:r>
-                            <a:rPr lang="zh-CN" altLang="en-US" sz="2400" i="1" dirty="0">
-                              <a:solidFill>
-                                <a:prstClr val="black"/>
-                              </a:solidFill>
-                              <a:latin typeface="Cambria Math" panose="02040503050406030204" pitchFamily="18" charset="0"/>
-                            </a:rPr>
-                            <m:t>𝑑</m:t>
-                          </m:r>
-                        </m:sup>
-                      </m:sSup>
-                      <m:r>
-                        <a:rPr lang="en-US" altLang="zh-CN" sz="2400" b="0" i="1" dirty="0" smtClean="0">
-                          <a:solidFill>
-                            <a:prstClr val="black"/>
-                          </a:solidFill>
-                          <a:latin typeface="Cambria Math" panose="02040503050406030204" pitchFamily="18" charset="0"/>
-                        </a:rPr>
-                        <m:t>×</m:t>
-                      </m:r>
-                      <m:sSup>
-                        <m:sSupPr>
-                          <m:ctrlPr>
-                            <a:rPr lang="zh-CN" altLang="en-US" sz="2400" i="1" dirty="0">
-                              <a:solidFill>
-                                <a:prstClr val="black"/>
-                              </a:solidFill>
-                              <a:latin typeface="Cambria Math" panose="02040503050406030204" pitchFamily="18" charset="0"/>
-                            </a:rPr>
-                          </m:ctrlPr>
-                        </m:sSupPr>
-                        <m:e>
-                          <m:r>
-                            <a:rPr lang="zh-CN" altLang="en-US" sz="2400" dirty="0">
-                              <a:solidFill>
-                                <a:prstClr val="black"/>
-                              </a:solidFill>
-                              <a:latin typeface="Cambria Math" panose="02040503050406030204" pitchFamily="18" charset="0"/>
-                            </a:rPr>
-                            <m:t>ℝ</m:t>
-                          </m:r>
-                        </m:e>
-                        <m:sup>
-                          <m:r>
-                            <a:rPr lang="zh-CN" altLang="en-US" sz="2400" i="1" dirty="0">
-                              <a:solidFill>
-                                <a:prstClr val="black"/>
-                              </a:solidFill>
-                              <a:latin typeface="Cambria Math" panose="02040503050406030204" pitchFamily="18" charset="0"/>
-                            </a:rPr>
-                            <m:t>𝑑</m:t>
-                          </m:r>
-                        </m:sup>
-                      </m:sSup>
-                      <m:r>
-                        <a:rPr lang="en-US" altLang="zh-CN" sz="2400" i="1">
-                          <a:solidFill>
-                            <a:prstClr val="black"/>
-                          </a:solidFill>
-                          <a:latin typeface="Cambria Math" panose="02040503050406030204" pitchFamily="18" charset="0"/>
-                        </a:rPr>
-                        <m:t>→ </m:t>
-                      </m:r>
-                      <m:sSup>
-                        <m:sSupPr>
-                          <m:ctrlPr>
-                            <a:rPr lang="zh-CN" altLang="en-US" sz="2400" i="1" dirty="0">
-                              <a:solidFill>
-                                <a:prstClr val="black"/>
-                              </a:solidFill>
-                              <a:latin typeface="Cambria Math" panose="02040503050406030204" pitchFamily="18" charset="0"/>
-                            </a:rPr>
-                          </m:ctrlPr>
-                        </m:sSupPr>
-                        <m:e>
-                          <m:r>
-                            <a:rPr lang="zh-CN" altLang="en-US" sz="2400" dirty="0">
-                              <a:solidFill>
-                                <a:prstClr val="black"/>
-                              </a:solidFill>
-                              <a:latin typeface="Cambria Math" panose="02040503050406030204" pitchFamily="18" charset="0"/>
-                            </a:rPr>
-                            <m:t>ℝ</m:t>
-                          </m:r>
-                        </m:e>
-                        <m:sup>
-                          <m:r>
-                            <a:rPr lang="en-US" altLang="zh-CN" sz="2400" b="0" i="1" dirty="0" smtClean="0">
-                              <a:solidFill>
-                                <a:prstClr val="black"/>
-                              </a:solidFill>
-                              <a:latin typeface="Cambria Math" panose="02040503050406030204" pitchFamily="18" charset="0"/>
-                            </a:rPr>
-                            <m:t>+</m:t>
-                          </m:r>
-                        </m:sup>
-                      </m:sSup>
-                    </m:oMath>
-                  </m:oMathPara>
-                </a14:m>
-                <a:endParaRPr lang="zh-CN" altLang="en-US" sz="1200" dirty="0"/>
-              </a:p>
-            </p:txBody>
-          </p:sp>
-        </mc:Choice>
-        <mc:Fallback>
-          <p:sp>
-            <p:nvSpPr>
-              <p:cNvPr id="16" name="矩形 15">
-                <a:extLst>
-                  <a:ext uri="{FF2B5EF4-FFF2-40B4-BE49-F238E27FC236}">
-                    <a16:creationId xmlns:a16="http://schemas.microsoft.com/office/drawing/2014/main" id="{D72B4469-0744-4861-B098-280E80DFD727}"/>
-                  </a:ext>
-                </a:extLst>
-              </p:cNvPr>
-              <p:cNvSpPr>
-                <a:spLocks noRot="1" noChangeAspect="1" noMove="1" noResize="1" noEditPoints="1" noAdjustHandles="1" noChangeArrowheads="1" noChangeShapeType="1" noTextEdit="1"/>
-              </p:cNvSpPr>
-              <p:nvPr/>
-            </p:nvSpPr>
-            <p:spPr>
-              <a:xfrm>
-                <a:off x="4129343" y="3862535"/>
-                <a:ext cx="2984727" cy="468205"/>
-              </a:xfrm>
-              <a:prstGeom prst="rect">
-                <a:avLst/>
-              </a:prstGeom>
-              <a:blipFill>
-                <a:blip r:embed="rId7"/>
-                <a:stretch>
-                  <a:fillRect/>
-                </a:stretch>
-              </a:blipFill>
-            </p:spPr>
-            <p:txBody>
-              <a:bodyPr/>
-              <a:lstStyle/>
-              <a:p>
-                <a:r>
-                  <a:rPr lang="zh-CN" altLang="en-US">
-                    <a:noFill/>
-                  </a:rPr>
-                  <a:t> </a:t>
-                </a:r>
-              </a:p>
-            </p:txBody>
-          </p:sp>
-        </mc:Fallback>
-      </mc:AlternateContent>
-      <mc:AlternateContent xmlns:mc="http://schemas.openxmlformats.org/markup-compatibility/2006">
-        <mc:Choice xmlns:a14="http://schemas.microsoft.com/office/drawing/2010/main" Requires="a14">
-          <p:sp>
-            <p:nvSpPr>
-              <p:cNvPr id="17" name="矩形 16">
-                <a:extLst>
-                  <a:ext uri="{FF2B5EF4-FFF2-40B4-BE49-F238E27FC236}">
-                    <a16:creationId xmlns:a16="http://schemas.microsoft.com/office/drawing/2014/main" id="{466B32F2-2E09-4564-AD9B-32F55BC169EF}"/>
-                  </a:ext>
-                </a:extLst>
-              </p:cNvPr>
-              <p:cNvSpPr/>
-              <p:nvPr/>
-            </p:nvSpPr>
-            <p:spPr>
-              <a:xfrm>
-                <a:off x="2406306" y="5220498"/>
-                <a:ext cx="6430799" cy="509178"/>
-              </a:xfrm>
-              <a:prstGeom prst="rect">
-                <a:avLst/>
-              </a:prstGeom>
-            </p:spPr>
-            <p:txBody>
-              <a:bodyPr wrap="none">
-                <a:spAutoFit/>
-              </a:bodyPr>
-              <a:lstStyle/>
-              <a:p>
-                <a14:m>
-                  <m:oMathPara xmlns:m="http://schemas.openxmlformats.org/officeDocument/2006/math">
-                    <m:oMathParaPr>
-                      <m:jc m:val="centerGroup"/>
-                    </m:oMathParaPr>
-                    <m:oMath xmlns:m="http://schemas.openxmlformats.org/officeDocument/2006/math">
-                      <m:r>
-                        <m:rPr>
-                          <m:sty m:val="p"/>
-                        </m:rPr>
-                        <a:rPr lang="en-US" altLang="zh-CN" sz="2400" smtClean="0">
-                          <a:solidFill>
-                            <a:prstClr val="black"/>
-                          </a:solidFill>
-                          <a:latin typeface="Cambria Math" panose="02040503050406030204" pitchFamily="18" charset="0"/>
-                        </a:rPr>
-                        <m:t>DEC</m:t>
-                      </m:r>
-                      <m:d>
-                        <m:dPr>
-                          <m:ctrlPr>
-                            <a:rPr lang="en-US" altLang="zh-CN" sz="2400" b="0" i="0" smtClean="0">
-                              <a:solidFill>
-                                <a:prstClr val="black"/>
-                              </a:solidFill>
-                              <a:latin typeface="Cambria Math" panose="02040503050406030204" pitchFamily="18" charset="0"/>
-                            </a:rPr>
-                          </m:ctrlPr>
-                        </m:dPr>
-                        <m:e>
-                          <m:r>
-                            <m:rPr>
-                              <m:sty m:val="p"/>
-                            </m:rPr>
-                            <a:rPr lang="en-US" altLang="zh-CN" sz="2400">
-                              <a:solidFill>
-                                <a:prstClr val="black"/>
-                              </a:solidFill>
-                              <a:latin typeface="Cambria Math" panose="02040503050406030204" pitchFamily="18" charset="0"/>
-                            </a:rPr>
-                            <m:t>ENC</m:t>
-                          </m:r>
-                          <m:d>
-                            <m:dPr>
-                              <m:ctrlPr>
-                                <a:rPr lang="en-US" altLang="zh-CN" sz="2400" b="0" i="0" smtClean="0">
-                                  <a:solidFill>
-                                    <a:prstClr val="black"/>
-                                  </a:solidFill>
-                                  <a:latin typeface="Cambria Math" panose="02040503050406030204" pitchFamily="18" charset="0"/>
-                                </a:rPr>
-                              </m:ctrlPr>
-                            </m:dPr>
-                            <m:e>
-                              <m:r>
-                                <a:rPr lang="en-US" altLang="zh-CN" sz="2400" b="0" i="1" smtClean="0">
-                                  <a:solidFill>
-                                    <a:prstClr val="black"/>
-                                  </a:solidFill>
-                                  <a:latin typeface="Cambria Math" panose="02040503050406030204" pitchFamily="18" charset="0"/>
-                                </a:rPr>
-                                <m:t>𝑢</m:t>
-                              </m:r>
-                            </m:e>
-                          </m:d>
-                          <m:r>
-                            <a:rPr lang="en-US" altLang="zh-CN" sz="2400" b="0" i="0" smtClean="0">
-                              <a:solidFill>
-                                <a:prstClr val="black"/>
-                              </a:solidFill>
-                              <a:latin typeface="Cambria Math" panose="02040503050406030204" pitchFamily="18" charset="0"/>
-                            </a:rPr>
-                            <m:t>,</m:t>
-                          </m:r>
-                          <m:r>
-                            <m:rPr>
-                              <m:sty m:val="p"/>
-                            </m:rPr>
-                            <a:rPr lang="en-US" altLang="zh-CN" sz="2400" b="0" i="0" smtClean="0">
-                              <a:solidFill>
-                                <a:prstClr val="black"/>
-                              </a:solidFill>
-                              <a:latin typeface="Cambria Math" panose="02040503050406030204" pitchFamily="18" charset="0"/>
-                            </a:rPr>
-                            <m:t>ENC</m:t>
-                          </m:r>
-                          <m:d>
-                            <m:dPr>
-                              <m:ctrlPr>
-                                <a:rPr lang="en-US" altLang="zh-CN" sz="2400" b="0" i="0" smtClean="0">
-                                  <a:solidFill>
-                                    <a:prstClr val="black"/>
-                                  </a:solidFill>
-                                  <a:latin typeface="Cambria Math" panose="02040503050406030204" pitchFamily="18" charset="0"/>
-                                </a:rPr>
-                              </m:ctrlPr>
-                            </m:dPr>
-                            <m:e>
-                              <m:r>
-                                <a:rPr lang="en-US" altLang="zh-CN" sz="2400" b="0" i="1" smtClean="0">
-                                  <a:solidFill>
-                                    <a:prstClr val="black"/>
-                                  </a:solidFill>
-                                  <a:latin typeface="Cambria Math" panose="02040503050406030204" pitchFamily="18" charset="0"/>
-                                </a:rPr>
-                                <m:t>𝑣</m:t>
-                              </m:r>
-                            </m:e>
-                          </m:d>
-                        </m:e>
-                      </m:d>
-                      <m:r>
-                        <a:rPr lang="en-US" altLang="zh-CN" sz="2400" b="0" i="0" smtClean="0">
-                          <a:solidFill>
-                            <a:prstClr val="black"/>
-                          </a:solidFill>
-                          <a:latin typeface="Cambria Math" panose="02040503050406030204" pitchFamily="18" charset="0"/>
-                        </a:rPr>
-                        <m:t>=</m:t>
-                      </m:r>
-                      <m:r>
-                        <m:rPr>
-                          <m:sty m:val="p"/>
-                        </m:rPr>
-                        <a:rPr lang="en-US" altLang="zh-CN" sz="2400" b="0" i="0" smtClean="0">
-                          <a:solidFill>
-                            <a:prstClr val="black"/>
-                          </a:solidFill>
-                          <a:latin typeface="Cambria Math" panose="02040503050406030204" pitchFamily="18" charset="0"/>
-                        </a:rPr>
-                        <m:t>DEC</m:t>
-                      </m:r>
-                      <m:d>
-                        <m:dPr>
-                          <m:ctrlPr>
-                            <a:rPr lang="en-US" altLang="zh-CN" sz="2400" b="0" i="0" smtClean="0">
-                              <a:solidFill>
-                                <a:prstClr val="black"/>
-                              </a:solidFill>
-                              <a:latin typeface="Cambria Math" panose="02040503050406030204" pitchFamily="18" charset="0"/>
-                            </a:rPr>
-                          </m:ctrlPr>
-                        </m:dPr>
-                        <m:e>
-                          <m:sSub>
-                            <m:sSubPr>
-                              <m:ctrlPr>
-                                <a:rPr lang="en-US" altLang="zh-CN" sz="2400" i="1" dirty="0">
-                                  <a:solidFill>
-                                    <a:prstClr val="black"/>
-                                  </a:solidFill>
-                                  <a:latin typeface="Cambria Math" panose="02040503050406030204" pitchFamily="18" charset="0"/>
-                                </a:rPr>
-                              </m:ctrlPr>
-                            </m:sSubPr>
-                            <m:e>
-                              <m:r>
-                                <a:rPr lang="en-US" altLang="zh-CN" sz="2400" b="1" i="1" dirty="0">
-                                  <a:solidFill>
-                                    <a:prstClr val="black"/>
-                                  </a:solidFill>
-                                  <a:latin typeface="Cambria Math" panose="02040503050406030204" pitchFamily="18" charset="0"/>
-                                </a:rPr>
-                                <m:t>𝒛</m:t>
-                              </m:r>
-                            </m:e>
-                            <m:sub>
-                              <m:r>
-                                <a:rPr lang="en-US" altLang="zh-CN" sz="2400" b="0" i="1" dirty="0" smtClean="0">
-                                  <a:solidFill>
-                                    <a:prstClr val="black"/>
-                                  </a:solidFill>
-                                  <a:latin typeface="Cambria Math" panose="02040503050406030204" pitchFamily="18" charset="0"/>
-                                </a:rPr>
-                                <m:t>𝑢</m:t>
-                              </m:r>
-                            </m:sub>
-                          </m:sSub>
-                          <m:r>
-                            <a:rPr lang="en-US" altLang="zh-CN" sz="2400" b="0" i="0" dirty="0" smtClean="0">
-                              <a:solidFill>
-                                <a:prstClr val="black"/>
-                              </a:solidFill>
-                              <a:latin typeface="Cambria Math" panose="02040503050406030204" pitchFamily="18" charset="0"/>
-                            </a:rPr>
-                            <m:t>,</m:t>
-                          </m:r>
-                          <m:sSub>
-                            <m:sSubPr>
-                              <m:ctrlPr>
-                                <a:rPr lang="en-US" altLang="zh-CN" sz="2400" i="1" dirty="0">
-                                  <a:solidFill>
-                                    <a:prstClr val="black"/>
-                                  </a:solidFill>
-                                  <a:latin typeface="Cambria Math" panose="02040503050406030204" pitchFamily="18" charset="0"/>
-                                </a:rPr>
-                              </m:ctrlPr>
-                            </m:sSubPr>
-                            <m:e>
-                              <m:r>
-                                <a:rPr lang="en-US" altLang="zh-CN" sz="2400" b="1" i="1" dirty="0">
-                                  <a:solidFill>
-                                    <a:prstClr val="black"/>
-                                  </a:solidFill>
-                                  <a:latin typeface="Cambria Math" panose="02040503050406030204" pitchFamily="18" charset="0"/>
-                                </a:rPr>
-                                <m:t>𝒛</m:t>
-                              </m:r>
-                            </m:e>
-                            <m:sub>
-                              <m:r>
-                                <a:rPr lang="en-US" altLang="zh-CN" sz="2400" i="1" dirty="0">
-                                  <a:solidFill>
-                                    <a:prstClr val="black"/>
-                                  </a:solidFill>
-                                  <a:latin typeface="Cambria Math" panose="02040503050406030204" pitchFamily="18" charset="0"/>
-                                </a:rPr>
-                                <m:t>𝑣</m:t>
-                              </m:r>
-                            </m:sub>
-                          </m:sSub>
-                        </m:e>
-                      </m:d>
-                      <m:r>
-                        <a:rPr lang="en-US" altLang="zh-CN" sz="2400" b="0" i="1" smtClean="0">
-                          <a:solidFill>
-                            <a:prstClr val="black"/>
-                          </a:solidFill>
-                          <a:latin typeface="Cambria Math" panose="02040503050406030204" pitchFamily="18" charset="0"/>
-                        </a:rPr>
-                        <m:t>≈</m:t>
-                      </m:r>
-                      <m:r>
-                        <a:rPr lang="en-US" altLang="zh-CN" sz="2400" b="1" i="0" smtClean="0">
-                          <a:solidFill>
-                            <a:prstClr val="black"/>
-                          </a:solidFill>
-                          <a:latin typeface="Cambria Math" panose="02040503050406030204" pitchFamily="18" charset="0"/>
-                        </a:rPr>
-                        <m:t>𝐒</m:t>
-                      </m:r>
-                      <m:r>
-                        <a:rPr lang="en-US" altLang="zh-CN" sz="2400" b="0" i="1" smtClean="0">
-                          <a:solidFill>
-                            <a:prstClr val="black"/>
-                          </a:solidFill>
-                          <a:latin typeface="Cambria Math" panose="02040503050406030204" pitchFamily="18" charset="0"/>
-                        </a:rPr>
-                        <m:t>(</m:t>
-                      </m:r>
-                      <m:r>
-                        <a:rPr lang="en-US" altLang="zh-CN" sz="2400" b="0" i="1" smtClean="0">
-                          <a:solidFill>
-                            <a:prstClr val="black"/>
-                          </a:solidFill>
-                          <a:latin typeface="Cambria Math" panose="02040503050406030204" pitchFamily="18" charset="0"/>
-                        </a:rPr>
-                        <m:t>𝑢</m:t>
-                      </m:r>
-                      <m:r>
-                        <a:rPr lang="en-US" altLang="zh-CN" sz="2400" b="0" i="1" smtClean="0">
-                          <a:solidFill>
-                            <a:prstClr val="black"/>
-                          </a:solidFill>
-                          <a:latin typeface="Cambria Math" panose="02040503050406030204" pitchFamily="18" charset="0"/>
-                        </a:rPr>
-                        <m:t>,</m:t>
-                      </m:r>
-                      <m:r>
-                        <a:rPr lang="en-US" altLang="zh-CN" sz="2400" b="0" i="1" smtClean="0">
-                          <a:solidFill>
-                            <a:prstClr val="black"/>
-                          </a:solidFill>
-                          <a:latin typeface="Cambria Math" panose="02040503050406030204" pitchFamily="18" charset="0"/>
-                        </a:rPr>
-                        <m:t>𝑣</m:t>
-                      </m:r>
-                      <m:r>
-                        <a:rPr lang="en-US" altLang="zh-CN" sz="2400" b="0" i="1" smtClean="0">
-                          <a:solidFill>
-                            <a:prstClr val="black"/>
-                          </a:solidFill>
-                          <a:latin typeface="Cambria Math" panose="02040503050406030204" pitchFamily="18" charset="0"/>
-                        </a:rPr>
-                        <m:t>)</m:t>
-                      </m:r>
-                    </m:oMath>
-                  </m:oMathPara>
-                </a14:m>
-                <a:endParaRPr lang="zh-CN" altLang="en-US" dirty="0"/>
-              </a:p>
-            </p:txBody>
-          </p:sp>
-        </mc:Choice>
-        <mc:Fallback>
-          <p:sp>
-            <p:nvSpPr>
-              <p:cNvPr id="17" name="矩形 16">
-                <a:extLst>
-                  <a:ext uri="{FF2B5EF4-FFF2-40B4-BE49-F238E27FC236}">
-                    <a16:creationId xmlns:a16="http://schemas.microsoft.com/office/drawing/2014/main" id="{466B32F2-2E09-4564-AD9B-32F55BC169EF}"/>
-                  </a:ext>
-                </a:extLst>
-              </p:cNvPr>
-              <p:cNvSpPr>
-                <a:spLocks noRot="1" noChangeAspect="1" noMove="1" noResize="1" noEditPoints="1" noAdjustHandles="1" noChangeArrowheads="1" noChangeShapeType="1" noTextEdit="1"/>
-              </p:cNvSpPr>
-              <p:nvPr/>
-            </p:nvSpPr>
-            <p:spPr>
-              <a:xfrm>
-                <a:off x="2406306" y="5220498"/>
-                <a:ext cx="6430799" cy="509178"/>
-              </a:xfrm>
-              <a:prstGeom prst="rect">
-                <a:avLst/>
-              </a:prstGeom>
-              <a:blipFill>
-                <a:blip r:embed="rId8"/>
-                <a:stretch>
-                  <a:fillRect/>
-                </a:stretch>
-              </a:blipFill>
-            </p:spPr>
-            <p:txBody>
-              <a:bodyPr/>
-              <a:lstStyle/>
-              <a:p>
-                <a:r>
-                  <a:rPr lang="zh-CN" altLang="en-US">
-                    <a:noFill/>
-                  </a:rPr>
-                  <a:t> </a:t>
-                </a:r>
-              </a:p>
-            </p:txBody>
-          </p:sp>
-        </mc:Fallback>
-      </mc:AlternateContent>
-      <mc:AlternateContent xmlns:mc="http://schemas.openxmlformats.org/markup-compatibility/2006">
-        <mc:Choice xmlns:a14="http://schemas.microsoft.com/office/drawing/2010/main" Requires="a14">
-          <p:sp>
-            <p:nvSpPr>
-              <p:cNvPr id="19" name="矩形 18">
-                <a:extLst>
-                  <a:ext uri="{FF2B5EF4-FFF2-40B4-BE49-F238E27FC236}">
-                    <a16:creationId xmlns:a16="http://schemas.microsoft.com/office/drawing/2014/main" id="{8520106F-3518-477A-B362-1F09E0D8454A}"/>
-                  </a:ext>
-                </a:extLst>
-              </p:cNvPr>
-              <p:cNvSpPr/>
-              <p:nvPr/>
-            </p:nvSpPr>
-            <p:spPr>
-              <a:xfrm>
-                <a:off x="805099" y="5903179"/>
-                <a:ext cx="6308971" cy="461665"/>
-              </a:xfrm>
-              <a:prstGeom prst="rect">
-                <a:avLst/>
-              </a:prstGeom>
-            </p:spPr>
-            <p:txBody>
-              <a:bodyPr wrap="none">
-                <a:spAutoFit/>
-              </a:bodyPr>
-              <a:lstStyle/>
-              <a:p>
-                <a14:m>
-                  <m:oMath xmlns:m="http://schemas.openxmlformats.org/officeDocument/2006/math">
-                    <m:r>
-                      <a:rPr lang="en-US" altLang="zh-CN" sz="2400" b="1" smtClean="0">
-                        <a:solidFill>
-                          <a:prstClr val="black"/>
-                        </a:solidFill>
-                        <a:latin typeface="Cambria Math" panose="02040503050406030204" pitchFamily="18" charset="0"/>
-                      </a:rPr>
-                      <m:t>𝐒</m:t>
-                    </m:r>
-                    <m:r>
-                      <a:rPr lang="en-US" altLang="zh-CN" sz="2400" b="1" i="1" smtClean="0">
-                        <a:solidFill>
-                          <a:prstClr val="black"/>
-                        </a:solidFill>
-                        <a:latin typeface="Cambria Math" panose="02040503050406030204" pitchFamily="18" charset="0"/>
-                      </a:rPr>
-                      <m:t>(</m:t>
-                    </m:r>
-                    <m:r>
-                      <a:rPr lang="en-US" altLang="zh-CN" sz="2400" b="0" i="1" smtClean="0">
-                        <a:solidFill>
-                          <a:prstClr val="black"/>
-                        </a:solidFill>
-                        <a:latin typeface="Cambria Math" panose="02040503050406030204" pitchFamily="18" charset="0"/>
-                      </a:rPr>
-                      <m:t>𝑢</m:t>
-                    </m:r>
-                    <m:r>
-                      <a:rPr lang="en-US" altLang="zh-CN" sz="2400" b="0" i="1" smtClean="0">
-                        <a:solidFill>
-                          <a:prstClr val="black"/>
-                        </a:solidFill>
-                        <a:latin typeface="Cambria Math" panose="02040503050406030204" pitchFamily="18" charset="0"/>
-                      </a:rPr>
-                      <m:t>,</m:t>
-                    </m:r>
-                    <m:r>
-                      <a:rPr lang="en-US" altLang="zh-CN" sz="2400" b="0" i="1" smtClean="0">
-                        <a:solidFill>
-                          <a:prstClr val="black"/>
-                        </a:solidFill>
-                        <a:latin typeface="Cambria Math" panose="02040503050406030204" pitchFamily="18" charset="0"/>
-                      </a:rPr>
-                      <m:t>𝑣</m:t>
-                    </m:r>
-                    <m:r>
-                      <a:rPr lang="en-US" altLang="zh-CN" sz="2400" b="1" i="1" smtClean="0">
-                        <a:solidFill>
-                          <a:prstClr val="black"/>
-                        </a:solidFill>
-                        <a:latin typeface="Cambria Math" panose="02040503050406030204" pitchFamily="18" charset="0"/>
-                      </a:rPr>
-                      <m:t>)</m:t>
-                    </m:r>
-                  </m:oMath>
-                </a14:m>
-                <a:r>
-                  <a:rPr lang="zh-CN" altLang="en-US" sz="2400" dirty="0">
-                    <a:latin typeface="微软雅黑" panose="020B0503020204020204" pitchFamily="34" charset="-122"/>
-                    <a:ea typeface="微软雅黑" panose="020B0503020204020204" pitchFamily="34" charset="-122"/>
-                  </a:rPr>
-                  <a:t>是基于</a:t>
-                </a:r>
-                <a:r>
-                  <a:rPr lang="zh-CN" altLang="en-US" sz="2400" dirty="0">
-                    <a:solidFill>
-                      <a:schemeClr val="accent2">
-                        <a:lumMod val="75000"/>
-                      </a:schemeClr>
-                    </a:solidFill>
-                    <a:latin typeface="微软雅黑" panose="020B0503020204020204" pitchFamily="34" charset="-122"/>
-                    <a:ea typeface="微软雅黑" panose="020B0503020204020204" pitchFamily="34" charset="-122"/>
-                  </a:rPr>
-                  <a:t>图结构</a:t>
-                </a:r>
-                <a:r>
-                  <a:rPr lang="zh-CN" altLang="en-US" sz="2400" dirty="0">
-                    <a:latin typeface="微软雅黑" panose="020B0503020204020204" pitchFamily="34" charset="-122"/>
-                    <a:ea typeface="微软雅黑" panose="020B0503020204020204" pitchFamily="34" charset="-122"/>
-                  </a:rPr>
-                  <a:t>的结点间相似性的度量。</a:t>
-                </a:r>
-                <a:endParaRPr lang="zh-CN" altLang="en-US" dirty="0">
-                  <a:latin typeface="微软雅黑" panose="020B0503020204020204" pitchFamily="34" charset="-122"/>
-                  <a:ea typeface="微软雅黑" panose="020B0503020204020204" pitchFamily="34" charset="-122"/>
-                </a:endParaRPr>
-              </a:p>
-            </p:txBody>
-          </p:sp>
-        </mc:Choice>
-        <mc:Fallback>
-          <p:sp>
-            <p:nvSpPr>
-              <p:cNvPr id="19" name="矩形 18">
-                <a:extLst>
-                  <a:ext uri="{FF2B5EF4-FFF2-40B4-BE49-F238E27FC236}">
-                    <a16:creationId xmlns:a16="http://schemas.microsoft.com/office/drawing/2014/main" id="{8520106F-3518-477A-B362-1F09E0D8454A}"/>
-                  </a:ext>
-                </a:extLst>
-              </p:cNvPr>
-              <p:cNvSpPr>
-                <a:spLocks noRot="1" noChangeAspect="1" noMove="1" noResize="1" noEditPoints="1" noAdjustHandles="1" noChangeArrowheads="1" noChangeShapeType="1" noTextEdit="1"/>
-              </p:cNvSpPr>
-              <p:nvPr/>
-            </p:nvSpPr>
-            <p:spPr>
-              <a:xfrm>
-                <a:off x="805099" y="5903179"/>
-                <a:ext cx="6308971" cy="461665"/>
-              </a:xfrm>
-              <a:prstGeom prst="rect">
-                <a:avLst/>
-              </a:prstGeom>
-              <a:blipFill>
-                <a:blip r:embed="rId9"/>
-                <a:stretch>
-                  <a:fillRect l="-193" t="-10526" r="-580" b="-28947"/>
-                </a:stretch>
-              </a:blipFill>
-            </p:spPr>
-            <p:txBody>
-              <a:bodyPr/>
-              <a:lstStyle/>
-              <a:p>
-                <a:r>
-                  <a:rPr lang="zh-CN" altLang="en-US">
-                    <a:noFill/>
-                  </a:rPr>
-                  <a:t> </a:t>
-                </a:r>
-              </a:p>
-            </p:txBody>
-          </p:sp>
-        </mc:Fallback>
-      </mc:AlternateContent>
-      <mc:AlternateContent xmlns:mc="http://schemas.openxmlformats.org/markup-compatibility/2006">
-        <mc:Choice xmlns:a14="http://schemas.microsoft.com/office/drawing/2010/main" Requires="a14">
-          <p:sp>
-            <p:nvSpPr>
-              <p:cNvPr id="22" name="矩形 21">
-                <a:extLst>
-                  <a:ext uri="{FF2B5EF4-FFF2-40B4-BE49-F238E27FC236}">
-                    <a16:creationId xmlns:a16="http://schemas.microsoft.com/office/drawing/2014/main" id="{A9689493-FDE3-47E7-BFEA-A24E6D05BBA6}"/>
-                  </a:ext>
-                </a:extLst>
-              </p:cNvPr>
-              <p:cNvSpPr/>
-              <p:nvPr/>
-            </p:nvSpPr>
-            <p:spPr>
-              <a:xfrm>
-                <a:off x="8837105" y="5685928"/>
-                <a:ext cx="2501839" cy="461665"/>
-              </a:xfrm>
-              <a:prstGeom prst="rect">
-                <a:avLst/>
-              </a:prstGeom>
-            </p:spPr>
-            <p:txBody>
-              <a:bodyPr wrap="none">
-                <a:spAutoFit/>
-              </a:bodyPr>
-              <a:lstStyle/>
-              <a:p>
-                <a14:m>
-                  <m:oMathPara xmlns:m="http://schemas.openxmlformats.org/officeDocument/2006/math">
-                    <m:oMathParaPr>
-                      <m:jc m:val="centerGroup"/>
-                    </m:oMathParaPr>
-                    <m:oMath xmlns:m="http://schemas.openxmlformats.org/officeDocument/2006/math">
-                      <m:r>
-                        <a:rPr lang="en-US" altLang="zh-CN" sz="2400" b="1" smtClean="0">
-                          <a:solidFill>
-                            <a:prstClr val="black"/>
-                          </a:solidFill>
-                          <a:latin typeface="Cambria Math" panose="02040503050406030204" pitchFamily="18" charset="0"/>
-                        </a:rPr>
-                        <m:t>𝐒</m:t>
-                      </m:r>
-                      <m:d>
-                        <m:dPr>
-                          <m:ctrlPr>
-                            <a:rPr lang="en-US" altLang="zh-CN" sz="2400" b="1" i="1">
-                              <a:solidFill>
-                                <a:prstClr val="black"/>
-                              </a:solidFill>
-                              <a:latin typeface="Cambria Math" panose="02040503050406030204" pitchFamily="18" charset="0"/>
-                            </a:rPr>
-                          </m:ctrlPr>
-                        </m:dPr>
-                        <m:e>
-                          <m:r>
-                            <a:rPr lang="en-US" altLang="zh-CN" sz="2400" i="1">
-                              <a:solidFill>
-                                <a:prstClr val="black"/>
-                              </a:solidFill>
-                              <a:latin typeface="Cambria Math" panose="02040503050406030204" pitchFamily="18" charset="0"/>
-                            </a:rPr>
-                            <m:t>𝑢</m:t>
-                          </m:r>
-                          <m:r>
-                            <a:rPr lang="en-US" altLang="zh-CN" sz="2400" i="1">
-                              <a:solidFill>
-                                <a:prstClr val="black"/>
-                              </a:solidFill>
-                              <a:latin typeface="Cambria Math" panose="02040503050406030204" pitchFamily="18" charset="0"/>
-                            </a:rPr>
-                            <m:t>,</m:t>
-                          </m:r>
-                          <m:r>
-                            <a:rPr lang="en-US" altLang="zh-CN" sz="2400" i="1">
-                              <a:solidFill>
-                                <a:prstClr val="black"/>
-                              </a:solidFill>
-                              <a:latin typeface="Cambria Math" panose="02040503050406030204" pitchFamily="18" charset="0"/>
-                            </a:rPr>
-                            <m:t>𝑣</m:t>
-                          </m:r>
-                        </m:e>
-                      </m:d>
-                      <m:r>
-                        <a:rPr lang="en-US" altLang="zh-CN" sz="2400" b="1" i="1" smtClean="0">
-                          <a:solidFill>
-                            <a:prstClr val="black"/>
-                          </a:solidFill>
-                          <a:latin typeface="Cambria Math" panose="02040503050406030204" pitchFamily="18" charset="0"/>
-                        </a:rPr>
-                        <m:t>=</m:t>
-                      </m:r>
-                      <m:r>
-                        <a:rPr lang="en-US" altLang="zh-CN" sz="2400" b="1" i="0" smtClean="0">
-                          <a:solidFill>
-                            <a:prstClr val="black"/>
-                          </a:solidFill>
-                          <a:latin typeface="Cambria Math" panose="02040503050406030204" pitchFamily="18" charset="0"/>
-                        </a:rPr>
-                        <m:t>𝐀</m:t>
-                      </m:r>
-                      <m:r>
-                        <a:rPr lang="en-US" altLang="zh-CN" sz="2400" b="0" i="1" smtClean="0">
-                          <a:solidFill>
-                            <a:prstClr val="black"/>
-                          </a:solidFill>
-                          <a:latin typeface="Cambria Math" panose="02040503050406030204" pitchFamily="18" charset="0"/>
-                        </a:rPr>
-                        <m:t>(</m:t>
-                      </m:r>
-                      <m:r>
-                        <a:rPr lang="en-US" altLang="zh-CN" sz="2400" b="0" i="1" smtClean="0">
-                          <a:solidFill>
-                            <a:prstClr val="black"/>
-                          </a:solidFill>
-                          <a:latin typeface="Cambria Math" panose="02040503050406030204" pitchFamily="18" charset="0"/>
-                        </a:rPr>
-                        <m:t>𝑢</m:t>
-                      </m:r>
-                      <m:r>
-                        <a:rPr lang="en-US" altLang="zh-CN" sz="2400" b="0" i="1" smtClean="0">
-                          <a:solidFill>
-                            <a:prstClr val="black"/>
-                          </a:solidFill>
-                          <a:latin typeface="Cambria Math" panose="02040503050406030204" pitchFamily="18" charset="0"/>
-                        </a:rPr>
-                        <m:t>,</m:t>
-                      </m:r>
-                      <m:r>
-                        <a:rPr lang="en-US" altLang="zh-CN" sz="2400" b="0" i="1" smtClean="0">
-                          <a:solidFill>
-                            <a:prstClr val="black"/>
-                          </a:solidFill>
-                          <a:latin typeface="Cambria Math" panose="02040503050406030204" pitchFamily="18" charset="0"/>
-                        </a:rPr>
-                        <m:t>𝑣</m:t>
-                      </m:r>
-                      <m:r>
-                        <a:rPr lang="en-US" altLang="zh-CN" sz="2400" b="0" i="1" smtClean="0">
-                          <a:solidFill>
-                            <a:prstClr val="black"/>
-                          </a:solidFill>
-                          <a:latin typeface="Cambria Math" panose="02040503050406030204" pitchFamily="18" charset="0"/>
-                        </a:rPr>
-                        <m:t>)</m:t>
-                      </m:r>
-                    </m:oMath>
-                  </m:oMathPara>
-                </a14:m>
-                <a:endParaRPr lang="zh-CN" altLang="en-US" dirty="0"/>
-              </a:p>
-            </p:txBody>
-          </p:sp>
-        </mc:Choice>
-        <mc:Fallback>
-          <p:sp>
-            <p:nvSpPr>
-              <p:cNvPr id="22" name="矩形 21">
-                <a:extLst>
-                  <a:ext uri="{FF2B5EF4-FFF2-40B4-BE49-F238E27FC236}">
-                    <a16:creationId xmlns:a16="http://schemas.microsoft.com/office/drawing/2014/main" id="{A9689493-FDE3-47E7-BFEA-A24E6D05BBA6}"/>
-                  </a:ext>
-                </a:extLst>
-              </p:cNvPr>
-              <p:cNvSpPr>
-                <a:spLocks noRot="1" noChangeAspect="1" noMove="1" noResize="1" noEditPoints="1" noAdjustHandles="1" noChangeArrowheads="1" noChangeShapeType="1" noTextEdit="1"/>
-              </p:cNvSpPr>
-              <p:nvPr/>
-            </p:nvSpPr>
-            <p:spPr>
-              <a:xfrm>
-                <a:off x="8837105" y="5685928"/>
-                <a:ext cx="2501839" cy="461665"/>
-              </a:xfrm>
-              <a:prstGeom prst="rect">
-                <a:avLst/>
-              </a:prstGeom>
-              <a:blipFill>
-                <a:blip r:embed="rId10"/>
-                <a:stretch>
-                  <a:fillRect b="-18667"/>
-                </a:stretch>
-              </a:blipFill>
-            </p:spPr>
-            <p:txBody>
-              <a:bodyPr/>
-              <a:lstStyle/>
-              <a:p>
-                <a:r>
-                  <a:rPr lang="zh-CN" altLang="en-US">
-                    <a:noFill/>
-                  </a:rPr>
-                  <a:t> </a:t>
-                </a:r>
-              </a:p>
-            </p:txBody>
-          </p:sp>
-        </mc:Fallback>
-      </mc:AlternateContent>
-      <mc:AlternateContent xmlns:mc="http://schemas.openxmlformats.org/markup-compatibility/2006">
-        <mc:Choice xmlns:a14="http://schemas.microsoft.com/office/drawing/2010/main" Requires="a14">
-          <p:sp>
-            <p:nvSpPr>
-              <p:cNvPr id="23" name="矩形 22">
-                <a:extLst>
-                  <a:ext uri="{FF2B5EF4-FFF2-40B4-BE49-F238E27FC236}">
-                    <a16:creationId xmlns:a16="http://schemas.microsoft.com/office/drawing/2014/main" id="{18CD5EA7-AF55-46C8-90E8-F96634FA0C79}"/>
-                  </a:ext>
-                </a:extLst>
-              </p:cNvPr>
-              <p:cNvSpPr/>
-              <p:nvPr/>
-            </p:nvSpPr>
-            <p:spPr>
-              <a:xfrm>
-                <a:off x="8837105" y="6329997"/>
-                <a:ext cx="3426131" cy="461665"/>
-              </a:xfrm>
-              <a:prstGeom prst="rect">
-                <a:avLst/>
-              </a:prstGeom>
-            </p:spPr>
-            <p:txBody>
-              <a:bodyPr wrap="none">
-                <a:spAutoFit/>
-              </a:bodyPr>
-              <a:lstStyle/>
-              <a:p>
-                <a14:m>
-                  <m:oMathPara xmlns:m="http://schemas.openxmlformats.org/officeDocument/2006/math">
-                    <m:oMathParaPr>
-                      <m:jc m:val="centerGroup"/>
-                    </m:oMathParaPr>
-                    <m:oMath xmlns:m="http://schemas.openxmlformats.org/officeDocument/2006/math">
-                      <m:r>
-                        <a:rPr lang="en-US" altLang="zh-CN" sz="2400" b="1" smtClean="0">
-                          <a:solidFill>
-                            <a:prstClr val="black"/>
-                          </a:solidFill>
-                          <a:latin typeface="Cambria Math" panose="02040503050406030204" pitchFamily="18" charset="0"/>
-                        </a:rPr>
-                        <m:t>𝐒</m:t>
-                      </m:r>
-                      <m:d>
-                        <m:dPr>
-                          <m:ctrlPr>
-                            <a:rPr lang="en-US" altLang="zh-CN" sz="2400" b="1" i="1">
-                              <a:solidFill>
-                                <a:prstClr val="black"/>
-                              </a:solidFill>
-                              <a:latin typeface="Cambria Math" panose="02040503050406030204" pitchFamily="18" charset="0"/>
-                            </a:rPr>
-                          </m:ctrlPr>
-                        </m:dPr>
-                        <m:e>
-                          <m:r>
-                            <a:rPr lang="en-US" altLang="zh-CN" sz="2400" i="1">
-                              <a:solidFill>
-                                <a:prstClr val="black"/>
-                              </a:solidFill>
-                              <a:latin typeface="Cambria Math" panose="02040503050406030204" pitchFamily="18" charset="0"/>
-                            </a:rPr>
-                            <m:t>𝑢</m:t>
-                          </m:r>
-                          <m:r>
-                            <a:rPr lang="en-US" altLang="zh-CN" sz="2400" i="1">
-                              <a:solidFill>
-                                <a:prstClr val="black"/>
-                              </a:solidFill>
-                              <a:latin typeface="Cambria Math" panose="02040503050406030204" pitchFamily="18" charset="0"/>
-                            </a:rPr>
-                            <m:t>,</m:t>
-                          </m:r>
-                          <m:r>
-                            <a:rPr lang="en-US" altLang="zh-CN" sz="2400" i="1">
-                              <a:solidFill>
-                                <a:prstClr val="black"/>
-                              </a:solidFill>
-                              <a:latin typeface="Cambria Math" panose="02040503050406030204" pitchFamily="18" charset="0"/>
-                            </a:rPr>
-                            <m:t>𝑣</m:t>
-                          </m:r>
-                        </m:e>
-                      </m:d>
-                      <m:r>
-                        <a:rPr lang="en-US" altLang="zh-CN" sz="2400" b="1" i="1" smtClean="0">
-                          <a:solidFill>
-                            <a:prstClr val="black"/>
-                          </a:solidFill>
-                          <a:latin typeface="Cambria Math" panose="02040503050406030204" pitchFamily="18" charset="0"/>
-                        </a:rPr>
-                        <m:t>=</m:t>
-                      </m:r>
-                      <m:r>
-                        <a:rPr lang="en-US" altLang="zh-CN" sz="2400" b="1" i="0" smtClean="0">
-                          <a:solidFill>
-                            <a:prstClr val="black"/>
-                          </a:solidFill>
-                          <a:latin typeface="Cambria Math" panose="02040503050406030204" pitchFamily="18" charset="0"/>
-                        </a:rPr>
-                        <m:t>|</m:t>
-                      </m:r>
-                      <m:r>
-                        <a:rPr lang="en-US" altLang="zh-CN" sz="2400" b="0" i="1" smtClean="0">
-                          <a:solidFill>
-                            <a:prstClr val="black"/>
-                          </a:solidFill>
-                          <a:latin typeface="Cambria Math" panose="02040503050406030204" pitchFamily="18" charset="0"/>
-                        </a:rPr>
-                        <m:t>𝑁</m:t>
-                      </m:r>
-                      <m:d>
-                        <m:dPr>
-                          <m:ctrlPr>
-                            <a:rPr lang="en-US" altLang="zh-CN" sz="2400" b="0" i="1" smtClean="0">
-                              <a:solidFill>
-                                <a:prstClr val="black"/>
-                              </a:solidFill>
-                              <a:latin typeface="Cambria Math" panose="02040503050406030204" pitchFamily="18" charset="0"/>
-                            </a:rPr>
-                          </m:ctrlPr>
-                        </m:dPr>
-                        <m:e>
-                          <m:r>
-                            <a:rPr lang="en-US" altLang="zh-CN" sz="2400" b="0" i="1" smtClean="0">
-                              <a:solidFill>
-                                <a:prstClr val="black"/>
-                              </a:solidFill>
-                              <a:latin typeface="Cambria Math" panose="02040503050406030204" pitchFamily="18" charset="0"/>
-                            </a:rPr>
-                            <m:t>𝑢</m:t>
-                          </m:r>
-                        </m:e>
-                      </m:d>
-                      <m:r>
-                        <a:rPr lang="en-US" altLang="zh-CN" sz="2400" b="0" i="1" smtClean="0">
-                          <a:solidFill>
-                            <a:prstClr val="black"/>
-                          </a:solidFill>
-                          <a:latin typeface="Cambria Math" panose="02040503050406030204" pitchFamily="18" charset="0"/>
-                        </a:rPr>
-                        <m:t>∩</m:t>
-                      </m:r>
-                      <m:r>
-                        <a:rPr lang="en-US" altLang="zh-CN" sz="2400" b="0" i="1" smtClean="0">
-                          <a:solidFill>
-                            <a:prstClr val="black"/>
-                          </a:solidFill>
-                          <a:latin typeface="Cambria Math" panose="02040503050406030204" pitchFamily="18" charset="0"/>
-                        </a:rPr>
-                        <m:t>𝑁</m:t>
-                      </m:r>
-                      <m:r>
-                        <a:rPr lang="en-US" altLang="zh-CN" sz="2400" b="0" i="1" smtClean="0">
-                          <a:solidFill>
-                            <a:prstClr val="black"/>
-                          </a:solidFill>
-                          <a:latin typeface="Cambria Math" panose="02040503050406030204" pitchFamily="18" charset="0"/>
-                        </a:rPr>
-                        <m:t>(</m:t>
-                      </m:r>
-                      <m:r>
-                        <a:rPr lang="en-US" altLang="zh-CN" sz="2400" b="0" i="1" smtClean="0">
-                          <a:solidFill>
-                            <a:prstClr val="black"/>
-                          </a:solidFill>
-                          <a:latin typeface="Cambria Math" panose="02040503050406030204" pitchFamily="18" charset="0"/>
-                        </a:rPr>
-                        <m:t>𝑣</m:t>
-                      </m:r>
-                      <m:r>
-                        <a:rPr lang="en-US" altLang="zh-CN" sz="2400" b="0" i="1" smtClean="0">
-                          <a:solidFill>
-                            <a:prstClr val="black"/>
-                          </a:solidFill>
-                          <a:latin typeface="Cambria Math" panose="02040503050406030204" pitchFamily="18" charset="0"/>
-                        </a:rPr>
-                        <m:t>)|</m:t>
-                      </m:r>
-                    </m:oMath>
-                  </m:oMathPara>
-                </a14:m>
-                <a:endParaRPr lang="en-US" altLang="zh-CN" dirty="0"/>
-              </a:p>
-            </p:txBody>
-          </p:sp>
-        </mc:Choice>
-        <mc:Fallback>
-          <p:sp>
-            <p:nvSpPr>
-              <p:cNvPr id="23" name="矩形 22">
-                <a:extLst>
-                  <a:ext uri="{FF2B5EF4-FFF2-40B4-BE49-F238E27FC236}">
-                    <a16:creationId xmlns:a16="http://schemas.microsoft.com/office/drawing/2014/main" id="{18CD5EA7-AF55-46C8-90E8-F96634FA0C79}"/>
-                  </a:ext>
-                </a:extLst>
-              </p:cNvPr>
-              <p:cNvSpPr>
-                <a:spLocks noRot="1" noChangeAspect="1" noMove="1" noResize="1" noEditPoints="1" noAdjustHandles="1" noChangeArrowheads="1" noChangeShapeType="1" noTextEdit="1"/>
-              </p:cNvSpPr>
-              <p:nvPr/>
-            </p:nvSpPr>
-            <p:spPr>
-              <a:xfrm>
-                <a:off x="8837105" y="6329997"/>
-                <a:ext cx="3426131" cy="461665"/>
-              </a:xfrm>
-              <a:prstGeom prst="rect">
-                <a:avLst/>
-              </a:prstGeom>
-              <a:blipFill>
-                <a:blip r:embed="rId11"/>
-                <a:stretch>
-                  <a:fillRect b="-17105"/>
-                </a:stretch>
-              </a:blipFill>
-            </p:spPr>
-            <p:txBody>
-              <a:bodyPr/>
-              <a:lstStyle/>
-              <a:p>
-                <a:r>
-                  <a:rPr lang="zh-CN" altLang="en-US">
-                    <a:noFill/>
-                  </a:rPr>
-                  <a:t> </a:t>
-                </a:r>
-              </a:p>
-            </p:txBody>
-          </p:sp>
-        </mc:Fallback>
-      </mc:AlternateContent>
-      <mc:AlternateContent xmlns:mc="http://schemas.openxmlformats.org/markup-compatibility/2006">
-        <mc:Choice xmlns:a14="http://schemas.microsoft.com/office/drawing/2010/main" Requires="a14">
-          <p:sp>
-            <p:nvSpPr>
-              <p:cNvPr id="26" name="矩形 25">
-                <a:extLst>
-                  <a:ext uri="{FF2B5EF4-FFF2-40B4-BE49-F238E27FC236}">
-                    <a16:creationId xmlns:a16="http://schemas.microsoft.com/office/drawing/2014/main" id="{303E3EE5-E389-47CB-8F8B-805F8B1DC047}"/>
-                  </a:ext>
-                </a:extLst>
-              </p:cNvPr>
-              <p:cNvSpPr/>
-              <p:nvPr/>
-            </p:nvSpPr>
-            <p:spPr>
-              <a:xfrm>
-                <a:off x="8837105" y="6838968"/>
-                <a:ext cx="2650084" cy="461665"/>
-              </a:xfrm>
-              <a:prstGeom prst="rect">
-                <a:avLst/>
-              </a:prstGeom>
-            </p:spPr>
-            <p:txBody>
-              <a:bodyPr wrap="none">
-                <a:spAutoFit/>
-              </a:bodyPr>
-              <a:lstStyle/>
-              <a:p>
-                <a14:m>
-                  <m:oMathPara xmlns:m="http://schemas.openxmlformats.org/officeDocument/2006/math">
-                    <m:oMathParaPr>
-                      <m:jc m:val="centerGroup"/>
-                    </m:oMathParaPr>
-                    <m:oMath xmlns:m="http://schemas.openxmlformats.org/officeDocument/2006/math">
-                      <m:r>
-                        <a:rPr lang="en-US" altLang="zh-CN" sz="2400" b="1" smtClean="0">
-                          <a:solidFill>
-                            <a:prstClr val="black"/>
-                          </a:solidFill>
-                          <a:latin typeface="Cambria Math" panose="02040503050406030204" pitchFamily="18" charset="0"/>
-                        </a:rPr>
-                        <m:t>𝐒</m:t>
-                      </m:r>
-                      <m:d>
-                        <m:dPr>
-                          <m:ctrlPr>
-                            <a:rPr lang="en-US" altLang="zh-CN" sz="2400" b="1" i="1">
-                              <a:solidFill>
-                                <a:prstClr val="black"/>
-                              </a:solidFill>
-                              <a:latin typeface="Cambria Math" panose="02040503050406030204" pitchFamily="18" charset="0"/>
-                            </a:rPr>
-                          </m:ctrlPr>
-                        </m:dPr>
-                        <m:e>
-                          <m:r>
-                            <a:rPr lang="en-US" altLang="zh-CN" sz="2400" i="1">
-                              <a:solidFill>
-                                <a:prstClr val="black"/>
-                              </a:solidFill>
-                              <a:latin typeface="Cambria Math" panose="02040503050406030204" pitchFamily="18" charset="0"/>
-                            </a:rPr>
-                            <m:t>𝑢</m:t>
-                          </m:r>
-                          <m:r>
-                            <a:rPr lang="en-US" altLang="zh-CN" sz="2400" i="1">
-                              <a:solidFill>
-                                <a:prstClr val="black"/>
-                              </a:solidFill>
-                              <a:latin typeface="Cambria Math" panose="02040503050406030204" pitchFamily="18" charset="0"/>
-                            </a:rPr>
-                            <m:t>,</m:t>
-                          </m:r>
-                          <m:r>
-                            <a:rPr lang="en-US" altLang="zh-CN" sz="2400" i="1">
-                              <a:solidFill>
-                                <a:prstClr val="black"/>
-                              </a:solidFill>
-                              <a:latin typeface="Cambria Math" panose="02040503050406030204" pitchFamily="18" charset="0"/>
-                            </a:rPr>
-                            <m:t>𝑣</m:t>
-                          </m:r>
-                        </m:e>
-                      </m:d>
-                      <m:r>
-                        <a:rPr lang="en-US" altLang="zh-CN" sz="2400" b="1" i="1" smtClean="0">
-                          <a:solidFill>
-                            <a:prstClr val="black"/>
-                          </a:solidFill>
-                          <a:latin typeface="Cambria Math" panose="02040503050406030204" pitchFamily="18" charset="0"/>
-                        </a:rPr>
-                        <m:t>=</m:t>
-                      </m:r>
-                      <m:sSub>
-                        <m:sSubPr>
-                          <m:ctrlPr>
-                            <a:rPr lang="en-US" altLang="zh-CN" sz="2400" b="0" i="1" smtClean="0">
-                              <a:solidFill>
-                                <a:prstClr val="black"/>
-                              </a:solidFill>
-                              <a:latin typeface="Cambria Math" panose="02040503050406030204" pitchFamily="18" charset="0"/>
-                            </a:rPr>
-                          </m:ctrlPr>
-                        </m:sSubPr>
-                        <m:e>
-                          <m:r>
-                            <a:rPr lang="en-US" altLang="zh-CN" sz="2400" b="0" i="1" smtClean="0">
-                              <a:solidFill>
-                                <a:prstClr val="black"/>
-                              </a:solidFill>
-                              <a:latin typeface="Cambria Math" panose="02040503050406030204" pitchFamily="18" charset="0"/>
-                            </a:rPr>
-                            <m:t>𝑝</m:t>
-                          </m:r>
-                        </m:e>
-                        <m:sub>
-                          <m:r>
-                            <a:rPr lang="en-US" altLang="zh-CN" sz="2400" b="0" i="1" smtClean="0">
-                              <a:solidFill>
-                                <a:prstClr val="black"/>
-                              </a:solidFill>
-                              <a:latin typeface="Cambria Math" panose="02040503050406030204" pitchFamily="18" charset="0"/>
-                            </a:rPr>
-                            <m:t>𝐺</m:t>
-                          </m:r>
-                        </m:sub>
-                      </m:sSub>
-                      <m:r>
-                        <a:rPr lang="en-US" altLang="zh-CN" sz="2400" b="0" i="1" smtClean="0">
-                          <a:solidFill>
-                            <a:prstClr val="black"/>
-                          </a:solidFill>
-                          <a:latin typeface="Cambria Math" panose="02040503050406030204" pitchFamily="18" charset="0"/>
-                        </a:rPr>
-                        <m:t>(</m:t>
-                      </m:r>
-                      <m:r>
-                        <a:rPr lang="en-US" altLang="zh-CN" sz="2400" b="0" i="1" smtClean="0">
-                          <a:solidFill>
-                            <a:prstClr val="black"/>
-                          </a:solidFill>
-                          <a:latin typeface="Cambria Math" panose="02040503050406030204" pitchFamily="18" charset="0"/>
-                        </a:rPr>
-                        <m:t>𝑣</m:t>
-                      </m:r>
-                      <m:r>
-                        <a:rPr lang="en-US" altLang="zh-CN" sz="2400" b="0" i="1" smtClean="0">
-                          <a:solidFill>
-                            <a:prstClr val="black"/>
-                          </a:solidFill>
-                          <a:latin typeface="Cambria Math" panose="02040503050406030204" pitchFamily="18" charset="0"/>
-                        </a:rPr>
-                        <m:t>|</m:t>
-                      </m:r>
-                      <m:r>
-                        <a:rPr lang="en-US" altLang="zh-CN" sz="2400" b="0" i="1" smtClean="0">
-                          <a:solidFill>
-                            <a:prstClr val="black"/>
-                          </a:solidFill>
-                          <a:latin typeface="Cambria Math" panose="02040503050406030204" pitchFamily="18" charset="0"/>
-                        </a:rPr>
-                        <m:t>𝑢</m:t>
-                      </m:r>
-                      <m:r>
-                        <a:rPr lang="en-US" altLang="zh-CN" sz="2400" b="0" i="1" smtClean="0">
-                          <a:solidFill>
-                            <a:prstClr val="black"/>
-                          </a:solidFill>
-                          <a:latin typeface="Cambria Math" panose="02040503050406030204" pitchFamily="18" charset="0"/>
-                        </a:rPr>
-                        <m:t>)</m:t>
-                      </m:r>
-                    </m:oMath>
-                  </m:oMathPara>
-                </a14:m>
-                <a:endParaRPr lang="en-US" altLang="zh-CN" i="1" dirty="0"/>
-              </a:p>
-            </p:txBody>
-          </p:sp>
-        </mc:Choice>
-        <mc:Fallback>
-          <p:sp>
-            <p:nvSpPr>
-              <p:cNvPr id="26" name="矩形 25">
-                <a:extLst>
-                  <a:ext uri="{FF2B5EF4-FFF2-40B4-BE49-F238E27FC236}">
-                    <a16:creationId xmlns:a16="http://schemas.microsoft.com/office/drawing/2014/main" id="{303E3EE5-E389-47CB-8F8B-805F8B1DC047}"/>
-                  </a:ext>
-                </a:extLst>
-              </p:cNvPr>
-              <p:cNvSpPr>
-                <a:spLocks noRot="1" noChangeAspect="1" noMove="1" noResize="1" noEditPoints="1" noAdjustHandles="1" noChangeArrowheads="1" noChangeShapeType="1" noTextEdit="1"/>
-              </p:cNvSpPr>
-              <p:nvPr/>
-            </p:nvSpPr>
-            <p:spPr>
-              <a:xfrm>
-                <a:off x="8837105" y="6838968"/>
-                <a:ext cx="2650084" cy="461665"/>
-              </a:xfrm>
-              <a:prstGeom prst="rect">
-                <a:avLst/>
-              </a:prstGeom>
-              <a:blipFill>
-                <a:blip r:embed="rId12"/>
-                <a:stretch>
-                  <a:fillRect b="-17105"/>
-                </a:stretch>
-              </a:blipFill>
-            </p:spPr>
-            <p:txBody>
-              <a:bodyPr/>
-              <a:lstStyle/>
-              <a:p>
-                <a:r>
-                  <a:rPr lang="zh-CN" altLang="en-US">
-                    <a:noFill/>
-                  </a:rPr>
-                  <a:t> </a:t>
-                </a:r>
-              </a:p>
-            </p:txBody>
-          </p:sp>
-        </mc:Fallback>
-      </mc:AlternateContent>
-      <mc:AlternateContent xmlns:mc="http://schemas.openxmlformats.org/markup-compatibility/2006">
-        <mc:Choice xmlns:a14="http://schemas.microsoft.com/office/drawing/2010/main" Requires="a14">
-          <p:sp>
-            <p:nvSpPr>
-              <p:cNvPr id="27" name="矩形 26">
-                <a:extLst>
-                  <a:ext uri="{FF2B5EF4-FFF2-40B4-BE49-F238E27FC236}">
-                    <a16:creationId xmlns:a16="http://schemas.microsoft.com/office/drawing/2014/main" id="{BC1A5690-68B4-4274-B639-FA8E7A57DB12}"/>
-                  </a:ext>
-                </a:extLst>
-              </p:cNvPr>
-              <p:cNvSpPr/>
-              <p:nvPr/>
-            </p:nvSpPr>
-            <p:spPr>
-              <a:xfrm>
-                <a:off x="8095878" y="7585639"/>
-                <a:ext cx="3804021" cy="1477328"/>
-              </a:xfrm>
-              <a:prstGeom prst="rect">
-                <a:avLst/>
-              </a:prstGeom>
-            </p:spPr>
-            <p:txBody>
-              <a:bodyPr wrap="square">
-                <a:spAutoFit/>
-              </a:bodyPr>
-              <a:lstStyle/>
-              <a:p>
-                <a:r>
-                  <a:rPr lang="zh-CN" altLang="en-US" dirty="0">
-                    <a:solidFill>
-                      <a:schemeClr val="accent1"/>
-                    </a:solidFill>
-                    <a:latin typeface="微软雅黑" panose="020B0503020204020204" pitchFamily="34" charset="-122"/>
-                    <a:ea typeface="微软雅黑" panose="020B0503020204020204" pitchFamily="34" charset="-122"/>
-                  </a:rPr>
-                  <a:t>相似性函数</a:t>
-                </a:r>
-                <a:r>
-                  <a:rPr lang="zh-CN" altLang="en-US" dirty="0">
-                    <a:latin typeface="微软雅黑" panose="020B0503020204020204" pitchFamily="34" charset="-122"/>
-                    <a:ea typeface="微软雅黑" panose="020B0503020204020204" pitchFamily="34" charset="-122"/>
-                  </a:rPr>
-                  <a:t>，对应于从</a:t>
-                </a:r>
-                <a14:m>
-                  <m:oMath xmlns:m="http://schemas.openxmlformats.org/officeDocument/2006/math">
-                    <m:r>
-                      <a:rPr lang="en-US" altLang="zh-CN" i="1">
-                        <a:solidFill>
-                          <a:prstClr val="black"/>
-                        </a:solidFill>
-                        <a:latin typeface="Cambria Math" panose="02040503050406030204" pitchFamily="18" charset="0"/>
-                      </a:rPr>
-                      <m:t>𝑢</m:t>
-                    </m:r>
-                  </m:oMath>
-                </a14:m>
-                <a:r>
-                  <a:rPr lang="zh-CN" altLang="en-US" dirty="0">
-                    <a:latin typeface="微软雅黑" panose="020B0503020204020204" pitchFamily="34" charset="-122"/>
-                    <a:ea typeface="微软雅黑" panose="020B0503020204020204" pitchFamily="34" charset="-122"/>
-                  </a:rPr>
-                  <a:t>开始的固定长度随机游走中访问</a:t>
-                </a:r>
-                <a14:m>
-                  <m:oMath xmlns:m="http://schemas.openxmlformats.org/officeDocument/2006/math">
-                    <m:r>
-                      <a:rPr lang="en-US" altLang="zh-CN" b="0" i="1" smtClean="0">
-                        <a:solidFill>
-                          <a:prstClr val="black"/>
-                        </a:solidFill>
-                        <a:latin typeface="Cambria Math" panose="02040503050406030204" pitchFamily="18" charset="0"/>
-                      </a:rPr>
-                      <m:t>𝑣</m:t>
-                    </m:r>
-                  </m:oMath>
-                </a14:m>
-                <a:r>
-                  <a:rPr lang="zh-CN" altLang="en-US" dirty="0">
-                    <a:latin typeface="微软雅黑" panose="020B0503020204020204" pitchFamily="34" charset="-122"/>
-                    <a:ea typeface="微软雅黑" panose="020B0503020204020204" pitchFamily="34" charset="-122"/>
-                  </a:rPr>
-                  <a:t>的概率。</a:t>
-                </a:r>
-                <a:endParaRPr lang="en-US" altLang="zh-CN" dirty="0">
-                  <a:latin typeface="微软雅黑" panose="020B0503020204020204" pitchFamily="34" charset="-122"/>
-                  <a:ea typeface="微软雅黑" panose="020B0503020204020204" pitchFamily="34" charset="-122"/>
-                </a:endParaRPr>
-              </a:p>
-              <a:p>
-                <a:r>
-                  <a:rPr lang="zh-CN" altLang="en-US" dirty="0">
-                    <a:latin typeface="微软雅黑" panose="020B0503020204020204" pitchFamily="34" charset="-122"/>
-                    <a:ea typeface="微软雅黑" panose="020B0503020204020204" pitchFamily="34" charset="-122"/>
-                  </a:rPr>
-                  <a:t>如果两个结点倾向于在随机游走中</a:t>
-                </a:r>
-                <a:r>
-                  <a:rPr lang="zh-CN" altLang="en-US" dirty="0">
-                    <a:solidFill>
-                      <a:srgbClr val="C00000"/>
-                    </a:solidFill>
-                    <a:latin typeface="微软雅黑" panose="020B0503020204020204" pitchFamily="34" charset="-122"/>
-                    <a:ea typeface="微软雅黑" panose="020B0503020204020204" pitchFamily="34" charset="-122"/>
-                  </a:rPr>
-                  <a:t>同时出现</a:t>
-                </a:r>
-                <a:r>
-                  <a:rPr lang="en-US" altLang="zh-CN" dirty="0">
-                    <a:latin typeface="微软雅黑" panose="020B0503020204020204" pitchFamily="34" charset="-122"/>
-                    <a:ea typeface="微软雅黑" panose="020B0503020204020204" pitchFamily="34" charset="-122"/>
-                  </a:rPr>
-                  <a:t>(co-occur)</a:t>
-                </a:r>
-                <a:r>
-                  <a:rPr lang="zh-CN" altLang="en-US" dirty="0">
-                    <a:latin typeface="微软雅黑" panose="020B0503020204020204" pitchFamily="34" charset="-122"/>
-                    <a:ea typeface="微软雅黑" panose="020B0503020204020204" pitchFamily="34" charset="-122"/>
-                  </a:rPr>
-                  <a:t>，那么认为两个结点相似的，具有相似的嵌入。</a:t>
-                </a:r>
-              </a:p>
-            </p:txBody>
-          </p:sp>
-        </mc:Choice>
-        <mc:Fallback>
-          <p:sp>
-            <p:nvSpPr>
-              <p:cNvPr id="27" name="矩形 26">
-                <a:extLst>
-                  <a:ext uri="{FF2B5EF4-FFF2-40B4-BE49-F238E27FC236}">
-                    <a16:creationId xmlns:a16="http://schemas.microsoft.com/office/drawing/2014/main" id="{BC1A5690-68B4-4274-B639-FA8E7A57DB12}"/>
-                  </a:ext>
-                </a:extLst>
-              </p:cNvPr>
-              <p:cNvSpPr>
-                <a:spLocks noRot="1" noChangeAspect="1" noMove="1" noResize="1" noEditPoints="1" noAdjustHandles="1" noChangeArrowheads="1" noChangeShapeType="1" noTextEdit="1"/>
-              </p:cNvSpPr>
-              <p:nvPr/>
-            </p:nvSpPr>
-            <p:spPr>
-              <a:xfrm>
-                <a:off x="8095878" y="7585639"/>
-                <a:ext cx="3804021" cy="1477328"/>
-              </a:xfrm>
-              <a:prstGeom prst="rect">
-                <a:avLst/>
-              </a:prstGeom>
-              <a:blipFill>
-                <a:blip r:embed="rId13"/>
-                <a:stretch>
-                  <a:fillRect l="-1282" t="-2058" r="-481" b="-5350"/>
-                </a:stretch>
-              </a:blipFill>
-            </p:spPr>
-            <p:txBody>
-              <a:bodyPr/>
-              <a:lstStyle/>
-              <a:p>
-                <a:r>
-                  <a:rPr lang="zh-CN" altLang="en-US">
-                    <a:noFill/>
-                  </a:rPr>
-                  <a:t> </a:t>
-                </a:r>
-              </a:p>
-            </p:txBody>
-          </p:sp>
-        </mc:Fallback>
-      </mc:AlternateContent>
     </p:spTree>
     <p:extLst>
       <p:ext uri="{BB962C8B-B14F-4D97-AF65-F5344CB8AC3E}">
-        <p14:creationId xmlns:p14="http://schemas.microsoft.com/office/powerpoint/2010/main" val="2606842393"/>
+        <p14:creationId xmlns:p14="http://schemas.microsoft.com/office/powerpoint/2010/main" val="3164877546"/>
       </p:ext>
     </p:extLst>
   </p:cSld>
@@ -17874,6 +15950,36 @@
           <a:chExt cx="0" cy="0"/>
         </a:xfrm>
       </p:grpSpPr>
+      <p:pic>
+        <p:nvPicPr>
+          <p:cNvPr id="6" name="图片 5">
+            <a:extLst>
+              <a:ext uri="{FF2B5EF4-FFF2-40B4-BE49-F238E27FC236}">
+                <a16:creationId xmlns:a16="http://schemas.microsoft.com/office/drawing/2014/main" id="{908AA740-B88D-4267-ADFE-8442CC5B4EF6}"/>
+              </a:ext>
+            </a:extLst>
+          </p:cNvPr>
+          <p:cNvPicPr>
+            <a:picLocks noChangeAspect="1"/>
+          </p:cNvPicPr>
+          <p:nvPr/>
+        </p:nvPicPr>
+        <p:blipFill>
+          <a:blip r:embed="rId3"/>
+          <a:stretch>
+            <a:fillRect/>
+          </a:stretch>
+        </p:blipFill>
+        <p:spPr>
+          <a:xfrm>
+            <a:off x="669735" y="1556451"/>
+            <a:ext cx="4094897" cy="1680688"/>
+          </a:xfrm>
+          <a:prstGeom prst="rect">
+            <a:avLst/>
+          </a:prstGeom>
+        </p:spPr>
+      </p:pic>
       <p:sp>
         <p:nvSpPr>
           <p:cNvPr id="4" name="矩形 3">
@@ -17942,7 +16048,7 @@
         <p:spPr>
           <a:xfrm>
             <a:off x="106638" y="326480"/>
-            <a:ext cx="3353419" cy="923330"/>
+            <a:ext cx="4805675" cy="923330"/>
           </a:xfrm>
           <a:prstGeom prst="rect">
             <a:avLst/>
@@ -17963,7 +16069,7 @@
                 <a:ea typeface="微软雅黑" panose="020B0503020204020204" pitchFamily="34" charset="-122"/>
                 <a:cs typeface="Times New Roman" panose="02020603050405020304" pitchFamily="18" charset="0"/>
               </a:rPr>
-              <a:t>Summary</a:t>
+              <a:t>Random Walk</a:t>
             </a:r>
             <a:endParaRPr lang="zh-CN" altLang="en-US" sz="5400" dirty="0">
               <a:solidFill>
@@ -17977,2655 +16083,12 @@
       </p:sp>
       <mc:AlternateContent xmlns:mc="http://schemas.openxmlformats.org/markup-compatibility/2006">
         <mc:Choice xmlns:a14="http://schemas.microsoft.com/office/drawing/2010/main" Requires="a14">
-          <p:graphicFrame>
-            <p:nvGraphicFramePr>
-              <p:cNvPr id="2" name="表格 1">
+          <p:sp>
+            <p:nvSpPr>
+              <p:cNvPr id="27" name="矩形 26">
                 <a:extLst>
                   <a:ext uri="{FF2B5EF4-FFF2-40B4-BE49-F238E27FC236}">
-                    <a16:creationId xmlns:a16="http://schemas.microsoft.com/office/drawing/2014/main" id="{C69FD6DE-9838-460D-9616-692E016BD8B7}"/>
-                  </a:ext>
-                </a:extLst>
-              </p:cNvPr>
-              <p:cNvGraphicFramePr>
-                <a:graphicFrameLocks noGrp="1"/>
-              </p:cNvGraphicFramePr>
-              <p:nvPr>
-                <p:extLst>
-                  <p:ext uri="{D42A27DB-BD31-4B8C-83A1-F6EECF244321}">
-                    <p14:modId xmlns:p14="http://schemas.microsoft.com/office/powerpoint/2010/main" val="687303270"/>
-                  </p:ext>
-                </p:extLst>
-              </p:nvPr>
-            </p:nvGraphicFramePr>
-            <p:xfrm>
-              <a:off x="533400" y="2180166"/>
-              <a:ext cx="10623551" cy="5736527"/>
-            </p:xfrm>
-            <a:graphic>
-              <a:graphicData uri="http://schemas.openxmlformats.org/drawingml/2006/table">
-                <a:tbl>
-                  <a:tblPr firstRow="1" bandRow="1">
-                    <a:tableStyleId>{6E25E649-3F16-4E02-A733-19D2CDBF48F0}</a:tableStyleId>
-                  </a:tblPr>
-                  <a:tblGrid>
-                    <a:gridCol w="2199561">
-                      <a:extLst>
-                        <a:ext uri="{9D8B030D-6E8A-4147-A177-3AD203B41FA5}">
-                          <a16:colId xmlns:a16="http://schemas.microsoft.com/office/drawing/2014/main" val="152172446"/>
-                        </a:ext>
-                      </a:extLst>
-                    </a:gridCol>
-                    <a:gridCol w="3112214">
-                      <a:extLst>
-                        <a:ext uri="{9D8B030D-6E8A-4147-A177-3AD203B41FA5}">
-                          <a16:colId xmlns:a16="http://schemas.microsoft.com/office/drawing/2014/main" val="1506414170"/>
-                        </a:ext>
-                      </a:extLst>
-                    </a:gridCol>
-                    <a:gridCol w="2655888">
-                      <a:extLst>
-                        <a:ext uri="{9D8B030D-6E8A-4147-A177-3AD203B41FA5}">
-                          <a16:colId xmlns:a16="http://schemas.microsoft.com/office/drawing/2014/main" val="3244041763"/>
-                        </a:ext>
-                      </a:extLst>
-                    </a:gridCol>
-                    <a:gridCol w="2655888">
-                      <a:extLst>
-                        <a:ext uri="{9D8B030D-6E8A-4147-A177-3AD203B41FA5}">
-                          <a16:colId xmlns:a16="http://schemas.microsoft.com/office/drawing/2014/main" val="3069096707"/>
-                        </a:ext>
-                      </a:extLst>
-                    </a:gridCol>
-                  </a:tblGrid>
-                  <a:tr h="370840">
-                    <a:tc>
-                      <a:txBody>
-                        <a:bodyPr/>
-                        <a:lstStyle/>
-                        <a:p>
-                          <a:pPr algn="ctr"/>
-                          <a:r>
-                            <a:rPr lang="en-US" altLang="zh-CN" dirty="0"/>
-                            <a:t>Method</a:t>
-                          </a:r>
-                          <a:endParaRPr lang="zh-CN" altLang="en-US" dirty="0"/>
-                        </a:p>
-                      </a:txBody>
-                      <a:tcPr/>
-                    </a:tc>
-                    <a:tc>
-                      <a:txBody>
-                        <a:bodyPr/>
-                        <a:lstStyle/>
-                        <a:p>
-                          <a:pPr algn="ctr"/>
-                          <a:r>
-                            <a:rPr lang="en-US" altLang="zh-CN" dirty="0"/>
-                            <a:t>Decoder</a:t>
-                          </a:r>
-                          <a:endParaRPr lang="zh-CN" altLang="en-US" dirty="0"/>
-                        </a:p>
-                      </a:txBody>
-                      <a:tcPr/>
-                    </a:tc>
-                    <a:tc>
-                      <a:txBody>
-                        <a:bodyPr/>
-                        <a:lstStyle/>
-                        <a:p>
-                          <a:pPr algn="ctr"/>
-                          <a:r>
-                            <a:rPr lang="en-US" altLang="zh-CN" dirty="0"/>
-                            <a:t>Similarity Measure </a:t>
-                          </a:r>
-                          <a:endParaRPr lang="zh-CN" altLang="en-US" dirty="0"/>
-                        </a:p>
-                      </a:txBody>
-                      <a:tcPr/>
-                    </a:tc>
-                    <a:tc>
-                      <a:txBody>
-                        <a:bodyPr/>
-                        <a:lstStyle/>
-                        <a:p>
-                          <a:pPr algn="ctr"/>
-                          <a:r>
-                            <a:rPr lang="en-US" altLang="zh-CN" dirty="0"/>
-                            <a:t>Loss function</a:t>
-                          </a:r>
-                          <a:endParaRPr lang="zh-CN" altLang="en-US" dirty="0"/>
-                        </a:p>
-                      </a:txBody>
-                      <a:tcPr/>
-                    </a:tc>
-                    <a:extLst>
-                      <a:ext uri="{0D108BD9-81ED-4DB2-BD59-A6C34878D82A}">
-                        <a16:rowId xmlns:a16="http://schemas.microsoft.com/office/drawing/2014/main" val="2418107102"/>
-                      </a:ext>
-                    </a:extLst>
-                  </a:tr>
-                  <a:tr h="370840">
-                    <a:tc>
-                      <a:txBody>
-                        <a:bodyPr/>
-                        <a:lstStyle/>
-                        <a:p>
-                          <a:pPr algn="ctr"/>
-                          <a:endParaRPr lang="en-US" altLang="zh-CN" dirty="0"/>
-                        </a:p>
-                        <a:p>
-                          <a:pPr algn="ctr"/>
-                          <a:r>
-                            <a:rPr lang="en-US" altLang="zh-CN" dirty="0" err="1"/>
-                            <a:t>DeepWalk</a:t>
-                          </a:r>
-                          <a:endParaRPr lang="zh-CN" altLang="en-US" dirty="0"/>
-                        </a:p>
-                      </a:txBody>
-                      <a:tcPr/>
-                    </a:tc>
-                    <a:tc>
-                      <a:txBody>
-                        <a:bodyPr/>
-                        <a:lstStyle/>
-                        <a:p>
-                          <a:pPr algn="ctr"/>
-                          <a14:m>
-                            <m:oMathPara xmlns:m="http://schemas.openxmlformats.org/officeDocument/2006/math">
-                              <m:oMathParaPr>
-                                <m:jc m:val="centerGroup"/>
-                              </m:oMathParaPr>
-                              <m:oMath xmlns:m="http://schemas.openxmlformats.org/officeDocument/2006/math">
-                                <m:f>
-                                  <m:fPr>
-                                    <m:ctrlPr>
-                                      <a:rPr lang="zh-CN" altLang="en-US" sz="2400" i="1" dirty="0" smtClean="0">
-                                        <a:latin typeface="Cambria Math" panose="02040503050406030204" pitchFamily="18" charset="0"/>
-                                      </a:rPr>
-                                    </m:ctrlPr>
-                                  </m:fPr>
-                                  <m:num>
-                                    <m:r>
-                                      <m:rPr>
-                                        <m:sty m:val="p"/>
-                                      </m:rPr>
-                                      <a:rPr lang="en-US" altLang="zh-CN" sz="2400" b="0" i="0" dirty="0" smtClean="0">
-                                        <a:latin typeface="Cambria Math" panose="02040503050406030204" pitchFamily="18" charset="0"/>
-                                      </a:rPr>
-                                      <m:t>exp</m:t>
-                                    </m:r>
-                                    <m:r>
-                                      <a:rPr lang="en-US" altLang="zh-CN" sz="2400" b="0" i="1" dirty="0" smtClean="0">
-                                        <a:latin typeface="Cambria Math" panose="02040503050406030204" pitchFamily="18" charset="0"/>
-                                      </a:rPr>
-                                      <m:t>⁡(</m:t>
-                                    </m:r>
-                                    <m:sSubSup>
-                                      <m:sSubSupPr>
-                                        <m:ctrlPr>
-                                          <a:rPr lang="en-US" altLang="zh-CN" sz="2400" b="0" i="0" dirty="0" smtClean="0">
-                                            <a:solidFill>
-                                              <a:prstClr val="black"/>
-                                            </a:solidFill>
-                                            <a:latin typeface="Cambria Math" panose="02040503050406030204" pitchFamily="18" charset="0"/>
-                                          </a:rPr>
-                                        </m:ctrlPr>
-                                      </m:sSubSupPr>
-                                      <m:e>
-                                        <m:r>
-                                          <a:rPr lang="en-US" altLang="zh-CN" sz="2400" b="1" i="1" dirty="0">
-                                            <a:solidFill>
-                                              <a:prstClr val="black"/>
-                                            </a:solidFill>
-                                            <a:latin typeface="Cambria Math" panose="02040503050406030204" pitchFamily="18" charset="0"/>
-                                          </a:rPr>
-                                          <m:t>𝒛</m:t>
-                                        </m:r>
-                                      </m:e>
-                                      <m:sub>
-                                        <m:r>
-                                          <a:rPr lang="en-US" altLang="zh-CN" sz="2400" b="0" i="1" dirty="0" smtClean="0">
-                                            <a:solidFill>
-                                              <a:prstClr val="black"/>
-                                            </a:solidFill>
-                                            <a:latin typeface="Cambria Math" panose="02040503050406030204" pitchFamily="18" charset="0"/>
-                                          </a:rPr>
-                                          <m:t>𝑢</m:t>
-                                        </m:r>
-                                      </m:sub>
-                                      <m:sup>
-                                        <m:r>
-                                          <m:rPr>
-                                            <m:sty m:val="p"/>
-                                          </m:rPr>
-                                          <a:rPr lang="en-US" altLang="zh-CN" sz="2400" b="0" i="0" dirty="0" smtClean="0">
-                                            <a:solidFill>
-                                              <a:prstClr val="black"/>
-                                            </a:solidFill>
-                                            <a:latin typeface="Cambria Math" panose="02040503050406030204" pitchFamily="18" charset="0"/>
-                                          </a:rPr>
-                                          <m:t>T</m:t>
-                                        </m:r>
-                                      </m:sup>
-                                    </m:sSubSup>
-                                    <m:sSub>
-                                      <m:sSubPr>
-                                        <m:ctrlPr>
-                                          <a:rPr lang="en-US" altLang="zh-CN" sz="2400" i="1" dirty="0">
-                                            <a:solidFill>
-                                              <a:prstClr val="black"/>
-                                            </a:solidFill>
-                                            <a:latin typeface="Cambria Math" panose="02040503050406030204" pitchFamily="18" charset="0"/>
-                                          </a:rPr>
-                                        </m:ctrlPr>
-                                      </m:sSubPr>
-                                      <m:e>
-                                        <m:r>
-                                          <a:rPr lang="en-US" altLang="zh-CN" sz="2400" b="1" i="1" dirty="0">
-                                            <a:solidFill>
-                                              <a:prstClr val="black"/>
-                                            </a:solidFill>
-                                            <a:latin typeface="Cambria Math" panose="02040503050406030204" pitchFamily="18" charset="0"/>
-                                          </a:rPr>
-                                          <m:t>𝒛</m:t>
-                                        </m:r>
-                                      </m:e>
-                                      <m:sub>
-                                        <m:r>
-                                          <a:rPr lang="en-US" altLang="zh-CN" sz="2400" i="1" dirty="0">
-                                            <a:solidFill>
-                                              <a:prstClr val="black"/>
-                                            </a:solidFill>
-                                            <a:latin typeface="Cambria Math" panose="02040503050406030204" pitchFamily="18" charset="0"/>
-                                          </a:rPr>
-                                          <m:t>𝑣</m:t>
-                                        </m:r>
-                                      </m:sub>
-                                    </m:sSub>
-                                    <m:r>
-                                      <a:rPr lang="en-US" altLang="zh-CN" sz="2400" b="0" i="1" dirty="0" smtClean="0">
-                                        <a:latin typeface="Cambria Math" panose="02040503050406030204" pitchFamily="18" charset="0"/>
-                                      </a:rPr>
-                                      <m:t>)</m:t>
-                                    </m:r>
-                                  </m:num>
-                                  <m:den>
-                                    <m:nary>
-                                      <m:naryPr>
-                                        <m:chr m:val="∑"/>
-                                        <m:limLoc m:val="undOvr"/>
-                                        <m:grow m:val="on"/>
-                                        <m:supHide m:val="on"/>
-                                        <m:ctrlPr>
-                                          <a:rPr lang="en-US" altLang="zh-CN" sz="2400" i="1">
-                                            <a:latin typeface="Cambria Math" panose="02040503050406030204" pitchFamily="18" charset="0"/>
-                                          </a:rPr>
-                                        </m:ctrlPr>
-                                      </m:naryPr>
-                                      <m:sub>
-                                        <m:r>
-                                          <a:rPr lang="en-US" altLang="zh-CN" sz="2400" b="0" i="1" smtClean="0">
-                                            <a:solidFill>
-                                              <a:schemeClr val="tx1"/>
-                                            </a:solidFill>
-                                            <a:latin typeface="Cambria Math" panose="02040503050406030204" pitchFamily="18" charset="0"/>
-                                          </a:rPr>
-                                          <m:t>𝑘</m:t>
-                                        </m:r>
-                                        <m:r>
-                                          <a:rPr lang="en-US" altLang="zh-CN" sz="2400" i="1">
-                                            <a:solidFill>
-                                              <a:schemeClr val="tx1"/>
-                                            </a:solidFill>
-                                            <a:latin typeface="Cambria Math" panose="02040503050406030204" pitchFamily="18" charset="0"/>
-                                          </a:rPr>
-                                          <m:t>∈</m:t>
-                                        </m:r>
-                                        <m:r>
-                                          <a:rPr lang="en-US" altLang="zh-CN" sz="2400" i="1">
-                                            <a:solidFill>
-                                              <a:schemeClr val="tx1"/>
-                                            </a:solidFill>
-                                            <a:latin typeface="Cambria Math" panose="02040503050406030204" pitchFamily="18" charset="0"/>
-                                          </a:rPr>
-                                          <m:t>𝑉</m:t>
-                                        </m:r>
-                                      </m:sub>
-                                      <m:sup/>
-                                      <m:e>
-                                        <m:r>
-                                          <m:rPr>
-                                            <m:sty m:val="p"/>
-                                          </m:rPr>
-                                          <a:rPr lang="en-US" altLang="zh-CN" sz="2400" b="0" i="0" smtClean="0">
-                                            <a:latin typeface="Cambria Math" panose="02040503050406030204" pitchFamily="18" charset="0"/>
-                                          </a:rPr>
-                                          <m:t>exp</m:t>
-                                        </m:r>
-                                        <m:r>
-                                          <a:rPr lang="en-US" altLang="zh-CN" sz="2400" b="0" i="1" smtClean="0">
-                                            <a:latin typeface="Cambria Math" panose="02040503050406030204" pitchFamily="18" charset="0"/>
-                                          </a:rPr>
-                                          <m:t>⁡(</m:t>
-                                        </m:r>
-                                        <m:sSubSup>
-                                          <m:sSubSupPr>
-                                            <m:ctrlPr>
-                                              <a:rPr lang="en-US" altLang="zh-CN" sz="2400" b="0" i="1" dirty="0" smtClean="0">
-                                                <a:solidFill>
-                                                  <a:prstClr val="black"/>
-                                                </a:solidFill>
-                                                <a:latin typeface="Cambria Math" panose="02040503050406030204" pitchFamily="18" charset="0"/>
-                                              </a:rPr>
-                                            </m:ctrlPr>
-                                          </m:sSubSupPr>
-                                          <m:e>
-                                            <m:r>
-                                              <a:rPr lang="en-US" altLang="zh-CN" sz="2400" b="1" i="1" dirty="0">
-                                                <a:solidFill>
-                                                  <a:prstClr val="black"/>
-                                                </a:solidFill>
-                                                <a:latin typeface="Cambria Math" panose="02040503050406030204" pitchFamily="18" charset="0"/>
-                                              </a:rPr>
-                                              <m:t>𝒛</m:t>
-                                            </m:r>
-                                          </m:e>
-                                          <m:sub>
-                                            <m:r>
-                                              <a:rPr lang="en-US" altLang="zh-CN" sz="2400" b="0" i="1" dirty="0" smtClean="0">
-                                                <a:solidFill>
-                                                  <a:prstClr val="black"/>
-                                                </a:solidFill>
-                                                <a:latin typeface="Cambria Math" panose="02040503050406030204" pitchFamily="18" charset="0"/>
-                                              </a:rPr>
-                                              <m:t>𝑢</m:t>
-                                            </m:r>
-                                          </m:sub>
-                                          <m:sup>
-                                            <m:r>
-                                              <m:rPr>
-                                                <m:sty m:val="p"/>
-                                              </m:rPr>
-                                              <a:rPr lang="en-US" altLang="zh-CN" sz="2400" b="0" i="0" dirty="0" smtClean="0">
-                                                <a:solidFill>
-                                                  <a:prstClr val="black"/>
-                                                </a:solidFill>
-                                                <a:latin typeface="Cambria Math" panose="02040503050406030204" pitchFamily="18" charset="0"/>
-                                              </a:rPr>
-                                              <m:t>T</m:t>
-                                            </m:r>
-                                          </m:sup>
-                                        </m:sSubSup>
-                                        <m:sSub>
-                                          <m:sSubPr>
-                                            <m:ctrlPr>
-                                              <a:rPr lang="en-US" altLang="zh-CN" sz="2400" i="1" dirty="0" smtClean="0">
-                                                <a:solidFill>
-                                                  <a:prstClr val="black"/>
-                                                </a:solidFill>
-                                                <a:latin typeface="Cambria Math" panose="02040503050406030204" pitchFamily="18" charset="0"/>
-                                              </a:rPr>
-                                            </m:ctrlPr>
-                                          </m:sSubPr>
-                                          <m:e>
-                                            <m:r>
-                                              <a:rPr lang="en-US" altLang="zh-CN" sz="2400" b="1" i="1" dirty="0">
-                                                <a:solidFill>
-                                                  <a:prstClr val="black"/>
-                                                </a:solidFill>
-                                                <a:latin typeface="Cambria Math" panose="02040503050406030204" pitchFamily="18" charset="0"/>
-                                              </a:rPr>
-                                              <m:t>𝒛</m:t>
-                                            </m:r>
-                                          </m:e>
-                                          <m:sub>
-                                            <m:r>
-                                              <a:rPr lang="en-US" altLang="zh-CN" sz="2400" b="0" i="1" dirty="0" smtClean="0">
-                                                <a:solidFill>
-                                                  <a:prstClr val="black"/>
-                                                </a:solidFill>
-                                                <a:latin typeface="Cambria Math" panose="02040503050406030204" pitchFamily="18" charset="0"/>
-                                              </a:rPr>
-                                              <m:t>𝑘</m:t>
-                                            </m:r>
-                                          </m:sub>
-                                        </m:sSub>
-                                        <m:r>
-                                          <a:rPr lang="en-US" altLang="zh-CN" sz="2400" b="0" i="1" smtClean="0">
-                                            <a:latin typeface="Cambria Math" panose="02040503050406030204" pitchFamily="18" charset="0"/>
-                                          </a:rPr>
-                                          <m:t>)</m:t>
-                                        </m:r>
-                                      </m:e>
-                                    </m:nary>
-                                  </m:den>
-                                </m:f>
-                              </m:oMath>
-                            </m:oMathPara>
-                          </a14:m>
-                          <a:endParaRPr lang="zh-CN" altLang="en-US" dirty="0"/>
-                        </a:p>
-                      </a:txBody>
-                      <a:tcPr/>
-                    </a:tc>
-                    <a:tc>
-                      <a:txBody>
-                        <a:bodyPr/>
-                        <a:lstStyle/>
-                        <a:p>
-                          <a:pPr algn="ctr"/>
-                          <a:endParaRPr lang="en-US" altLang="zh-CN" sz="2400" b="0" i="1" dirty="0">
-                            <a:solidFill>
-                              <a:prstClr val="black"/>
-                            </a:solidFill>
-                            <a:latin typeface="Cambria Math" panose="02040503050406030204" pitchFamily="18" charset="0"/>
-                          </a:endParaRPr>
-                        </a:p>
-                        <a:p>
-                          <a:pPr algn="ctr"/>
-                          <a14:m>
-                            <m:oMathPara xmlns:m="http://schemas.openxmlformats.org/officeDocument/2006/math">
-                              <m:oMathParaPr>
-                                <m:jc m:val="centerGroup"/>
-                              </m:oMathParaPr>
-                              <m:oMath xmlns:m="http://schemas.openxmlformats.org/officeDocument/2006/math">
-                                <m:sSub>
-                                  <m:sSubPr>
-                                    <m:ctrlPr>
-                                      <a:rPr lang="en-US" altLang="zh-CN" sz="2400" b="0" i="1" smtClean="0">
-                                        <a:solidFill>
-                                          <a:prstClr val="black"/>
-                                        </a:solidFill>
-                                        <a:latin typeface="Cambria Math" panose="02040503050406030204" pitchFamily="18" charset="0"/>
-                                      </a:rPr>
-                                    </m:ctrlPr>
-                                  </m:sSubPr>
-                                  <m:e>
-                                    <m:r>
-                                      <a:rPr lang="en-US" altLang="zh-CN" sz="2400" b="0" i="1" smtClean="0">
-                                        <a:solidFill>
-                                          <a:prstClr val="black"/>
-                                        </a:solidFill>
-                                        <a:latin typeface="Cambria Math" panose="02040503050406030204" pitchFamily="18" charset="0"/>
-                                      </a:rPr>
-                                      <m:t>𝑝</m:t>
-                                    </m:r>
-                                  </m:e>
-                                  <m:sub>
-                                    <m:r>
-                                      <a:rPr lang="en-US" altLang="zh-CN" sz="2400" b="0" i="1" smtClean="0">
-                                        <a:solidFill>
-                                          <a:prstClr val="black"/>
-                                        </a:solidFill>
-                                        <a:latin typeface="Cambria Math" panose="02040503050406030204" pitchFamily="18" charset="0"/>
-                                      </a:rPr>
-                                      <m:t>𝐺</m:t>
-                                    </m:r>
-                                  </m:sub>
-                                </m:sSub>
-                                <m:r>
-                                  <a:rPr lang="en-US" altLang="zh-CN" sz="2400" b="0" i="1" smtClean="0">
-                                    <a:solidFill>
-                                      <a:prstClr val="black"/>
-                                    </a:solidFill>
-                                    <a:latin typeface="Cambria Math" panose="02040503050406030204" pitchFamily="18" charset="0"/>
-                                  </a:rPr>
-                                  <m:t>(</m:t>
-                                </m:r>
-                                <m:r>
-                                  <a:rPr lang="en-US" altLang="zh-CN" sz="2400" b="0" i="1" smtClean="0">
-                                    <a:solidFill>
-                                      <a:prstClr val="black"/>
-                                    </a:solidFill>
-                                    <a:latin typeface="Cambria Math" panose="02040503050406030204" pitchFamily="18" charset="0"/>
-                                  </a:rPr>
-                                  <m:t>𝑣</m:t>
-                                </m:r>
-                                <m:r>
-                                  <a:rPr lang="en-US" altLang="zh-CN" sz="2400" b="0" i="1" smtClean="0">
-                                    <a:solidFill>
-                                      <a:prstClr val="black"/>
-                                    </a:solidFill>
-                                    <a:latin typeface="Cambria Math" panose="02040503050406030204" pitchFamily="18" charset="0"/>
-                                  </a:rPr>
-                                  <m:t>|</m:t>
-                                </m:r>
-                                <m:r>
-                                  <a:rPr lang="en-US" altLang="zh-CN" sz="2400" b="0" i="1" smtClean="0">
-                                    <a:solidFill>
-                                      <a:prstClr val="black"/>
-                                    </a:solidFill>
-                                    <a:latin typeface="Cambria Math" panose="02040503050406030204" pitchFamily="18" charset="0"/>
-                                  </a:rPr>
-                                  <m:t>𝑢</m:t>
-                                </m:r>
-                                <m:r>
-                                  <a:rPr lang="en-US" altLang="zh-CN" sz="2400" b="0" i="1" smtClean="0">
-                                    <a:solidFill>
-                                      <a:prstClr val="black"/>
-                                    </a:solidFill>
-                                    <a:latin typeface="Cambria Math" panose="02040503050406030204" pitchFamily="18" charset="0"/>
-                                  </a:rPr>
-                                  <m:t>)</m:t>
-                                </m:r>
-                              </m:oMath>
-                            </m:oMathPara>
-                          </a14:m>
-                          <a:endParaRPr lang="zh-CN" altLang="en-US" dirty="0"/>
-                        </a:p>
-                      </a:txBody>
-                      <a:tcPr/>
-                    </a:tc>
-                    <a:tc>
-                      <a:txBody>
-                        <a:bodyPr/>
-                        <a:lstStyle/>
-                        <a:p>
-                          <a:pPr algn="ctr"/>
-                          <a:endParaRPr lang="en-US" altLang="zh-CN" dirty="0"/>
-                        </a:p>
-                        <a:p>
-                          <a:pPr algn="ctr"/>
-                          <a:r>
-                            <a:rPr lang="en-US" altLang="zh-CN" dirty="0" err="1"/>
-                            <a:t>CrossEntropy</a:t>
-                          </a:r>
-                          <a:endParaRPr lang="zh-CN" altLang="en-US" dirty="0"/>
-                        </a:p>
-                      </a:txBody>
-                      <a:tcPr/>
-                    </a:tc>
-                    <a:extLst>
-                      <a:ext uri="{0D108BD9-81ED-4DB2-BD59-A6C34878D82A}">
-                        <a16:rowId xmlns:a16="http://schemas.microsoft.com/office/drawing/2014/main" val="4239975282"/>
-                      </a:ext>
-                    </a:extLst>
-                  </a:tr>
-                  <a:tr h="370840">
-                    <a:tc>
-                      <a:txBody>
-                        <a:bodyPr/>
-                        <a:lstStyle/>
-                        <a:p>
-                          <a:pPr algn="ctr"/>
-                          <a:endParaRPr lang="en-US" altLang="zh-CN" dirty="0"/>
-                        </a:p>
-                        <a:p>
-                          <a:pPr algn="ctr"/>
-                          <a:r>
-                            <a:rPr lang="en-US" altLang="zh-CN" dirty="0"/>
-                            <a:t>Node2vec</a:t>
-                          </a:r>
-                          <a:endParaRPr lang="zh-CN" altLang="en-US" dirty="0"/>
-                        </a:p>
-                      </a:txBody>
-                      <a:tcPr/>
-                    </a:tc>
-                    <a:tc>
-                      <a:txBody>
-                        <a:bodyPr/>
-                        <a:lstStyle/>
-                        <a:p>
-                          <a:pPr algn="ctr"/>
-                          <a14:m>
-                            <m:oMathPara xmlns:m="http://schemas.openxmlformats.org/officeDocument/2006/math">
-                              <m:oMathParaPr>
-                                <m:jc m:val="centerGroup"/>
-                              </m:oMathParaPr>
-                              <m:oMath xmlns:m="http://schemas.openxmlformats.org/officeDocument/2006/math">
-                                <m:f>
-                                  <m:fPr>
-                                    <m:ctrlPr>
-                                      <a:rPr lang="zh-CN" altLang="en-US" sz="2400" i="1" dirty="0" smtClean="0">
-                                        <a:latin typeface="Cambria Math" panose="02040503050406030204" pitchFamily="18" charset="0"/>
-                                      </a:rPr>
-                                    </m:ctrlPr>
-                                  </m:fPr>
-                                  <m:num>
-                                    <m:r>
-                                      <m:rPr>
-                                        <m:sty m:val="p"/>
-                                      </m:rPr>
-                                      <a:rPr lang="en-US" altLang="zh-CN" sz="2400" b="0" i="0" dirty="0" smtClean="0">
-                                        <a:latin typeface="Cambria Math" panose="02040503050406030204" pitchFamily="18" charset="0"/>
-                                      </a:rPr>
-                                      <m:t>exp</m:t>
-                                    </m:r>
-                                    <m:r>
-                                      <a:rPr lang="en-US" altLang="zh-CN" sz="2400" b="0" i="1" dirty="0" smtClean="0">
-                                        <a:latin typeface="Cambria Math" panose="02040503050406030204" pitchFamily="18" charset="0"/>
-                                      </a:rPr>
-                                      <m:t>⁡(</m:t>
-                                    </m:r>
-                                    <m:sSubSup>
-                                      <m:sSubSupPr>
-                                        <m:ctrlPr>
-                                          <a:rPr lang="en-US" altLang="zh-CN" sz="2400" b="0" i="1" dirty="0" smtClean="0">
-                                            <a:solidFill>
-                                              <a:prstClr val="black"/>
-                                            </a:solidFill>
-                                            <a:latin typeface="Cambria Math" panose="02040503050406030204" pitchFamily="18" charset="0"/>
-                                          </a:rPr>
-                                        </m:ctrlPr>
-                                      </m:sSubSupPr>
-                                      <m:e>
-                                        <m:r>
-                                          <a:rPr lang="en-US" altLang="zh-CN" sz="2400" b="1" i="1" dirty="0">
-                                            <a:solidFill>
-                                              <a:prstClr val="black"/>
-                                            </a:solidFill>
-                                            <a:latin typeface="Cambria Math" panose="02040503050406030204" pitchFamily="18" charset="0"/>
-                                          </a:rPr>
-                                          <m:t>𝒛</m:t>
-                                        </m:r>
-                                      </m:e>
-                                      <m:sub>
-                                        <m:r>
-                                          <a:rPr lang="en-US" altLang="zh-CN" sz="2400" b="0" i="1" dirty="0" smtClean="0">
-                                            <a:solidFill>
-                                              <a:prstClr val="black"/>
-                                            </a:solidFill>
-                                            <a:latin typeface="Cambria Math" panose="02040503050406030204" pitchFamily="18" charset="0"/>
-                                          </a:rPr>
-                                          <m:t>𝑢</m:t>
-                                        </m:r>
-                                      </m:sub>
-                                      <m:sup>
-                                        <m:r>
-                                          <m:rPr>
-                                            <m:sty m:val="p"/>
-                                          </m:rPr>
-                                          <a:rPr lang="en-US" altLang="zh-CN" sz="2400" b="0" i="0" dirty="0" smtClean="0">
-                                            <a:solidFill>
-                                              <a:prstClr val="black"/>
-                                            </a:solidFill>
-                                            <a:latin typeface="Cambria Math" panose="02040503050406030204" pitchFamily="18" charset="0"/>
-                                          </a:rPr>
-                                          <m:t>T</m:t>
-                                        </m:r>
-                                      </m:sup>
-                                    </m:sSubSup>
-                                    <m:sSub>
-                                      <m:sSubPr>
-                                        <m:ctrlPr>
-                                          <a:rPr lang="en-US" altLang="zh-CN" sz="2400" i="1" dirty="0">
-                                            <a:solidFill>
-                                              <a:prstClr val="black"/>
-                                            </a:solidFill>
-                                            <a:latin typeface="Cambria Math" panose="02040503050406030204" pitchFamily="18" charset="0"/>
-                                          </a:rPr>
-                                        </m:ctrlPr>
-                                      </m:sSubPr>
-                                      <m:e>
-                                        <m:r>
-                                          <a:rPr lang="en-US" altLang="zh-CN" sz="2400" b="1" i="1" dirty="0">
-                                            <a:solidFill>
-                                              <a:prstClr val="black"/>
-                                            </a:solidFill>
-                                            <a:latin typeface="Cambria Math" panose="02040503050406030204" pitchFamily="18" charset="0"/>
-                                          </a:rPr>
-                                          <m:t>𝒛</m:t>
-                                        </m:r>
-                                      </m:e>
-                                      <m:sub>
-                                        <m:r>
-                                          <a:rPr lang="en-US" altLang="zh-CN" sz="2400" i="1" dirty="0">
-                                            <a:solidFill>
-                                              <a:prstClr val="black"/>
-                                            </a:solidFill>
-                                            <a:latin typeface="Cambria Math" panose="02040503050406030204" pitchFamily="18" charset="0"/>
-                                          </a:rPr>
-                                          <m:t>𝑣</m:t>
-                                        </m:r>
-                                      </m:sub>
-                                    </m:sSub>
-                                    <m:r>
-                                      <a:rPr lang="en-US" altLang="zh-CN" sz="2400" b="0" i="1" dirty="0" smtClean="0">
-                                        <a:latin typeface="Cambria Math" panose="02040503050406030204" pitchFamily="18" charset="0"/>
-                                      </a:rPr>
-                                      <m:t>)</m:t>
-                                    </m:r>
-                                  </m:num>
-                                  <m:den>
-                                    <m:nary>
-                                      <m:naryPr>
-                                        <m:chr m:val="∑"/>
-                                        <m:limLoc m:val="undOvr"/>
-                                        <m:grow m:val="on"/>
-                                        <m:supHide m:val="on"/>
-                                        <m:ctrlPr>
-                                          <a:rPr lang="en-US" altLang="zh-CN" sz="2400" i="1">
-                                            <a:latin typeface="Cambria Math" panose="02040503050406030204" pitchFamily="18" charset="0"/>
-                                          </a:rPr>
-                                        </m:ctrlPr>
-                                      </m:naryPr>
-                                      <m:sub>
-                                        <m:r>
-                                          <a:rPr lang="en-US" altLang="zh-CN" sz="2400" b="0" i="1" smtClean="0">
-                                            <a:solidFill>
-                                              <a:schemeClr val="tx1"/>
-                                            </a:solidFill>
-                                            <a:latin typeface="Cambria Math" panose="02040503050406030204" pitchFamily="18" charset="0"/>
-                                          </a:rPr>
-                                          <m:t>𝑘</m:t>
-                                        </m:r>
-                                        <m:r>
-                                          <a:rPr lang="en-US" altLang="zh-CN" sz="2400" i="1">
-                                            <a:solidFill>
-                                              <a:schemeClr val="tx1"/>
-                                            </a:solidFill>
-                                            <a:latin typeface="Cambria Math" panose="02040503050406030204" pitchFamily="18" charset="0"/>
-                                          </a:rPr>
-                                          <m:t>∈</m:t>
-                                        </m:r>
-                                        <m:r>
-                                          <a:rPr lang="en-US" altLang="zh-CN" sz="2400" i="1">
-                                            <a:solidFill>
-                                              <a:schemeClr val="tx1"/>
-                                            </a:solidFill>
-                                            <a:latin typeface="Cambria Math" panose="02040503050406030204" pitchFamily="18" charset="0"/>
-                                          </a:rPr>
-                                          <m:t>𝑉</m:t>
-                                        </m:r>
-                                      </m:sub>
-                                      <m:sup/>
-                                      <m:e>
-                                        <m:r>
-                                          <m:rPr>
-                                            <m:sty m:val="p"/>
-                                          </m:rPr>
-                                          <a:rPr lang="en-US" altLang="zh-CN" sz="2400" b="0" i="0" smtClean="0">
-                                            <a:latin typeface="Cambria Math" panose="02040503050406030204" pitchFamily="18" charset="0"/>
-                                          </a:rPr>
-                                          <m:t>exp</m:t>
-                                        </m:r>
-                                        <m:r>
-                                          <a:rPr lang="en-US" altLang="zh-CN" sz="2400" b="0" i="1" smtClean="0">
-                                            <a:latin typeface="Cambria Math" panose="02040503050406030204" pitchFamily="18" charset="0"/>
-                                          </a:rPr>
-                                          <m:t>⁡(</m:t>
-                                        </m:r>
-                                        <m:sSubSup>
-                                          <m:sSubSupPr>
-                                            <m:ctrlPr>
-                                              <a:rPr lang="en-US" altLang="zh-CN" sz="2400" b="0" i="1" dirty="0" smtClean="0">
-                                                <a:solidFill>
-                                                  <a:prstClr val="black"/>
-                                                </a:solidFill>
-                                                <a:latin typeface="Cambria Math" panose="02040503050406030204" pitchFamily="18" charset="0"/>
-                                              </a:rPr>
-                                            </m:ctrlPr>
-                                          </m:sSubSupPr>
-                                          <m:e>
-                                            <m:r>
-                                              <a:rPr lang="en-US" altLang="zh-CN" sz="2400" b="1" i="1" dirty="0">
-                                                <a:solidFill>
-                                                  <a:prstClr val="black"/>
-                                                </a:solidFill>
-                                                <a:latin typeface="Cambria Math" panose="02040503050406030204" pitchFamily="18" charset="0"/>
-                                              </a:rPr>
-                                              <m:t>𝒛</m:t>
-                                            </m:r>
-                                          </m:e>
-                                          <m:sub>
-                                            <m:r>
-                                              <a:rPr lang="en-US" altLang="zh-CN" sz="2400" b="0" i="1" dirty="0" smtClean="0">
-                                                <a:solidFill>
-                                                  <a:prstClr val="black"/>
-                                                </a:solidFill>
-                                                <a:latin typeface="Cambria Math" panose="02040503050406030204" pitchFamily="18" charset="0"/>
-                                              </a:rPr>
-                                              <m:t>𝑢</m:t>
-                                            </m:r>
-                                          </m:sub>
-                                          <m:sup>
-                                            <m:r>
-                                              <m:rPr>
-                                                <m:sty m:val="p"/>
-                                              </m:rPr>
-                                              <a:rPr lang="en-US" altLang="zh-CN" sz="2400" b="0" i="0" dirty="0" smtClean="0">
-                                                <a:solidFill>
-                                                  <a:prstClr val="black"/>
-                                                </a:solidFill>
-                                                <a:latin typeface="Cambria Math" panose="02040503050406030204" pitchFamily="18" charset="0"/>
-                                              </a:rPr>
-                                              <m:t>T</m:t>
-                                            </m:r>
-                                          </m:sup>
-                                        </m:sSubSup>
-                                        <m:sSub>
-                                          <m:sSubPr>
-                                            <m:ctrlPr>
-                                              <a:rPr lang="en-US" altLang="zh-CN" sz="2400" i="1" dirty="0" smtClean="0">
-                                                <a:solidFill>
-                                                  <a:prstClr val="black"/>
-                                                </a:solidFill>
-                                                <a:latin typeface="Cambria Math" panose="02040503050406030204" pitchFamily="18" charset="0"/>
-                                              </a:rPr>
-                                            </m:ctrlPr>
-                                          </m:sSubPr>
-                                          <m:e>
-                                            <m:r>
-                                              <a:rPr lang="en-US" altLang="zh-CN" sz="2400" b="1" i="1" dirty="0">
-                                                <a:solidFill>
-                                                  <a:prstClr val="black"/>
-                                                </a:solidFill>
-                                                <a:latin typeface="Cambria Math" panose="02040503050406030204" pitchFamily="18" charset="0"/>
-                                              </a:rPr>
-                                              <m:t>𝒛</m:t>
-                                            </m:r>
-                                          </m:e>
-                                          <m:sub>
-                                            <m:r>
-                                              <a:rPr lang="en-US" altLang="zh-CN" sz="2400" b="0" i="1" dirty="0" smtClean="0">
-                                                <a:solidFill>
-                                                  <a:prstClr val="black"/>
-                                                </a:solidFill>
-                                                <a:latin typeface="Cambria Math" panose="02040503050406030204" pitchFamily="18" charset="0"/>
-                                              </a:rPr>
-                                              <m:t>𝑘</m:t>
-                                            </m:r>
-                                          </m:sub>
-                                        </m:sSub>
-                                        <m:r>
-                                          <a:rPr lang="en-US" altLang="zh-CN" sz="2400" b="0" i="1" smtClean="0">
-                                            <a:latin typeface="Cambria Math" panose="02040503050406030204" pitchFamily="18" charset="0"/>
-                                          </a:rPr>
-                                          <m:t>)</m:t>
-                                        </m:r>
-                                      </m:e>
-                                    </m:nary>
-                                  </m:den>
-                                </m:f>
-                              </m:oMath>
-                            </m:oMathPara>
-                          </a14:m>
-                          <a:endParaRPr lang="zh-CN" altLang="en-US" dirty="0"/>
-                        </a:p>
-                      </a:txBody>
-                      <a:tcPr/>
-                    </a:tc>
-                    <a:tc>
-                      <a:txBody>
-                        <a:bodyPr/>
-                        <a:lstStyle/>
-                        <a:p>
-                          <a:pPr algn="ctr"/>
-                          <a:endParaRPr lang="en-US" altLang="zh-CN" sz="2400" b="0" i="1" dirty="0">
-                            <a:solidFill>
-                              <a:prstClr val="black"/>
-                            </a:solidFill>
-                            <a:latin typeface="Cambria Math" panose="02040503050406030204" pitchFamily="18" charset="0"/>
-                          </a:endParaRPr>
-                        </a:p>
-                        <a:p>
-                          <a:pPr algn="ctr"/>
-                          <a14:m>
-                            <m:oMathPara xmlns:m="http://schemas.openxmlformats.org/officeDocument/2006/math">
-                              <m:oMathParaPr>
-                                <m:jc m:val="centerGroup"/>
-                              </m:oMathParaPr>
-                              <m:oMath xmlns:m="http://schemas.openxmlformats.org/officeDocument/2006/math">
-                                <m:sSub>
-                                  <m:sSubPr>
-                                    <m:ctrlPr>
-                                      <a:rPr lang="en-US" altLang="zh-CN" sz="2400" b="0" i="1" smtClean="0">
-                                        <a:solidFill>
-                                          <a:prstClr val="black"/>
-                                        </a:solidFill>
-                                        <a:latin typeface="Cambria Math" panose="02040503050406030204" pitchFamily="18" charset="0"/>
-                                      </a:rPr>
-                                    </m:ctrlPr>
-                                  </m:sSubPr>
-                                  <m:e>
-                                    <m:r>
-                                      <a:rPr lang="en-US" altLang="zh-CN" sz="2400" b="0" i="1" smtClean="0">
-                                        <a:solidFill>
-                                          <a:prstClr val="black"/>
-                                        </a:solidFill>
-                                        <a:latin typeface="Cambria Math" panose="02040503050406030204" pitchFamily="18" charset="0"/>
-                                      </a:rPr>
-                                      <m:t>𝑝</m:t>
-                                    </m:r>
-                                  </m:e>
-                                  <m:sub>
-                                    <m:r>
-                                      <a:rPr lang="en-US" altLang="zh-CN" sz="2400" b="0" i="1" smtClean="0">
-                                        <a:solidFill>
-                                          <a:prstClr val="black"/>
-                                        </a:solidFill>
-                                        <a:latin typeface="Cambria Math" panose="02040503050406030204" pitchFamily="18" charset="0"/>
-                                      </a:rPr>
-                                      <m:t>𝐺</m:t>
-                                    </m:r>
-                                  </m:sub>
-                                </m:sSub>
-                                <m:r>
-                                  <a:rPr lang="en-US" altLang="zh-CN" sz="2400" b="0" i="1" smtClean="0">
-                                    <a:solidFill>
-                                      <a:prstClr val="black"/>
-                                    </a:solidFill>
-                                    <a:latin typeface="Cambria Math" panose="02040503050406030204" pitchFamily="18" charset="0"/>
-                                  </a:rPr>
-                                  <m:t>(</m:t>
-                                </m:r>
-                                <m:r>
-                                  <a:rPr lang="en-US" altLang="zh-CN" sz="2400" b="0" i="1" smtClean="0">
-                                    <a:solidFill>
-                                      <a:prstClr val="black"/>
-                                    </a:solidFill>
-                                    <a:latin typeface="Cambria Math" panose="02040503050406030204" pitchFamily="18" charset="0"/>
-                                  </a:rPr>
-                                  <m:t>𝑣</m:t>
-                                </m:r>
-                                <m:r>
-                                  <a:rPr lang="en-US" altLang="zh-CN" sz="2400" b="0" i="1" smtClean="0">
-                                    <a:solidFill>
-                                      <a:prstClr val="black"/>
-                                    </a:solidFill>
-                                    <a:latin typeface="Cambria Math" panose="02040503050406030204" pitchFamily="18" charset="0"/>
-                                  </a:rPr>
-                                  <m:t>|</m:t>
-                                </m:r>
-                                <m:r>
-                                  <a:rPr lang="en-US" altLang="zh-CN" sz="2400" b="0" i="1" smtClean="0">
-                                    <a:solidFill>
-                                      <a:prstClr val="black"/>
-                                    </a:solidFill>
-                                    <a:latin typeface="Cambria Math" panose="02040503050406030204" pitchFamily="18" charset="0"/>
-                                  </a:rPr>
-                                  <m:t>𝑢</m:t>
-                                </m:r>
-                                <m:r>
-                                  <a:rPr lang="en-US" altLang="zh-CN" sz="2400" b="0" i="1" smtClean="0">
-                                    <a:solidFill>
-                                      <a:prstClr val="black"/>
-                                    </a:solidFill>
-                                    <a:latin typeface="Cambria Math" panose="02040503050406030204" pitchFamily="18" charset="0"/>
-                                  </a:rPr>
-                                  <m:t>)</m:t>
-                                </m:r>
-                              </m:oMath>
-                            </m:oMathPara>
-                          </a14:m>
-                          <a:endParaRPr lang="zh-CN" altLang="en-US" dirty="0"/>
-                        </a:p>
-                      </a:txBody>
-                      <a:tcPr/>
-                    </a:tc>
-                    <a:tc>
-                      <a:txBody>
-                        <a:bodyPr/>
-                        <a:lstStyle/>
-                        <a:p>
-                          <a:pPr marL="0" marR="0" lvl="0" indent="0" algn="ctr" defTabSz="1219170" rtl="0" eaLnBrk="1" fontAlgn="auto" latinLnBrk="0" hangingPunct="1">
-                            <a:lnSpc>
-                              <a:spcPct val="100000"/>
-                            </a:lnSpc>
-                            <a:spcBef>
-                              <a:spcPts val="0"/>
-                            </a:spcBef>
-                            <a:spcAft>
-                              <a:spcPts val="0"/>
-                            </a:spcAft>
-                            <a:buClrTx/>
-                            <a:buSzTx/>
-                            <a:buFontTx/>
-                            <a:buNone/>
-                            <a:tabLst/>
-                            <a:defRPr/>
-                          </a:pPr>
-                          <a:endParaRPr lang="en-US" altLang="zh-CN" dirty="0"/>
-                        </a:p>
-                        <a:p>
-                          <a:pPr marL="0" marR="0" lvl="0" indent="0" algn="ctr" defTabSz="1219170" rtl="0" eaLnBrk="1" fontAlgn="auto" latinLnBrk="0" hangingPunct="1">
-                            <a:lnSpc>
-                              <a:spcPct val="100000"/>
-                            </a:lnSpc>
-                            <a:spcBef>
-                              <a:spcPts val="0"/>
-                            </a:spcBef>
-                            <a:spcAft>
-                              <a:spcPts val="0"/>
-                            </a:spcAft>
-                            <a:buClrTx/>
-                            <a:buSzTx/>
-                            <a:buFontTx/>
-                            <a:buNone/>
-                            <a:tabLst/>
-                            <a:defRPr/>
-                          </a:pPr>
-                          <a:r>
-                            <a:rPr lang="en-US" altLang="zh-CN" dirty="0" err="1"/>
-                            <a:t>CrossEntropy</a:t>
-                          </a:r>
-                          <a:endParaRPr lang="zh-CN" altLang="en-US" dirty="0"/>
-                        </a:p>
-                        <a:p>
-                          <a:pPr algn="ctr"/>
-                          <a:endParaRPr lang="zh-CN" altLang="en-US" dirty="0"/>
-                        </a:p>
-                      </a:txBody>
-                      <a:tcPr/>
-                    </a:tc>
-                    <a:extLst>
-                      <a:ext uri="{0D108BD9-81ED-4DB2-BD59-A6C34878D82A}">
-                        <a16:rowId xmlns:a16="http://schemas.microsoft.com/office/drawing/2014/main" val="986770240"/>
-                      </a:ext>
-                    </a:extLst>
-                  </a:tr>
-                  <a:tr h="370840">
-                    <a:tc>
-                      <a:txBody>
-                        <a:bodyPr/>
-                        <a:lstStyle/>
-                        <a:p>
-                          <a:pPr algn="ctr"/>
-                          <a:endParaRPr lang="en-US" altLang="zh-CN" dirty="0"/>
-                        </a:p>
-                        <a:p>
-                          <a:pPr algn="ctr"/>
-                          <a:endParaRPr lang="en-US" altLang="zh-CN" dirty="0"/>
-                        </a:p>
-                        <a:p>
-                          <a:pPr algn="ctr"/>
-                          <a:r>
-                            <a:rPr lang="en-US" altLang="zh-CN" dirty="0"/>
-                            <a:t>LINE</a:t>
-                          </a:r>
-                          <a:endParaRPr lang="zh-CN" altLang="en-US" dirty="0"/>
-                        </a:p>
-                      </a:txBody>
-                      <a:tcPr/>
-                    </a:tc>
-                    <a:tc>
-                      <a:txBody>
-                        <a:bodyPr/>
-                        <a:lstStyle/>
-                        <a:p>
-                          <a:pPr algn="ctr"/>
-                          <a14:m>
-                            <m:oMathPara xmlns:m="http://schemas.openxmlformats.org/officeDocument/2006/math">
-                              <m:oMathParaPr>
-                                <m:jc m:val="centerGroup"/>
-                              </m:oMathParaPr>
-                              <m:oMath xmlns:m="http://schemas.openxmlformats.org/officeDocument/2006/math">
-                                <m:f>
-                                  <m:fPr>
-                                    <m:ctrlPr>
-                                      <a:rPr lang="zh-CN" altLang="en-US" sz="2400" i="1" dirty="0" smtClean="0">
-                                        <a:latin typeface="Cambria Math" panose="02040503050406030204" pitchFamily="18" charset="0"/>
-                                      </a:rPr>
-                                    </m:ctrlPr>
-                                  </m:fPr>
-                                  <m:num>
-                                    <m:r>
-                                      <a:rPr lang="en-US" altLang="zh-CN" sz="2400" b="0" i="1" dirty="0" smtClean="0">
-                                        <a:latin typeface="Cambria Math" panose="02040503050406030204" pitchFamily="18" charset="0"/>
-                                      </a:rPr>
-                                      <m:t>1</m:t>
-                                    </m:r>
-                                  </m:num>
-                                  <m:den>
-                                    <m:r>
-                                      <a:rPr lang="en-US" altLang="zh-CN" sz="2400" b="0" i="1" dirty="0" smtClean="0">
-                                        <a:latin typeface="Cambria Math" panose="02040503050406030204" pitchFamily="18" charset="0"/>
-                                      </a:rPr>
-                                      <m:t>1+</m:t>
-                                    </m:r>
-                                    <m:r>
-                                      <m:rPr>
-                                        <m:sty m:val="p"/>
-                                      </m:rPr>
-                                      <a:rPr lang="en-US" altLang="zh-CN" sz="2400" b="0" i="1" dirty="0" smtClean="0">
-                                        <a:latin typeface="Cambria Math" panose="02040503050406030204" pitchFamily="18" charset="0"/>
-                                      </a:rPr>
-                                      <m:t>exp</m:t>
-                                    </m:r>
-                                    <m:r>
-                                      <a:rPr lang="en-US" altLang="zh-CN" sz="2400" b="0" i="1" dirty="0" smtClean="0">
-                                        <a:latin typeface="Cambria Math" panose="02040503050406030204" pitchFamily="18" charset="0"/>
-                                      </a:rPr>
-                                      <m:t>(</m:t>
-                                    </m:r>
-                                    <m:sSubSup>
-                                      <m:sSubSupPr>
-                                        <m:ctrlPr>
-                                          <a:rPr lang="en-US" altLang="zh-CN" sz="2400" b="0" i="1" dirty="0" smtClean="0">
-                                            <a:solidFill>
-                                              <a:prstClr val="black"/>
-                                            </a:solidFill>
-                                            <a:latin typeface="Cambria Math" panose="02040503050406030204" pitchFamily="18" charset="0"/>
-                                          </a:rPr>
-                                        </m:ctrlPr>
-                                      </m:sSubSupPr>
-                                      <m:e>
-                                        <m:r>
-                                          <a:rPr lang="en-US" altLang="zh-CN" sz="2400" b="1" i="1" dirty="0" smtClean="0">
-                                            <a:solidFill>
-                                              <a:prstClr val="black"/>
-                                            </a:solidFill>
-                                            <a:latin typeface="Cambria Math" panose="02040503050406030204" pitchFamily="18" charset="0"/>
-                                          </a:rPr>
-                                          <m:t>−</m:t>
-                                        </m:r>
-                                        <m:r>
-                                          <a:rPr lang="en-US" altLang="zh-CN" sz="2400" b="1" i="1" dirty="0">
-                                            <a:solidFill>
-                                              <a:prstClr val="black"/>
-                                            </a:solidFill>
-                                            <a:latin typeface="Cambria Math" panose="02040503050406030204" pitchFamily="18" charset="0"/>
-                                          </a:rPr>
-                                          <m:t>𝒛</m:t>
-                                        </m:r>
-                                      </m:e>
-                                      <m:sub>
-                                        <m:r>
-                                          <a:rPr lang="en-US" altLang="zh-CN" sz="2400" b="0" i="1" dirty="0" smtClean="0">
-                                            <a:solidFill>
-                                              <a:prstClr val="black"/>
-                                            </a:solidFill>
-                                            <a:latin typeface="Cambria Math" panose="02040503050406030204" pitchFamily="18" charset="0"/>
-                                          </a:rPr>
-                                          <m:t>𝑢</m:t>
-                                        </m:r>
-                                      </m:sub>
-                                      <m:sup>
-                                        <m:r>
-                                          <m:rPr>
-                                            <m:sty m:val="p"/>
-                                          </m:rPr>
-                                          <a:rPr lang="en-US" altLang="zh-CN" sz="2400" b="0" i="0" dirty="0" smtClean="0">
-                                            <a:solidFill>
-                                              <a:prstClr val="black"/>
-                                            </a:solidFill>
-                                            <a:latin typeface="Cambria Math" panose="02040503050406030204" pitchFamily="18" charset="0"/>
-                                          </a:rPr>
-                                          <m:t>T</m:t>
-                                        </m:r>
-                                      </m:sup>
-                                    </m:sSubSup>
-                                    <m:sSub>
-                                      <m:sSubPr>
-                                        <m:ctrlPr>
-                                          <a:rPr lang="en-US" altLang="zh-CN" sz="2400" i="1" dirty="0">
-                                            <a:solidFill>
-                                              <a:prstClr val="black"/>
-                                            </a:solidFill>
-                                            <a:latin typeface="Cambria Math" panose="02040503050406030204" pitchFamily="18" charset="0"/>
-                                          </a:rPr>
-                                        </m:ctrlPr>
-                                      </m:sSubPr>
-                                      <m:e>
-                                        <m:r>
-                                          <a:rPr lang="en-US" altLang="zh-CN" sz="2400" b="1" i="1" dirty="0">
-                                            <a:solidFill>
-                                              <a:prstClr val="black"/>
-                                            </a:solidFill>
-                                            <a:latin typeface="Cambria Math" panose="02040503050406030204" pitchFamily="18" charset="0"/>
-                                          </a:rPr>
-                                          <m:t>𝒛</m:t>
-                                        </m:r>
-                                      </m:e>
-                                      <m:sub>
-                                        <m:r>
-                                          <a:rPr lang="en-US" altLang="zh-CN" sz="2400" i="1" dirty="0">
-                                            <a:solidFill>
-                                              <a:prstClr val="black"/>
-                                            </a:solidFill>
-                                            <a:latin typeface="Cambria Math" panose="02040503050406030204" pitchFamily="18" charset="0"/>
-                                          </a:rPr>
-                                          <m:t>𝑣</m:t>
-                                        </m:r>
-                                      </m:sub>
-                                    </m:sSub>
-                                    <m:r>
-                                      <a:rPr lang="en-US" altLang="zh-CN" sz="2400" b="0" i="1" dirty="0" smtClean="0">
-                                        <a:latin typeface="Cambria Math" panose="02040503050406030204" pitchFamily="18" charset="0"/>
-                                      </a:rPr>
-                                      <m:t>)</m:t>
-                                    </m:r>
-                                  </m:den>
-                                </m:f>
-                              </m:oMath>
-                            </m:oMathPara>
-                          </a14:m>
-                          <a:endParaRPr lang="en-US" altLang="zh-CN" dirty="0"/>
-                        </a:p>
-                        <a:p>
-                          <a:pPr algn="ctr"/>
-                          <a14:m>
-                            <m:oMathPara xmlns:m="http://schemas.openxmlformats.org/officeDocument/2006/math">
-                              <m:oMathParaPr>
-                                <m:jc m:val="centerGroup"/>
-                              </m:oMathParaPr>
-                              <m:oMath xmlns:m="http://schemas.openxmlformats.org/officeDocument/2006/math">
-                                <m:f>
-                                  <m:fPr>
-                                    <m:ctrlPr>
-                                      <a:rPr lang="zh-CN" altLang="en-US" sz="2400" i="1" dirty="0" smtClean="0">
-                                        <a:latin typeface="Cambria Math" panose="02040503050406030204" pitchFamily="18" charset="0"/>
-                                      </a:rPr>
-                                    </m:ctrlPr>
-                                  </m:fPr>
-                                  <m:num>
-                                    <m:r>
-                                      <m:rPr>
-                                        <m:sty m:val="p"/>
-                                      </m:rPr>
-                                      <a:rPr lang="en-US" altLang="zh-CN" sz="2400" b="0" i="0" dirty="0" smtClean="0">
-                                        <a:latin typeface="Cambria Math" panose="02040503050406030204" pitchFamily="18" charset="0"/>
-                                      </a:rPr>
-                                      <m:t>exp</m:t>
-                                    </m:r>
-                                    <m:r>
-                                      <a:rPr lang="en-US" altLang="zh-CN" sz="2400" b="0" i="1" dirty="0" smtClean="0">
-                                        <a:latin typeface="Cambria Math" panose="02040503050406030204" pitchFamily="18" charset="0"/>
-                                      </a:rPr>
-                                      <m:t>⁡(</m:t>
-                                    </m:r>
-                                    <m:sSubSup>
-                                      <m:sSubSupPr>
-                                        <m:ctrlPr>
-                                          <a:rPr lang="en-US" altLang="zh-CN" sz="2400" b="0" i="1" dirty="0" smtClean="0">
-                                            <a:solidFill>
-                                              <a:prstClr val="black"/>
-                                            </a:solidFill>
-                                            <a:latin typeface="Cambria Math" panose="02040503050406030204" pitchFamily="18" charset="0"/>
-                                          </a:rPr>
-                                        </m:ctrlPr>
-                                      </m:sSubSupPr>
-                                      <m:e>
-                                        <m:r>
-                                          <a:rPr lang="en-US" altLang="zh-CN" sz="2400" b="1" i="1" dirty="0">
-                                            <a:solidFill>
-                                              <a:prstClr val="black"/>
-                                            </a:solidFill>
-                                            <a:latin typeface="Cambria Math" panose="02040503050406030204" pitchFamily="18" charset="0"/>
-                                          </a:rPr>
-                                          <m:t>𝒛</m:t>
-                                        </m:r>
-                                      </m:e>
-                                      <m:sub>
-                                        <m:r>
-                                          <a:rPr lang="en-US" altLang="zh-CN" sz="2400" b="0" i="1" dirty="0" smtClean="0">
-                                            <a:solidFill>
-                                              <a:prstClr val="black"/>
-                                            </a:solidFill>
-                                            <a:latin typeface="Cambria Math" panose="02040503050406030204" pitchFamily="18" charset="0"/>
-                                          </a:rPr>
-                                          <m:t>𝑢</m:t>
-                                        </m:r>
-                                      </m:sub>
-                                      <m:sup>
-                                        <m:r>
-                                          <m:rPr>
-                                            <m:sty m:val="p"/>
-                                          </m:rPr>
-                                          <a:rPr lang="en-US" altLang="zh-CN" sz="2400" b="0" i="0" dirty="0" smtClean="0">
-                                            <a:solidFill>
-                                              <a:prstClr val="black"/>
-                                            </a:solidFill>
-                                            <a:latin typeface="Cambria Math" panose="02040503050406030204" pitchFamily="18" charset="0"/>
-                                          </a:rPr>
-                                          <m:t>T</m:t>
-                                        </m:r>
-                                      </m:sup>
-                                    </m:sSubSup>
-                                    <m:sSub>
-                                      <m:sSubPr>
-                                        <m:ctrlPr>
-                                          <a:rPr lang="en-US" altLang="zh-CN" sz="2400" i="1" dirty="0">
-                                            <a:solidFill>
-                                              <a:prstClr val="black"/>
-                                            </a:solidFill>
-                                            <a:latin typeface="Cambria Math" panose="02040503050406030204" pitchFamily="18" charset="0"/>
-                                          </a:rPr>
-                                        </m:ctrlPr>
-                                      </m:sSubPr>
-                                      <m:e>
-                                        <m:r>
-                                          <a:rPr lang="en-US" altLang="zh-CN" sz="2400" b="1" i="1" dirty="0">
-                                            <a:solidFill>
-                                              <a:prstClr val="black"/>
-                                            </a:solidFill>
-                                            <a:latin typeface="Cambria Math" panose="02040503050406030204" pitchFamily="18" charset="0"/>
-                                          </a:rPr>
-                                          <m:t>𝒛</m:t>
-                                        </m:r>
-                                      </m:e>
-                                      <m:sub>
-                                        <m:r>
-                                          <a:rPr lang="en-US" altLang="zh-CN" sz="2400" i="1" dirty="0">
-                                            <a:solidFill>
-                                              <a:prstClr val="black"/>
-                                            </a:solidFill>
-                                            <a:latin typeface="Cambria Math" panose="02040503050406030204" pitchFamily="18" charset="0"/>
-                                          </a:rPr>
-                                          <m:t>𝑣</m:t>
-                                        </m:r>
-                                      </m:sub>
-                                    </m:sSub>
-                                    <m:r>
-                                      <a:rPr lang="en-US" altLang="zh-CN" sz="2400" b="0" i="1" dirty="0" smtClean="0">
-                                        <a:solidFill>
-                                          <a:prstClr val="black"/>
-                                        </a:solidFill>
-                                        <a:latin typeface="Cambria Math" panose="02040503050406030204" pitchFamily="18" charset="0"/>
-                                      </a:rPr>
-                                      <m:t>′</m:t>
-                                    </m:r>
-                                    <m:r>
-                                      <a:rPr lang="en-US" altLang="zh-CN" sz="2400" b="0" i="1" dirty="0" smtClean="0">
-                                        <a:latin typeface="Cambria Math" panose="02040503050406030204" pitchFamily="18" charset="0"/>
-                                      </a:rPr>
-                                      <m:t>)</m:t>
-                                    </m:r>
-                                  </m:num>
-                                  <m:den>
-                                    <m:nary>
-                                      <m:naryPr>
-                                        <m:chr m:val="∑"/>
-                                        <m:limLoc m:val="undOvr"/>
-                                        <m:grow m:val="on"/>
-                                        <m:supHide m:val="on"/>
-                                        <m:ctrlPr>
-                                          <a:rPr lang="en-US" altLang="zh-CN" sz="2400" i="1">
-                                            <a:latin typeface="Cambria Math" panose="02040503050406030204" pitchFamily="18" charset="0"/>
-                                          </a:rPr>
-                                        </m:ctrlPr>
-                                      </m:naryPr>
-                                      <m:sub>
-                                        <m:r>
-                                          <a:rPr lang="en-US" altLang="zh-CN" sz="2400" b="0" i="1" smtClean="0">
-                                            <a:solidFill>
-                                              <a:schemeClr val="tx1"/>
-                                            </a:solidFill>
-                                            <a:latin typeface="Cambria Math" panose="02040503050406030204" pitchFamily="18" charset="0"/>
-                                          </a:rPr>
-                                          <m:t>𝑘</m:t>
-                                        </m:r>
-                                        <m:r>
-                                          <a:rPr lang="en-US" altLang="zh-CN" sz="2400" i="1">
-                                            <a:solidFill>
-                                              <a:schemeClr val="tx1"/>
-                                            </a:solidFill>
-                                            <a:latin typeface="Cambria Math" panose="02040503050406030204" pitchFamily="18" charset="0"/>
-                                          </a:rPr>
-                                          <m:t>∈</m:t>
-                                        </m:r>
-                                        <m:r>
-                                          <a:rPr lang="en-US" altLang="zh-CN" sz="2400" i="1">
-                                            <a:solidFill>
-                                              <a:schemeClr val="tx1"/>
-                                            </a:solidFill>
-                                            <a:latin typeface="Cambria Math" panose="02040503050406030204" pitchFamily="18" charset="0"/>
-                                          </a:rPr>
-                                          <m:t>𝑉</m:t>
-                                        </m:r>
-                                      </m:sub>
-                                      <m:sup/>
-                                      <m:e>
-                                        <m:r>
-                                          <m:rPr>
-                                            <m:sty m:val="p"/>
-                                          </m:rPr>
-                                          <a:rPr lang="en-US" altLang="zh-CN" sz="2400" b="0" i="0" smtClean="0">
-                                            <a:latin typeface="Cambria Math" panose="02040503050406030204" pitchFamily="18" charset="0"/>
-                                          </a:rPr>
-                                          <m:t>exp</m:t>
-                                        </m:r>
-                                        <m:r>
-                                          <a:rPr lang="en-US" altLang="zh-CN" sz="2400" b="0" i="1" smtClean="0">
-                                            <a:latin typeface="Cambria Math" panose="02040503050406030204" pitchFamily="18" charset="0"/>
-                                          </a:rPr>
-                                          <m:t>⁡(</m:t>
-                                        </m:r>
-                                        <m:sSubSup>
-                                          <m:sSubSupPr>
-                                            <m:ctrlPr>
-                                              <a:rPr lang="en-US" altLang="zh-CN" sz="2400" b="0" i="1" dirty="0" smtClean="0">
-                                                <a:solidFill>
-                                                  <a:prstClr val="black"/>
-                                                </a:solidFill>
-                                                <a:latin typeface="Cambria Math" panose="02040503050406030204" pitchFamily="18" charset="0"/>
-                                              </a:rPr>
-                                            </m:ctrlPr>
-                                          </m:sSubSupPr>
-                                          <m:e>
-                                            <m:r>
-                                              <a:rPr lang="en-US" altLang="zh-CN" sz="2400" b="1" i="1" dirty="0">
-                                                <a:solidFill>
-                                                  <a:prstClr val="black"/>
-                                                </a:solidFill>
-                                                <a:latin typeface="Cambria Math" panose="02040503050406030204" pitchFamily="18" charset="0"/>
-                                              </a:rPr>
-                                              <m:t>𝒛</m:t>
-                                            </m:r>
-                                          </m:e>
-                                          <m:sub>
-                                            <m:r>
-                                              <a:rPr lang="en-US" altLang="zh-CN" sz="2400" b="0" i="1" dirty="0" smtClean="0">
-                                                <a:solidFill>
-                                                  <a:prstClr val="black"/>
-                                                </a:solidFill>
-                                                <a:latin typeface="Cambria Math" panose="02040503050406030204" pitchFamily="18" charset="0"/>
-                                              </a:rPr>
-                                              <m:t>𝑢</m:t>
-                                            </m:r>
-                                          </m:sub>
-                                          <m:sup>
-                                            <m:r>
-                                              <m:rPr>
-                                                <m:sty m:val="p"/>
-                                              </m:rPr>
-                                              <a:rPr lang="en-US" altLang="zh-CN" sz="2400" b="0" i="0" dirty="0" smtClean="0">
-                                                <a:solidFill>
-                                                  <a:prstClr val="black"/>
-                                                </a:solidFill>
-                                                <a:latin typeface="Cambria Math" panose="02040503050406030204" pitchFamily="18" charset="0"/>
-                                              </a:rPr>
-                                              <m:t>T</m:t>
-                                            </m:r>
-                                          </m:sup>
-                                        </m:sSubSup>
-                                        <m:sSub>
-                                          <m:sSubPr>
-                                            <m:ctrlPr>
-                                              <a:rPr lang="en-US" altLang="zh-CN" sz="2400" i="1" dirty="0" smtClean="0">
-                                                <a:solidFill>
-                                                  <a:prstClr val="black"/>
-                                                </a:solidFill>
-                                                <a:latin typeface="Cambria Math" panose="02040503050406030204" pitchFamily="18" charset="0"/>
-                                              </a:rPr>
-                                            </m:ctrlPr>
-                                          </m:sSubPr>
-                                          <m:e>
-                                            <m:r>
-                                              <a:rPr lang="en-US" altLang="zh-CN" sz="2400" b="1" i="1" dirty="0">
-                                                <a:solidFill>
-                                                  <a:prstClr val="black"/>
-                                                </a:solidFill>
-                                                <a:latin typeface="Cambria Math" panose="02040503050406030204" pitchFamily="18" charset="0"/>
-                                              </a:rPr>
-                                              <m:t>𝒛</m:t>
-                                            </m:r>
-                                          </m:e>
-                                          <m:sub>
-                                            <m:r>
-                                              <a:rPr lang="en-US" altLang="zh-CN" sz="2400" b="0" i="1" dirty="0" smtClean="0">
-                                                <a:solidFill>
-                                                  <a:prstClr val="black"/>
-                                                </a:solidFill>
-                                                <a:latin typeface="Cambria Math" panose="02040503050406030204" pitchFamily="18" charset="0"/>
-                                              </a:rPr>
-                                              <m:t>𝑘</m:t>
-                                            </m:r>
-                                          </m:sub>
-                                        </m:sSub>
-                                        <m:r>
-                                          <a:rPr lang="en-US" altLang="zh-CN" sz="2400" b="0" i="1" dirty="0" smtClean="0">
-                                            <a:solidFill>
-                                              <a:prstClr val="black"/>
-                                            </a:solidFill>
-                                            <a:latin typeface="Cambria Math" panose="02040503050406030204" pitchFamily="18" charset="0"/>
-                                          </a:rPr>
-                                          <m:t>′</m:t>
-                                        </m:r>
-                                        <m:r>
-                                          <a:rPr lang="en-US" altLang="zh-CN" sz="2400" b="0" i="1" smtClean="0">
-                                            <a:latin typeface="Cambria Math" panose="02040503050406030204" pitchFamily="18" charset="0"/>
-                                          </a:rPr>
-                                          <m:t>)</m:t>
-                                        </m:r>
-                                      </m:e>
-                                    </m:nary>
-                                  </m:den>
-                                </m:f>
-                              </m:oMath>
-                            </m:oMathPara>
-                          </a14:m>
-                          <a:endParaRPr lang="zh-CN" altLang="en-US" dirty="0"/>
-                        </a:p>
-                      </a:txBody>
-                      <a:tcPr/>
-                    </a:tc>
-                    <a:tc>
-                      <a:txBody>
-                        <a:bodyPr/>
-                        <a:lstStyle/>
-                        <a:p>
-                          <a:pPr algn="ctr"/>
-                          <a14:m>
-                            <m:oMathPara xmlns:m="http://schemas.openxmlformats.org/officeDocument/2006/math">
-                              <m:oMathParaPr>
-                                <m:jc m:val="centerGroup"/>
-                              </m:oMathParaPr>
-                              <m:oMath xmlns:m="http://schemas.openxmlformats.org/officeDocument/2006/math">
-                                <m:r>
-                                  <a:rPr lang="en-US" altLang="zh-CN" sz="2400" b="1" smtClean="0">
-                                    <a:solidFill>
-                                      <a:prstClr val="black"/>
-                                    </a:solidFill>
-                                    <a:latin typeface="Cambria Math" panose="02040503050406030204" pitchFamily="18" charset="0"/>
-                                  </a:rPr>
-                                  <m:t>𝐒</m:t>
-                                </m:r>
-                                <m:d>
-                                  <m:dPr>
-                                    <m:ctrlPr>
-                                      <a:rPr lang="en-US" altLang="zh-CN" sz="2400" b="1" i="1">
-                                        <a:solidFill>
-                                          <a:prstClr val="black"/>
-                                        </a:solidFill>
-                                        <a:latin typeface="Cambria Math" panose="02040503050406030204" pitchFamily="18" charset="0"/>
-                                      </a:rPr>
-                                    </m:ctrlPr>
-                                  </m:dPr>
-                                  <m:e>
-                                    <m:r>
-                                      <a:rPr lang="en-US" altLang="zh-CN" sz="2400" i="1">
-                                        <a:solidFill>
-                                          <a:prstClr val="black"/>
-                                        </a:solidFill>
-                                        <a:latin typeface="Cambria Math" panose="02040503050406030204" pitchFamily="18" charset="0"/>
-                                      </a:rPr>
-                                      <m:t>𝑢</m:t>
-                                    </m:r>
-                                    <m:r>
-                                      <a:rPr lang="en-US" altLang="zh-CN" sz="2400" i="1">
-                                        <a:solidFill>
-                                          <a:prstClr val="black"/>
-                                        </a:solidFill>
-                                        <a:latin typeface="Cambria Math" panose="02040503050406030204" pitchFamily="18" charset="0"/>
-                                      </a:rPr>
-                                      <m:t>,</m:t>
-                                    </m:r>
-                                    <m:r>
-                                      <a:rPr lang="en-US" altLang="zh-CN" sz="2400" i="1">
-                                        <a:solidFill>
-                                          <a:prstClr val="black"/>
-                                        </a:solidFill>
-                                        <a:latin typeface="Cambria Math" panose="02040503050406030204" pitchFamily="18" charset="0"/>
-                                      </a:rPr>
-                                      <m:t>𝑣</m:t>
-                                    </m:r>
-                                  </m:e>
-                                </m:d>
-                                <m:r>
-                                  <a:rPr lang="en-US" altLang="zh-CN" sz="2400" b="0" i="0" smtClean="0">
-                                    <a:solidFill>
-                                      <a:prstClr val="black"/>
-                                    </a:solidFill>
-                                    <a:latin typeface="Cambria Math" panose="02040503050406030204" pitchFamily="18" charset="0"/>
-                                  </a:rPr>
-                                  <m:t>=</m:t>
-                                </m:r>
-                                <m:f>
-                                  <m:fPr>
-                                    <m:ctrlPr>
-                                      <a:rPr lang="en-US" altLang="zh-CN" dirty="0" smtClean="0">
-                                        <a:latin typeface="Cambria Math" panose="02040503050406030204" pitchFamily="18" charset="0"/>
-                                      </a:rPr>
-                                    </m:ctrlPr>
-                                  </m:fPr>
-                                  <m:num>
-                                    <m:r>
-                                      <a:rPr lang="en-US" altLang="zh-CN" b="1" i="0" dirty="0" smtClean="0">
-                                        <a:latin typeface="Cambria Math" panose="02040503050406030204" pitchFamily="18" charset="0"/>
-                                      </a:rPr>
-                                      <m:t>𝐀</m:t>
-                                    </m:r>
-                                    <m:r>
-                                      <a:rPr lang="en-US" altLang="zh-CN" b="0" i="1" dirty="0" smtClean="0">
-                                        <a:latin typeface="Cambria Math" panose="02040503050406030204" pitchFamily="18" charset="0"/>
-                                      </a:rPr>
-                                      <m:t>(</m:t>
-                                    </m:r>
-                                    <m:r>
-                                      <a:rPr lang="en-US" altLang="zh-CN" b="0" i="1" dirty="0" smtClean="0">
-                                        <a:latin typeface="Cambria Math" panose="02040503050406030204" pitchFamily="18" charset="0"/>
-                                      </a:rPr>
-                                      <m:t>𝑢</m:t>
-                                    </m:r>
-                                    <m:r>
-                                      <a:rPr lang="en-US" altLang="zh-CN" b="0" i="1" dirty="0" smtClean="0">
-                                        <a:latin typeface="Cambria Math" panose="02040503050406030204" pitchFamily="18" charset="0"/>
-                                      </a:rPr>
-                                      <m:t>,</m:t>
-                                    </m:r>
-                                    <m:r>
-                                      <a:rPr lang="en-US" altLang="zh-CN" b="0" i="1" dirty="0" smtClean="0">
-                                        <a:latin typeface="Cambria Math" panose="02040503050406030204" pitchFamily="18" charset="0"/>
-                                      </a:rPr>
-                                      <m:t>𝑣</m:t>
-                                    </m:r>
-                                    <m:r>
-                                      <a:rPr lang="en-US" altLang="zh-CN" b="0" i="1" dirty="0" smtClean="0">
-                                        <a:latin typeface="Cambria Math" panose="02040503050406030204" pitchFamily="18" charset="0"/>
-                                      </a:rPr>
-                                      <m:t>)</m:t>
-                                    </m:r>
-                                  </m:num>
-                                  <m:den>
-                                    <m:r>
-                                      <a:rPr lang="en-US" altLang="zh-CN" b="0" i="1" dirty="0" smtClean="0">
-                                        <a:latin typeface="Cambria Math" panose="02040503050406030204" pitchFamily="18" charset="0"/>
-                                      </a:rPr>
-                                      <m:t>𝑊</m:t>
-                                    </m:r>
-                                  </m:den>
-                                </m:f>
-                              </m:oMath>
-                            </m:oMathPara>
-                          </a14:m>
-                          <a:endParaRPr lang="en-US" altLang="zh-CN" dirty="0"/>
-                        </a:p>
-                        <a:p>
-                          <a:pPr algn="ctr"/>
-                          <a:endParaRPr lang="en-US" altLang="zh-CN" dirty="0"/>
-                        </a:p>
-                        <a:p>
-                          <a:pPr algn="ctr"/>
-                          <a14:m>
-                            <m:oMathPara xmlns:m="http://schemas.openxmlformats.org/officeDocument/2006/math">
-                              <m:oMathParaPr>
-                                <m:jc m:val="centerGroup"/>
-                              </m:oMathParaPr>
-                              <m:oMath xmlns:m="http://schemas.openxmlformats.org/officeDocument/2006/math">
-                                <m:r>
-                                  <a:rPr lang="en-US" altLang="zh-CN" sz="2400" b="1" smtClean="0">
-                                    <a:solidFill>
-                                      <a:prstClr val="black"/>
-                                    </a:solidFill>
-                                    <a:latin typeface="Cambria Math" panose="02040503050406030204" pitchFamily="18" charset="0"/>
-                                  </a:rPr>
-                                  <m:t>𝐒</m:t>
-                                </m:r>
-                                <m:d>
-                                  <m:dPr>
-                                    <m:ctrlPr>
-                                      <a:rPr lang="en-US" altLang="zh-CN" sz="2400" b="1" i="1">
-                                        <a:solidFill>
-                                          <a:prstClr val="black"/>
-                                        </a:solidFill>
-                                        <a:latin typeface="Cambria Math" panose="02040503050406030204" pitchFamily="18" charset="0"/>
-                                      </a:rPr>
-                                    </m:ctrlPr>
-                                  </m:dPr>
-                                  <m:e>
-                                    <m:r>
-                                      <a:rPr lang="en-US" altLang="zh-CN" sz="2400" i="1">
-                                        <a:solidFill>
-                                          <a:prstClr val="black"/>
-                                        </a:solidFill>
-                                        <a:latin typeface="Cambria Math" panose="02040503050406030204" pitchFamily="18" charset="0"/>
-                                      </a:rPr>
-                                      <m:t>𝑣</m:t>
-                                    </m:r>
-                                    <m:r>
-                                      <a:rPr lang="en-US" altLang="zh-CN" sz="2400" b="0" i="1" smtClean="0">
-                                        <a:solidFill>
-                                          <a:prstClr val="black"/>
-                                        </a:solidFill>
-                                        <a:latin typeface="Cambria Math" panose="02040503050406030204" pitchFamily="18" charset="0"/>
-                                      </a:rPr>
-                                      <m:t>|</m:t>
-                                    </m:r>
-                                    <m:r>
-                                      <a:rPr lang="en-US" altLang="zh-CN" sz="2400" b="0" i="1" smtClean="0">
-                                        <a:solidFill>
-                                          <a:prstClr val="black"/>
-                                        </a:solidFill>
-                                        <a:latin typeface="Cambria Math" panose="02040503050406030204" pitchFamily="18" charset="0"/>
-                                      </a:rPr>
-                                      <m:t>𝑢</m:t>
-                                    </m:r>
-                                  </m:e>
-                                </m:d>
-                                <m:r>
-                                  <a:rPr lang="en-US" altLang="zh-CN" sz="2400" b="0" i="1" smtClean="0">
-                                    <a:solidFill>
-                                      <a:prstClr val="black"/>
-                                    </a:solidFill>
-                                    <a:latin typeface="Cambria Math" panose="02040503050406030204" pitchFamily="18" charset="0"/>
-                                  </a:rPr>
-                                  <m:t>=</m:t>
-                                </m:r>
-                                <m:f>
-                                  <m:fPr>
-                                    <m:ctrlPr>
-                                      <a:rPr lang="en-US" altLang="zh-CN" i="1" dirty="0" smtClean="0">
-                                        <a:latin typeface="Cambria Math" panose="02040503050406030204" pitchFamily="18" charset="0"/>
-                                      </a:rPr>
-                                    </m:ctrlPr>
-                                  </m:fPr>
-                                  <m:num>
-                                    <m:r>
-                                      <a:rPr lang="en-US" altLang="zh-CN" b="1" i="0" dirty="0" smtClean="0">
-                                        <a:latin typeface="Cambria Math" panose="02040503050406030204" pitchFamily="18" charset="0"/>
-                                      </a:rPr>
-                                      <m:t>𝐀</m:t>
-                                    </m:r>
-                                    <m:r>
-                                      <a:rPr lang="en-US" altLang="zh-CN" b="0" i="1" dirty="0" smtClean="0">
-                                        <a:latin typeface="Cambria Math" panose="02040503050406030204" pitchFamily="18" charset="0"/>
-                                      </a:rPr>
-                                      <m:t>(</m:t>
-                                    </m:r>
-                                    <m:r>
-                                      <a:rPr lang="en-US" altLang="zh-CN" b="0" i="1" dirty="0" smtClean="0">
-                                        <a:latin typeface="Cambria Math" panose="02040503050406030204" pitchFamily="18" charset="0"/>
-                                      </a:rPr>
-                                      <m:t>𝑢</m:t>
-                                    </m:r>
-                                    <m:r>
-                                      <a:rPr lang="en-US" altLang="zh-CN" b="0" i="1" dirty="0" smtClean="0">
-                                        <a:latin typeface="Cambria Math" panose="02040503050406030204" pitchFamily="18" charset="0"/>
-                                      </a:rPr>
-                                      <m:t>,</m:t>
-                                    </m:r>
-                                    <m:r>
-                                      <a:rPr lang="en-US" altLang="zh-CN" b="0" i="1" dirty="0" smtClean="0">
-                                        <a:latin typeface="Cambria Math" panose="02040503050406030204" pitchFamily="18" charset="0"/>
-                                      </a:rPr>
-                                      <m:t>𝑣</m:t>
-                                    </m:r>
-                                    <m:r>
-                                      <a:rPr lang="en-US" altLang="zh-CN" b="0" i="1" dirty="0" smtClean="0">
-                                        <a:latin typeface="Cambria Math" panose="02040503050406030204" pitchFamily="18" charset="0"/>
-                                      </a:rPr>
-                                      <m:t>)</m:t>
-                                    </m:r>
-                                  </m:num>
-                                  <m:den>
-                                    <m:sSub>
-                                      <m:sSubPr>
-                                        <m:ctrlPr>
-                                          <a:rPr lang="en-US" altLang="zh-CN" b="0" i="1" dirty="0" smtClean="0">
-                                            <a:latin typeface="Cambria Math" panose="02040503050406030204" pitchFamily="18" charset="0"/>
-                                          </a:rPr>
-                                        </m:ctrlPr>
-                                      </m:sSubPr>
-                                      <m:e>
-                                        <m:r>
-                                          <a:rPr lang="en-US" altLang="zh-CN" b="0" i="1" dirty="0" smtClean="0">
-                                            <a:latin typeface="Cambria Math" panose="02040503050406030204" pitchFamily="18" charset="0"/>
-                                          </a:rPr>
-                                          <m:t>𝑊</m:t>
-                                        </m:r>
-                                      </m:e>
-                                      <m:sub>
-                                        <m:r>
-                                          <a:rPr lang="en-US" altLang="zh-CN" b="0" i="1" dirty="0" smtClean="0">
-                                            <a:latin typeface="Cambria Math" panose="02040503050406030204" pitchFamily="18" charset="0"/>
-                                          </a:rPr>
-                                          <m:t>𝑢</m:t>
-                                        </m:r>
-                                      </m:sub>
-                                    </m:sSub>
-                                  </m:den>
-                                </m:f>
-                              </m:oMath>
-                            </m:oMathPara>
-                          </a14:m>
-                          <a:endParaRPr lang="zh-CN" altLang="en-US" dirty="0"/>
-                        </a:p>
-                      </a:txBody>
-                      <a:tcPr/>
-                    </a:tc>
-                    <a:tc>
-                      <a:txBody>
-                        <a:bodyPr/>
-                        <a:lstStyle/>
-                        <a:p>
-                          <a:pPr algn="ctr"/>
-                          <a:endParaRPr lang="en-US" altLang="zh-CN" dirty="0"/>
-                        </a:p>
-                        <a:p>
-                          <a:pPr algn="ctr"/>
-                          <a:endParaRPr lang="en-US" altLang="zh-CN" dirty="0"/>
-                        </a:p>
-                        <a:p>
-                          <a:pPr algn="ctr"/>
-                          <a:r>
-                            <a:rPr lang="en-US" altLang="zh-CN" dirty="0"/>
-                            <a:t>KL-divergence</a:t>
-                          </a:r>
-                          <a:endParaRPr lang="zh-CN" altLang="en-US" dirty="0"/>
-                        </a:p>
-                      </a:txBody>
-                      <a:tcPr/>
-                    </a:tc>
-                    <a:extLst>
-                      <a:ext uri="{0D108BD9-81ED-4DB2-BD59-A6C34878D82A}">
-                        <a16:rowId xmlns:a16="http://schemas.microsoft.com/office/drawing/2014/main" val="1252278378"/>
-                      </a:ext>
-                    </a:extLst>
-                  </a:tr>
-                  <a:tr h="370840">
-                    <a:tc>
-                      <a:txBody>
-                        <a:bodyPr/>
-                        <a:lstStyle/>
-                        <a:p>
-                          <a:pPr algn="ctr"/>
-                          <a:endParaRPr lang="en-US" altLang="zh-CN" dirty="0"/>
-                        </a:p>
-                        <a:p>
-                          <a:pPr algn="ctr"/>
-                          <a:r>
-                            <a:rPr lang="en-US" altLang="zh-CN" dirty="0"/>
-                            <a:t>SDNE</a:t>
-                          </a:r>
-                          <a:endParaRPr lang="zh-CN" altLang="en-US" dirty="0"/>
-                        </a:p>
-                      </a:txBody>
-                      <a:tcPr/>
-                    </a:tc>
-                    <a:tc>
-                      <a:txBody>
-                        <a:bodyPr/>
-                        <a:lstStyle/>
-                        <a:p>
-                          <a:pPr algn="ctr"/>
-                          <a14:m>
-                            <m:oMathPara xmlns:m="http://schemas.openxmlformats.org/officeDocument/2006/math">
-                              <m:oMathParaPr>
-                                <m:jc m:val="centerGroup"/>
-                              </m:oMathParaPr>
-                              <m:oMath xmlns:m="http://schemas.openxmlformats.org/officeDocument/2006/math">
-                                <m:sSubSup>
-                                  <m:sSubSupPr>
-                                    <m:ctrlPr>
-                                      <a:rPr lang="en-US" altLang="zh-CN" sz="2400" b="0" i="1" dirty="0" smtClean="0">
-                                        <a:solidFill>
-                                          <a:prstClr val="black"/>
-                                        </a:solidFill>
-                                        <a:latin typeface="Cambria Math" panose="02040503050406030204" pitchFamily="18" charset="0"/>
-                                      </a:rPr>
-                                    </m:ctrlPr>
-                                  </m:sSubSupPr>
-                                  <m:e>
-                                    <m:r>
-                                      <a:rPr lang="en-US" altLang="zh-CN" sz="2400" b="0" i="1" dirty="0" smtClean="0">
-                                        <a:solidFill>
-                                          <a:prstClr val="black"/>
-                                        </a:solidFill>
-                                        <a:latin typeface="Cambria Math" panose="02040503050406030204" pitchFamily="18" charset="0"/>
-                                      </a:rPr>
-                                      <m:t>|</m:t>
-                                    </m:r>
-                                    <m:d>
-                                      <m:dPr>
-                                        <m:begChr m:val="|"/>
-                                        <m:endChr m:val="|"/>
-                                        <m:ctrlPr>
-                                          <a:rPr lang="en-US" altLang="zh-CN" sz="2400" b="0" i="1" dirty="0" smtClean="0">
-                                            <a:solidFill>
-                                              <a:prstClr val="black"/>
-                                            </a:solidFill>
-                                            <a:latin typeface="Cambria Math" panose="02040503050406030204" pitchFamily="18" charset="0"/>
-                                          </a:rPr>
-                                        </m:ctrlPr>
-                                      </m:dPr>
-                                      <m:e>
-                                        <m:sSub>
-                                          <m:sSubPr>
-                                            <m:ctrlPr>
-                                              <a:rPr lang="en-US" altLang="zh-CN" sz="2400" b="0" i="1" dirty="0" smtClean="0">
-                                                <a:solidFill>
-                                                  <a:prstClr val="black"/>
-                                                </a:solidFill>
-                                                <a:latin typeface="Cambria Math" panose="02040503050406030204" pitchFamily="18" charset="0"/>
-                                              </a:rPr>
-                                            </m:ctrlPr>
-                                          </m:sSubPr>
-                                          <m:e>
-                                            <m:r>
-                                              <a:rPr lang="en-US" altLang="zh-CN" sz="2400" b="1" i="1" dirty="0" smtClean="0">
-                                                <a:solidFill>
-                                                  <a:prstClr val="black"/>
-                                                </a:solidFill>
-                                                <a:latin typeface="Cambria Math" panose="02040503050406030204" pitchFamily="18" charset="0"/>
-                                              </a:rPr>
-                                              <m:t>𝒛</m:t>
-                                            </m:r>
-                                          </m:e>
-                                          <m:sub>
-                                            <m:r>
-                                              <a:rPr lang="en-US" altLang="zh-CN" sz="2400" b="0" i="1" dirty="0" smtClean="0">
-                                                <a:solidFill>
-                                                  <a:prstClr val="black"/>
-                                                </a:solidFill>
-                                                <a:latin typeface="Cambria Math" panose="02040503050406030204" pitchFamily="18" charset="0"/>
-                                              </a:rPr>
-                                              <m:t>𝑢</m:t>
-                                            </m:r>
-                                          </m:sub>
-                                        </m:sSub>
-                                        <m:r>
-                                          <a:rPr lang="en-US" altLang="zh-CN" sz="2400" b="0" i="1" dirty="0" smtClean="0">
-                                            <a:solidFill>
-                                              <a:prstClr val="black"/>
-                                            </a:solidFill>
-                                            <a:latin typeface="Cambria Math" panose="02040503050406030204" pitchFamily="18" charset="0"/>
-                                          </a:rPr>
-                                          <m:t>−</m:t>
-                                        </m:r>
-                                        <m:sSub>
-                                          <m:sSubPr>
-                                            <m:ctrlPr>
-                                              <a:rPr lang="en-US" altLang="zh-CN" sz="2400" b="0" i="1" dirty="0" smtClean="0">
-                                                <a:solidFill>
-                                                  <a:prstClr val="black"/>
-                                                </a:solidFill>
-                                                <a:latin typeface="Cambria Math" panose="02040503050406030204" pitchFamily="18" charset="0"/>
-                                              </a:rPr>
-                                            </m:ctrlPr>
-                                          </m:sSubPr>
-                                          <m:e>
-                                            <m:r>
-                                              <a:rPr lang="en-US" altLang="zh-CN" sz="2400" b="1" i="1" dirty="0" smtClean="0">
-                                                <a:solidFill>
-                                                  <a:prstClr val="black"/>
-                                                </a:solidFill>
-                                                <a:latin typeface="Cambria Math" panose="02040503050406030204" pitchFamily="18" charset="0"/>
-                                              </a:rPr>
-                                              <m:t>𝒛</m:t>
-                                            </m:r>
-                                          </m:e>
-                                          <m:sub>
-                                            <m:r>
-                                              <a:rPr lang="en-US" altLang="zh-CN" sz="2400" b="0" i="1" dirty="0" smtClean="0">
-                                                <a:solidFill>
-                                                  <a:prstClr val="black"/>
-                                                </a:solidFill>
-                                                <a:latin typeface="Cambria Math" panose="02040503050406030204" pitchFamily="18" charset="0"/>
-                                              </a:rPr>
-                                              <m:t>𝑣</m:t>
-                                            </m:r>
-                                          </m:sub>
-                                        </m:sSub>
-                                      </m:e>
-                                    </m:d>
-                                    <m:r>
-                                      <a:rPr lang="en-US" altLang="zh-CN" sz="2400" b="0" i="1" dirty="0" smtClean="0">
-                                        <a:solidFill>
-                                          <a:prstClr val="black"/>
-                                        </a:solidFill>
-                                        <a:latin typeface="Cambria Math" panose="02040503050406030204" pitchFamily="18" charset="0"/>
-                                      </a:rPr>
-                                      <m:t>|</m:t>
-                                    </m:r>
-                                  </m:e>
-                                  <m:sub>
-                                    <m:r>
-                                      <a:rPr lang="en-US" altLang="zh-CN" sz="2400" b="0" i="1" dirty="0" smtClean="0">
-                                        <a:solidFill>
-                                          <a:prstClr val="black"/>
-                                        </a:solidFill>
-                                        <a:latin typeface="Cambria Math" panose="02040503050406030204" pitchFamily="18" charset="0"/>
-                                      </a:rPr>
-                                      <m:t>2</m:t>
-                                    </m:r>
-                                  </m:sub>
-                                  <m:sup>
-                                    <m:r>
-                                      <a:rPr lang="en-US" altLang="zh-CN" sz="2400" b="0" i="1" dirty="0" smtClean="0">
-                                        <a:solidFill>
-                                          <a:prstClr val="black"/>
-                                        </a:solidFill>
-                                        <a:latin typeface="Cambria Math" panose="02040503050406030204" pitchFamily="18" charset="0"/>
-                                      </a:rPr>
-                                      <m:t>2</m:t>
-                                    </m:r>
-                                  </m:sup>
-                                </m:sSubSup>
-                              </m:oMath>
-                            </m:oMathPara>
-                          </a14:m>
-                          <a:endParaRPr lang="en-US" altLang="zh-CN" dirty="0"/>
-                        </a:p>
-                        <a:p>
-                          <a:pPr algn="ctr"/>
-                          <a:endParaRPr lang="en-US" altLang="zh-CN" dirty="0"/>
-                        </a:p>
-                        <a:p>
-                          <a:pPr algn="ctr"/>
-                          <a:r>
-                            <a:rPr lang="en-US" altLang="zh-CN" dirty="0"/>
-                            <a:t>Deep autoencoder</a:t>
-                          </a:r>
-                          <a:endParaRPr lang="zh-CN" altLang="en-US" dirty="0"/>
-                        </a:p>
-                      </a:txBody>
-                      <a:tcPr/>
-                    </a:tc>
-                    <a:tc>
-                      <a:txBody>
-                        <a:bodyPr/>
-                        <a:lstStyle/>
-                        <a:p>
-                          <a:pPr algn="ctr"/>
-                          <a14:m>
-                            <m:oMathPara xmlns:m="http://schemas.openxmlformats.org/officeDocument/2006/math">
-                              <m:oMathParaPr>
-                                <m:jc m:val="centerGroup"/>
-                              </m:oMathParaPr>
-                              <m:oMath xmlns:m="http://schemas.openxmlformats.org/officeDocument/2006/math">
-                                <m:r>
-                                  <a:rPr lang="en-US" altLang="zh-CN" sz="2400" b="1" i="0" smtClean="0">
-                                    <a:solidFill>
-                                      <a:prstClr val="black"/>
-                                    </a:solidFill>
-                                    <a:latin typeface="Cambria Math" panose="02040503050406030204" pitchFamily="18" charset="0"/>
-                                  </a:rPr>
-                                  <m:t>𝐀</m:t>
-                                </m:r>
-                                <m:r>
-                                  <a:rPr lang="en-US" altLang="zh-CN" sz="2400" b="0" i="1" smtClean="0">
-                                    <a:solidFill>
-                                      <a:prstClr val="black"/>
-                                    </a:solidFill>
-                                    <a:latin typeface="Cambria Math" panose="02040503050406030204" pitchFamily="18" charset="0"/>
-                                  </a:rPr>
-                                  <m:t>(</m:t>
-                                </m:r>
-                                <m:r>
-                                  <a:rPr lang="en-US" altLang="zh-CN" sz="2400" b="0" i="1" smtClean="0">
-                                    <a:solidFill>
-                                      <a:prstClr val="black"/>
-                                    </a:solidFill>
-                                    <a:latin typeface="Cambria Math" panose="02040503050406030204" pitchFamily="18" charset="0"/>
-                                  </a:rPr>
-                                  <m:t>𝑢</m:t>
-                                </m:r>
-                                <m:r>
-                                  <a:rPr lang="en-US" altLang="zh-CN" sz="2400" b="0" i="1" smtClean="0">
-                                    <a:solidFill>
-                                      <a:prstClr val="black"/>
-                                    </a:solidFill>
-                                    <a:latin typeface="Cambria Math" panose="02040503050406030204" pitchFamily="18" charset="0"/>
-                                  </a:rPr>
-                                  <m:t>,</m:t>
-                                </m:r>
-                                <m:r>
-                                  <a:rPr lang="en-US" altLang="zh-CN" sz="2400" b="0" i="1" smtClean="0">
-                                    <a:solidFill>
-                                      <a:prstClr val="black"/>
-                                    </a:solidFill>
-                                    <a:latin typeface="Cambria Math" panose="02040503050406030204" pitchFamily="18" charset="0"/>
-                                  </a:rPr>
-                                  <m:t>𝑣</m:t>
-                                </m:r>
-                                <m:r>
-                                  <a:rPr lang="en-US" altLang="zh-CN" sz="2400" b="0" i="1" smtClean="0">
-                                    <a:solidFill>
-                                      <a:prstClr val="black"/>
-                                    </a:solidFill>
-                                    <a:latin typeface="Cambria Math" panose="02040503050406030204" pitchFamily="18" charset="0"/>
-                                  </a:rPr>
-                                  <m:t>)</m:t>
-                                </m:r>
-                              </m:oMath>
-                            </m:oMathPara>
-                          </a14:m>
-                          <a:endParaRPr lang="en-US" altLang="zh-CN" dirty="0"/>
-                        </a:p>
-                        <a:p>
-                          <a:pPr algn="ctr"/>
-                          <a:endParaRPr lang="en-US" altLang="zh-CN" dirty="0"/>
-                        </a:p>
-                        <a:p>
-                          <a:pPr algn="ctr"/>
-                          <a:r>
-                            <a:rPr lang="zh-CN" altLang="en-US" dirty="0">
-                              <a:latin typeface="微软雅黑" panose="020B0503020204020204" pitchFamily="34" charset="-122"/>
-                              <a:ea typeface="微软雅黑" panose="020B0503020204020204" pitchFamily="34" charset="-122"/>
-                            </a:rPr>
-                            <a:t>相似邻居结构</a:t>
-                          </a:r>
-                          <a:endParaRPr lang="en-US" altLang="zh-CN" dirty="0">
-                            <a:latin typeface="微软雅黑" panose="020B0503020204020204" pitchFamily="34" charset="-122"/>
-                            <a:ea typeface="微软雅黑" panose="020B0503020204020204" pitchFamily="34" charset="-122"/>
-                          </a:endParaRPr>
-                        </a:p>
-                      </a:txBody>
-                      <a:tcPr/>
-                    </a:tc>
-                    <a:tc>
-                      <a:txBody>
-                        <a:bodyPr/>
-                        <a:lstStyle/>
-                        <a:p>
-                          <a:pPr algn="ctr"/>
-                          <a:endParaRPr lang="en-US" altLang="zh-CN" dirty="0"/>
-                        </a:p>
-                        <a:p>
-                          <a:pPr algn="ctr"/>
-                          <a:r>
-                            <a:rPr lang="en-US" altLang="zh-CN" dirty="0"/>
-                            <a:t>L2-distance</a:t>
-                          </a:r>
-                          <a:endParaRPr lang="zh-CN" altLang="en-US" dirty="0"/>
-                        </a:p>
-                      </a:txBody>
-                      <a:tcPr/>
-                    </a:tc>
-                    <a:extLst>
-                      <a:ext uri="{0D108BD9-81ED-4DB2-BD59-A6C34878D82A}">
-                        <a16:rowId xmlns:a16="http://schemas.microsoft.com/office/drawing/2014/main" val="1926283019"/>
-                      </a:ext>
-                    </a:extLst>
-                  </a:tr>
-                </a:tbl>
-              </a:graphicData>
-            </a:graphic>
-          </p:graphicFrame>
-        </mc:Choice>
-        <mc:Fallback>
-          <p:graphicFrame>
-            <p:nvGraphicFramePr>
-              <p:cNvPr id="2" name="表格 1">
-                <a:extLst>
-                  <a:ext uri="{FF2B5EF4-FFF2-40B4-BE49-F238E27FC236}">
-                    <a16:creationId xmlns:a16="http://schemas.microsoft.com/office/drawing/2014/main" id="{C69FD6DE-9838-460D-9616-692E016BD8B7}"/>
-                  </a:ext>
-                </a:extLst>
-              </p:cNvPr>
-              <p:cNvGraphicFramePr>
-                <a:graphicFrameLocks noGrp="1"/>
-              </p:cNvGraphicFramePr>
-              <p:nvPr>
-                <p:extLst>
-                  <p:ext uri="{D42A27DB-BD31-4B8C-83A1-F6EECF244321}">
-                    <p14:modId xmlns:p14="http://schemas.microsoft.com/office/powerpoint/2010/main" val="687303270"/>
-                  </p:ext>
-                </p:extLst>
-              </p:nvPr>
-            </p:nvGraphicFramePr>
-            <p:xfrm>
-              <a:off x="533400" y="2180166"/>
-              <a:ext cx="10623551" cy="5736527"/>
-            </p:xfrm>
-            <a:graphic>
-              <a:graphicData uri="http://schemas.openxmlformats.org/drawingml/2006/table">
-                <a:tbl>
-                  <a:tblPr firstRow="1" bandRow="1">
-                    <a:tableStyleId>{6E25E649-3F16-4E02-A733-19D2CDBF48F0}</a:tableStyleId>
-                  </a:tblPr>
-                  <a:tblGrid>
-                    <a:gridCol w="2199561">
-                      <a:extLst>
-                        <a:ext uri="{9D8B030D-6E8A-4147-A177-3AD203B41FA5}">
-                          <a16:colId xmlns:a16="http://schemas.microsoft.com/office/drawing/2014/main" val="152172446"/>
-                        </a:ext>
-                      </a:extLst>
-                    </a:gridCol>
-                    <a:gridCol w="3112214">
-                      <a:extLst>
-                        <a:ext uri="{9D8B030D-6E8A-4147-A177-3AD203B41FA5}">
-                          <a16:colId xmlns:a16="http://schemas.microsoft.com/office/drawing/2014/main" val="1506414170"/>
-                        </a:ext>
-                      </a:extLst>
-                    </a:gridCol>
-                    <a:gridCol w="2655888">
-                      <a:extLst>
-                        <a:ext uri="{9D8B030D-6E8A-4147-A177-3AD203B41FA5}">
-                          <a16:colId xmlns:a16="http://schemas.microsoft.com/office/drawing/2014/main" val="3244041763"/>
-                        </a:ext>
-                      </a:extLst>
-                    </a:gridCol>
-                    <a:gridCol w="2655888">
-                      <a:extLst>
-                        <a:ext uri="{9D8B030D-6E8A-4147-A177-3AD203B41FA5}">
-                          <a16:colId xmlns:a16="http://schemas.microsoft.com/office/drawing/2014/main" val="3069096707"/>
-                        </a:ext>
-                      </a:extLst>
-                    </a:gridCol>
-                  </a:tblGrid>
-                  <a:tr h="457200">
-                    <a:tc>
-                      <a:txBody>
-                        <a:bodyPr/>
-                        <a:lstStyle/>
-                        <a:p>
-                          <a:pPr algn="ctr"/>
-                          <a:r>
-                            <a:rPr lang="en-US" altLang="zh-CN" dirty="0"/>
-                            <a:t>Method</a:t>
-                          </a:r>
-                          <a:endParaRPr lang="zh-CN" altLang="en-US" dirty="0"/>
-                        </a:p>
-                      </a:txBody>
-                      <a:tcPr/>
-                    </a:tc>
-                    <a:tc>
-                      <a:txBody>
-                        <a:bodyPr/>
-                        <a:lstStyle/>
-                        <a:p>
-                          <a:pPr algn="ctr"/>
-                          <a:r>
-                            <a:rPr lang="en-US" altLang="zh-CN" dirty="0"/>
-                            <a:t>Decoder</a:t>
-                          </a:r>
-                          <a:endParaRPr lang="zh-CN" altLang="en-US" dirty="0"/>
-                        </a:p>
-                      </a:txBody>
-                      <a:tcPr/>
-                    </a:tc>
-                    <a:tc>
-                      <a:txBody>
-                        <a:bodyPr/>
-                        <a:lstStyle/>
-                        <a:p>
-                          <a:pPr algn="ctr"/>
-                          <a:r>
-                            <a:rPr lang="en-US" altLang="zh-CN" dirty="0"/>
-                            <a:t>Similarity Measure </a:t>
-                          </a:r>
-                          <a:endParaRPr lang="zh-CN" altLang="en-US" dirty="0"/>
-                        </a:p>
-                      </a:txBody>
-                      <a:tcPr/>
-                    </a:tc>
-                    <a:tc>
-                      <a:txBody>
-                        <a:bodyPr/>
-                        <a:lstStyle/>
-                        <a:p>
-                          <a:pPr algn="ctr"/>
-                          <a:r>
-                            <a:rPr lang="en-US" altLang="zh-CN" dirty="0"/>
-                            <a:t>Loss function</a:t>
-                          </a:r>
-                          <a:endParaRPr lang="zh-CN" altLang="en-US" dirty="0"/>
-                        </a:p>
-                      </a:txBody>
-                      <a:tcPr/>
-                    </a:tc>
-                    <a:extLst>
-                      <a:ext uri="{0D108BD9-81ED-4DB2-BD59-A6C34878D82A}">
-                        <a16:rowId xmlns:a16="http://schemas.microsoft.com/office/drawing/2014/main" val="2418107102"/>
-                      </a:ext>
-                    </a:extLst>
-                  </a:tr>
-                  <a:tr h="984949">
-                    <a:tc>
-                      <a:txBody>
-                        <a:bodyPr/>
-                        <a:lstStyle/>
-                        <a:p>
-                          <a:pPr algn="ctr"/>
-                          <a:endParaRPr lang="en-US" altLang="zh-CN" dirty="0"/>
-                        </a:p>
-                        <a:p>
-                          <a:pPr algn="ctr"/>
-                          <a:r>
-                            <a:rPr lang="en-US" altLang="zh-CN" dirty="0" err="1"/>
-                            <a:t>DeepWalk</a:t>
-                          </a:r>
-                          <a:endParaRPr lang="zh-CN" altLang="en-US" dirty="0"/>
-                        </a:p>
-                      </a:txBody>
-                      <a:tcPr/>
-                    </a:tc>
-                    <a:tc>
-                      <a:txBody>
-                        <a:bodyPr/>
-                        <a:lstStyle/>
-                        <a:p>
-                          <a:endParaRPr lang="zh-CN"/>
-                        </a:p>
-                      </a:txBody>
-                      <a:tcPr>
-                        <a:blipFill>
-                          <a:blip r:embed="rId2"/>
-                          <a:stretch>
-                            <a:fillRect l="-70646" t="-50617" r="-171037" b="-449383"/>
-                          </a:stretch>
-                        </a:blipFill>
-                      </a:tcPr>
-                    </a:tc>
-                    <a:tc>
-                      <a:txBody>
-                        <a:bodyPr/>
-                        <a:lstStyle/>
-                        <a:p>
-                          <a:endParaRPr lang="zh-CN"/>
-                        </a:p>
-                      </a:txBody>
-                      <a:tcPr>
-                        <a:blipFill>
-                          <a:blip r:embed="rId2"/>
-                          <a:stretch>
-                            <a:fillRect l="-200000" t="-50617" r="-100459" b="-449383"/>
-                          </a:stretch>
-                        </a:blipFill>
-                      </a:tcPr>
-                    </a:tc>
-                    <a:tc>
-                      <a:txBody>
-                        <a:bodyPr/>
-                        <a:lstStyle/>
-                        <a:p>
-                          <a:pPr algn="ctr"/>
-                          <a:endParaRPr lang="en-US" altLang="zh-CN" dirty="0"/>
-                        </a:p>
-                        <a:p>
-                          <a:pPr algn="ctr"/>
-                          <a:r>
-                            <a:rPr lang="en-US" altLang="zh-CN" dirty="0" err="1"/>
-                            <a:t>CrossEntropy</a:t>
-                          </a:r>
-                          <a:endParaRPr lang="zh-CN" altLang="en-US" dirty="0"/>
-                        </a:p>
-                      </a:txBody>
-                      <a:tcPr/>
-                    </a:tc>
-                    <a:extLst>
-                      <a:ext uri="{0D108BD9-81ED-4DB2-BD59-A6C34878D82A}">
-                        <a16:rowId xmlns:a16="http://schemas.microsoft.com/office/drawing/2014/main" val="4239975282"/>
-                      </a:ext>
-                    </a:extLst>
-                  </a:tr>
-                  <a:tr h="1188720">
-                    <a:tc>
-                      <a:txBody>
-                        <a:bodyPr/>
-                        <a:lstStyle/>
-                        <a:p>
-                          <a:pPr algn="ctr"/>
-                          <a:endParaRPr lang="en-US" altLang="zh-CN" dirty="0"/>
-                        </a:p>
-                        <a:p>
-                          <a:pPr algn="ctr"/>
-                          <a:r>
-                            <a:rPr lang="en-US" altLang="zh-CN" dirty="0"/>
-                            <a:t>Node2vec</a:t>
-                          </a:r>
-                          <a:endParaRPr lang="zh-CN" altLang="en-US" dirty="0"/>
-                        </a:p>
-                      </a:txBody>
-                      <a:tcPr/>
-                    </a:tc>
-                    <a:tc>
-                      <a:txBody>
-                        <a:bodyPr/>
-                        <a:lstStyle/>
-                        <a:p>
-                          <a:endParaRPr lang="zh-CN"/>
-                        </a:p>
-                      </a:txBody>
-                      <a:tcPr>
-                        <a:blipFill>
-                          <a:blip r:embed="rId2"/>
-                          <a:stretch>
-                            <a:fillRect l="-70646" t="-125128" r="-171037" b="-273333"/>
-                          </a:stretch>
-                        </a:blipFill>
-                      </a:tcPr>
-                    </a:tc>
-                    <a:tc>
-                      <a:txBody>
-                        <a:bodyPr/>
-                        <a:lstStyle/>
-                        <a:p>
-                          <a:endParaRPr lang="zh-CN"/>
-                        </a:p>
-                      </a:txBody>
-                      <a:tcPr>
-                        <a:blipFill>
-                          <a:blip r:embed="rId2"/>
-                          <a:stretch>
-                            <a:fillRect l="-200000" t="-125128" r="-100459" b="-273333"/>
-                          </a:stretch>
-                        </a:blipFill>
-                      </a:tcPr>
-                    </a:tc>
-                    <a:tc>
-                      <a:txBody>
-                        <a:bodyPr/>
-                        <a:lstStyle/>
-                        <a:p>
-                          <a:pPr marL="0" marR="0" lvl="0" indent="0" algn="ctr" defTabSz="1219170" rtl="0" eaLnBrk="1" fontAlgn="auto" latinLnBrk="0" hangingPunct="1">
-                            <a:lnSpc>
-                              <a:spcPct val="100000"/>
-                            </a:lnSpc>
-                            <a:spcBef>
-                              <a:spcPts val="0"/>
-                            </a:spcBef>
-                            <a:spcAft>
-                              <a:spcPts val="0"/>
-                            </a:spcAft>
-                            <a:buClrTx/>
-                            <a:buSzTx/>
-                            <a:buFontTx/>
-                            <a:buNone/>
-                            <a:tabLst/>
-                            <a:defRPr/>
-                          </a:pPr>
-                          <a:endParaRPr lang="en-US" altLang="zh-CN" dirty="0"/>
-                        </a:p>
-                        <a:p>
-                          <a:pPr marL="0" marR="0" lvl="0" indent="0" algn="ctr" defTabSz="1219170" rtl="0" eaLnBrk="1" fontAlgn="auto" latinLnBrk="0" hangingPunct="1">
-                            <a:lnSpc>
-                              <a:spcPct val="100000"/>
-                            </a:lnSpc>
-                            <a:spcBef>
-                              <a:spcPts val="0"/>
-                            </a:spcBef>
-                            <a:spcAft>
-                              <a:spcPts val="0"/>
-                            </a:spcAft>
-                            <a:buClrTx/>
-                            <a:buSzTx/>
-                            <a:buFontTx/>
-                            <a:buNone/>
-                            <a:tabLst/>
-                            <a:defRPr/>
-                          </a:pPr>
-                          <a:r>
-                            <a:rPr lang="en-US" altLang="zh-CN" dirty="0" err="1"/>
-                            <a:t>CrossEntropy</a:t>
-                          </a:r>
-                          <a:endParaRPr lang="zh-CN" altLang="en-US" dirty="0"/>
-                        </a:p>
-                        <a:p>
-                          <a:pPr algn="ctr"/>
-                          <a:endParaRPr lang="zh-CN" altLang="en-US" dirty="0"/>
-                        </a:p>
-                      </a:txBody>
-                      <a:tcPr/>
-                    </a:tc>
-                    <a:extLst>
-                      <a:ext uri="{0D108BD9-81ED-4DB2-BD59-A6C34878D82A}">
-                        <a16:rowId xmlns:a16="http://schemas.microsoft.com/office/drawing/2014/main" val="986770240"/>
-                      </a:ext>
-                    </a:extLst>
-                  </a:tr>
-                  <a:tr h="1911985">
-                    <a:tc>
-                      <a:txBody>
-                        <a:bodyPr/>
-                        <a:lstStyle/>
-                        <a:p>
-                          <a:pPr algn="ctr"/>
-                          <a:endParaRPr lang="en-US" altLang="zh-CN" dirty="0"/>
-                        </a:p>
-                        <a:p>
-                          <a:pPr algn="ctr"/>
-                          <a:endParaRPr lang="en-US" altLang="zh-CN" dirty="0"/>
-                        </a:p>
-                        <a:p>
-                          <a:pPr algn="ctr"/>
-                          <a:r>
-                            <a:rPr lang="en-US" altLang="zh-CN" dirty="0"/>
-                            <a:t>LINE</a:t>
-                          </a:r>
-                          <a:endParaRPr lang="zh-CN" altLang="en-US" dirty="0"/>
-                        </a:p>
-                      </a:txBody>
-                      <a:tcPr/>
-                    </a:tc>
-                    <a:tc>
-                      <a:txBody>
-                        <a:bodyPr/>
-                        <a:lstStyle/>
-                        <a:p>
-                          <a:endParaRPr lang="zh-CN"/>
-                        </a:p>
-                      </a:txBody>
-                      <a:tcPr>
-                        <a:blipFill>
-                          <a:blip r:embed="rId2"/>
-                          <a:stretch>
-                            <a:fillRect l="-70646" t="-139809" r="-171037" b="-69745"/>
-                          </a:stretch>
-                        </a:blipFill>
-                      </a:tcPr>
-                    </a:tc>
-                    <a:tc>
-                      <a:txBody>
-                        <a:bodyPr/>
-                        <a:lstStyle/>
-                        <a:p>
-                          <a:endParaRPr lang="zh-CN"/>
-                        </a:p>
-                      </a:txBody>
-                      <a:tcPr>
-                        <a:blipFill>
-                          <a:blip r:embed="rId2"/>
-                          <a:stretch>
-                            <a:fillRect l="-200000" t="-139809" r="-100459" b="-69745"/>
-                          </a:stretch>
-                        </a:blipFill>
-                      </a:tcPr>
-                    </a:tc>
-                    <a:tc>
-                      <a:txBody>
-                        <a:bodyPr/>
-                        <a:lstStyle/>
-                        <a:p>
-                          <a:pPr algn="ctr"/>
-                          <a:endParaRPr lang="en-US" altLang="zh-CN" dirty="0"/>
-                        </a:p>
-                        <a:p>
-                          <a:pPr algn="ctr"/>
-                          <a:endParaRPr lang="en-US" altLang="zh-CN" dirty="0"/>
-                        </a:p>
-                        <a:p>
-                          <a:pPr algn="ctr"/>
-                          <a:r>
-                            <a:rPr lang="en-US" altLang="zh-CN" dirty="0"/>
-                            <a:t>KL-divergence</a:t>
-                          </a:r>
-                          <a:endParaRPr lang="zh-CN" altLang="en-US" dirty="0"/>
-                        </a:p>
-                      </a:txBody>
-                      <a:tcPr/>
-                    </a:tc>
-                    <a:extLst>
-                      <a:ext uri="{0D108BD9-81ED-4DB2-BD59-A6C34878D82A}">
-                        <a16:rowId xmlns:a16="http://schemas.microsoft.com/office/drawing/2014/main" val="1252278378"/>
-                      </a:ext>
-                    </a:extLst>
-                  </a:tr>
-                  <a:tr h="1193673">
-                    <a:tc>
-                      <a:txBody>
-                        <a:bodyPr/>
-                        <a:lstStyle/>
-                        <a:p>
-                          <a:pPr algn="ctr"/>
-                          <a:endParaRPr lang="en-US" altLang="zh-CN" dirty="0"/>
-                        </a:p>
-                        <a:p>
-                          <a:pPr algn="ctr"/>
-                          <a:r>
-                            <a:rPr lang="en-US" altLang="zh-CN" dirty="0"/>
-                            <a:t>SDNE</a:t>
-                          </a:r>
-                          <a:endParaRPr lang="zh-CN" altLang="en-US" dirty="0"/>
-                        </a:p>
-                      </a:txBody>
-                      <a:tcPr/>
-                    </a:tc>
-                    <a:tc>
-                      <a:txBody>
-                        <a:bodyPr/>
-                        <a:lstStyle/>
-                        <a:p>
-                          <a:endParaRPr lang="zh-CN"/>
-                        </a:p>
-                      </a:txBody>
-                      <a:tcPr>
-                        <a:blipFill>
-                          <a:blip r:embed="rId2"/>
-                          <a:stretch>
-                            <a:fillRect l="-70646" t="-384184" r="-171037" b="-11735"/>
-                          </a:stretch>
-                        </a:blipFill>
-                      </a:tcPr>
-                    </a:tc>
-                    <a:tc>
-                      <a:txBody>
-                        <a:bodyPr/>
-                        <a:lstStyle/>
-                        <a:p>
-                          <a:endParaRPr lang="zh-CN"/>
-                        </a:p>
-                      </a:txBody>
-                      <a:tcPr>
-                        <a:blipFill>
-                          <a:blip r:embed="rId2"/>
-                          <a:stretch>
-                            <a:fillRect l="-200000" t="-384184" r="-100459" b="-11735"/>
-                          </a:stretch>
-                        </a:blipFill>
-                      </a:tcPr>
-                    </a:tc>
-                    <a:tc>
-                      <a:txBody>
-                        <a:bodyPr/>
-                        <a:lstStyle/>
-                        <a:p>
-                          <a:pPr algn="ctr"/>
-                          <a:endParaRPr lang="en-US" altLang="zh-CN" dirty="0"/>
-                        </a:p>
-                        <a:p>
-                          <a:pPr algn="ctr"/>
-                          <a:r>
-                            <a:rPr lang="en-US" altLang="zh-CN" dirty="0"/>
-                            <a:t>L2-distance</a:t>
-                          </a:r>
-                          <a:endParaRPr lang="zh-CN" altLang="en-US" dirty="0"/>
-                        </a:p>
-                      </a:txBody>
-                      <a:tcPr/>
-                    </a:tc>
-                    <a:extLst>
-                      <a:ext uri="{0D108BD9-81ED-4DB2-BD59-A6C34878D82A}">
-                        <a16:rowId xmlns:a16="http://schemas.microsoft.com/office/drawing/2014/main" val="1926283019"/>
-                      </a:ext>
-                    </a:extLst>
-                  </a:tr>
-                </a:tbl>
-              </a:graphicData>
-            </a:graphic>
-          </p:graphicFrame>
-        </mc:Fallback>
-      </mc:AlternateContent>
-      <mc:AlternateContent xmlns:mc="http://schemas.openxmlformats.org/markup-compatibility/2006">
-        <mc:Choice xmlns:a14="http://schemas.microsoft.com/office/drawing/2010/main" Requires="a14">
-          <p:sp>
-            <p:nvSpPr>
-              <p:cNvPr id="5" name="矩形 4">
-                <a:extLst>
-                  <a:ext uri="{FF2B5EF4-FFF2-40B4-BE49-F238E27FC236}">
-                    <a16:creationId xmlns:a16="http://schemas.microsoft.com/office/drawing/2014/main" id="{497310E8-B787-468F-B8FF-97D140DC125B}"/>
+                    <a16:creationId xmlns:a16="http://schemas.microsoft.com/office/drawing/2014/main" id="{BC1A5690-68B4-4274-B639-FA8E7A57DB12}"/>
                   </a:ext>
                 </a:extLst>
               </p:cNvPr>
@@ -20634,281 +16097,190 @@
             </p:nvSpPr>
             <p:spPr>
               <a:xfrm>
-                <a:off x="2026910" y="8202592"/>
-                <a:ext cx="3721853" cy="461665"/>
+                <a:off x="820271" y="3470794"/>
+                <a:ext cx="10198528" cy="1200329"/>
               </a:xfrm>
               <a:prstGeom prst="rect">
                 <a:avLst/>
               </a:prstGeom>
             </p:spPr>
             <p:txBody>
-              <a:bodyPr wrap="none">
+              <a:bodyPr wrap="square">
                 <a:spAutoFit/>
               </a:bodyPr>
               <a:lstStyle/>
               <a:p>
-                <a:pPr lvl="0" algn="ctr" defTabSz="1219170"/>
+                <a:r>
+                  <a:rPr lang="zh-CN" altLang="en-US" sz="2400" dirty="0">
+                    <a:solidFill>
+                      <a:schemeClr val="accent1"/>
+                    </a:solidFill>
+                    <a:latin typeface="微软雅黑" panose="020B0503020204020204" pitchFamily="34" charset="-122"/>
+                    <a:ea typeface="微软雅黑" panose="020B0503020204020204" pitchFamily="34" charset="-122"/>
+                  </a:rPr>
+                  <a:t>相似性函数</a:t>
+                </a:r>
+                <a:r>
+                  <a:rPr lang="zh-CN" altLang="en-US" sz="2400" dirty="0">
+                    <a:latin typeface="微软雅黑" panose="020B0503020204020204" pitchFamily="34" charset="-122"/>
+                    <a:ea typeface="微软雅黑" panose="020B0503020204020204" pitchFamily="34" charset="-122"/>
+                  </a:rPr>
+                  <a:t>，对应于</a:t>
+                </a:r>
+                <a:r>
+                  <a:rPr lang="zh-CN" altLang="en-US" sz="2400" b="1" dirty="0">
+                    <a:solidFill>
+                      <a:schemeClr val="accent6"/>
+                    </a:solidFill>
+                    <a:latin typeface="微软雅黑" panose="020B0503020204020204" pitchFamily="34" charset="-122"/>
+                    <a:ea typeface="微软雅黑" panose="020B0503020204020204" pitchFamily="34" charset="-122"/>
+                  </a:rPr>
+                  <a:t>从</a:t>
+                </a:r>
                 <a14:m>
                   <m:oMath xmlns:m="http://schemas.openxmlformats.org/officeDocument/2006/math">
-                    <m:sSub>
-                      <m:sSubPr>
-                        <m:ctrlPr>
-                          <a:rPr lang="en-US" altLang="zh-CN" sz="2400" b="0" i="1" smtClean="0">
-                            <a:solidFill>
-                              <a:prstClr val="black"/>
-                            </a:solidFill>
-                            <a:latin typeface="Cambria Math" panose="02040503050406030204" pitchFamily="18" charset="0"/>
-                          </a:rPr>
-                        </m:ctrlPr>
-                      </m:sSubPr>
-                      <m:e>
-                        <m:r>
-                          <a:rPr lang="en-US" altLang="zh-CN" sz="2400" b="0" i="1" smtClean="0">
-                            <a:solidFill>
-                              <a:prstClr val="black"/>
-                            </a:solidFill>
-                            <a:latin typeface="Cambria Math" panose="02040503050406030204" pitchFamily="18" charset="0"/>
-                          </a:rPr>
-                          <m:t>𝑝</m:t>
-                        </m:r>
-                      </m:e>
-                      <m:sub>
-                        <m:r>
-                          <a:rPr lang="en-US" altLang="zh-CN" sz="2400" b="0" i="1" smtClean="0">
-                            <a:solidFill>
-                              <a:prstClr val="black"/>
-                            </a:solidFill>
-                            <a:latin typeface="Cambria Math" panose="02040503050406030204" pitchFamily="18" charset="0"/>
-                          </a:rPr>
-                          <m:t>1</m:t>
-                        </m:r>
-                      </m:sub>
-                    </m:sSub>
                     <m:r>
-                      <a:rPr lang="en-US" altLang="zh-CN" sz="2400" b="0" i="1" smtClean="0">
+                      <a:rPr lang="en-US" altLang="zh-CN" sz="2400" b="1" i="1">
                         <a:solidFill>
-                          <a:prstClr val="black"/>
+                          <a:schemeClr val="accent6"/>
                         </a:solidFill>
                         <a:latin typeface="Cambria Math" panose="02040503050406030204" pitchFamily="18" charset="0"/>
                       </a:rPr>
-                      <m:t>(</m:t>
-                    </m:r>
-                    <m:r>
-                      <a:rPr lang="en-US" altLang="zh-CN" sz="2400" b="0" i="1" smtClean="0">
-                        <a:solidFill>
-                          <a:prstClr val="black"/>
-                        </a:solidFill>
-                        <a:latin typeface="Cambria Math" panose="02040503050406030204" pitchFamily="18" charset="0"/>
-                      </a:rPr>
-                      <m:t>𝑢</m:t>
-                    </m:r>
-                    <m:r>
-                      <a:rPr lang="en-US" altLang="zh-CN" sz="2400" b="0" i="1" smtClean="0">
-                        <a:solidFill>
-                          <a:prstClr val="black"/>
-                        </a:solidFill>
-                        <a:latin typeface="Cambria Math" panose="02040503050406030204" pitchFamily="18" charset="0"/>
-                      </a:rPr>
-                      <m:t>,</m:t>
-                    </m:r>
-                    <m:r>
-                      <a:rPr lang="en-US" altLang="zh-CN" sz="2400" b="0" i="1" smtClean="0">
-                        <a:solidFill>
-                          <a:prstClr val="black"/>
-                        </a:solidFill>
-                        <a:latin typeface="Cambria Math" panose="02040503050406030204" pitchFamily="18" charset="0"/>
-                      </a:rPr>
-                      <m:t>𝑣</m:t>
-                    </m:r>
-                    <m:r>
-                      <a:rPr lang="en-US" altLang="zh-CN" sz="2400" b="0" i="1" smtClean="0">
-                        <a:solidFill>
-                          <a:prstClr val="black"/>
-                        </a:solidFill>
-                        <a:latin typeface="Cambria Math" panose="02040503050406030204" pitchFamily="18" charset="0"/>
-                      </a:rPr>
-                      <m:t>)</m:t>
+                      <m:t>𝒖</m:t>
                     </m:r>
                   </m:oMath>
                 </a14:m>
                 <a:r>
-                  <a:rPr lang="zh-CN" altLang="en-US" sz="2400" dirty="0">
+                  <a:rPr lang="zh-CN" altLang="en-US" sz="2400" b="1" dirty="0">
                     <a:solidFill>
-                      <a:prstClr val="black"/>
+                      <a:schemeClr val="accent6"/>
                     </a:solidFill>
+                    <a:latin typeface="微软雅黑" panose="020B0503020204020204" pitchFamily="34" charset="-122"/>
+                    <a:ea typeface="微软雅黑" panose="020B0503020204020204" pitchFamily="34" charset="-122"/>
                   </a:rPr>
-                  <a:t>和</a:t>
+                  <a:t>开始的固定长度</a:t>
                 </a:r>
                 <a14:m>
                   <m:oMath xmlns:m="http://schemas.openxmlformats.org/officeDocument/2006/math">
-                    <m:sSub>
-                      <m:sSubPr>
-                        <m:ctrlPr>
-                          <a:rPr lang="en-US" altLang="zh-CN" sz="2400" i="1">
-                            <a:solidFill>
-                              <a:prstClr val="black"/>
-                            </a:solidFill>
-                            <a:latin typeface="Cambria Math" panose="02040503050406030204" pitchFamily="18" charset="0"/>
-                          </a:rPr>
-                        </m:ctrlPr>
-                      </m:sSubPr>
-                      <m:e>
-                        <m:r>
-                          <a:rPr lang="en-US" altLang="zh-CN" sz="2400" i="1">
-                            <a:solidFill>
-                              <a:prstClr val="black"/>
-                            </a:solidFill>
-                            <a:latin typeface="Cambria Math" panose="02040503050406030204" pitchFamily="18" charset="0"/>
-                          </a:rPr>
-                          <m:t>𝑝</m:t>
-                        </m:r>
-                      </m:e>
-                      <m:sub>
-                        <m:r>
-                          <a:rPr lang="en-US" altLang="zh-CN" sz="2400" b="0" i="1" smtClean="0">
-                            <a:solidFill>
-                              <a:prstClr val="black"/>
-                            </a:solidFill>
-                            <a:latin typeface="Cambria Math" panose="02040503050406030204" pitchFamily="18" charset="0"/>
-                          </a:rPr>
-                          <m:t>2</m:t>
-                        </m:r>
-                      </m:sub>
-                    </m:sSub>
                     <m:r>
-                      <a:rPr lang="en-US" altLang="zh-CN" sz="2400" i="1">
+                      <a:rPr lang="en-US" altLang="zh-CN" sz="2400" b="1" i="1" smtClean="0">
                         <a:solidFill>
-                          <a:prstClr val="black"/>
+                          <a:schemeClr val="accent6"/>
                         </a:solidFill>
                         <a:latin typeface="Cambria Math" panose="02040503050406030204" pitchFamily="18" charset="0"/>
                       </a:rPr>
-                      <m:t>(</m:t>
-                    </m:r>
-                    <m:r>
-                      <a:rPr lang="en-US" altLang="zh-CN" sz="2400" i="1" smtClean="0">
-                        <a:solidFill>
-                          <a:prstClr val="black"/>
-                        </a:solidFill>
-                        <a:latin typeface="Cambria Math" panose="02040503050406030204" pitchFamily="18" charset="0"/>
-                      </a:rPr>
-                      <m:t>·</m:t>
-                    </m:r>
-                    <m:r>
-                      <a:rPr lang="en-US" altLang="zh-CN" sz="2400" b="0" i="1" smtClean="0">
-                        <a:solidFill>
-                          <a:prstClr val="black"/>
-                        </a:solidFill>
-                        <a:latin typeface="Cambria Math" panose="02040503050406030204" pitchFamily="18" charset="0"/>
-                      </a:rPr>
-                      <m:t>|</m:t>
-                    </m:r>
-                    <m:r>
-                      <a:rPr lang="en-US" altLang="zh-CN" sz="2400" b="0" i="1" smtClean="0">
-                        <a:solidFill>
-                          <a:prstClr val="black"/>
-                        </a:solidFill>
-                        <a:latin typeface="Cambria Math" panose="02040503050406030204" pitchFamily="18" charset="0"/>
-                      </a:rPr>
-                      <m:t>𝑢</m:t>
-                    </m:r>
-                    <m:r>
-                      <a:rPr lang="en-US" altLang="zh-CN" sz="2400" i="1">
-                        <a:solidFill>
-                          <a:prstClr val="black"/>
-                        </a:solidFill>
-                        <a:latin typeface="Cambria Math" panose="02040503050406030204" pitchFamily="18" charset="0"/>
-                      </a:rPr>
-                      <m:t>)</m:t>
+                      <m:t>𝑻</m:t>
                     </m:r>
                   </m:oMath>
                 </a14:m>
                 <a:r>
-                  <a:rPr lang="en-US" altLang="zh-CN" sz="2400" dirty="0">
+                  <a:rPr lang="zh-CN" altLang="en-US" sz="2400" b="1" dirty="0">
                     <a:solidFill>
-                      <a:prstClr val="black"/>
+                      <a:schemeClr val="accent6"/>
                     </a:solidFill>
+                    <a:latin typeface="微软雅黑" panose="020B0503020204020204" pitchFamily="34" charset="-122"/>
+                    <a:ea typeface="微软雅黑" panose="020B0503020204020204" pitchFamily="34" charset="-122"/>
                   </a:rPr>
-                  <a:t> , </a:t>
+                  <a:t>随机游走中访问</a:t>
                 </a:r>
                 <a14:m>
                   <m:oMath xmlns:m="http://schemas.openxmlformats.org/officeDocument/2006/math">
-                    <m:sSub>
-                      <m:sSubPr>
-                        <m:ctrlPr>
-                          <a:rPr lang="en-US" altLang="zh-CN" sz="2400" i="1">
-                            <a:solidFill>
-                              <a:prstClr val="black"/>
-                            </a:solidFill>
-                            <a:latin typeface="Cambria Math" panose="02040503050406030204" pitchFamily="18" charset="0"/>
-                          </a:rPr>
-                        </m:ctrlPr>
-                      </m:sSubPr>
-                      <m:e>
-                        <m:r>
-                          <a:rPr lang="en-US" altLang="zh-CN" sz="2400" i="1">
-                            <a:solidFill>
-                              <a:prstClr val="black"/>
-                            </a:solidFill>
-                            <a:latin typeface="Cambria Math" panose="02040503050406030204" pitchFamily="18" charset="0"/>
-                          </a:rPr>
-                          <m:t>𝑝</m:t>
-                        </m:r>
-                      </m:e>
-                      <m:sub>
-                        <m:r>
-                          <a:rPr lang="en-US" altLang="zh-CN" sz="2400" i="1">
-                            <a:solidFill>
-                              <a:prstClr val="black"/>
-                            </a:solidFill>
-                            <a:latin typeface="Cambria Math" panose="02040503050406030204" pitchFamily="18" charset="0"/>
-                          </a:rPr>
-                          <m:t>2</m:t>
-                        </m:r>
-                      </m:sub>
-                    </m:sSub>
                     <m:r>
-                      <a:rPr lang="en-US" altLang="zh-CN" sz="2400" i="1">
+                      <a:rPr lang="en-US" altLang="zh-CN" sz="2400" b="1" i="1" smtClean="0">
                         <a:solidFill>
-                          <a:prstClr val="black"/>
+                          <a:schemeClr val="accent6"/>
                         </a:solidFill>
                         <a:latin typeface="Cambria Math" panose="02040503050406030204" pitchFamily="18" charset="0"/>
                       </a:rPr>
-                      <m:t>(</m:t>
-                    </m:r>
-                    <m:r>
-                      <a:rPr lang="en-US" altLang="zh-CN" sz="2400" i="1">
-                        <a:solidFill>
-                          <a:prstClr val="black"/>
-                        </a:solidFill>
-                        <a:latin typeface="Cambria Math" panose="02040503050406030204" pitchFamily="18" charset="0"/>
-                      </a:rPr>
-                      <m:t>·|</m:t>
-                    </m:r>
-                    <m:r>
-                      <a:rPr lang="en-US" altLang="zh-CN" sz="2400" b="0" i="1" smtClean="0">
-                        <a:solidFill>
-                          <a:prstClr val="black"/>
-                        </a:solidFill>
-                        <a:latin typeface="Cambria Math" panose="02040503050406030204" pitchFamily="18" charset="0"/>
-                      </a:rPr>
-                      <m:t>𝑣</m:t>
-                    </m:r>
-                    <m:r>
-                      <a:rPr lang="en-US" altLang="zh-CN" sz="2400" i="1">
-                        <a:solidFill>
-                          <a:prstClr val="black"/>
-                        </a:solidFill>
-                        <a:latin typeface="Cambria Math" panose="02040503050406030204" pitchFamily="18" charset="0"/>
-                      </a:rPr>
-                      <m:t>)</m:t>
+                      <m:t>𝒗</m:t>
                     </m:r>
                   </m:oMath>
                 </a14:m>
+                <a:r>
+                  <a:rPr lang="zh-CN" altLang="en-US" sz="2400" b="1" dirty="0">
+                    <a:solidFill>
+                      <a:schemeClr val="accent6"/>
+                    </a:solidFill>
+                    <a:latin typeface="微软雅黑" panose="020B0503020204020204" pitchFamily="34" charset="-122"/>
+                    <a:ea typeface="微软雅黑" panose="020B0503020204020204" pitchFamily="34" charset="-122"/>
+                  </a:rPr>
+                  <a:t>的概率</a:t>
+                </a:r>
+                <a:r>
+                  <a:rPr lang="zh-CN" altLang="en-US" sz="2400" dirty="0">
+                    <a:latin typeface="微软雅黑" panose="020B0503020204020204" pitchFamily="34" charset="-122"/>
+                    <a:ea typeface="微软雅黑" panose="020B0503020204020204" pitchFamily="34" charset="-122"/>
+                  </a:rPr>
+                  <a:t>。</a:t>
+                </a:r>
                 <a:endParaRPr lang="en-US" altLang="zh-CN" sz="2400" dirty="0">
-                  <a:solidFill>
-                    <a:prstClr val="black"/>
-                  </a:solidFill>
+                  <a:latin typeface="微软雅黑" panose="020B0503020204020204" pitchFamily="34" charset="-122"/>
+                  <a:ea typeface="微软雅黑" panose="020B0503020204020204" pitchFamily="34" charset="-122"/>
                 </a:endParaRPr>
+              </a:p>
+              <a:p>
+                <a:r>
+                  <a:rPr lang="zh-CN" altLang="en-US" sz="2400" dirty="0">
+                    <a:latin typeface="微软雅黑" panose="020B0503020204020204" pitchFamily="34" charset="-122"/>
+                    <a:ea typeface="微软雅黑" panose="020B0503020204020204" pitchFamily="34" charset="-122"/>
+                  </a:rPr>
+                  <a:t>如果两个结点倾向于在随机游走中</a:t>
+                </a:r>
+                <a:r>
+                  <a:rPr lang="zh-CN" altLang="en-US" sz="2400" dirty="0">
+                    <a:solidFill>
+                      <a:srgbClr val="C00000"/>
+                    </a:solidFill>
+                    <a:latin typeface="微软雅黑" panose="020B0503020204020204" pitchFamily="34" charset="-122"/>
+                    <a:ea typeface="微软雅黑" panose="020B0503020204020204" pitchFamily="34" charset="-122"/>
+                  </a:rPr>
+                  <a:t>同时出现</a:t>
+                </a:r>
+                <a:r>
+                  <a:rPr lang="en-US" altLang="zh-CN" sz="2400" dirty="0">
+                    <a:latin typeface="微软雅黑" panose="020B0503020204020204" pitchFamily="34" charset="-122"/>
+                    <a:ea typeface="微软雅黑" panose="020B0503020204020204" pitchFamily="34" charset="-122"/>
+                  </a:rPr>
+                  <a:t>(co-occur)</a:t>
+                </a:r>
+                <a:r>
+                  <a:rPr lang="zh-CN" altLang="en-US" sz="2400" dirty="0">
+                    <a:latin typeface="微软雅黑" panose="020B0503020204020204" pitchFamily="34" charset="-122"/>
+                    <a:ea typeface="微软雅黑" panose="020B0503020204020204" pitchFamily="34" charset="-122"/>
+                  </a:rPr>
+                  <a:t>，那么认为两个结点相似的，具有相似的嵌入。这种</a:t>
+                </a:r>
+                <a:r>
+                  <a:rPr lang="en-US" altLang="zh-CN" sz="2400" dirty="0">
+                    <a:latin typeface="微软雅黑" panose="020B0503020204020204" pitchFamily="34" charset="-122"/>
+                    <a:ea typeface="微软雅黑" panose="020B0503020204020204" pitchFamily="34" charset="-122"/>
+                  </a:rPr>
+                  <a:t>similarity measure</a:t>
+                </a:r>
+                <a:r>
+                  <a:rPr lang="zh-CN" altLang="en-US" sz="2400" dirty="0">
+                    <a:latin typeface="微软雅黑" panose="020B0503020204020204" pitchFamily="34" charset="-122"/>
+                    <a:ea typeface="微软雅黑" panose="020B0503020204020204" pitchFamily="34" charset="-122"/>
+                  </a:rPr>
+                  <a:t>是</a:t>
+                </a:r>
+                <a:r>
+                  <a:rPr lang="zh-CN" altLang="en-US" sz="2400" dirty="0">
+                    <a:solidFill>
+                      <a:schemeClr val="accent2"/>
+                    </a:solidFill>
+                    <a:latin typeface="微软雅黑" panose="020B0503020204020204" pitchFamily="34" charset="-122"/>
+                    <a:ea typeface="微软雅黑" panose="020B0503020204020204" pitchFamily="34" charset="-122"/>
+                  </a:rPr>
+                  <a:t>随机、非对称</a:t>
+                </a:r>
+                <a:r>
+                  <a:rPr lang="zh-CN" altLang="en-US" sz="2400" dirty="0">
+                    <a:latin typeface="微软雅黑" panose="020B0503020204020204" pitchFamily="34" charset="-122"/>
+                    <a:ea typeface="微软雅黑" panose="020B0503020204020204" pitchFamily="34" charset="-122"/>
+                  </a:rPr>
+                  <a:t>的。</a:t>
+                </a:r>
               </a:p>
             </p:txBody>
           </p:sp>
@@ -20916,10 +16288,10 @@
         <mc:Fallback>
           <p:sp>
             <p:nvSpPr>
-              <p:cNvPr id="5" name="矩形 4">
+              <p:cNvPr id="27" name="矩形 26">
                 <a:extLst>
                   <a:ext uri="{FF2B5EF4-FFF2-40B4-BE49-F238E27FC236}">
-                    <a16:creationId xmlns:a16="http://schemas.microsoft.com/office/drawing/2014/main" id="{497310E8-B787-468F-B8FF-97D140DC125B}"/>
+                    <a16:creationId xmlns:a16="http://schemas.microsoft.com/office/drawing/2014/main" id="{BC1A5690-68B4-4274-B639-FA8E7A57DB12}"/>
                   </a:ext>
                 </a:extLst>
               </p:cNvPr>
@@ -20930,16 +16302,16 @@
             </p:nvSpPr>
             <p:spPr>
               <a:xfrm>
-                <a:off x="2026910" y="8202592"/>
-                <a:ext cx="3721853" cy="461665"/>
+                <a:off x="820271" y="3470794"/>
+                <a:ext cx="10198528" cy="1200329"/>
               </a:xfrm>
               <a:prstGeom prst="rect">
                 <a:avLst/>
               </a:prstGeom>
               <a:blipFill>
-                <a:blip r:embed="rId3"/>
+                <a:blip r:embed="rId4"/>
                 <a:stretch>
-                  <a:fillRect t="-10667" r="-818" b="-32000"/>
+                  <a:fillRect l="-956" t="-4061" r="-299" b="-10660"/>
                 </a:stretch>
               </a:blipFill>
             </p:spPr>
@@ -20958,10 +16330,648 @@
           </p:sp>
         </mc:Fallback>
       </mc:AlternateContent>
+      <mc:AlternateContent xmlns:mc="http://schemas.openxmlformats.org/markup-compatibility/2006">
+        <mc:Choice xmlns:a14="http://schemas.microsoft.com/office/drawing/2010/main" Requires="a14">
+          <p:sp>
+            <p:nvSpPr>
+              <p:cNvPr id="18" name="文本框 17">
+                <a:extLst>
+                  <a:ext uri="{FF2B5EF4-FFF2-40B4-BE49-F238E27FC236}">
+                    <a16:creationId xmlns:a16="http://schemas.microsoft.com/office/drawing/2014/main" id="{93426ED8-2DAD-46E5-9926-2E6E30EFE160}"/>
+                  </a:ext>
+                </a:extLst>
+              </p:cNvPr>
+              <p:cNvSpPr txBox="1"/>
+              <p:nvPr/>
+            </p:nvSpPr>
+            <p:spPr>
+              <a:xfrm>
+                <a:off x="3593001" y="4980442"/>
+                <a:ext cx="4653069" cy="1091966"/>
+              </a:xfrm>
+              <a:prstGeom prst="rect">
+                <a:avLst/>
+              </a:prstGeom>
+              <a:noFill/>
+            </p:spPr>
+            <p:txBody>
+              <a:bodyPr wrap="none" lIns="0" tIns="0" rIns="0" bIns="0" rtlCol="0">
+                <a:spAutoFit/>
+              </a:bodyPr>
+              <a:lstStyle/>
+              <a:p>
+                <a:pPr/>
+                <a14:m>
+                  <m:oMathPara xmlns:m="http://schemas.openxmlformats.org/officeDocument/2006/math">
+                    <m:oMathParaPr>
+                      <m:jc m:val="centerGroup"/>
+                    </m:oMathParaPr>
+                    <m:oMath xmlns:m="http://schemas.openxmlformats.org/officeDocument/2006/math">
+                      <m:r>
+                        <a:rPr lang="zh-CN" altLang="en-US" sz="2800" i="1" smtClean="0">
+                          <a:latin typeface="Cambria Math" panose="02040503050406030204" pitchFamily="18" charset="0"/>
+                        </a:rPr>
+                        <m:t>𝐿</m:t>
+                      </m:r>
+                      <m:r>
+                        <a:rPr lang="zh-CN" altLang="en-US" sz="2800" i="0">
+                          <a:latin typeface="Cambria Math" panose="02040503050406030204" pitchFamily="18" charset="0"/>
+                        </a:rPr>
+                        <m:t>=</m:t>
+                      </m:r>
+                      <m:nary>
+                        <m:naryPr>
+                          <m:chr m:val="∑"/>
+                          <m:limLoc m:val="undOvr"/>
+                          <m:grow m:val="on"/>
+                          <m:supHide m:val="on"/>
+                          <m:ctrlPr>
+                            <a:rPr lang="zh-CN" altLang="en-US" sz="2800" i="1" dirty="0" smtClean="0">
+                              <a:latin typeface="Cambria Math" panose="02040503050406030204" pitchFamily="18" charset="0"/>
+                            </a:rPr>
+                          </m:ctrlPr>
+                        </m:naryPr>
+                        <m:sub>
+                          <m:d>
+                            <m:dPr>
+                              <m:ctrlPr>
+                                <a:rPr lang="en-US" altLang="zh-CN" sz="2800" b="0" i="1" dirty="0" smtClean="0">
+                                  <a:latin typeface="Cambria Math" panose="02040503050406030204" pitchFamily="18" charset="0"/>
+                                </a:rPr>
+                              </m:ctrlPr>
+                            </m:dPr>
+                            <m:e>
+                              <m:r>
+                                <a:rPr lang="en-US" altLang="zh-CN" sz="2800" b="0" i="1" dirty="0" smtClean="0">
+                                  <a:latin typeface="Cambria Math" panose="02040503050406030204" pitchFamily="18" charset="0"/>
+                                </a:rPr>
+                                <m:t>𝑢</m:t>
+                              </m:r>
+                              <m:r>
+                                <a:rPr lang="en-US" altLang="zh-CN" sz="2800" b="0" i="1" dirty="0" smtClean="0">
+                                  <a:latin typeface="Cambria Math" panose="02040503050406030204" pitchFamily="18" charset="0"/>
+                                </a:rPr>
+                                <m:t>,</m:t>
+                              </m:r>
+                              <m:r>
+                                <a:rPr lang="en-US" altLang="zh-CN" sz="2800" b="0" i="1" dirty="0" smtClean="0">
+                                  <a:latin typeface="Cambria Math" panose="02040503050406030204" pitchFamily="18" charset="0"/>
+                                </a:rPr>
+                                <m:t>𝑣</m:t>
+                              </m:r>
+                            </m:e>
+                          </m:d>
+                          <m:r>
+                            <a:rPr lang="en-US" altLang="zh-CN" sz="2800" b="0" i="1" dirty="0" smtClean="0">
+                              <a:latin typeface="Cambria Math" panose="02040503050406030204" pitchFamily="18" charset="0"/>
+                            </a:rPr>
+                            <m:t>∈</m:t>
+                          </m:r>
+                          <m:r>
+                            <a:rPr lang="en-US" altLang="zh-CN" sz="2800" b="0" i="1" dirty="0" smtClean="0">
+                              <a:latin typeface="Cambria Math" panose="02040503050406030204" pitchFamily="18" charset="0"/>
+                            </a:rPr>
+                            <m:t>𝐷</m:t>
+                          </m:r>
+                        </m:sub>
+                        <m:sup/>
+                        <m:e>
+                          <m:r>
+                            <a:rPr lang="en-US" altLang="zh-CN" sz="2800" b="0" i="1" dirty="0" smtClean="0">
+                              <a:latin typeface="Cambria Math" panose="02040503050406030204" pitchFamily="18" charset="0"/>
+                            </a:rPr>
+                            <m:t>−</m:t>
+                          </m:r>
+                          <m:r>
+                            <m:rPr>
+                              <m:sty m:val="p"/>
+                            </m:rPr>
+                            <a:rPr lang="en-US" altLang="zh-CN" sz="2800" b="0" i="0" dirty="0" smtClean="0">
+                              <a:latin typeface="Cambria Math" panose="02040503050406030204" pitchFamily="18" charset="0"/>
+                            </a:rPr>
+                            <m:t>log</m:t>
+                          </m:r>
+                          <m:r>
+                            <a:rPr lang="en-US" altLang="zh-CN" sz="2800" b="0" i="1" dirty="0" smtClean="0">
+                              <a:latin typeface="Cambria Math" panose="02040503050406030204" pitchFamily="18" charset="0"/>
+                            </a:rPr>
+                            <m:t>(</m:t>
+                          </m:r>
+                          <m:r>
+                            <m:rPr>
+                              <m:sty m:val="p"/>
+                            </m:rPr>
+                            <a:rPr lang="en-US" altLang="zh-CN" sz="2800" b="0" i="0" dirty="0" smtClean="0">
+                              <a:latin typeface="Cambria Math" panose="02040503050406030204" pitchFamily="18" charset="0"/>
+                            </a:rPr>
+                            <m:t>DEC</m:t>
+                          </m:r>
+                          <m:d>
+                            <m:dPr>
+                              <m:ctrlPr>
+                                <a:rPr lang="en-US" altLang="zh-CN" sz="2800" b="0" i="1" dirty="0" smtClean="0">
+                                  <a:latin typeface="Cambria Math" panose="02040503050406030204" pitchFamily="18" charset="0"/>
+                                </a:rPr>
+                              </m:ctrlPr>
+                            </m:dPr>
+                            <m:e>
+                              <m:sSub>
+                                <m:sSubPr>
+                                  <m:ctrlPr>
+                                    <a:rPr lang="en-US" altLang="zh-CN" sz="2800" b="0" i="1" dirty="0" smtClean="0">
+                                      <a:latin typeface="Cambria Math" panose="02040503050406030204" pitchFamily="18" charset="0"/>
+                                    </a:rPr>
+                                  </m:ctrlPr>
+                                </m:sSubPr>
+                                <m:e>
+                                  <m:r>
+                                    <a:rPr lang="en-US" altLang="zh-CN" sz="2800" b="1" i="0" dirty="0" smtClean="0">
+                                      <a:latin typeface="Cambria Math" panose="02040503050406030204" pitchFamily="18" charset="0"/>
+                                    </a:rPr>
+                                    <m:t>𝐳</m:t>
+                                  </m:r>
+                                </m:e>
+                                <m:sub>
+                                  <m:r>
+                                    <a:rPr lang="en-US" altLang="zh-CN" sz="2800" b="0" i="1" dirty="0" smtClean="0">
+                                      <a:latin typeface="Cambria Math" panose="02040503050406030204" pitchFamily="18" charset="0"/>
+                                    </a:rPr>
+                                    <m:t>𝑢</m:t>
+                                  </m:r>
+                                </m:sub>
+                              </m:sSub>
+                              <m:r>
+                                <a:rPr lang="en-US" altLang="zh-CN" sz="2800" b="0" i="1" dirty="0" smtClean="0">
+                                  <a:latin typeface="Cambria Math" panose="02040503050406030204" pitchFamily="18" charset="0"/>
+                                </a:rPr>
+                                <m:t>,</m:t>
+                              </m:r>
+                              <m:sSub>
+                                <m:sSubPr>
+                                  <m:ctrlPr>
+                                    <a:rPr lang="en-US" altLang="zh-CN" sz="2800" b="0" i="1" dirty="0" smtClean="0">
+                                      <a:latin typeface="Cambria Math" panose="02040503050406030204" pitchFamily="18" charset="0"/>
+                                    </a:rPr>
+                                  </m:ctrlPr>
+                                </m:sSubPr>
+                                <m:e>
+                                  <m:r>
+                                    <a:rPr lang="en-US" altLang="zh-CN" sz="2800" b="1" i="0" dirty="0" smtClean="0">
+                                      <a:latin typeface="Cambria Math" panose="02040503050406030204" pitchFamily="18" charset="0"/>
+                                    </a:rPr>
+                                    <m:t>𝐳</m:t>
+                                  </m:r>
+                                </m:e>
+                                <m:sub>
+                                  <m:r>
+                                    <a:rPr lang="en-US" altLang="zh-CN" sz="2800" b="0" i="1" dirty="0" smtClean="0">
+                                      <a:latin typeface="Cambria Math" panose="02040503050406030204" pitchFamily="18" charset="0"/>
+                                    </a:rPr>
+                                    <m:t>𝑣</m:t>
+                                  </m:r>
+                                </m:sub>
+                              </m:sSub>
+                            </m:e>
+                          </m:d>
+                          <m:r>
+                            <a:rPr lang="en-US" altLang="zh-CN" sz="2800" b="0" i="1" dirty="0" smtClean="0">
+                              <a:latin typeface="Cambria Math" panose="02040503050406030204" pitchFamily="18" charset="0"/>
+                            </a:rPr>
+                            <m:t>)</m:t>
+                          </m:r>
+                        </m:e>
+                      </m:nary>
+                    </m:oMath>
+                  </m:oMathPara>
+                </a14:m>
+                <a:endParaRPr lang="zh-CN" altLang="en-US" sz="2800" dirty="0"/>
+              </a:p>
+            </p:txBody>
+          </p:sp>
+        </mc:Choice>
+        <mc:Fallback>
+          <p:sp>
+            <p:nvSpPr>
+              <p:cNvPr id="18" name="文本框 17">
+                <a:extLst>
+                  <a:ext uri="{FF2B5EF4-FFF2-40B4-BE49-F238E27FC236}">
+                    <a16:creationId xmlns:a16="http://schemas.microsoft.com/office/drawing/2014/main" id="{93426ED8-2DAD-46E5-9926-2E6E30EFE160}"/>
+                  </a:ext>
+                </a:extLst>
+              </p:cNvPr>
+              <p:cNvSpPr txBox="1">
+                <a:spLocks noRot="1" noChangeAspect="1" noMove="1" noResize="1" noEditPoints="1" noAdjustHandles="1" noChangeArrowheads="1" noChangeShapeType="1" noTextEdit="1"/>
+              </p:cNvSpPr>
+              <p:nvPr/>
+            </p:nvSpPr>
+            <p:spPr>
+              <a:xfrm>
+                <a:off x="3593001" y="4980442"/>
+                <a:ext cx="4653069" cy="1091966"/>
+              </a:xfrm>
+              <a:prstGeom prst="rect">
+                <a:avLst/>
+              </a:prstGeom>
+              <a:blipFill>
+                <a:blip r:embed="rId5"/>
+                <a:stretch>
+                  <a:fillRect/>
+                </a:stretch>
+              </a:blipFill>
+            </p:spPr>
+            <p:txBody>
+              <a:bodyPr/>
+              <a:lstStyle/>
+              <a:p>
+                <a:r>
+                  <a:rPr lang="zh-CN" altLang="en-US">
+                    <a:noFill/>
+                  </a:rPr>
+                  <a:t> </a:t>
+                </a:r>
+              </a:p>
+            </p:txBody>
+          </p:sp>
+        </mc:Fallback>
+      </mc:AlternateContent>
+      <mc:AlternateContent xmlns:mc="http://schemas.openxmlformats.org/markup-compatibility/2006">
+        <mc:Choice xmlns:a14="http://schemas.microsoft.com/office/drawing/2010/main" Requires="a14">
+          <p:sp>
+            <p:nvSpPr>
+              <p:cNvPr id="20" name="矩形 19">
+                <a:extLst>
+                  <a:ext uri="{FF2B5EF4-FFF2-40B4-BE49-F238E27FC236}">
+                    <a16:creationId xmlns:a16="http://schemas.microsoft.com/office/drawing/2014/main" id="{CC84F26B-E72A-4C4E-8EE3-EEBEB82D156E}"/>
+                  </a:ext>
+                </a:extLst>
+              </p:cNvPr>
+              <p:cNvSpPr/>
+              <p:nvPr/>
+            </p:nvSpPr>
+            <p:spPr>
+              <a:xfrm>
+                <a:off x="883611" y="6691046"/>
+                <a:ext cx="10600402" cy="1216551"/>
+              </a:xfrm>
+              <a:prstGeom prst="rect">
+                <a:avLst/>
+              </a:prstGeom>
+            </p:spPr>
+            <p:txBody>
+              <a:bodyPr wrap="none">
+                <a:spAutoFit/>
+              </a:bodyPr>
+              <a:lstStyle/>
+              <a:p>
+                <a14:m>
+                  <m:oMath xmlns:m="http://schemas.openxmlformats.org/officeDocument/2006/math">
+                    <m:r>
+                      <a:rPr lang="en-US" altLang="zh-CN" sz="2400" b="0" i="1" smtClean="0">
+                        <a:solidFill>
+                          <a:prstClr val="black"/>
+                        </a:solidFill>
+                        <a:latin typeface="Cambria Math" panose="02040503050406030204" pitchFamily="18" charset="0"/>
+                      </a:rPr>
+                      <m:t>𝐷</m:t>
+                    </m:r>
+                  </m:oMath>
+                </a14:m>
+                <a:r>
+                  <a:rPr lang="en-US" altLang="zh-CN" sz="2400" dirty="0">
+                    <a:latin typeface="微软雅黑" panose="020B0503020204020204" pitchFamily="34" charset="-122"/>
+                    <a:ea typeface="微软雅黑" panose="020B0503020204020204" pitchFamily="34" charset="-122"/>
+                  </a:rPr>
+                  <a:t>: </a:t>
+                </a:r>
+                <a:r>
+                  <a:rPr lang="zh-CN" altLang="en-US" sz="2400" dirty="0">
+                    <a:latin typeface="微软雅黑" panose="020B0503020204020204" pitchFamily="34" charset="-122"/>
+                    <a:ea typeface="微软雅黑" panose="020B0503020204020204" pitchFamily="34" charset="-122"/>
+                  </a:rPr>
+                  <a:t>随机游走的训练集，通过从每个结点开始采样随机游走生成。</a:t>
+                </a:r>
+                <a:endParaRPr lang="en-US" altLang="zh-CN" sz="2400" dirty="0">
+                  <a:latin typeface="微软雅黑" panose="020B0503020204020204" pitchFamily="34" charset="-122"/>
+                  <a:ea typeface="微软雅黑" panose="020B0503020204020204" pitchFamily="34" charset="-122"/>
+                </a:endParaRPr>
+              </a:p>
+              <a:p>
+                <a:r>
+                  <a:rPr lang="zh-CN" altLang="en-US" sz="2400" dirty="0">
+                    <a:latin typeface="微软雅黑" panose="020B0503020204020204" pitchFamily="34" charset="-122"/>
+                    <a:ea typeface="微软雅黑" panose="020B0503020204020204" pitchFamily="34" charset="-122"/>
+                  </a:rPr>
+                  <a:t>显然在从结点</a:t>
+                </a:r>
+                <a14:m>
+                  <m:oMath xmlns:m="http://schemas.openxmlformats.org/officeDocument/2006/math">
+                    <m:r>
+                      <a:rPr lang="en-US" altLang="zh-CN" sz="2400" b="0" i="1" dirty="0" smtClean="0">
+                        <a:solidFill>
+                          <a:schemeClr val="tx1"/>
+                        </a:solidFill>
+                        <a:latin typeface="Cambria Math" panose="02040503050406030204" pitchFamily="18" charset="0"/>
+                      </a:rPr>
+                      <m:t>𝑢</m:t>
+                    </m:r>
+                  </m:oMath>
+                </a14:m>
+                <a:r>
+                  <a:rPr lang="zh-CN" altLang="en-US" sz="2400" dirty="0">
+                    <a:latin typeface="微软雅黑" panose="020B0503020204020204" pitchFamily="34" charset="-122"/>
+                    <a:ea typeface="微软雅黑" panose="020B0503020204020204" pitchFamily="34" charset="-122"/>
+                  </a:rPr>
+                  <a:t>出发的一个随机游走中采集到的点</a:t>
+                </a:r>
+                <a14:m>
+                  <m:oMath xmlns:m="http://schemas.openxmlformats.org/officeDocument/2006/math">
+                    <m:r>
+                      <a:rPr lang="en-US" altLang="zh-CN" sz="2400" b="1" i="1" smtClean="0">
+                        <a:solidFill>
+                          <a:schemeClr val="tx1"/>
+                        </a:solidFill>
+                        <a:latin typeface="Cambria Math" panose="02040503050406030204" pitchFamily="18" charset="0"/>
+                      </a:rPr>
+                      <m:t>𝒗</m:t>
+                    </m:r>
+                  </m:oMath>
+                </a14:m>
+                <a:r>
+                  <a:rPr lang="zh-CN" altLang="en-US" sz="2400" dirty="0">
+                    <a:latin typeface="微软雅黑" panose="020B0503020204020204" pitchFamily="34" charset="-122"/>
+                    <a:ea typeface="微软雅黑" panose="020B0503020204020204" pitchFamily="34" charset="-122"/>
+                  </a:rPr>
+                  <a:t>服从分布</a:t>
+                </a:r>
+                <a14:m>
+                  <m:oMath xmlns:m="http://schemas.openxmlformats.org/officeDocument/2006/math">
+                    <m:d>
+                      <m:dPr>
+                        <m:ctrlPr>
+                          <a:rPr lang="en-US" altLang="zh-CN" sz="2400" b="0" i="1" smtClean="0">
+                            <a:latin typeface="Cambria Math" panose="02040503050406030204" pitchFamily="18" charset="0"/>
+                            <a:ea typeface="微软雅黑" panose="020B0503020204020204" pitchFamily="34" charset="-122"/>
+                          </a:rPr>
+                        </m:ctrlPr>
+                      </m:dPr>
+                      <m:e>
+                        <m:r>
+                          <a:rPr lang="en-US" altLang="zh-CN" sz="2400" b="0" i="1" smtClean="0">
+                            <a:latin typeface="Cambria Math" panose="02040503050406030204" pitchFamily="18" charset="0"/>
+                            <a:ea typeface="微软雅黑" panose="020B0503020204020204" pitchFamily="34" charset="-122"/>
+                          </a:rPr>
+                          <m:t>𝑢</m:t>
+                        </m:r>
+                        <m:r>
+                          <a:rPr lang="en-US" altLang="zh-CN" sz="2400" b="0" i="1" smtClean="0">
+                            <a:latin typeface="Cambria Math" panose="02040503050406030204" pitchFamily="18" charset="0"/>
+                            <a:ea typeface="微软雅黑" panose="020B0503020204020204" pitchFamily="34" charset="-122"/>
+                          </a:rPr>
+                          <m:t>,</m:t>
+                        </m:r>
+                        <m:r>
+                          <a:rPr lang="en-US" altLang="zh-CN" sz="2400" b="0" i="1" smtClean="0">
+                            <a:latin typeface="Cambria Math" panose="02040503050406030204" pitchFamily="18" charset="0"/>
+                            <a:ea typeface="微软雅黑" panose="020B0503020204020204" pitchFamily="34" charset="-122"/>
+                          </a:rPr>
+                          <m:t>𝑣</m:t>
+                        </m:r>
+                      </m:e>
+                    </m:d>
+                    <m:r>
+                      <a:rPr lang="en-US" altLang="zh-CN" sz="2400" b="0" i="1" smtClean="0">
+                        <a:latin typeface="Cambria Math" panose="02040503050406030204" pitchFamily="18" charset="0"/>
+                        <a:ea typeface="微软雅黑" panose="020B0503020204020204" pitchFamily="34" charset="-122"/>
+                      </a:rPr>
+                      <m:t>∼</m:t>
+                    </m:r>
+                    <m:sSub>
+                      <m:sSubPr>
+                        <m:ctrlPr>
+                          <a:rPr lang="en-US" altLang="zh-CN" sz="2400" b="0" i="1" smtClean="0">
+                            <a:latin typeface="Cambria Math" panose="02040503050406030204" pitchFamily="18" charset="0"/>
+                            <a:ea typeface="微软雅黑" panose="020B0503020204020204" pitchFamily="34" charset="-122"/>
+                          </a:rPr>
+                        </m:ctrlPr>
+                      </m:sSubPr>
+                      <m:e>
+                        <m:r>
+                          <a:rPr lang="en-US" altLang="zh-CN" sz="2400" b="0" i="1" smtClean="0">
+                            <a:latin typeface="Cambria Math" panose="02040503050406030204" pitchFamily="18" charset="0"/>
+                            <a:ea typeface="微软雅黑" panose="020B0503020204020204" pitchFamily="34" charset="-122"/>
+                          </a:rPr>
+                          <m:t>𝑃</m:t>
+                        </m:r>
+                      </m:e>
+                      <m:sub>
+                        <m:r>
+                          <a:rPr lang="en-US" altLang="zh-CN" sz="2400" b="0" i="1" smtClean="0">
+                            <a:latin typeface="Cambria Math" panose="02040503050406030204" pitchFamily="18" charset="0"/>
+                            <a:ea typeface="微软雅黑" panose="020B0503020204020204" pitchFamily="34" charset="-122"/>
+                          </a:rPr>
+                          <m:t>𝐺</m:t>
+                        </m:r>
+                        <m:r>
+                          <a:rPr lang="en-US" altLang="zh-CN" sz="2400" b="0" i="1" smtClean="0">
+                            <a:latin typeface="Cambria Math" panose="02040503050406030204" pitchFamily="18" charset="0"/>
+                            <a:ea typeface="微软雅黑" panose="020B0503020204020204" pitchFamily="34" charset="-122"/>
+                          </a:rPr>
+                          <m:t>,</m:t>
+                        </m:r>
+                        <m:r>
+                          <a:rPr lang="en-US" altLang="zh-CN" sz="2400" b="0" i="1" smtClean="0">
+                            <a:latin typeface="Cambria Math" panose="02040503050406030204" pitchFamily="18" charset="0"/>
+                            <a:ea typeface="微软雅黑" panose="020B0503020204020204" pitchFamily="34" charset="-122"/>
+                          </a:rPr>
+                          <m:t>𝑇</m:t>
+                        </m:r>
+                      </m:sub>
+                    </m:sSub>
+                    <m:r>
+                      <a:rPr lang="en-US" altLang="zh-CN" sz="2400" b="0" i="1" smtClean="0">
+                        <a:latin typeface="Cambria Math" panose="02040503050406030204" pitchFamily="18" charset="0"/>
+                        <a:ea typeface="微软雅黑" panose="020B0503020204020204" pitchFamily="34" charset="-122"/>
+                      </a:rPr>
+                      <m:t>(</m:t>
+                    </m:r>
+                    <m:r>
+                      <a:rPr lang="en-US" altLang="zh-CN" sz="2400" b="0" i="1" smtClean="0">
+                        <a:latin typeface="Cambria Math" panose="02040503050406030204" pitchFamily="18" charset="0"/>
+                        <a:ea typeface="微软雅黑" panose="020B0503020204020204" pitchFamily="34" charset="-122"/>
+                      </a:rPr>
+                      <m:t>𝑣</m:t>
+                    </m:r>
+                    <m:r>
+                      <a:rPr lang="en-US" altLang="zh-CN" sz="2400" b="0" i="1" smtClean="0">
+                        <a:latin typeface="Cambria Math" panose="02040503050406030204" pitchFamily="18" charset="0"/>
+                        <a:ea typeface="微软雅黑" panose="020B0503020204020204" pitchFamily="34" charset="-122"/>
+                      </a:rPr>
+                      <m:t>|</m:t>
+                    </m:r>
+                    <m:r>
+                      <a:rPr lang="en-US" altLang="zh-CN" sz="2400" b="0" i="1" smtClean="0">
+                        <a:latin typeface="Cambria Math" panose="02040503050406030204" pitchFamily="18" charset="0"/>
+                        <a:ea typeface="微软雅黑" panose="020B0503020204020204" pitchFamily="34" charset="-122"/>
+                      </a:rPr>
+                      <m:t>𝑢</m:t>
+                    </m:r>
+                    <m:r>
+                      <a:rPr lang="en-US" altLang="zh-CN" sz="2400" b="0" i="1" smtClean="0">
+                        <a:latin typeface="Cambria Math" panose="02040503050406030204" pitchFamily="18" charset="0"/>
+                        <a:ea typeface="微软雅黑" panose="020B0503020204020204" pitchFamily="34" charset="-122"/>
+                      </a:rPr>
+                      <m:t>)</m:t>
+                    </m:r>
+                  </m:oMath>
+                </a14:m>
+                <a:endParaRPr lang="en-US" altLang="zh-CN" sz="1600" dirty="0">
+                  <a:latin typeface="微软雅黑" panose="020B0503020204020204" pitchFamily="34" charset="-122"/>
+                  <a:ea typeface="微软雅黑" panose="020B0503020204020204" pitchFamily="34" charset="-122"/>
+                </a:endParaRPr>
+              </a:p>
+              <a:p>
+                <a:r>
+                  <a:rPr lang="zh-CN" altLang="en-US" sz="2400" dirty="0">
+                    <a:latin typeface="微软雅黑" panose="020B0503020204020204" pitchFamily="34" charset="-122"/>
+                    <a:ea typeface="微软雅黑" panose="020B0503020204020204" pitchFamily="34" charset="-122"/>
+                  </a:rPr>
+                  <a:t>不确切计算这个概率分布，用生成的随机游走样本来进行估计。</a:t>
+                </a:r>
+              </a:p>
+            </p:txBody>
+          </p:sp>
+        </mc:Choice>
+        <mc:Fallback>
+          <p:sp>
+            <p:nvSpPr>
+              <p:cNvPr id="20" name="矩形 19">
+                <a:extLst>
+                  <a:ext uri="{FF2B5EF4-FFF2-40B4-BE49-F238E27FC236}">
+                    <a16:creationId xmlns:a16="http://schemas.microsoft.com/office/drawing/2014/main" id="{CC84F26B-E72A-4C4E-8EE3-EEBEB82D156E}"/>
+                  </a:ext>
+                </a:extLst>
+              </p:cNvPr>
+              <p:cNvSpPr>
+                <a:spLocks noRot="1" noChangeAspect="1" noMove="1" noResize="1" noEditPoints="1" noAdjustHandles="1" noChangeArrowheads="1" noChangeShapeType="1" noTextEdit="1"/>
+              </p:cNvSpPr>
+              <p:nvPr/>
+            </p:nvSpPr>
+            <p:spPr>
+              <a:xfrm>
+                <a:off x="883611" y="6691046"/>
+                <a:ext cx="10600402" cy="1216551"/>
+              </a:xfrm>
+              <a:prstGeom prst="rect">
+                <a:avLst/>
+              </a:prstGeom>
+              <a:blipFill>
+                <a:blip r:embed="rId6"/>
+                <a:stretch>
+                  <a:fillRect l="-920" t="-4020" b="-11055"/>
+                </a:stretch>
+              </a:blipFill>
+            </p:spPr>
+            <p:txBody>
+              <a:bodyPr/>
+              <a:lstStyle/>
+              <a:p>
+                <a:r>
+                  <a:rPr lang="zh-CN" altLang="en-US">
+                    <a:noFill/>
+                  </a:rPr>
+                  <a:t> </a:t>
+                </a:r>
+              </a:p>
+            </p:txBody>
+          </p:sp>
+        </mc:Fallback>
+      </mc:AlternateContent>
+      <p:cxnSp>
+        <p:nvCxnSpPr>
+          <p:cNvPr id="3" name="直接箭头连接符 2">
+            <a:extLst>
+              <a:ext uri="{FF2B5EF4-FFF2-40B4-BE49-F238E27FC236}">
+                <a16:creationId xmlns:a16="http://schemas.microsoft.com/office/drawing/2014/main" id="{7497C379-B116-483D-AFBD-7E04DF33B36C}"/>
+              </a:ext>
+            </a:extLst>
+          </p:cNvPr>
+          <p:cNvCxnSpPr>
+            <a:cxnSpLocks/>
+          </p:cNvCxnSpPr>
+          <p:nvPr/>
+        </p:nvCxnSpPr>
+        <p:spPr>
+          <a:xfrm flipH="1" flipV="1">
+            <a:off x="4360244" y="2952163"/>
+            <a:ext cx="1328285" cy="338099"/>
+          </a:xfrm>
+          <a:prstGeom prst="straightConnector1">
+            <a:avLst/>
+          </a:prstGeom>
+          <a:ln>
+            <a:tailEnd type="triangle"/>
+          </a:ln>
+        </p:spPr>
+        <p:style>
+          <a:lnRef idx="1">
+            <a:schemeClr val="accent6"/>
+          </a:lnRef>
+          <a:fillRef idx="0">
+            <a:schemeClr val="accent6"/>
+          </a:fillRef>
+          <a:effectRef idx="0">
+            <a:schemeClr val="accent6"/>
+          </a:effectRef>
+          <a:fontRef idx="minor">
+            <a:schemeClr val="tx1"/>
+          </a:fontRef>
+        </p:style>
+      </p:cxnSp>
+      <p:sp>
+        <p:nvSpPr>
+          <p:cNvPr id="24" name="矩形 23">
+            <a:extLst>
+              <a:ext uri="{FF2B5EF4-FFF2-40B4-BE49-F238E27FC236}">
+                <a16:creationId xmlns:a16="http://schemas.microsoft.com/office/drawing/2014/main" id="{E3EA81C1-DCA1-407D-B720-EEFCE8296B46}"/>
+              </a:ext>
+            </a:extLst>
+          </p:cNvPr>
+          <p:cNvSpPr/>
+          <p:nvPr/>
+        </p:nvSpPr>
+        <p:spPr>
+          <a:xfrm>
+            <a:off x="883611" y="8258018"/>
+            <a:ext cx="2954655" cy="461665"/>
+          </a:xfrm>
+          <a:prstGeom prst="rect">
+            <a:avLst/>
+          </a:prstGeom>
+        </p:spPr>
+        <p:txBody>
+          <a:bodyPr wrap="none">
+            <a:spAutoFit/>
+          </a:bodyPr>
+          <a:lstStyle/>
+          <a:p>
+            <a:r>
+              <a:rPr lang="zh-CN" altLang="en-US" sz="2400">
+                <a:solidFill>
+                  <a:prstClr val="black"/>
+                </a:solidFill>
+                <a:latin typeface="微软雅黑" panose="020B0503020204020204" pitchFamily="34" charset="-122"/>
+                <a:ea typeface="微软雅黑" panose="020B0503020204020204" pitchFamily="34" charset="-122"/>
+              </a:rPr>
+              <a:t>类似于极大似然估计</a:t>
+            </a:r>
+            <a:endParaRPr lang="zh-CN" altLang="en-US" dirty="0"/>
+          </a:p>
+        </p:txBody>
+      </p:sp>
     </p:spTree>
     <p:extLst>
       <p:ext uri="{BB962C8B-B14F-4D97-AF65-F5344CB8AC3E}">
-        <p14:creationId xmlns:p14="http://schemas.microsoft.com/office/powerpoint/2010/main" val="2195791279"/>
+        <p14:creationId xmlns:p14="http://schemas.microsoft.com/office/powerpoint/2010/main" val="2606842393"/>
       </p:ext>
     </p:extLst>
   </p:cSld>
@@ -21393,8 +17403,8 @@
           </a:p>
         </p:txBody>
       </p:sp>
-      <mc:AlternateContent xmlns:mc="http://schemas.openxmlformats.org/markup-compatibility/2006">
-        <mc:Choice xmlns:a14="http://schemas.microsoft.com/office/drawing/2010/main" Requires="a14">
+      <mc:AlternateContent xmlns:mc="http://schemas.openxmlformats.org/markup-compatibility/2006" xmlns:a14="http://schemas.microsoft.com/office/drawing/2010/main">
+        <mc:Choice Requires="a14">
           <p:sp>
             <p:nvSpPr>
               <p:cNvPr id="12" name="矩形 11">
@@ -21706,7 +17716,7 @@
             </p:txBody>
           </p:sp>
         </mc:Choice>
-        <mc:Fallback>
+        <mc:Fallback xmlns="">
           <p:sp>
             <p:nvSpPr>
               <p:cNvPr id="12" name="矩形 11">
@@ -21751,8 +17761,8 @@
           </p:sp>
         </mc:Fallback>
       </mc:AlternateContent>
-      <mc:AlternateContent xmlns:mc="http://schemas.openxmlformats.org/markup-compatibility/2006">
-        <mc:Choice xmlns:a14="http://schemas.microsoft.com/office/drawing/2010/main" Requires="a14">
+      <mc:AlternateContent xmlns:mc="http://schemas.openxmlformats.org/markup-compatibility/2006" xmlns:a14="http://schemas.microsoft.com/office/drawing/2010/main">
+        <mc:Choice Requires="a14">
           <p:sp>
             <p:nvSpPr>
               <p:cNvPr id="14" name="矩形 13">
@@ -21956,7 +17966,7 @@
             </p:txBody>
           </p:sp>
         </mc:Choice>
-        <mc:Fallback>
+        <mc:Fallback xmlns="">
           <p:sp>
             <p:nvSpPr>
               <p:cNvPr id="14" name="矩形 13">
@@ -22001,8 +18011,8 @@
           </p:sp>
         </mc:Fallback>
       </mc:AlternateContent>
-      <mc:AlternateContent xmlns:mc="http://schemas.openxmlformats.org/markup-compatibility/2006">
-        <mc:Choice xmlns:a14="http://schemas.microsoft.com/office/drawing/2010/main" Requires="a14">
+      <mc:AlternateContent xmlns:mc="http://schemas.openxmlformats.org/markup-compatibility/2006" xmlns:a14="http://schemas.microsoft.com/office/drawing/2010/main">
+        <mc:Choice Requires="a14">
           <p:sp>
             <p:nvSpPr>
               <p:cNvPr id="10" name="矩形 9">
@@ -22144,7 +18154,7 @@
             </p:txBody>
           </p:sp>
         </mc:Choice>
-        <mc:Fallback>
+        <mc:Fallback xmlns="">
           <p:sp>
             <p:nvSpPr>
               <p:cNvPr id="10" name="矩形 9">

--- a/GE.pptx
+++ b/GE.pptx
@@ -5,7 +5,7 @@
     <p:sldMasterId id="2147483684" r:id="rId1"/>
   </p:sldMasterIdLst>
   <p:notesMasterIdLst>
-    <p:notesMasterId r:id="rId21"/>
+    <p:notesMasterId r:id="rId12"/>
   </p:notesMasterIdLst>
   <p:sldIdLst>
     <p:sldId id="268" r:id="rId2"/>
@@ -14,19 +14,10 @@
     <p:sldId id="281" r:id="rId5"/>
     <p:sldId id="283" r:id="rId6"/>
     <p:sldId id="280" r:id="rId7"/>
-    <p:sldId id="278" r:id="rId8"/>
-    <p:sldId id="277" r:id="rId9"/>
+    <p:sldId id="277" r:id="rId8"/>
+    <p:sldId id="278" r:id="rId9"/>
     <p:sldId id="270" r:id="rId10"/>
     <p:sldId id="266" r:id="rId11"/>
-    <p:sldId id="273" r:id="rId12"/>
-    <p:sldId id="271" r:id="rId13"/>
-    <p:sldId id="274" r:id="rId14"/>
-    <p:sldId id="261" r:id="rId15"/>
-    <p:sldId id="262" r:id="rId16"/>
-    <p:sldId id="263" r:id="rId17"/>
-    <p:sldId id="264" r:id="rId18"/>
-    <p:sldId id="265" r:id="rId19"/>
-    <p:sldId id="272" r:id="rId20"/>
   </p:sldIdLst>
   <p:sldSz cx="12192000" cy="9144000"/>
   <p:notesSz cx="6858000" cy="9144000"/>
@@ -215,7 +206,7 @@
           <a:p>
             <a:fld id="{62B517B9-F9DA-4CE7-8A0F-16C8C2F77E8F}" type="datetimeFigureOut">
               <a:rPr lang="zh-CN" altLang="en-US" smtClean="0"/>
-              <a:t>2021/11/18</a:t>
+              <a:t>2021/11/19</a:t>
             </a:fld>
             <a:endParaRPr lang="zh-CN" altLang="en-US"/>
           </a:p>
@@ -526,14 +517,7 @@
           <a:bodyPr/>
           <a:lstStyle/>
           <a:p>
-            <a:r>
-              <a:rPr lang="en-US" altLang="zh-CN" dirty="0"/>
-              <a:t>Encoder</a:t>
-            </a:r>
-            <a:r>
-              <a:rPr lang="zh-CN" altLang="en-US" dirty="0"/>
-              <a:t>就是学习一个矩阵，每行是结点的向量表示</a:t>
-            </a:r>
+            <a:endParaRPr lang="zh-CN" altLang="en-US" dirty="0"/>
           </a:p>
         </p:txBody>
       </p:sp>
@@ -564,178 +548,6 @@
     <p:extLst>
       <p:ext uri="{BB962C8B-B14F-4D97-AF65-F5344CB8AC3E}">
         <p14:creationId xmlns:p14="http://schemas.microsoft.com/office/powerpoint/2010/main" val="46369062"/>
-      </p:ext>
-    </p:extLst>
-  </p:cSld>
-  <p:clrMapOvr>
-    <a:masterClrMapping/>
-  </p:clrMapOvr>
-</p:notes>
-</file>
-
-<file path=ppt/notesSlides/notesSlide10.xml><?xml version="1.0" encoding="utf-8"?>
-<p:notes xmlns:a="http://schemas.openxmlformats.org/drawingml/2006/main" xmlns:r="http://schemas.openxmlformats.org/officeDocument/2006/relationships" xmlns:p="http://schemas.openxmlformats.org/presentationml/2006/main">
-  <p:cSld>
-    <p:spTree>
-      <p:nvGrpSpPr>
-        <p:cNvPr id="1" name=""/>
-        <p:cNvGrpSpPr/>
-        <p:nvPr/>
-      </p:nvGrpSpPr>
-      <p:grpSpPr>
-        <a:xfrm>
-          <a:off x="0" y="0"/>
-          <a:ext cx="0" cy="0"/>
-          <a:chOff x="0" y="0"/>
-          <a:chExt cx="0" cy="0"/>
-        </a:xfrm>
-      </p:grpSpPr>
-      <p:sp>
-        <p:nvSpPr>
-          <p:cNvPr id="2" name="幻灯片图像占位符 1"/>
-          <p:cNvSpPr>
-            <a:spLocks noGrp="1" noRot="1" noChangeAspect="1"/>
-          </p:cNvSpPr>
-          <p:nvPr>
-            <p:ph type="sldImg"/>
-          </p:nvPr>
-        </p:nvSpPr>
-        <p:spPr/>
-      </p:sp>
-      <p:sp>
-        <p:nvSpPr>
-          <p:cNvPr id="3" name="备注占位符 2"/>
-          <p:cNvSpPr>
-            <a:spLocks noGrp="1"/>
-          </p:cNvSpPr>
-          <p:nvPr>
-            <p:ph type="body" idx="1"/>
-          </p:nvPr>
-        </p:nvSpPr>
-        <p:spPr/>
-        <p:txBody>
-          <a:bodyPr/>
-          <a:lstStyle/>
-          <a:p>
-            <a:r>
-              <a:rPr lang="zh-CN" altLang="en-US" dirty="0"/>
-              <a:t>删除</a:t>
-            </a:r>
-            <a:r>
-              <a:rPr lang="en-US" altLang="zh-CN" dirty="0"/>
-              <a:t>50%</a:t>
-            </a:r>
-            <a:r>
-              <a:rPr lang="zh-CN" altLang="en-US" dirty="0"/>
-              <a:t>的边保持连通性，因为</a:t>
-            </a:r>
-            <a:r>
-              <a:rPr lang="en-US" altLang="zh-CN" dirty="0"/>
-              <a:t>random walk</a:t>
-            </a:r>
-            <a:r>
-              <a:rPr lang="zh-CN" altLang="en-US" dirty="0"/>
-              <a:t>天然基于连通性来采样。</a:t>
-            </a:r>
-            <a:endParaRPr lang="en-US" altLang="zh-CN" dirty="0"/>
-          </a:p>
-          <a:p>
-            <a:r>
-              <a:rPr lang="zh-CN" altLang="en-US" dirty="0"/>
-              <a:t>正样本就是移除的那些边，剩下的边用来</a:t>
-            </a:r>
-            <a:r>
-              <a:rPr lang="en-US" altLang="zh-CN" dirty="0"/>
-              <a:t>node2vec</a:t>
-            </a:r>
-            <a:r>
-              <a:rPr lang="zh-CN" altLang="en-US" dirty="0"/>
-              <a:t>训练得到嵌入。</a:t>
-            </a:r>
-            <a:endParaRPr lang="en-US" altLang="zh-CN" dirty="0"/>
-          </a:p>
-          <a:p>
-            <a:r>
-              <a:rPr lang="zh-CN" altLang="en-US" dirty="0"/>
-              <a:t>负样本就是在原网络中没有边的那些</a:t>
-            </a:r>
-            <a:r>
-              <a:rPr lang="en-US" altLang="zh-CN" dirty="0"/>
-              <a:t>node pair</a:t>
-            </a:r>
-            <a:r>
-              <a:rPr lang="zh-CN" altLang="en-US" dirty="0"/>
-              <a:t>。</a:t>
-            </a:r>
-            <a:endParaRPr lang="en-US" altLang="zh-CN" dirty="0"/>
-          </a:p>
-          <a:p>
-            <a:r>
-              <a:rPr lang="zh-CN" altLang="en-US" dirty="0"/>
-              <a:t>正负样本个数相等，然后用来做</a:t>
-            </a:r>
-            <a:r>
-              <a:rPr lang="en-US" altLang="zh-CN" dirty="0"/>
-              <a:t>link prediction</a:t>
-            </a:r>
-            <a:r>
-              <a:rPr lang="zh-CN" altLang="en-US" dirty="0"/>
-              <a:t>。</a:t>
-            </a:r>
-            <a:endParaRPr lang="en-US" altLang="zh-CN" dirty="0"/>
-          </a:p>
-          <a:p>
-            <a:r>
-              <a:rPr lang="zh-CN" altLang="en-US" dirty="0"/>
-              <a:t>选好的节点对利用</a:t>
-            </a:r>
-            <a:r>
-              <a:rPr lang="en-US" altLang="zh-CN" dirty="0"/>
-              <a:t>operator</a:t>
-            </a:r>
-            <a:r>
-              <a:rPr lang="zh-CN" altLang="en-US" dirty="0"/>
-              <a:t>生成边的</a:t>
-            </a:r>
-            <a:r>
-              <a:rPr lang="en-US" altLang="zh-CN" dirty="0"/>
-              <a:t>features</a:t>
-            </a:r>
-            <a:r>
-              <a:rPr lang="zh-CN" altLang="en-US" dirty="0"/>
-              <a:t>。</a:t>
-            </a:r>
-            <a:endParaRPr lang="en-US" altLang="zh-CN" dirty="0"/>
-          </a:p>
-        </p:txBody>
-      </p:sp>
-      <p:sp>
-        <p:nvSpPr>
-          <p:cNvPr id="4" name="灯片编号占位符 3"/>
-          <p:cNvSpPr>
-            <a:spLocks noGrp="1"/>
-          </p:cNvSpPr>
-          <p:nvPr>
-            <p:ph type="sldNum" sz="quarter" idx="5"/>
-          </p:nvPr>
-        </p:nvSpPr>
-        <p:spPr/>
-        <p:txBody>
-          <a:bodyPr/>
-          <a:lstStyle/>
-          <a:p>
-            <a:fld id="{F0BEF969-9955-4A7A-886D-0A6DC0CB3B66}" type="slidenum">
-              <a:rPr lang="zh-CN" altLang="en-US" smtClean="0"/>
-              <a:t>18</a:t>
-            </a:fld>
-            <a:endParaRPr lang="zh-CN" altLang="en-US"/>
-          </a:p>
-        </p:txBody>
-      </p:sp>
-    </p:spTree>
-    <p:extLst>
-      <p:ext uri="{BB962C8B-B14F-4D97-AF65-F5344CB8AC3E}">
-        <p14:creationId xmlns:p14="http://schemas.microsoft.com/office/powerpoint/2010/main" val="868391438"/>
       </p:ext>
     </p:extLst>
   </p:cSld>
@@ -789,14 +601,7 @@
           <a:bodyPr/>
           <a:lstStyle/>
           <a:p>
-            <a:r>
-              <a:rPr lang="en-US" altLang="zh-CN" dirty="0"/>
-              <a:t>Encoder</a:t>
-            </a:r>
-            <a:r>
-              <a:rPr lang="zh-CN" altLang="en-US" dirty="0"/>
-              <a:t>就是学习一个矩阵，每行是结点的向量表示</a:t>
-            </a:r>
+            <a:endParaRPr lang="zh-CN" altLang="en-US" dirty="0"/>
           </a:p>
         </p:txBody>
       </p:sp>
@@ -880,14 +685,7 @@
           <a:bodyPr/>
           <a:lstStyle/>
           <a:p>
-            <a:r>
-              <a:rPr lang="en-US" altLang="zh-CN" dirty="0"/>
-              <a:t>Encoder</a:t>
-            </a:r>
-            <a:r>
-              <a:rPr lang="zh-CN" altLang="en-US" dirty="0"/>
-              <a:t>就是学习一个矩阵，每行是结点的向量表示</a:t>
-            </a:r>
+            <a:endParaRPr lang="zh-CN" altLang="en-US" dirty="0"/>
           </a:p>
         </p:txBody>
       </p:sp>
@@ -971,14 +769,7 @@
           <a:bodyPr/>
           <a:lstStyle/>
           <a:p>
-            <a:r>
-              <a:rPr lang="en-US" altLang="zh-CN" dirty="0"/>
-              <a:t>Encoder</a:t>
-            </a:r>
-            <a:r>
-              <a:rPr lang="zh-CN" altLang="en-US" dirty="0"/>
-              <a:t>就是学习一个矩阵，每行是结点的向量表示</a:t>
-            </a:r>
+            <a:endParaRPr lang="zh-CN" altLang="en-US" dirty="0"/>
           </a:p>
         </p:txBody>
       </p:sp>
@@ -1064,11 +855,35 @@
           <a:p>
             <a:r>
               <a:rPr lang="en-US" altLang="zh-CN" dirty="0"/>
-              <a:t>Encoder</a:t>
+              <a:t>P(</a:t>
+            </a:r>
+            <a:r>
+              <a:rPr lang="en-US" altLang="zh-CN" dirty="0" err="1"/>
+              <a:t>v|u</a:t>
+            </a:r>
+            <a:r>
+              <a:rPr lang="en-US" altLang="zh-CN" dirty="0"/>
+              <a:t>)</a:t>
             </a:r>
             <a:r>
               <a:rPr lang="zh-CN" altLang="en-US" dirty="0"/>
-              <a:t>就是学习一个矩阵，每行是结点的向量表示</a:t>
+              <a:t>是真实分布，</a:t>
+            </a:r>
+            <a:r>
+              <a:rPr lang="en-US" altLang="zh-CN" dirty="0"/>
+              <a:t>DEC(</a:t>
+            </a:r>
+            <a:r>
+              <a:rPr lang="en-US" altLang="zh-CN" dirty="0" err="1"/>
+              <a:t>zu,zv</a:t>
+            </a:r>
+            <a:r>
+              <a:rPr lang="en-US" altLang="zh-CN" dirty="0"/>
+              <a:t>)</a:t>
+            </a:r>
+            <a:r>
+              <a:rPr lang="zh-CN" altLang="en-US" dirty="0"/>
+              <a:t>是估计分布，都是离散分布</a:t>
             </a:r>
           </a:p>
         </p:txBody>
@@ -1193,295 +1008,6 @@
 </p:notes>
 </file>
 
-<file path=ppt/notesSlides/notesSlide7.xml><?xml version="1.0" encoding="utf-8"?>
-<p:notes xmlns:a="http://schemas.openxmlformats.org/drawingml/2006/main" xmlns:r="http://schemas.openxmlformats.org/officeDocument/2006/relationships" xmlns:p="http://schemas.openxmlformats.org/presentationml/2006/main">
-  <p:cSld>
-    <p:spTree>
-      <p:nvGrpSpPr>
-        <p:cNvPr id="1" name=""/>
-        <p:cNvGrpSpPr/>
-        <p:nvPr/>
-      </p:nvGrpSpPr>
-      <p:grpSpPr>
-        <a:xfrm>
-          <a:off x="0" y="0"/>
-          <a:ext cx="0" cy="0"/>
-          <a:chOff x="0" y="0"/>
-          <a:chExt cx="0" cy="0"/>
-        </a:xfrm>
-      </p:grpSpPr>
-      <p:sp>
-        <p:nvSpPr>
-          <p:cNvPr id="2" name="幻灯片图像占位符 1"/>
-          <p:cNvSpPr>
-            <a:spLocks noGrp="1" noRot="1" noChangeAspect="1"/>
-          </p:cNvSpPr>
-          <p:nvPr>
-            <p:ph type="sldImg"/>
-          </p:nvPr>
-        </p:nvSpPr>
-        <p:spPr/>
-      </p:sp>
-      <p:sp>
-        <p:nvSpPr>
-          <p:cNvPr id="3" name="备注占位符 2"/>
-          <p:cNvSpPr>
-            <a:spLocks noGrp="1"/>
-          </p:cNvSpPr>
-          <p:nvPr>
-            <p:ph type="body" idx="1"/>
-          </p:nvPr>
-        </p:nvSpPr>
-        <p:spPr/>
-        <p:txBody>
-          <a:bodyPr/>
-          <a:lstStyle/>
-          <a:p>
-            <a:r>
-              <a:rPr lang="zh-CN" altLang="en-US" dirty="0"/>
-              <a:t>蓝色可能是一些桥梁结点作为</a:t>
-            </a:r>
-            <a:r>
-              <a:rPr lang="en-US" altLang="zh-CN" dirty="0"/>
-              <a:t>novel</a:t>
-            </a:r>
-            <a:r>
-              <a:rPr lang="zh-CN" altLang="en-US" dirty="0"/>
-              <a:t>中的不同</a:t>
-            </a:r>
-            <a:r>
-              <a:rPr lang="en-US" altLang="zh-CN" dirty="0"/>
-              <a:t>sub-plot</a:t>
-            </a:r>
-          </a:p>
-          <a:p>
-            <a:r>
-              <a:rPr lang="zh-CN" altLang="en-US" dirty="0"/>
-              <a:t>黄色代表很小有联系的结点</a:t>
-            </a:r>
-          </a:p>
-        </p:txBody>
-      </p:sp>
-      <p:sp>
-        <p:nvSpPr>
-          <p:cNvPr id="4" name="灯片编号占位符 3"/>
-          <p:cNvSpPr>
-            <a:spLocks noGrp="1"/>
-          </p:cNvSpPr>
-          <p:nvPr>
-            <p:ph type="sldNum" sz="quarter" idx="5"/>
-          </p:nvPr>
-        </p:nvSpPr>
-        <p:spPr/>
-        <p:txBody>
-          <a:bodyPr/>
-          <a:lstStyle/>
-          <a:p>
-            <a:fld id="{F0BEF969-9955-4A7A-886D-0A6DC0CB3B66}" type="slidenum">
-              <a:rPr lang="zh-CN" altLang="en-US" smtClean="0"/>
-              <a:t>14</a:t>
-            </a:fld>
-            <a:endParaRPr lang="zh-CN" altLang="en-US"/>
-          </a:p>
-        </p:txBody>
-      </p:sp>
-    </p:spTree>
-    <p:extLst>
-      <p:ext uri="{BB962C8B-B14F-4D97-AF65-F5344CB8AC3E}">
-        <p14:creationId xmlns:p14="http://schemas.microsoft.com/office/powerpoint/2010/main" val="533303251"/>
-      </p:ext>
-    </p:extLst>
-  </p:cSld>
-  <p:clrMapOvr>
-    <a:masterClrMapping/>
-  </p:clrMapOvr>
-</p:notes>
-</file>
-
-<file path=ppt/notesSlides/notesSlide8.xml><?xml version="1.0" encoding="utf-8"?>
-<p:notes xmlns:a="http://schemas.openxmlformats.org/drawingml/2006/main" xmlns:r="http://schemas.openxmlformats.org/officeDocument/2006/relationships" xmlns:p="http://schemas.openxmlformats.org/presentationml/2006/main">
-  <p:cSld>
-    <p:spTree>
-      <p:nvGrpSpPr>
-        <p:cNvPr id="1" name=""/>
-        <p:cNvGrpSpPr/>
-        <p:nvPr/>
-      </p:nvGrpSpPr>
-      <p:grpSpPr>
-        <a:xfrm>
-          <a:off x="0" y="0"/>
-          <a:ext cx="0" cy="0"/>
-          <a:chOff x="0" y="0"/>
-          <a:chExt cx="0" cy="0"/>
-        </a:xfrm>
-      </p:grpSpPr>
-      <p:sp>
-        <p:nvSpPr>
-          <p:cNvPr id="2" name="幻灯片图像占位符 1"/>
-          <p:cNvSpPr>
-            <a:spLocks noGrp="1" noRot="1" noChangeAspect="1"/>
-          </p:cNvSpPr>
-          <p:nvPr>
-            <p:ph type="sldImg"/>
-          </p:nvPr>
-        </p:nvSpPr>
-        <p:spPr/>
-      </p:sp>
-      <p:sp>
-        <p:nvSpPr>
-          <p:cNvPr id="3" name="备注占位符 2"/>
-          <p:cNvSpPr>
-            <a:spLocks noGrp="1"/>
-          </p:cNvSpPr>
-          <p:nvPr>
-            <p:ph type="body" idx="1"/>
-          </p:nvPr>
-        </p:nvSpPr>
-        <p:spPr/>
-        <p:txBody>
-          <a:bodyPr/>
-          <a:lstStyle/>
-          <a:p>
-            <a:r>
-              <a:rPr lang="zh-CN" altLang="en-US" dirty="0"/>
-              <a:t>分类器是</a:t>
-            </a:r>
-            <a:r>
-              <a:rPr lang="en-US" altLang="zh-CN" dirty="0"/>
-              <a:t>one-vs-rest</a:t>
-            </a:r>
-            <a:r>
-              <a:rPr lang="zh-CN" altLang="en-US" dirty="0"/>
-              <a:t> </a:t>
-            </a:r>
-            <a:r>
-              <a:rPr lang="en-US" altLang="zh-CN" dirty="0"/>
-              <a:t>logistic regression with L2 regularization.</a:t>
-            </a:r>
-            <a:endParaRPr lang="zh-CN" altLang="en-US" dirty="0"/>
-          </a:p>
-        </p:txBody>
-      </p:sp>
-      <p:sp>
-        <p:nvSpPr>
-          <p:cNvPr id="4" name="灯片编号占位符 3"/>
-          <p:cNvSpPr>
-            <a:spLocks noGrp="1"/>
-          </p:cNvSpPr>
-          <p:nvPr>
-            <p:ph type="sldNum" sz="quarter" idx="5"/>
-          </p:nvPr>
-        </p:nvSpPr>
-        <p:spPr/>
-        <p:txBody>
-          <a:bodyPr/>
-          <a:lstStyle/>
-          <a:p>
-            <a:fld id="{F0BEF969-9955-4A7A-886D-0A6DC0CB3B66}" type="slidenum">
-              <a:rPr lang="zh-CN" altLang="en-US" smtClean="0"/>
-              <a:t>15</a:t>
-            </a:fld>
-            <a:endParaRPr lang="zh-CN" altLang="en-US"/>
-          </a:p>
-        </p:txBody>
-      </p:sp>
-    </p:spTree>
-    <p:extLst>
-      <p:ext uri="{BB962C8B-B14F-4D97-AF65-F5344CB8AC3E}">
-        <p14:creationId xmlns:p14="http://schemas.microsoft.com/office/powerpoint/2010/main" val="3893403186"/>
-      </p:ext>
-    </p:extLst>
-  </p:cSld>
-  <p:clrMapOvr>
-    <a:masterClrMapping/>
-  </p:clrMapOvr>
-</p:notes>
-</file>
-
-<file path=ppt/notesSlides/notesSlide9.xml><?xml version="1.0" encoding="utf-8"?>
-<p:notes xmlns:a="http://schemas.openxmlformats.org/drawingml/2006/main" xmlns:r="http://schemas.openxmlformats.org/officeDocument/2006/relationships" xmlns:p="http://schemas.openxmlformats.org/presentationml/2006/main">
-  <p:cSld>
-    <p:spTree>
-      <p:nvGrpSpPr>
-        <p:cNvPr id="1" name=""/>
-        <p:cNvGrpSpPr/>
-        <p:nvPr/>
-      </p:nvGrpSpPr>
-      <p:grpSpPr>
-        <a:xfrm>
-          <a:off x="0" y="0"/>
-          <a:ext cx="0" cy="0"/>
-          <a:chOff x="0" y="0"/>
-          <a:chExt cx="0" cy="0"/>
-        </a:xfrm>
-      </p:grpSpPr>
-      <p:sp>
-        <p:nvSpPr>
-          <p:cNvPr id="2" name="幻灯片图像占位符 1"/>
-          <p:cNvSpPr>
-            <a:spLocks noGrp="1" noRot="1" noChangeAspect="1"/>
-          </p:cNvSpPr>
-          <p:nvPr>
-            <p:ph type="sldImg"/>
-          </p:nvPr>
-        </p:nvSpPr>
-        <p:spPr/>
-      </p:sp>
-      <p:sp>
-        <p:nvSpPr>
-          <p:cNvPr id="3" name="备注占位符 2"/>
-          <p:cNvSpPr>
-            <a:spLocks noGrp="1"/>
-          </p:cNvSpPr>
-          <p:nvPr>
-            <p:ph type="body" idx="1"/>
-          </p:nvPr>
-        </p:nvSpPr>
-        <p:spPr/>
-        <p:txBody>
-          <a:bodyPr/>
-          <a:lstStyle/>
-          <a:p>
-            <a:endParaRPr lang="zh-CN" altLang="en-US" dirty="0"/>
-          </a:p>
-        </p:txBody>
-      </p:sp>
-      <p:sp>
-        <p:nvSpPr>
-          <p:cNvPr id="4" name="灯片编号占位符 3"/>
-          <p:cNvSpPr>
-            <a:spLocks noGrp="1"/>
-          </p:cNvSpPr>
-          <p:nvPr>
-            <p:ph type="sldNum" sz="quarter" idx="5"/>
-          </p:nvPr>
-        </p:nvSpPr>
-        <p:spPr/>
-        <p:txBody>
-          <a:bodyPr/>
-          <a:lstStyle/>
-          <a:p>
-            <a:fld id="{F0BEF969-9955-4A7A-886D-0A6DC0CB3B66}" type="slidenum">
-              <a:rPr lang="zh-CN" altLang="en-US" smtClean="0"/>
-              <a:t>16</a:t>
-            </a:fld>
-            <a:endParaRPr lang="zh-CN" altLang="en-US"/>
-          </a:p>
-        </p:txBody>
-      </p:sp>
-    </p:spTree>
-    <p:extLst>
-      <p:ext uri="{BB962C8B-B14F-4D97-AF65-F5344CB8AC3E}">
-        <p14:creationId xmlns:p14="http://schemas.microsoft.com/office/powerpoint/2010/main" val="684216524"/>
-      </p:ext>
-    </p:extLst>
-  </p:cSld>
-  <p:clrMapOvr>
-    <a:masterClrMapping/>
-  </p:clrMapOvr>
-</p:notes>
-</file>
-
 <file path=ppt/slideLayouts/slideLayout1.xml><?xml version="1.0" encoding="utf-8"?>
 <p:sldLayout xmlns:a="http://schemas.openxmlformats.org/drawingml/2006/main" xmlns:r="http://schemas.openxmlformats.org/officeDocument/2006/relationships" xmlns:p="http://schemas.openxmlformats.org/presentationml/2006/main" type="title" preserve="1">
   <p:cSld name="标题幻灯片">
@@ -1613,7 +1139,7 @@
           <a:p>
             <a:fld id="{7AC5E4EC-F5B6-4692-B35B-92C4C1A65EF4}" type="datetimeFigureOut">
               <a:rPr lang="zh-CN" altLang="en-US" smtClean="0"/>
-              <a:t>2021/11/18</a:t>
+              <a:t>2021/11/19</a:t>
             </a:fld>
             <a:endParaRPr lang="zh-CN" altLang="en-US"/>
           </a:p>
@@ -1783,7 +1309,7 @@
           <a:p>
             <a:fld id="{7AC5E4EC-F5B6-4692-B35B-92C4C1A65EF4}" type="datetimeFigureOut">
               <a:rPr lang="zh-CN" altLang="en-US" smtClean="0"/>
-              <a:t>2021/11/18</a:t>
+              <a:t>2021/11/19</a:t>
             </a:fld>
             <a:endParaRPr lang="zh-CN" altLang="en-US"/>
           </a:p>
@@ -1963,7 +1489,7 @@
           <a:p>
             <a:fld id="{7AC5E4EC-F5B6-4692-B35B-92C4C1A65EF4}" type="datetimeFigureOut">
               <a:rPr lang="zh-CN" altLang="en-US" smtClean="0"/>
-              <a:t>2021/11/18</a:t>
+              <a:t>2021/11/19</a:t>
             </a:fld>
             <a:endParaRPr lang="zh-CN" altLang="en-US"/>
           </a:p>
@@ -2133,7 +1659,7 @@
           <a:p>
             <a:fld id="{7AC5E4EC-F5B6-4692-B35B-92C4C1A65EF4}" type="datetimeFigureOut">
               <a:rPr lang="zh-CN" altLang="en-US" smtClean="0"/>
-              <a:t>2021/11/18</a:t>
+              <a:t>2021/11/19</a:t>
             </a:fld>
             <a:endParaRPr lang="zh-CN" altLang="en-US"/>
           </a:p>
@@ -2377,7 +1903,7 @@
           <a:p>
             <a:fld id="{7AC5E4EC-F5B6-4692-B35B-92C4C1A65EF4}" type="datetimeFigureOut">
               <a:rPr lang="zh-CN" altLang="en-US" smtClean="0"/>
-              <a:t>2021/11/18</a:t>
+              <a:t>2021/11/19</a:t>
             </a:fld>
             <a:endParaRPr lang="zh-CN" altLang="en-US"/>
           </a:p>
@@ -2609,7 +2135,7 @@
           <a:p>
             <a:fld id="{7AC5E4EC-F5B6-4692-B35B-92C4C1A65EF4}" type="datetimeFigureOut">
               <a:rPr lang="zh-CN" altLang="en-US" smtClean="0"/>
-              <a:t>2021/11/18</a:t>
+              <a:t>2021/11/19</a:t>
             </a:fld>
             <a:endParaRPr lang="zh-CN" altLang="en-US"/>
           </a:p>
@@ -2976,7 +2502,7 @@
           <a:p>
             <a:fld id="{7AC5E4EC-F5B6-4692-B35B-92C4C1A65EF4}" type="datetimeFigureOut">
               <a:rPr lang="zh-CN" altLang="en-US" smtClean="0"/>
-              <a:t>2021/11/18</a:t>
+              <a:t>2021/11/19</a:t>
             </a:fld>
             <a:endParaRPr lang="zh-CN" altLang="en-US"/>
           </a:p>
@@ -3094,7 +2620,7 @@
           <a:p>
             <a:fld id="{7AC5E4EC-F5B6-4692-B35B-92C4C1A65EF4}" type="datetimeFigureOut">
               <a:rPr lang="zh-CN" altLang="en-US" smtClean="0"/>
-              <a:t>2021/11/18</a:t>
+              <a:t>2021/11/19</a:t>
             </a:fld>
             <a:endParaRPr lang="zh-CN" altLang="en-US"/>
           </a:p>
@@ -3189,7 +2715,7 @@
           <a:p>
             <a:fld id="{7AC5E4EC-F5B6-4692-B35B-92C4C1A65EF4}" type="datetimeFigureOut">
               <a:rPr lang="zh-CN" altLang="en-US" smtClean="0"/>
-              <a:t>2021/11/18</a:t>
+              <a:t>2021/11/19</a:t>
             </a:fld>
             <a:endParaRPr lang="zh-CN" altLang="en-US"/>
           </a:p>
@@ -3466,7 +2992,7 @@
           <a:p>
             <a:fld id="{7AC5E4EC-F5B6-4692-B35B-92C4C1A65EF4}" type="datetimeFigureOut">
               <a:rPr lang="zh-CN" altLang="en-US" smtClean="0"/>
-              <a:t>2021/11/18</a:t>
+              <a:t>2021/11/19</a:t>
             </a:fld>
             <a:endParaRPr lang="zh-CN" altLang="en-US"/>
           </a:p>
@@ -3723,7 +3249,7 @@
           <a:p>
             <a:fld id="{7AC5E4EC-F5B6-4692-B35B-92C4C1A65EF4}" type="datetimeFigureOut">
               <a:rPr lang="zh-CN" altLang="en-US" smtClean="0"/>
-              <a:t>2021/11/18</a:t>
+              <a:t>2021/11/19</a:t>
             </a:fld>
             <a:endParaRPr lang="zh-CN" altLang="en-US"/>
           </a:p>
@@ -3936,7 +3462,7 @@
           <a:p>
             <a:fld id="{7AC5E4EC-F5B6-4692-B35B-92C4C1A65EF4}" type="datetimeFigureOut">
               <a:rPr lang="zh-CN" altLang="en-US" smtClean="0"/>
-              <a:t>2021/11/18</a:t>
+              <a:t>2021/11/19</a:t>
             </a:fld>
             <a:endParaRPr lang="zh-CN" altLang="en-US"/>
           </a:p>
@@ -6204,4382 +5730,6 @@
 </p:sld>
 </file>
 
-<file path=ppt/slides/slide11.xml><?xml version="1.0" encoding="utf-8"?>
-<p:sld xmlns:a="http://schemas.openxmlformats.org/drawingml/2006/main" xmlns:r="http://schemas.openxmlformats.org/officeDocument/2006/relationships" xmlns:p="http://schemas.openxmlformats.org/presentationml/2006/main">
-  <p:cSld>
-    <p:spTree>
-      <p:nvGrpSpPr>
-        <p:cNvPr id="1" name=""/>
-        <p:cNvGrpSpPr/>
-        <p:nvPr/>
-      </p:nvGrpSpPr>
-      <p:grpSpPr>
-        <a:xfrm>
-          <a:off x="0" y="0"/>
-          <a:ext cx="0" cy="0"/>
-          <a:chOff x="0" y="0"/>
-          <a:chExt cx="0" cy="0"/>
-        </a:xfrm>
-      </p:grpSpPr>
-      <p:sp>
-        <p:nvSpPr>
-          <p:cNvPr id="4" name="矩形 3">
-            <a:extLst>
-              <a:ext uri="{FF2B5EF4-FFF2-40B4-BE49-F238E27FC236}">
-                <a16:creationId xmlns:a16="http://schemas.microsoft.com/office/drawing/2014/main" id="{F7F56775-9DF5-4E8B-90D1-8A5DC5B1D139}"/>
-              </a:ext>
-            </a:extLst>
-          </p:cNvPr>
-          <p:cNvSpPr/>
-          <p:nvPr/>
-        </p:nvSpPr>
-        <p:spPr>
-          <a:xfrm>
-            <a:off x="0" y="0"/>
-            <a:ext cx="12192000" cy="1439334"/>
-          </a:xfrm>
-          <a:prstGeom prst="rect">
-            <a:avLst/>
-          </a:prstGeom>
-          <a:solidFill>
-            <a:schemeClr val="tx2"/>
-          </a:solidFill>
-        </p:spPr>
-        <p:style>
-          <a:lnRef idx="2">
-            <a:schemeClr val="accent1">
-              <a:shade val="50000"/>
-            </a:schemeClr>
-          </a:lnRef>
-          <a:fillRef idx="1">
-            <a:schemeClr val="accent1"/>
-          </a:fillRef>
-          <a:effectRef idx="0">
-            <a:schemeClr val="accent1"/>
-          </a:effectRef>
-          <a:fontRef idx="minor">
-            <a:schemeClr val="lt1"/>
-          </a:fontRef>
-        </p:style>
-        <p:txBody>
-          <a:bodyPr rtlCol="0" anchor="ctr"/>
-          <a:lstStyle/>
-          <a:p>
-            <a:pPr algn="ctr"/>
-            <a:endParaRPr lang="zh-CN" altLang="en-US">
-              <a:solidFill>
-                <a:srgbClr val="FF0000"/>
-              </a:solidFill>
-            </a:endParaRPr>
-          </a:p>
-        </p:txBody>
-      </p:sp>
-      <p:sp>
-        <p:nvSpPr>
-          <p:cNvPr id="7" name="矩形 6">
-            <a:extLst>
-              <a:ext uri="{FF2B5EF4-FFF2-40B4-BE49-F238E27FC236}">
-                <a16:creationId xmlns:a16="http://schemas.microsoft.com/office/drawing/2014/main" id="{45935406-9B51-4ACA-A604-DE84FECA04AD}"/>
-              </a:ext>
-            </a:extLst>
-          </p:cNvPr>
-          <p:cNvSpPr/>
-          <p:nvPr/>
-        </p:nvSpPr>
-        <p:spPr>
-          <a:xfrm>
-            <a:off x="106638" y="326480"/>
-            <a:ext cx="8136010" cy="923330"/>
-          </a:xfrm>
-          <a:prstGeom prst="rect">
-            <a:avLst/>
-          </a:prstGeom>
-        </p:spPr>
-        <p:txBody>
-          <a:bodyPr wrap="none">
-            <a:spAutoFit/>
-          </a:bodyPr>
-          <a:lstStyle/>
-          <a:p>
-            <a:r>
-              <a:rPr lang="en-US" altLang="zh-CN" sz="5400" dirty="0">
-                <a:solidFill>
-                  <a:srgbClr val="FCFCFF"/>
-                </a:solidFill>
-                <a:latin typeface="微软雅黑" panose="020B0503020204020204" pitchFamily="34" charset="-122"/>
-                <a:ea typeface="微软雅黑" panose="020B0503020204020204" pitchFamily="34" charset="-122"/>
-                <a:cs typeface="Times New Roman" panose="02020603050405020304" pitchFamily="18" charset="0"/>
-              </a:rPr>
-              <a:t>Classic search strategies</a:t>
-            </a:r>
-            <a:endParaRPr lang="zh-CN" altLang="en-US" sz="5400" dirty="0">
-              <a:solidFill>
-                <a:srgbClr val="FCFCFF"/>
-              </a:solidFill>
-              <a:latin typeface="微软雅黑" panose="020B0503020204020204" pitchFamily="34" charset="-122"/>
-              <a:ea typeface="微软雅黑" panose="020B0503020204020204" pitchFamily="34" charset="-122"/>
-            </a:endParaRPr>
-          </a:p>
-        </p:txBody>
-      </p:sp>
-      <p:pic>
-        <p:nvPicPr>
-          <p:cNvPr id="3" name="图片 2">
-            <a:extLst>
-              <a:ext uri="{FF2B5EF4-FFF2-40B4-BE49-F238E27FC236}">
-                <a16:creationId xmlns:a16="http://schemas.microsoft.com/office/drawing/2014/main" id="{C1DE0CF8-8AB2-459B-886F-DFC78AC37E3D}"/>
-              </a:ext>
-            </a:extLst>
-          </p:cNvPr>
-          <p:cNvPicPr>
-            <a:picLocks noChangeAspect="1"/>
-          </p:cNvPicPr>
-          <p:nvPr/>
-        </p:nvPicPr>
-        <p:blipFill>
-          <a:blip r:embed="rId2"/>
-          <a:stretch>
-            <a:fillRect/>
-          </a:stretch>
-        </p:blipFill>
-        <p:spPr>
-          <a:xfrm>
-            <a:off x="734501" y="4310931"/>
-            <a:ext cx="9572474" cy="4705008"/>
-          </a:xfrm>
-          <a:prstGeom prst="rect">
-            <a:avLst/>
-          </a:prstGeom>
-        </p:spPr>
-      </p:pic>
-      <mc:AlternateContent xmlns:mc="http://schemas.openxmlformats.org/markup-compatibility/2006" xmlns:a14="http://schemas.microsoft.com/office/drawing/2010/main">
-        <mc:Choice Requires="a14">
-          <p:sp>
-            <p:nvSpPr>
-              <p:cNvPr id="8" name="矩形 7">
-                <a:extLst>
-                  <a:ext uri="{FF2B5EF4-FFF2-40B4-BE49-F238E27FC236}">
-                    <a16:creationId xmlns:a16="http://schemas.microsoft.com/office/drawing/2014/main" id="{5B8C1EDC-5897-4B01-B6ED-081D429CA3E5}"/>
-                  </a:ext>
-                </a:extLst>
-              </p:cNvPr>
-              <p:cNvSpPr/>
-              <p:nvPr/>
-            </p:nvSpPr>
-            <p:spPr>
-              <a:xfrm>
-                <a:off x="106638" y="2546397"/>
-                <a:ext cx="9767785" cy="1200329"/>
-              </a:xfrm>
-              <a:prstGeom prst="rect">
-                <a:avLst/>
-              </a:prstGeom>
-            </p:spPr>
-            <p:txBody>
-              <a:bodyPr wrap="square">
-                <a:spAutoFit/>
-              </a:bodyPr>
-              <a:lstStyle/>
-              <a:p>
-                <a:pPr marL="571500" indent="-571500">
-                  <a:buClr>
-                    <a:schemeClr val="accent2"/>
-                  </a:buClr>
-                  <a:buFont typeface="Wingdings" panose="05000000000000000000" pitchFamily="2" charset="2"/>
-                  <a:buChar char="p"/>
-                </a:pPr>
-                <a:r>
-                  <a:rPr lang="en-US" altLang="zh-CN" sz="3600" dirty="0">
-                    <a:cs typeface="Times New Roman" panose="02020603050405020304" pitchFamily="18" charset="0"/>
-                  </a:rPr>
-                  <a:t> Homophily : DFS does, </a:t>
-                </a:r>
-                <a14:m>
-                  <m:oMath xmlns:m="http://schemas.openxmlformats.org/officeDocument/2006/math">
-                    <m:r>
-                      <a:rPr lang="en-US" altLang="zh-CN" sz="3600" i="1" smtClean="0">
-                        <a:solidFill>
-                          <a:srgbClr val="FF0000"/>
-                        </a:solidFill>
-                        <a:latin typeface="Cambria Math" panose="02040503050406030204" pitchFamily="18" charset="0"/>
-                        <a:cs typeface="Times New Roman" panose="02020603050405020304" pitchFamily="18" charset="0"/>
-                      </a:rPr>
-                      <m:t>𝑢</m:t>
-                    </m:r>
-                  </m:oMath>
-                </a14:m>
-                <a:r>
-                  <a:rPr lang="zh-CN" altLang="en-US" sz="3600" dirty="0">
-                    <a:solidFill>
-                      <a:srgbClr val="FF0000"/>
-                    </a:solidFill>
-                  </a:rPr>
-                  <a:t> </a:t>
-                </a:r>
-                <a:r>
-                  <a:rPr lang="en-US" altLang="zh-CN" sz="3600" dirty="0">
-                    <a:solidFill>
-                      <a:srgbClr val="FF0000"/>
-                    </a:solidFill>
-                  </a:rPr>
-                  <a:t>and </a:t>
-                </a:r>
-                <a14:m>
-                  <m:oMath xmlns:m="http://schemas.openxmlformats.org/officeDocument/2006/math">
-                    <m:sSub>
-                      <m:sSubPr>
-                        <m:ctrlPr>
-                          <a:rPr lang="en-US" altLang="zh-CN" sz="3600" i="1">
-                            <a:solidFill>
-                              <a:srgbClr val="FF0000"/>
-                            </a:solidFill>
-                            <a:latin typeface="Cambria Math" panose="02040503050406030204" pitchFamily="18" charset="0"/>
-                            <a:cs typeface="Times New Roman" panose="02020603050405020304" pitchFamily="18" charset="0"/>
-                          </a:rPr>
-                        </m:ctrlPr>
-                      </m:sSubPr>
-                      <m:e>
-                        <m:r>
-                          <a:rPr lang="en-US" altLang="zh-CN" sz="3600" i="1">
-                            <a:solidFill>
-                              <a:srgbClr val="FF0000"/>
-                            </a:solidFill>
-                            <a:latin typeface="Cambria Math" panose="02040503050406030204" pitchFamily="18" charset="0"/>
-                            <a:cs typeface="Times New Roman" panose="02020603050405020304" pitchFamily="18" charset="0"/>
-                          </a:rPr>
-                          <m:t>𝑠</m:t>
-                        </m:r>
-                      </m:e>
-                      <m:sub>
-                        <m:r>
-                          <a:rPr lang="en-US" altLang="zh-CN" sz="3600" i="1">
-                            <a:solidFill>
-                              <a:srgbClr val="FF0000"/>
-                            </a:solidFill>
-                            <a:latin typeface="Cambria Math" panose="02040503050406030204" pitchFamily="18" charset="0"/>
-                            <a:cs typeface="Times New Roman" panose="02020603050405020304" pitchFamily="18" charset="0"/>
-                          </a:rPr>
-                          <m:t>1</m:t>
-                        </m:r>
-                      </m:sub>
-                    </m:sSub>
-                  </m:oMath>
-                </a14:m>
-                <a:endParaRPr lang="en-US" altLang="zh-CN" sz="3600" dirty="0">
-                  <a:cs typeface="Times New Roman" panose="02020603050405020304" pitchFamily="18" charset="0"/>
-                </a:endParaRPr>
-              </a:p>
-              <a:p>
-                <a:pPr marL="571500" indent="-571500">
-                  <a:buClr>
-                    <a:schemeClr val="accent2"/>
-                  </a:buClr>
-                  <a:buFont typeface="Wingdings" panose="05000000000000000000" pitchFamily="2" charset="2"/>
-                  <a:buChar char="p"/>
-                </a:pPr>
-                <a:r>
-                  <a:rPr lang="en-US" altLang="zh-CN" sz="3600" dirty="0">
-                    <a:cs typeface="Times New Roman" panose="02020603050405020304" pitchFamily="18" charset="0"/>
-                  </a:rPr>
-                  <a:t> Structural equivalence : BFS does, </a:t>
-                </a:r>
-                <a14:m>
-                  <m:oMath xmlns:m="http://schemas.openxmlformats.org/officeDocument/2006/math">
-                    <m:r>
-                      <a:rPr lang="en-US" altLang="zh-CN" sz="3600" i="1" smtClean="0">
-                        <a:solidFill>
-                          <a:srgbClr val="0000FF"/>
-                        </a:solidFill>
-                        <a:latin typeface="Cambria Math" panose="02040503050406030204" pitchFamily="18" charset="0"/>
-                        <a:cs typeface="Times New Roman" panose="02020603050405020304" pitchFamily="18" charset="0"/>
-                      </a:rPr>
-                      <m:t>𝑢</m:t>
-                    </m:r>
-                  </m:oMath>
-                </a14:m>
-                <a:r>
-                  <a:rPr lang="zh-CN" altLang="en-US" sz="3600" dirty="0">
-                    <a:solidFill>
-                      <a:srgbClr val="0000FF"/>
-                    </a:solidFill>
-                  </a:rPr>
-                  <a:t> </a:t>
-                </a:r>
-                <a:r>
-                  <a:rPr lang="en-US" altLang="zh-CN" sz="3600" dirty="0">
-                    <a:solidFill>
-                      <a:srgbClr val="0000FF"/>
-                    </a:solidFill>
-                  </a:rPr>
-                  <a:t>and </a:t>
-                </a:r>
-                <a14:m>
-                  <m:oMath xmlns:m="http://schemas.openxmlformats.org/officeDocument/2006/math">
-                    <m:sSub>
-                      <m:sSubPr>
-                        <m:ctrlPr>
-                          <a:rPr lang="en-US" altLang="zh-CN" sz="3600" i="1">
-                            <a:solidFill>
-                              <a:srgbClr val="0000FF"/>
-                            </a:solidFill>
-                            <a:latin typeface="Cambria Math" panose="02040503050406030204" pitchFamily="18" charset="0"/>
-                            <a:cs typeface="Times New Roman" panose="02020603050405020304" pitchFamily="18" charset="0"/>
-                          </a:rPr>
-                        </m:ctrlPr>
-                      </m:sSubPr>
-                      <m:e>
-                        <m:r>
-                          <a:rPr lang="en-US" altLang="zh-CN" sz="3600" i="1">
-                            <a:solidFill>
-                              <a:srgbClr val="0000FF"/>
-                            </a:solidFill>
-                            <a:latin typeface="Cambria Math" panose="02040503050406030204" pitchFamily="18" charset="0"/>
-                            <a:cs typeface="Times New Roman" panose="02020603050405020304" pitchFamily="18" charset="0"/>
-                          </a:rPr>
-                          <m:t>𝑠</m:t>
-                        </m:r>
-                      </m:e>
-                      <m:sub>
-                        <m:r>
-                          <a:rPr lang="en-US" altLang="zh-CN" sz="3600" i="1">
-                            <a:solidFill>
-                              <a:srgbClr val="0000FF"/>
-                            </a:solidFill>
-                            <a:latin typeface="Cambria Math" panose="02040503050406030204" pitchFamily="18" charset="0"/>
-                            <a:cs typeface="Times New Roman" panose="02020603050405020304" pitchFamily="18" charset="0"/>
-                          </a:rPr>
-                          <m:t>6</m:t>
-                        </m:r>
-                      </m:sub>
-                    </m:sSub>
-                  </m:oMath>
-                </a14:m>
-                <a:endParaRPr lang="zh-CN" altLang="en-US" sz="3600" dirty="0"/>
-              </a:p>
-            </p:txBody>
-          </p:sp>
-        </mc:Choice>
-        <mc:Fallback xmlns="">
-          <p:sp>
-            <p:nvSpPr>
-              <p:cNvPr id="8" name="矩形 7">
-                <a:extLst>
-                  <a:ext uri="{FF2B5EF4-FFF2-40B4-BE49-F238E27FC236}">
-                    <a16:creationId xmlns:a16="http://schemas.microsoft.com/office/drawing/2014/main" id="{5B8C1EDC-5897-4B01-B6ED-081D429CA3E5}"/>
-                  </a:ext>
-                </a:extLst>
-              </p:cNvPr>
-              <p:cNvSpPr>
-                <a:spLocks noRot="1" noChangeAspect="1" noMove="1" noResize="1" noEditPoints="1" noAdjustHandles="1" noChangeArrowheads="1" noChangeShapeType="1" noTextEdit="1"/>
-              </p:cNvSpPr>
-              <p:nvPr/>
-            </p:nvSpPr>
-            <p:spPr>
-              <a:xfrm>
-                <a:off x="106638" y="2546397"/>
-                <a:ext cx="9767785" cy="1200329"/>
-              </a:xfrm>
-              <a:prstGeom prst="rect">
-                <a:avLst/>
-              </a:prstGeom>
-              <a:blipFill>
-                <a:blip r:embed="rId3"/>
-                <a:stretch>
-                  <a:fillRect l="-1684" t="-8122" b="-18274"/>
-                </a:stretch>
-              </a:blipFill>
-            </p:spPr>
-            <p:txBody>
-              <a:bodyPr/>
-              <a:lstStyle/>
-              <a:p>
-                <a:r>
-                  <a:rPr lang="zh-CN" altLang="en-US">
-                    <a:noFill/>
-                  </a:rPr>
-                  <a:t> </a:t>
-                </a:r>
-              </a:p>
-            </p:txBody>
-          </p:sp>
-        </mc:Fallback>
-      </mc:AlternateContent>
-      <p:sp>
-        <p:nvSpPr>
-          <p:cNvPr id="9" name="矩形 8">
-            <a:extLst>
-              <a:ext uri="{FF2B5EF4-FFF2-40B4-BE49-F238E27FC236}">
-                <a16:creationId xmlns:a16="http://schemas.microsoft.com/office/drawing/2014/main" id="{5FE913AB-5529-47BF-A7D4-51ED16DA9B06}"/>
-              </a:ext>
-            </a:extLst>
-          </p:cNvPr>
-          <p:cNvSpPr/>
-          <p:nvPr/>
-        </p:nvSpPr>
-        <p:spPr>
-          <a:xfrm>
-            <a:off x="106638" y="1669700"/>
-            <a:ext cx="4598118" cy="646331"/>
-          </a:xfrm>
-          <a:prstGeom prst="rect">
-            <a:avLst/>
-          </a:prstGeom>
-        </p:spPr>
-        <p:txBody>
-          <a:bodyPr wrap="none">
-            <a:spAutoFit/>
-          </a:bodyPr>
-          <a:lstStyle/>
-          <a:p>
-            <a:r>
-              <a:rPr lang="en-US" altLang="zh-CN" sz="3600" dirty="0">
-                <a:cs typeface="Times New Roman" panose="02020603050405020304" pitchFamily="18" charset="0"/>
-              </a:rPr>
-              <a:t>Two kind of similarities</a:t>
-            </a:r>
-            <a:endParaRPr lang="zh-CN" altLang="en-US" sz="3600" dirty="0">
-              <a:cs typeface="Times New Roman" panose="02020603050405020304" pitchFamily="18" charset="0"/>
-            </a:endParaRPr>
-          </a:p>
-        </p:txBody>
-      </p:sp>
-      <p:sp>
-        <p:nvSpPr>
-          <p:cNvPr id="10" name="矩形 9">
-            <a:extLst>
-              <a:ext uri="{FF2B5EF4-FFF2-40B4-BE49-F238E27FC236}">
-                <a16:creationId xmlns:a16="http://schemas.microsoft.com/office/drawing/2014/main" id="{96F812BC-4932-4A20-8D3E-CD54DB1CC5C0}"/>
-              </a:ext>
-            </a:extLst>
-          </p:cNvPr>
-          <p:cNvSpPr/>
-          <p:nvPr/>
-        </p:nvSpPr>
-        <p:spPr>
-          <a:xfrm>
-            <a:off x="8243348" y="2185943"/>
-            <a:ext cx="4127254" cy="1077218"/>
-          </a:xfrm>
-          <a:prstGeom prst="rect">
-            <a:avLst/>
-          </a:prstGeom>
-        </p:spPr>
-        <p:txBody>
-          <a:bodyPr wrap="square">
-            <a:spAutoFit/>
-          </a:bodyPr>
-          <a:lstStyle/>
-          <a:p>
-            <a:r>
-              <a:rPr lang="en-US" altLang="zh-CN" sz="3200" dirty="0">
-                <a:solidFill>
-                  <a:schemeClr val="accent6">
-                    <a:lumMod val="75000"/>
-                  </a:schemeClr>
-                </a:solidFill>
-              </a:rPr>
-              <a:t>Real networks exhibits both similarities!</a:t>
-            </a:r>
-            <a:endParaRPr lang="zh-CN" altLang="en-US" sz="3200" dirty="0">
-              <a:solidFill>
-                <a:schemeClr val="accent6">
-                  <a:lumMod val="75000"/>
-                </a:schemeClr>
-              </a:solidFill>
-            </a:endParaRPr>
-          </a:p>
-        </p:txBody>
-      </p:sp>
-    </p:spTree>
-    <p:extLst>
-      <p:ext uri="{BB962C8B-B14F-4D97-AF65-F5344CB8AC3E}">
-        <p14:creationId xmlns:p14="http://schemas.microsoft.com/office/powerpoint/2010/main" val="3352188806"/>
-      </p:ext>
-    </p:extLst>
-  </p:cSld>
-  <p:clrMapOvr>
-    <a:masterClrMapping/>
-  </p:clrMapOvr>
-</p:sld>
-</file>
-
-<file path=ppt/slides/slide12.xml><?xml version="1.0" encoding="utf-8"?>
-<p:sld xmlns:a="http://schemas.openxmlformats.org/drawingml/2006/main" xmlns:r="http://schemas.openxmlformats.org/officeDocument/2006/relationships" xmlns:p="http://schemas.openxmlformats.org/presentationml/2006/main">
-  <p:cSld>
-    <p:spTree>
-      <p:nvGrpSpPr>
-        <p:cNvPr id="1" name=""/>
-        <p:cNvGrpSpPr/>
-        <p:nvPr/>
-      </p:nvGrpSpPr>
-      <p:grpSpPr>
-        <a:xfrm>
-          <a:off x="0" y="0"/>
-          <a:ext cx="0" cy="0"/>
-          <a:chOff x="0" y="0"/>
-          <a:chExt cx="0" cy="0"/>
-        </a:xfrm>
-      </p:grpSpPr>
-      <p:sp>
-        <p:nvSpPr>
-          <p:cNvPr id="4" name="矩形 3">
-            <a:extLst>
-              <a:ext uri="{FF2B5EF4-FFF2-40B4-BE49-F238E27FC236}">
-                <a16:creationId xmlns:a16="http://schemas.microsoft.com/office/drawing/2014/main" id="{F7F56775-9DF5-4E8B-90D1-8A5DC5B1D139}"/>
-              </a:ext>
-            </a:extLst>
-          </p:cNvPr>
-          <p:cNvSpPr/>
-          <p:nvPr/>
-        </p:nvSpPr>
-        <p:spPr>
-          <a:xfrm>
-            <a:off x="0" y="0"/>
-            <a:ext cx="12192000" cy="1439334"/>
-          </a:xfrm>
-          <a:prstGeom prst="rect">
-            <a:avLst/>
-          </a:prstGeom>
-          <a:solidFill>
-            <a:schemeClr val="tx2"/>
-          </a:solidFill>
-        </p:spPr>
-        <p:style>
-          <a:lnRef idx="2">
-            <a:schemeClr val="accent1">
-              <a:shade val="50000"/>
-            </a:schemeClr>
-          </a:lnRef>
-          <a:fillRef idx="1">
-            <a:schemeClr val="accent1"/>
-          </a:fillRef>
-          <a:effectRef idx="0">
-            <a:schemeClr val="accent1"/>
-          </a:effectRef>
-          <a:fontRef idx="minor">
-            <a:schemeClr val="lt1"/>
-          </a:fontRef>
-        </p:style>
-        <p:txBody>
-          <a:bodyPr rtlCol="0" anchor="ctr"/>
-          <a:lstStyle/>
-          <a:p>
-            <a:pPr algn="ctr"/>
-            <a:endParaRPr lang="zh-CN" altLang="en-US">
-              <a:solidFill>
-                <a:srgbClr val="FF0000"/>
-              </a:solidFill>
-            </a:endParaRPr>
-          </a:p>
-        </p:txBody>
-      </p:sp>
-      <mc:AlternateContent xmlns:mc="http://schemas.openxmlformats.org/markup-compatibility/2006" xmlns:a14="http://schemas.microsoft.com/office/drawing/2010/main">
-        <mc:Choice Requires="a14">
-          <p:sp>
-            <p:nvSpPr>
-              <p:cNvPr id="7" name="矩形 6">
-                <a:extLst>
-                  <a:ext uri="{FF2B5EF4-FFF2-40B4-BE49-F238E27FC236}">
-                    <a16:creationId xmlns:a16="http://schemas.microsoft.com/office/drawing/2014/main" id="{45935406-9B51-4ACA-A604-DE84FECA04AD}"/>
-                  </a:ext>
-                </a:extLst>
-              </p:cNvPr>
-              <p:cNvSpPr/>
-              <p:nvPr/>
-            </p:nvSpPr>
-            <p:spPr>
-              <a:xfrm>
-                <a:off x="106638" y="326480"/>
-                <a:ext cx="9323450" cy="960328"/>
-              </a:xfrm>
-              <a:prstGeom prst="rect">
-                <a:avLst/>
-              </a:prstGeom>
-            </p:spPr>
-            <p:txBody>
-              <a:bodyPr wrap="none">
-                <a:spAutoFit/>
-              </a:bodyPr>
-              <a:lstStyle/>
-              <a:p>
-                <a:r>
-                  <a:rPr lang="en-US" altLang="zh-CN" sz="5400" dirty="0">
-                    <a:solidFill>
-                      <a:schemeClr val="bg1"/>
-                    </a:solidFill>
-                  </a:rPr>
-                  <a:t>Biased </a:t>
-                </a:r>
-                <a14:m>
-                  <m:oMath xmlns:m="http://schemas.openxmlformats.org/officeDocument/2006/math">
-                    <m:sSup>
-                      <m:sSupPr>
-                        <m:ctrlPr>
-                          <a:rPr lang="zh-CN" altLang="en-US" sz="5400" i="1" dirty="0" smtClean="0">
-                            <a:solidFill>
-                              <a:schemeClr val="bg1"/>
-                            </a:solidFill>
-                            <a:latin typeface="Cambria Math" panose="02040503050406030204" pitchFamily="18" charset="0"/>
-                          </a:rPr>
-                        </m:ctrlPr>
-                      </m:sSupPr>
-                      <m:e>
-                        <m:r>
-                          <a:rPr lang="zh-CN" altLang="en-US" sz="5400" dirty="0">
-                            <a:solidFill>
-                              <a:schemeClr val="bg1"/>
-                            </a:solidFill>
-                            <a:latin typeface="Cambria Math" panose="02040503050406030204" pitchFamily="18" charset="0"/>
-                          </a:rPr>
-                          <m:t>2</m:t>
-                        </m:r>
-                      </m:e>
-                      <m:sup>
-                        <m:r>
-                          <m:rPr>
-                            <m:sty m:val="p"/>
-                          </m:rPr>
-                          <a:rPr lang="en-US" altLang="zh-CN" sz="5400" dirty="0">
-                            <a:solidFill>
-                              <a:schemeClr val="bg1"/>
-                            </a:solidFill>
-                            <a:latin typeface="Cambria Math" panose="02040503050406030204" pitchFamily="18" charset="0"/>
-                          </a:rPr>
-                          <m:t>n</m:t>
-                        </m:r>
-                        <m:r>
-                          <m:rPr>
-                            <m:sty m:val="p"/>
-                          </m:rPr>
-                          <a:rPr lang="zh-CN" altLang="en-US" sz="5400" dirty="0">
-                            <a:solidFill>
-                              <a:schemeClr val="bg1"/>
-                            </a:solidFill>
-                            <a:latin typeface="Cambria Math" panose="02040503050406030204" pitchFamily="18" charset="0"/>
-                          </a:rPr>
-                          <m:t>d</m:t>
-                        </m:r>
-                      </m:sup>
-                    </m:sSup>
-                  </m:oMath>
-                </a14:m>
-                <a:r>
-                  <a:rPr lang="en-US" altLang="zh-CN" sz="5400" dirty="0">
-                    <a:solidFill>
-                      <a:schemeClr val="bg1"/>
-                    </a:solidFill>
-                    <a:cs typeface="Times New Roman" panose="02020603050405020304" pitchFamily="18" charset="0"/>
-                  </a:rPr>
-                  <a:t>-order Random Walks</a:t>
-                </a:r>
-                <a:endParaRPr lang="zh-CN" altLang="en-US" sz="5400" dirty="0">
-                  <a:cs typeface="Times New Roman" panose="02020603050405020304" pitchFamily="18" charset="0"/>
-                </a:endParaRPr>
-              </a:p>
-            </p:txBody>
-          </p:sp>
-        </mc:Choice>
-        <mc:Fallback xmlns="">
-          <p:sp>
-            <p:nvSpPr>
-              <p:cNvPr id="7" name="矩形 6">
-                <a:extLst>
-                  <a:ext uri="{FF2B5EF4-FFF2-40B4-BE49-F238E27FC236}">
-                    <a16:creationId xmlns:a16="http://schemas.microsoft.com/office/drawing/2014/main" id="{45935406-9B51-4ACA-A604-DE84FECA04AD}"/>
-                  </a:ext>
-                </a:extLst>
-              </p:cNvPr>
-              <p:cNvSpPr>
-                <a:spLocks noRot="1" noChangeAspect="1" noMove="1" noResize="1" noEditPoints="1" noAdjustHandles="1" noChangeArrowheads="1" noChangeShapeType="1" noTextEdit="1"/>
-              </p:cNvSpPr>
-              <p:nvPr/>
-            </p:nvSpPr>
-            <p:spPr>
-              <a:xfrm>
-                <a:off x="106638" y="326480"/>
-                <a:ext cx="9323450" cy="960328"/>
-              </a:xfrm>
-              <a:prstGeom prst="rect">
-                <a:avLst/>
-              </a:prstGeom>
-              <a:blipFill>
-                <a:blip r:embed="rId2"/>
-                <a:stretch>
-                  <a:fillRect l="-3464" t="-13376" r="-2614" b="-38854"/>
-                </a:stretch>
-              </a:blipFill>
-            </p:spPr>
-            <p:txBody>
-              <a:bodyPr/>
-              <a:lstStyle/>
-              <a:p>
-                <a:r>
-                  <a:rPr lang="zh-CN" altLang="en-US">
-                    <a:noFill/>
-                  </a:rPr>
-                  <a:t> </a:t>
-                </a:r>
-              </a:p>
-            </p:txBody>
-          </p:sp>
-        </mc:Fallback>
-      </mc:AlternateContent>
-      <mc:AlternateContent xmlns:mc="http://schemas.openxmlformats.org/markup-compatibility/2006" xmlns:a14="http://schemas.microsoft.com/office/drawing/2010/main">
-        <mc:Choice Requires="a14">
-          <p:sp>
-            <p:nvSpPr>
-              <p:cNvPr id="20" name="矩形 19">
-                <a:extLst>
-                  <a:ext uri="{FF2B5EF4-FFF2-40B4-BE49-F238E27FC236}">
-                    <a16:creationId xmlns:a16="http://schemas.microsoft.com/office/drawing/2014/main" id="{1D8A2D56-F04C-43A2-AE0D-6C28CCE56493}"/>
-                  </a:ext>
-                </a:extLst>
-              </p:cNvPr>
-              <p:cNvSpPr/>
-              <p:nvPr/>
-            </p:nvSpPr>
-            <p:spPr>
-              <a:xfrm>
-                <a:off x="254325" y="1641174"/>
-                <a:ext cx="7522514" cy="646331"/>
-              </a:xfrm>
-              <a:prstGeom prst="rect">
-                <a:avLst/>
-              </a:prstGeom>
-            </p:spPr>
-            <p:txBody>
-              <a:bodyPr wrap="square">
-                <a:spAutoFit/>
-              </a:bodyPr>
-              <a:lstStyle/>
-              <a:p>
-                <a:r>
-                  <a:rPr lang="en-US" altLang="zh-CN" sz="3600" dirty="0">
-                    <a:cs typeface="Times New Roman" panose="02020603050405020304" pitchFamily="18" charset="0"/>
-                  </a:rPr>
-                  <a:t>A random walk </a:t>
-                </a:r>
-                <a14:m>
-                  <m:oMath xmlns:m="http://schemas.openxmlformats.org/officeDocument/2006/math">
-                    <m:r>
-                      <a:rPr lang="en-US" altLang="zh-CN" sz="3600" b="0" i="1" dirty="0" smtClean="0">
-                        <a:latin typeface="Cambria Math" panose="02040503050406030204" pitchFamily="18" charset="0"/>
-                        <a:cs typeface="Times New Roman" panose="02020603050405020304" pitchFamily="18" charset="0"/>
-                      </a:rPr>
-                      <m:t>[</m:t>
-                    </m:r>
-                    <m:sSub>
-                      <m:sSubPr>
-                        <m:ctrlPr>
-                          <a:rPr lang="en-US" altLang="zh-CN" sz="3600" b="0" i="1" dirty="0" smtClean="0">
-                            <a:latin typeface="Cambria Math" panose="02040503050406030204" pitchFamily="18" charset="0"/>
-                            <a:cs typeface="Times New Roman" panose="02020603050405020304" pitchFamily="18" charset="0"/>
-                          </a:rPr>
-                        </m:ctrlPr>
-                      </m:sSubPr>
-                      <m:e>
-                        <m:r>
-                          <a:rPr lang="en-US" altLang="zh-CN" sz="3600" b="0" i="1" dirty="0" smtClean="0">
-                            <a:latin typeface="Cambria Math" panose="02040503050406030204" pitchFamily="18" charset="0"/>
-                            <a:cs typeface="Times New Roman" panose="02020603050405020304" pitchFamily="18" charset="0"/>
-                          </a:rPr>
-                          <m:t>𝑐</m:t>
-                        </m:r>
-                      </m:e>
-                      <m:sub>
-                        <m:r>
-                          <a:rPr lang="en-US" altLang="zh-CN" sz="3600" b="0" i="1" dirty="0" smtClean="0">
-                            <a:latin typeface="Cambria Math" panose="02040503050406030204" pitchFamily="18" charset="0"/>
-                            <a:cs typeface="Times New Roman" panose="02020603050405020304" pitchFamily="18" charset="0"/>
-                          </a:rPr>
-                          <m:t>0</m:t>
-                        </m:r>
-                      </m:sub>
-                    </m:sSub>
-                    <m:r>
-                      <a:rPr lang="en-US" altLang="zh-CN" sz="3600" b="0" i="1" dirty="0" smtClean="0">
-                        <a:latin typeface="Cambria Math" panose="02040503050406030204" pitchFamily="18" charset="0"/>
-                        <a:cs typeface="Times New Roman" panose="02020603050405020304" pitchFamily="18" charset="0"/>
-                      </a:rPr>
-                      <m:t>,</m:t>
-                    </m:r>
-                    <m:sSub>
-                      <m:sSubPr>
-                        <m:ctrlPr>
-                          <a:rPr lang="en-US" altLang="zh-CN" sz="3600" b="0" i="1" dirty="0" smtClean="0">
-                            <a:latin typeface="Cambria Math" panose="02040503050406030204" pitchFamily="18" charset="0"/>
-                            <a:cs typeface="Times New Roman" panose="02020603050405020304" pitchFamily="18" charset="0"/>
-                          </a:rPr>
-                        </m:ctrlPr>
-                      </m:sSubPr>
-                      <m:e>
-                        <m:r>
-                          <a:rPr lang="en-US" altLang="zh-CN" sz="3600" b="0" i="1" dirty="0" smtClean="0">
-                            <a:latin typeface="Cambria Math" panose="02040503050406030204" pitchFamily="18" charset="0"/>
-                            <a:cs typeface="Times New Roman" panose="02020603050405020304" pitchFamily="18" charset="0"/>
-                          </a:rPr>
-                          <m:t>𝑐</m:t>
-                        </m:r>
-                      </m:e>
-                      <m:sub>
-                        <m:r>
-                          <a:rPr lang="en-US" altLang="zh-CN" sz="3600" b="0" i="1" dirty="0" smtClean="0">
-                            <a:latin typeface="Cambria Math" panose="02040503050406030204" pitchFamily="18" charset="0"/>
-                            <a:cs typeface="Times New Roman" panose="02020603050405020304" pitchFamily="18" charset="0"/>
-                          </a:rPr>
-                          <m:t>1</m:t>
-                        </m:r>
-                      </m:sub>
-                    </m:sSub>
-                    <m:r>
-                      <a:rPr lang="en-US" altLang="zh-CN" sz="3600" b="0" i="1" dirty="0" smtClean="0">
-                        <a:latin typeface="Cambria Math" panose="02040503050406030204" pitchFamily="18" charset="0"/>
-                        <a:cs typeface="Times New Roman" panose="02020603050405020304" pitchFamily="18" charset="0"/>
-                      </a:rPr>
-                      <m:t>,</m:t>
-                    </m:r>
-                    <m:r>
-                      <a:rPr lang="en-US" altLang="zh-CN" sz="3600" i="1" dirty="0">
-                        <a:latin typeface="Cambria Math" panose="02040503050406030204" pitchFamily="18" charset="0"/>
-                        <a:cs typeface="Times New Roman" panose="02020603050405020304" pitchFamily="18" charset="0"/>
-                      </a:rPr>
-                      <m:t>·</m:t>
-                    </m:r>
-                    <m:r>
-                      <a:rPr lang="en-US" altLang="zh-CN" sz="3600" i="1" dirty="0" smtClean="0">
-                        <a:latin typeface="Cambria Math" panose="02040503050406030204" pitchFamily="18" charset="0"/>
-                        <a:cs typeface="Times New Roman" panose="02020603050405020304" pitchFamily="18" charset="0"/>
-                      </a:rPr>
-                      <m:t>·</m:t>
-                    </m:r>
-                    <m:r>
-                      <a:rPr lang="en-US" altLang="zh-CN" sz="3600" i="1" dirty="0">
-                        <a:latin typeface="Cambria Math" panose="02040503050406030204" pitchFamily="18" charset="0"/>
-                        <a:cs typeface="Times New Roman" panose="02020603050405020304" pitchFamily="18" charset="0"/>
-                      </a:rPr>
-                      <m:t>·</m:t>
-                    </m:r>
-                    <m:r>
-                      <a:rPr lang="en-US" altLang="zh-CN" sz="3600" b="0" i="1" dirty="0" smtClean="0">
-                        <a:latin typeface="Cambria Math" panose="02040503050406030204" pitchFamily="18" charset="0"/>
-                        <a:cs typeface="Times New Roman" panose="02020603050405020304" pitchFamily="18" charset="0"/>
-                      </a:rPr>
-                      <m:t>,</m:t>
-                    </m:r>
-                    <m:sSub>
-                      <m:sSubPr>
-                        <m:ctrlPr>
-                          <a:rPr lang="en-US" altLang="zh-CN" sz="3600" b="0" i="1" dirty="0" smtClean="0">
-                            <a:latin typeface="Cambria Math" panose="02040503050406030204" pitchFamily="18" charset="0"/>
-                            <a:cs typeface="Times New Roman" panose="02020603050405020304" pitchFamily="18" charset="0"/>
-                          </a:rPr>
-                        </m:ctrlPr>
-                      </m:sSubPr>
-                      <m:e>
-                        <m:r>
-                          <a:rPr lang="en-US" altLang="zh-CN" sz="3600" b="0" i="1" dirty="0" smtClean="0">
-                            <a:latin typeface="Cambria Math" panose="02040503050406030204" pitchFamily="18" charset="0"/>
-                            <a:cs typeface="Times New Roman" panose="02020603050405020304" pitchFamily="18" charset="0"/>
-                          </a:rPr>
-                          <m:t>𝑐</m:t>
-                        </m:r>
-                      </m:e>
-                      <m:sub>
-                        <m:r>
-                          <a:rPr lang="en-US" altLang="zh-CN" sz="3600" b="0" i="1" dirty="0" smtClean="0">
-                            <a:latin typeface="Cambria Math" panose="02040503050406030204" pitchFamily="18" charset="0"/>
-                            <a:cs typeface="Times New Roman" panose="02020603050405020304" pitchFamily="18" charset="0"/>
-                          </a:rPr>
-                          <m:t>𝑙</m:t>
-                        </m:r>
-                        <m:r>
-                          <a:rPr lang="en-US" altLang="zh-CN" sz="3600" b="0" i="1" dirty="0" smtClean="0">
-                            <a:latin typeface="Cambria Math" panose="02040503050406030204" pitchFamily="18" charset="0"/>
-                            <a:cs typeface="Times New Roman" panose="02020603050405020304" pitchFamily="18" charset="0"/>
-                          </a:rPr>
-                          <m:t>−1</m:t>
-                        </m:r>
-                      </m:sub>
-                    </m:sSub>
-                    <m:r>
-                      <a:rPr lang="en-US" altLang="zh-CN" sz="3600" b="0" i="1" dirty="0" smtClean="0">
-                        <a:latin typeface="Cambria Math" panose="02040503050406030204" pitchFamily="18" charset="0"/>
-                        <a:cs typeface="Times New Roman" panose="02020603050405020304" pitchFamily="18" charset="0"/>
-                      </a:rPr>
-                      <m:t>]</m:t>
-                    </m:r>
-                  </m:oMath>
-                </a14:m>
-                <a:r>
-                  <a:rPr lang="en-US" altLang="zh-CN" sz="3600" dirty="0"/>
-                  <a:t> , </a:t>
-                </a:r>
-                <a14:m>
-                  <m:oMath xmlns:m="http://schemas.openxmlformats.org/officeDocument/2006/math">
-                    <m:sSub>
-                      <m:sSubPr>
-                        <m:ctrlPr>
-                          <a:rPr lang="en-US" altLang="zh-CN" sz="3600" i="1" dirty="0">
-                            <a:latin typeface="Cambria Math" panose="02040503050406030204" pitchFamily="18" charset="0"/>
-                            <a:cs typeface="Times New Roman" panose="02020603050405020304" pitchFamily="18" charset="0"/>
-                          </a:rPr>
-                        </m:ctrlPr>
-                      </m:sSubPr>
-                      <m:e>
-                        <m:r>
-                          <a:rPr lang="en-US" altLang="zh-CN" sz="3600" i="1" dirty="0">
-                            <a:latin typeface="Cambria Math" panose="02040503050406030204" pitchFamily="18" charset="0"/>
-                            <a:cs typeface="Times New Roman" panose="02020603050405020304" pitchFamily="18" charset="0"/>
-                          </a:rPr>
-                          <m:t>𝑐</m:t>
-                        </m:r>
-                      </m:e>
-                      <m:sub>
-                        <m:r>
-                          <a:rPr lang="en-US" altLang="zh-CN" sz="3600" i="1" dirty="0">
-                            <a:latin typeface="Cambria Math" panose="02040503050406030204" pitchFamily="18" charset="0"/>
-                            <a:cs typeface="Times New Roman" panose="02020603050405020304" pitchFamily="18" charset="0"/>
-                          </a:rPr>
-                          <m:t>0</m:t>
-                        </m:r>
-                      </m:sub>
-                    </m:sSub>
-                    <m:r>
-                      <a:rPr lang="en-US" altLang="zh-CN" sz="3600" b="0" i="1" dirty="0" smtClean="0">
-                        <a:latin typeface="Cambria Math" panose="02040503050406030204" pitchFamily="18" charset="0"/>
-                        <a:cs typeface="Times New Roman" panose="02020603050405020304" pitchFamily="18" charset="0"/>
-                      </a:rPr>
-                      <m:t>=</m:t>
-                    </m:r>
-                    <m:r>
-                      <a:rPr lang="en-US" altLang="zh-CN" sz="3600" b="0" i="1" dirty="0" smtClean="0">
-                        <a:latin typeface="Cambria Math" panose="02040503050406030204" pitchFamily="18" charset="0"/>
-                        <a:cs typeface="Times New Roman" panose="02020603050405020304" pitchFamily="18" charset="0"/>
-                      </a:rPr>
-                      <m:t>𝑢</m:t>
-                    </m:r>
-                    <m:r>
-                      <a:rPr lang="en-US" altLang="zh-CN" sz="3600" b="0" i="1" dirty="0" smtClean="0">
-                        <a:latin typeface="Cambria Math" panose="02040503050406030204" pitchFamily="18" charset="0"/>
-                        <a:cs typeface="Times New Roman" panose="02020603050405020304" pitchFamily="18" charset="0"/>
-                      </a:rPr>
-                      <m:t>.</m:t>
-                    </m:r>
-                  </m:oMath>
-                </a14:m>
-                <a:r>
-                  <a:rPr lang="en-US" altLang="zh-CN" sz="3600" dirty="0"/>
-                  <a:t> </a:t>
-                </a:r>
-                <a:endParaRPr lang="zh-CN" altLang="en-US" sz="3600" dirty="0"/>
-              </a:p>
-            </p:txBody>
-          </p:sp>
-        </mc:Choice>
-        <mc:Fallback xmlns="">
-          <p:sp>
-            <p:nvSpPr>
-              <p:cNvPr id="20" name="矩形 19">
-                <a:extLst>
-                  <a:ext uri="{FF2B5EF4-FFF2-40B4-BE49-F238E27FC236}">
-                    <a16:creationId xmlns:a16="http://schemas.microsoft.com/office/drawing/2014/main" id="{1D8A2D56-F04C-43A2-AE0D-6C28CCE56493}"/>
-                  </a:ext>
-                </a:extLst>
-              </p:cNvPr>
-              <p:cNvSpPr>
-                <a:spLocks noRot="1" noChangeAspect="1" noMove="1" noResize="1" noEditPoints="1" noAdjustHandles="1" noChangeArrowheads="1" noChangeShapeType="1" noTextEdit="1"/>
-              </p:cNvSpPr>
-              <p:nvPr/>
-            </p:nvSpPr>
-            <p:spPr>
-              <a:xfrm>
-                <a:off x="254325" y="1641174"/>
-                <a:ext cx="7522514" cy="646331"/>
-              </a:xfrm>
-              <a:prstGeom prst="rect">
-                <a:avLst/>
-              </a:prstGeom>
-              <a:blipFill>
-                <a:blip r:embed="rId3"/>
-                <a:stretch>
-                  <a:fillRect l="-2512" t="-14151" b="-34906"/>
-                </a:stretch>
-              </a:blipFill>
-            </p:spPr>
-            <p:txBody>
-              <a:bodyPr/>
-              <a:lstStyle/>
-              <a:p>
-                <a:r>
-                  <a:rPr lang="zh-CN" altLang="en-US">
-                    <a:noFill/>
-                  </a:rPr>
-                  <a:t> </a:t>
-                </a:r>
-              </a:p>
-            </p:txBody>
-          </p:sp>
-        </mc:Fallback>
-      </mc:AlternateContent>
-      <mc:AlternateContent xmlns:mc="http://schemas.openxmlformats.org/markup-compatibility/2006" xmlns:a14="http://schemas.microsoft.com/office/drawing/2010/main">
-        <mc:Choice Requires="a14">
-          <p:sp>
-            <p:nvSpPr>
-              <p:cNvPr id="23" name="文本框 22">
-                <a:extLst>
-                  <a:ext uri="{FF2B5EF4-FFF2-40B4-BE49-F238E27FC236}">
-                    <a16:creationId xmlns:a16="http://schemas.microsoft.com/office/drawing/2014/main" id="{E1B4730F-7F7F-411C-8920-03B0AF887A33}"/>
-                  </a:ext>
-                </a:extLst>
-              </p:cNvPr>
-              <p:cNvSpPr txBox="1"/>
-              <p:nvPr/>
-            </p:nvSpPr>
-            <p:spPr>
-              <a:xfrm>
-                <a:off x="1711143" y="2489345"/>
-                <a:ext cx="7522514" cy="1572162"/>
-              </a:xfrm>
-              <a:prstGeom prst="rect">
-                <a:avLst/>
-              </a:prstGeom>
-              <a:noFill/>
-            </p:spPr>
-            <p:txBody>
-              <a:bodyPr wrap="square" lIns="0" tIns="0" rIns="0" bIns="0" rtlCol="0">
-                <a:spAutoFit/>
-              </a:bodyPr>
-              <a:lstStyle/>
-              <a:p>
-                <a:pPr/>
-                <a14:m>
-                  <m:oMathPara xmlns:m="http://schemas.openxmlformats.org/officeDocument/2006/math">
-                    <m:oMathParaPr>
-                      <m:jc m:val="centerGroup"/>
-                    </m:oMathParaPr>
-                    <m:oMath xmlns:m="http://schemas.openxmlformats.org/officeDocument/2006/math">
-                      <m:r>
-                        <a:rPr lang="zh-CN" altLang="en-US" sz="3200" i="1" smtClean="0">
-                          <a:latin typeface="Cambria Math" panose="02040503050406030204" pitchFamily="18" charset="0"/>
-                        </a:rPr>
-                        <m:t>𝑃</m:t>
-                      </m:r>
-                      <m:d>
-                        <m:dPr>
-                          <m:ctrlPr>
-                            <a:rPr lang="zh-CN" altLang="en-US" sz="3200" i="1">
-                              <a:latin typeface="Cambria Math" panose="02040503050406030204" pitchFamily="18" charset="0"/>
-                            </a:rPr>
-                          </m:ctrlPr>
-                        </m:dPr>
-                        <m:e>
-                          <m:sSub>
-                            <m:sSubPr>
-                              <m:ctrlPr>
-                                <a:rPr lang="en-US" altLang="zh-CN" sz="3200" b="0" i="1" smtClean="0">
-                                  <a:latin typeface="Cambria Math" panose="02040503050406030204" pitchFamily="18" charset="0"/>
-                                </a:rPr>
-                              </m:ctrlPr>
-                            </m:sSubPr>
-                            <m:e>
-                              <m:r>
-                                <a:rPr lang="en-US" altLang="zh-CN" sz="3200" b="0" i="1" smtClean="0">
-                                  <a:latin typeface="Cambria Math" panose="02040503050406030204" pitchFamily="18" charset="0"/>
-                                </a:rPr>
-                                <m:t>𝑐</m:t>
-                              </m:r>
-                            </m:e>
-                            <m:sub>
-                              <m:r>
-                                <a:rPr lang="en-US" altLang="zh-CN" sz="3200" b="0" i="1" smtClean="0">
-                                  <a:latin typeface="Cambria Math" panose="02040503050406030204" pitchFamily="18" charset="0"/>
-                                </a:rPr>
-                                <m:t>𝑖</m:t>
-                              </m:r>
-                            </m:sub>
-                          </m:sSub>
-                          <m:r>
-                            <a:rPr lang="en-US" altLang="zh-CN" sz="3200" b="0" i="1" smtClean="0">
-                              <a:latin typeface="Cambria Math" panose="02040503050406030204" pitchFamily="18" charset="0"/>
-                            </a:rPr>
-                            <m:t>=</m:t>
-                          </m:r>
-                          <m:r>
-                            <a:rPr lang="en-US" altLang="zh-CN" sz="3200" b="0" i="1" smtClean="0">
-                              <a:latin typeface="Cambria Math" panose="02040503050406030204" pitchFamily="18" charset="0"/>
-                            </a:rPr>
-                            <m:t>𝑥</m:t>
-                          </m:r>
-                          <m:r>
-                            <a:rPr lang="en-US" altLang="zh-CN" sz="3200" b="0" i="1" smtClean="0">
-                              <a:latin typeface="Cambria Math" panose="02040503050406030204" pitchFamily="18" charset="0"/>
-                            </a:rPr>
-                            <m:t>| </m:t>
-                          </m:r>
-                          <m:sSub>
-                            <m:sSubPr>
-                              <m:ctrlPr>
-                                <a:rPr lang="en-US" altLang="zh-CN" sz="3200" b="0" i="1" smtClean="0">
-                                  <a:latin typeface="Cambria Math" panose="02040503050406030204" pitchFamily="18" charset="0"/>
-                                </a:rPr>
-                              </m:ctrlPr>
-                            </m:sSubPr>
-                            <m:e>
-                              <m:r>
-                                <a:rPr lang="en-US" altLang="zh-CN" sz="3200" b="0" i="1" smtClean="0">
-                                  <a:latin typeface="Cambria Math" panose="02040503050406030204" pitchFamily="18" charset="0"/>
-                                </a:rPr>
-                                <m:t>𝑐</m:t>
-                              </m:r>
-                            </m:e>
-                            <m:sub>
-                              <m:r>
-                                <a:rPr lang="en-US" altLang="zh-CN" sz="3200" b="0" i="1" smtClean="0">
-                                  <a:latin typeface="Cambria Math" panose="02040503050406030204" pitchFamily="18" charset="0"/>
-                                </a:rPr>
-                                <m:t>𝑖</m:t>
-                              </m:r>
-                              <m:r>
-                                <a:rPr lang="en-US" altLang="zh-CN" sz="3200" b="0" i="1" smtClean="0">
-                                  <a:latin typeface="Cambria Math" panose="02040503050406030204" pitchFamily="18" charset="0"/>
-                                </a:rPr>
-                                <m:t>−1</m:t>
-                              </m:r>
-                            </m:sub>
-                          </m:sSub>
-                          <m:r>
-                            <a:rPr lang="en-US" altLang="zh-CN" sz="3200" b="0" i="1" smtClean="0">
-                              <a:latin typeface="Cambria Math" panose="02040503050406030204" pitchFamily="18" charset="0"/>
-                            </a:rPr>
-                            <m:t>=</m:t>
-                          </m:r>
-                          <m:r>
-                            <a:rPr lang="en-US" altLang="zh-CN" sz="3200" b="0" i="1" smtClean="0">
-                              <a:latin typeface="Cambria Math" panose="02040503050406030204" pitchFamily="18" charset="0"/>
-                            </a:rPr>
-                            <m:t>𝑣</m:t>
-                          </m:r>
-                        </m:e>
-                      </m:d>
-                      <m:r>
-                        <a:rPr lang="zh-CN" altLang="en-US" sz="3200" i="0">
-                          <a:latin typeface="Cambria Math" panose="02040503050406030204" pitchFamily="18" charset="0"/>
-                        </a:rPr>
-                        <m:t>=</m:t>
-                      </m:r>
-                      <m:d>
-                        <m:dPr>
-                          <m:begChr m:val="{"/>
-                          <m:endChr m:val=""/>
-                          <m:ctrlPr>
-                            <a:rPr lang="zh-CN" altLang="en-US" sz="3200" i="1">
-                              <a:latin typeface="Cambria Math" panose="02040503050406030204" pitchFamily="18" charset="0"/>
-                            </a:rPr>
-                          </m:ctrlPr>
-                        </m:dPr>
-                        <m:e>
-                          <m:m>
-                            <m:mPr>
-                              <m:plcHide m:val="on"/>
-                              <m:mcs>
-                                <m:mc>
-                                  <m:mcPr>
-                                    <m:count m:val="1"/>
-                                    <m:mcJc m:val="center"/>
-                                  </m:mcPr>
-                                </m:mc>
-                              </m:mcs>
-                              <m:ctrlPr>
-                                <a:rPr lang="zh-CN" altLang="en-US" sz="3200" i="1">
-                                  <a:latin typeface="Cambria Math" panose="02040503050406030204" pitchFamily="18" charset="0"/>
-                                </a:rPr>
-                              </m:ctrlPr>
-                            </m:mPr>
-                            <m:mr>
-                              <m:e>
-                                <m:f>
-                                  <m:fPr>
-                                    <m:ctrlPr>
-                                      <a:rPr lang="zh-CN" altLang="en-US" sz="3200" i="1" smtClean="0">
-                                        <a:latin typeface="Cambria Math" panose="02040503050406030204" pitchFamily="18" charset="0"/>
-                                      </a:rPr>
-                                    </m:ctrlPr>
-                                  </m:fPr>
-                                  <m:num>
-                                    <m:sSub>
-                                      <m:sSubPr>
-                                        <m:ctrlPr>
-                                          <a:rPr lang="en-US" altLang="zh-CN" sz="3200" b="0" i="1" smtClean="0">
-                                            <a:latin typeface="Cambria Math" panose="02040503050406030204" pitchFamily="18" charset="0"/>
-                                          </a:rPr>
-                                        </m:ctrlPr>
-                                      </m:sSubPr>
-                                      <m:e>
-                                        <m:r>
-                                          <a:rPr lang="zh-CN" altLang="en-US" sz="3200" i="1">
-                                            <a:latin typeface="Cambria Math" panose="02040503050406030204" pitchFamily="18" charset="0"/>
-                                          </a:rPr>
-                                          <m:t>𝜋</m:t>
-                                        </m:r>
-                                      </m:e>
-                                      <m:sub>
-                                        <m:r>
-                                          <a:rPr lang="en-US" altLang="zh-CN" sz="3200" b="0" i="1" smtClean="0">
-                                            <a:latin typeface="Cambria Math" panose="02040503050406030204" pitchFamily="18" charset="0"/>
-                                          </a:rPr>
-                                          <m:t>𝑣𝑥</m:t>
-                                        </m:r>
-                                      </m:sub>
-                                    </m:sSub>
-                                  </m:num>
-                                  <m:den>
-                                    <m:r>
-                                      <a:rPr lang="en-US" altLang="zh-CN" sz="3200" b="0" i="1" smtClean="0">
-                                        <a:latin typeface="Cambria Math" panose="02040503050406030204" pitchFamily="18" charset="0"/>
-                                      </a:rPr>
-                                      <m:t>𝑍</m:t>
-                                    </m:r>
-                                  </m:den>
-                                </m:f>
-                                <m:r>
-                                  <a:rPr lang="en-US" altLang="zh-CN" sz="3200" b="0" i="1" smtClean="0">
-                                    <a:latin typeface="Cambria Math" panose="02040503050406030204" pitchFamily="18" charset="0"/>
-                                  </a:rPr>
-                                  <m:t>      </m:t>
-                                </m:r>
-                                <m:r>
-                                  <m:rPr>
-                                    <m:sty m:val="p"/>
-                                  </m:rPr>
-                                  <a:rPr lang="en-US" altLang="zh-CN" sz="3200" b="0" i="0" smtClean="0">
-                                    <a:latin typeface="Cambria Math" panose="02040503050406030204" pitchFamily="18" charset="0"/>
-                                  </a:rPr>
-                                  <m:t>if</m:t>
-                                </m:r>
-                                <m:d>
-                                  <m:dPr>
-                                    <m:ctrlPr>
-                                      <a:rPr lang="en-US" altLang="zh-CN" sz="3200" b="0" i="1" smtClean="0">
-                                        <a:latin typeface="Cambria Math" panose="02040503050406030204" pitchFamily="18" charset="0"/>
-                                      </a:rPr>
-                                    </m:ctrlPr>
-                                  </m:dPr>
-                                  <m:e>
-                                    <m:r>
-                                      <a:rPr lang="en-US" altLang="zh-CN" sz="3200" b="0" i="1" smtClean="0">
-                                        <a:latin typeface="Cambria Math" panose="02040503050406030204" pitchFamily="18" charset="0"/>
-                                      </a:rPr>
-                                      <m:t>𝑣</m:t>
-                                    </m:r>
-                                    <m:r>
-                                      <a:rPr lang="en-US" altLang="zh-CN" sz="3200" b="0" i="1" smtClean="0">
-                                        <a:latin typeface="Cambria Math" panose="02040503050406030204" pitchFamily="18" charset="0"/>
-                                      </a:rPr>
-                                      <m:t>, </m:t>
-                                    </m:r>
-                                    <m:r>
-                                      <a:rPr lang="en-US" altLang="zh-CN" sz="3200" b="0" i="1" smtClean="0">
-                                        <a:latin typeface="Cambria Math" panose="02040503050406030204" pitchFamily="18" charset="0"/>
-                                      </a:rPr>
-                                      <m:t>𝑥</m:t>
-                                    </m:r>
-                                  </m:e>
-                                </m:d>
-                                <m:r>
-                                  <a:rPr lang="en-US" altLang="zh-CN" sz="3200" b="0" i="1" smtClean="0">
-                                    <a:latin typeface="Cambria Math" panose="02040503050406030204" pitchFamily="18" charset="0"/>
-                                  </a:rPr>
-                                  <m:t>∈</m:t>
-                                </m:r>
-                                <m:r>
-                                  <a:rPr lang="en-US" altLang="zh-CN" sz="3200" b="0" i="1" smtClean="0">
-                                    <a:latin typeface="Cambria Math" panose="02040503050406030204" pitchFamily="18" charset="0"/>
-                                  </a:rPr>
-                                  <m:t>𝐸</m:t>
-                                </m:r>
-                              </m:e>
-                            </m:mr>
-                            <m:mr>
-                              <m:e>
-                                <m:r>
-                                  <a:rPr lang="zh-CN" altLang="en-US" sz="3200" i="0" smtClean="0">
-                                    <a:latin typeface="Cambria Math" panose="02040503050406030204" pitchFamily="18" charset="0"/>
-                                  </a:rPr>
-                                  <m:t>0</m:t>
-                                </m:r>
-                                <m:r>
-                                  <a:rPr lang="en-US" altLang="zh-CN" sz="3200" b="0" i="0" smtClean="0">
-                                    <a:latin typeface="Cambria Math" panose="02040503050406030204" pitchFamily="18" charset="0"/>
-                                  </a:rPr>
-                                  <m:t>          </m:t>
-                                </m:r>
-                                <m:r>
-                                  <m:rPr>
-                                    <m:sty m:val="p"/>
-                                  </m:rPr>
-                                  <a:rPr lang="en-US" altLang="zh-CN" sz="3200" b="0" i="0" smtClean="0">
-                                    <a:latin typeface="Cambria Math" panose="02040503050406030204" pitchFamily="18" charset="0"/>
-                                  </a:rPr>
-                                  <m:t>otherwise</m:t>
-                                </m:r>
-                                <m:r>
-                                  <a:rPr lang="en-US" altLang="zh-CN" sz="3200" b="0" i="0" smtClean="0">
-                                    <a:latin typeface="Cambria Math" panose="02040503050406030204" pitchFamily="18" charset="0"/>
-                                  </a:rPr>
-                                  <m:t> </m:t>
-                                </m:r>
-                              </m:e>
-                            </m:mr>
-                          </m:m>
-                        </m:e>
-                      </m:d>
-                    </m:oMath>
-                  </m:oMathPara>
-                </a14:m>
-                <a:endParaRPr lang="zh-CN" altLang="en-US" sz="3200" dirty="0"/>
-              </a:p>
-            </p:txBody>
-          </p:sp>
-        </mc:Choice>
-        <mc:Fallback xmlns="">
-          <p:sp>
-            <p:nvSpPr>
-              <p:cNvPr id="23" name="文本框 22">
-                <a:extLst>
-                  <a:ext uri="{FF2B5EF4-FFF2-40B4-BE49-F238E27FC236}">
-                    <a16:creationId xmlns:a16="http://schemas.microsoft.com/office/drawing/2014/main" id="{E1B4730F-7F7F-411C-8920-03B0AF887A33}"/>
-                  </a:ext>
-                </a:extLst>
-              </p:cNvPr>
-              <p:cNvSpPr txBox="1">
-                <a:spLocks noRot="1" noChangeAspect="1" noMove="1" noResize="1" noEditPoints="1" noAdjustHandles="1" noChangeArrowheads="1" noChangeShapeType="1" noTextEdit="1"/>
-              </p:cNvSpPr>
-              <p:nvPr/>
-            </p:nvSpPr>
-            <p:spPr>
-              <a:xfrm>
-                <a:off x="1711143" y="2489345"/>
-                <a:ext cx="7522514" cy="1572162"/>
-              </a:xfrm>
-              <a:prstGeom prst="rect">
-                <a:avLst/>
-              </a:prstGeom>
-              <a:blipFill>
-                <a:blip r:embed="rId4"/>
-                <a:stretch>
-                  <a:fillRect/>
-                </a:stretch>
-              </a:blipFill>
-            </p:spPr>
-            <p:txBody>
-              <a:bodyPr/>
-              <a:lstStyle/>
-              <a:p>
-                <a:r>
-                  <a:rPr lang="zh-CN" altLang="en-US">
-                    <a:noFill/>
-                  </a:rPr>
-                  <a:t> </a:t>
-                </a:r>
-              </a:p>
-            </p:txBody>
-          </p:sp>
-        </mc:Fallback>
-      </mc:AlternateContent>
-      <mc:AlternateContent xmlns:mc="http://schemas.openxmlformats.org/markup-compatibility/2006" xmlns:a14="http://schemas.microsoft.com/office/drawing/2010/main">
-        <mc:Choice Requires="a14">
-          <p:sp>
-            <p:nvSpPr>
-              <p:cNvPr id="26" name="矩形 25">
-                <a:extLst>
-                  <a:ext uri="{FF2B5EF4-FFF2-40B4-BE49-F238E27FC236}">
-                    <a16:creationId xmlns:a16="http://schemas.microsoft.com/office/drawing/2014/main" id="{F857D2FF-4D5A-4AA0-99FA-5D86BAE9DDBD}"/>
-                  </a:ext>
-                </a:extLst>
-              </p:cNvPr>
-              <p:cNvSpPr/>
-              <p:nvPr/>
-            </p:nvSpPr>
-            <p:spPr>
-              <a:xfrm>
-                <a:off x="605636" y="4466507"/>
-                <a:ext cx="7544886" cy="1077218"/>
-              </a:xfrm>
-              <a:prstGeom prst="rect">
-                <a:avLst/>
-              </a:prstGeom>
-            </p:spPr>
-            <p:txBody>
-              <a:bodyPr wrap="none">
-                <a:spAutoFit/>
-              </a:bodyPr>
-              <a:lstStyle/>
-              <a:p>
-                <a:pPr marL="457200" indent="-457200">
-                  <a:buFont typeface="Wingdings" panose="05000000000000000000" pitchFamily="2" charset="2"/>
-                  <a:buChar char="p"/>
-                </a:pPr>
-                <a:r>
-                  <a:rPr lang="en-US" altLang="zh-CN" sz="3200" dirty="0">
-                    <a:solidFill>
-                      <a:schemeClr val="accent1"/>
-                    </a:solidFill>
-                    <a:cs typeface="Times New Roman" panose="02020603050405020304" pitchFamily="18" charset="0"/>
-                  </a:rPr>
-                  <a:t> </a:t>
-                </a:r>
-                <a14:m>
-                  <m:oMath xmlns:m="http://schemas.openxmlformats.org/officeDocument/2006/math">
-                    <m:sSub>
-                      <m:sSubPr>
-                        <m:ctrlPr>
-                          <a:rPr lang="en-US" altLang="zh-CN" sz="3200" i="1">
-                            <a:latin typeface="Cambria Math" panose="02040503050406030204" pitchFamily="18" charset="0"/>
-                          </a:rPr>
-                        </m:ctrlPr>
-                      </m:sSubPr>
-                      <m:e>
-                        <m:r>
-                          <a:rPr lang="zh-CN" altLang="en-US" sz="3200" i="1">
-                            <a:latin typeface="Cambria Math" panose="02040503050406030204" pitchFamily="18" charset="0"/>
-                          </a:rPr>
-                          <m:t>𝜋</m:t>
-                        </m:r>
-                      </m:e>
-                      <m:sub>
-                        <m:r>
-                          <a:rPr lang="en-US" altLang="zh-CN" sz="3200" i="1">
-                            <a:latin typeface="Cambria Math" panose="02040503050406030204" pitchFamily="18" charset="0"/>
-                          </a:rPr>
-                          <m:t>𝑣𝑥</m:t>
-                        </m:r>
-                      </m:sub>
-                    </m:sSub>
-                  </m:oMath>
-                </a14:m>
-                <a:r>
-                  <a:rPr lang="zh-CN" altLang="en-US" sz="3200" dirty="0"/>
-                  <a:t> </a:t>
-                </a:r>
-                <a:r>
-                  <a:rPr lang="en-US" altLang="zh-CN" sz="3200" dirty="0"/>
-                  <a:t>: unnormalized transition probability</a:t>
-                </a:r>
-              </a:p>
-              <a:p>
-                <a:pPr marL="457200" indent="-457200">
-                  <a:buFont typeface="Wingdings" panose="05000000000000000000" pitchFamily="2" charset="2"/>
-                  <a:buChar char="p"/>
-                </a:pPr>
-                <a:r>
-                  <a:rPr lang="en-US" altLang="zh-CN" sz="3200" dirty="0">
-                    <a:solidFill>
-                      <a:srgbClr val="0070C0"/>
-                    </a:solidFill>
-                    <a:cs typeface="Times New Roman" panose="02020603050405020304" pitchFamily="18" charset="0"/>
-                  </a:rPr>
-                  <a:t> </a:t>
-                </a:r>
-                <a14:m>
-                  <m:oMath xmlns:m="http://schemas.openxmlformats.org/officeDocument/2006/math">
-                    <m:r>
-                      <a:rPr lang="en-US" altLang="zh-CN" sz="3200" i="1">
-                        <a:latin typeface="Cambria Math" panose="02040503050406030204" pitchFamily="18" charset="0"/>
-                      </a:rPr>
-                      <m:t>𝑍</m:t>
-                    </m:r>
-                  </m:oMath>
-                </a14:m>
-                <a:r>
-                  <a:rPr lang="zh-CN" altLang="en-US" sz="3200" dirty="0"/>
-                  <a:t> </a:t>
-                </a:r>
-                <a:r>
-                  <a:rPr lang="en-US" altLang="zh-CN" sz="3200" dirty="0"/>
-                  <a:t>is the normalizing constant.</a:t>
-                </a:r>
-                <a:endParaRPr lang="zh-CN" altLang="en-US" sz="3200" dirty="0"/>
-              </a:p>
-            </p:txBody>
-          </p:sp>
-        </mc:Choice>
-        <mc:Fallback xmlns="">
-          <p:sp>
-            <p:nvSpPr>
-              <p:cNvPr id="26" name="矩形 25">
-                <a:extLst>
-                  <a:ext uri="{FF2B5EF4-FFF2-40B4-BE49-F238E27FC236}">
-                    <a16:creationId xmlns:a16="http://schemas.microsoft.com/office/drawing/2014/main" id="{F857D2FF-4D5A-4AA0-99FA-5D86BAE9DDBD}"/>
-                  </a:ext>
-                </a:extLst>
-              </p:cNvPr>
-              <p:cNvSpPr>
-                <a:spLocks noRot="1" noChangeAspect="1" noMove="1" noResize="1" noEditPoints="1" noAdjustHandles="1" noChangeArrowheads="1" noChangeShapeType="1" noTextEdit="1"/>
-              </p:cNvSpPr>
-              <p:nvPr/>
-            </p:nvSpPr>
-            <p:spPr>
-              <a:xfrm>
-                <a:off x="605636" y="4466507"/>
-                <a:ext cx="7544886" cy="1077218"/>
-              </a:xfrm>
-              <a:prstGeom prst="rect">
-                <a:avLst/>
-              </a:prstGeom>
-              <a:blipFill>
-                <a:blip r:embed="rId5"/>
-                <a:stretch>
-                  <a:fillRect l="-1777" t="-6818" r="-889" b="-18750"/>
-                </a:stretch>
-              </a:blipFill>
-            </p:spPr>
-            <p:txBody>
-              <a:bodyPr/>
-              <a:lstStyle/>
-              <a:p>
-                <a:r>
-                  <a:rPr lang="zh-CN" altLang="en-US">
-                    <a:noFill/>
-                  </a:rPr>
-                  <a:t> </a:t>
-                </a:r>
-              </a:p>
-            </p:txBody>
-          </p:sp>
-        </mc:Fallback>
-      </mc:AlternateContent>
-      <mc:AlternateContent xmlns:mc="http://schemas.openxmlformats.org/markup-compatibility/2006" xmlns:a14="http://schemas.microsoft.com/office/drawing/2010/main">
-        <mc:Choice Requires="a14">
-          <p:sp>
-            <p:nvSpPr>
-              <p:cNvPr id="27" name="矩形 26">
-                <a:extLst>
-                  <a:ext uri="{FF2B5EF4-FFF2-40B4-BE49-F238E27FC236}">
-                    <a16:creationId xmlns:a16="http://schemas.microsoft.com/office/drawing/2014/main" id="{AADBFE3D-09D5-4FF3-8691-A4B9AA2EB1FB}"/>
-                  </a:ext>
-                </a:extLst>
-              </p:cNvPr>
-              <p:cNvSpPr/>
-              <p:nvPr/>
-            </p:nvSpPr>
-            <p:spPr>
-              <a:xfrm>
-                <a:off x="1266256" y="5699993"/>
-                <a:ext cx="3910814" cy="622735"/>
-              </a:xfrm>
-              <a:prstGeom prst="rect">
-                <a:avLst/>
-              </a:prstGeom>
-            </p:spPr>
-            <p:txBody>
-              <a:bodyPr wrap="none">
-                <a:spAutoFit/>
-              </a:bodyPr>
-              <a:lstStyle/>
-              <a:p>
-                <a:pPr/>
-                <a14:m>
-                  <m:oMathPara xmlns:m="http://schemas.openxmlformats.org/officeDocument/2006/math">
-                    <m:oMathParaPr>
-                      <m:jc m:val="centerGroup"/>
-                    </m:oMathParaPr>
-                    <m:oMath xmlns:m="http://schemas.openxmlformats.org/officeDocument/2006/math">
-                      <m:sSub>
-                        <m:sSubPr>
-                          <m:ctrlPr>
-                            <a:rPr lang="en-US" altLang="zh-CN" sz="3200" i="1" smtClean="0">
-                              <a:solidFill>
-                                <a:prstClr val="black"/>
-                              </a:solidFill>
-                              <a:latin typeface="Cambria Math" panose="02040503050406030204" pitchFamily="18" charset="0"/>
-                            </a:rPr>
-                          </m:ctrlPr>
-                        </m:sSubPr>
-                        <m:e>
-                          <m:r>
-                            <a:rPr lang="zh-CN" altLang="en-US" sz="3200" i="1">
-                              <a:solidFill>
-                                <a:prstClr val="black"/>
-                              </a:solidFill>
-                              <a:latin typeface="Cambria Math" panose="02040503050406030204" pitchFamily="18" charset="0"/>
-                            </a:rPr>
-                            <m:t>𝜋</m:t>
-                          </m:r>
-                        </m:e>
-                        <m:sub>
-                          <m:r>
-                            <a:rPr lang="en-US" altLang="zh-CN" sz="3200" i="1">
-                              <a:solidFill>
-                                <a:prstClr val="black"/>
-                              </a:solidFill>
-                              <a:latin typeface="Cambria Math" panose="02040503050406030204" pitchFamily="18" charset="0"/>
-                            </a:rPr>
-                            <m:t>𝑣𝑥</m:t>
-                          </m:r>
-                        </m:sub>
-                      </m:sSub>
-                      <m:r>
-                        <a:rPr lang="en-US" altLang="zh-CN" sz="3200" b="0" i="1" smtClean="0">
-                          <a:solidFill>
-                            <a:prstClr val="black"/>
-                          </a:solidFill>
-                          <a:latin typeface="Cambria Math" panose="02040503050406030204" pitchFamily="18" charset="0"/>
-                        </a:rPr>
-                        <m:t>=</m:t>
-                      </m:r>
-                      <m:sSub>
-                        <m:sSubPr>
-                          <m:ctrlPr>
-                            <a:rPr lang="en-US" altLang="zh-CN" sz="3200" b="0" i="1" smtClean="0">
-                              <a:solidFill>
-                                <a:prstClr val="black"/>
-                              </a:solidFill>
-                              <a:latin typeface="Cambria Math" panose="02040503050406030204" pitchFamily="18" charset="0"/>
-                            </a:rPr>
-                          </m:ctrlPr>
-                        </m:sSubPr>
-                        <m:e>
-                          <m:r>
-                            <a:rPr lang="en-US" altLang="zh-CN" sz="3200" b="0" i="1" smtClean="0">
-                              <a:solidFill>
-                                <a:prstClr val="black"/>
-                              </a:solidFill>
-                              <a:latin typeface="Cambria Math" panose="02040503050406030204" pitchFamily="18" charset="0"/>
-                            </a:rPr>
-                            <m:t>𝛼</m:t>
-                          </m:r>
-                        </m:e>
-                        <m:sub>
-                          <m:r>
-                            <a:rPr lang="en-US" altLang="zh-CN" sz="3200" b="0" i="1" smtClean="0">
-                              <a:solidFill>
-                                <a:prstClr val="black"/>
-                              </a:solidFill>
-                              <a:latin typeface="Cambria Math" panose="02040503050406030204" pitchFamily="18" charset="0"/>
-                            </a:rPr>
-                            <m:t>𝑝𝑞</m:t>
-                          </m:r>
-                        </m:sub>
-                      </m:sSub>
-                      <m:d>
-                        <m:dPr>
-                          <m:ctrlPr>
-                            <a:rPr lang="en-US" altLang="zh-CN" sz="3200" b="0" i="1" smtClean="0">
-                              <a:solidFill>
-                                <a:prstClr val="black"/>
-                              </a:solidFill>
-                              <a:latin typeface="Cambria Math" panose="02040503050406030204" pitchFamily="18" charset="0"/>
-                            </a:rPr>
-                          </m:ctrlPr>
-                        </m:dPr>
-                        <m:e>
-                          <m:r>
-                            <a:rPr lang="en-US" altLang="zh-CN" sz="3200" b="0" i="1" smtClean="0">
-                              <a:solidFill>
-                                <a:prstClr val="black"/>
-                              </a:solidFill>
-                              <a:latin typeface="Cambria Math" panose="02040503050406030204" pitchFamily="18" charset="0"/>
-                            </a:rPr>
-                            <m:t>𝑡</m:t>
-                          </m:r>
-                          <m:r>
-                            <a:rPr lang="en-US" altLang="zh-CN" sz="3200" b="0" i="1" smtClean="0">
-                              <a:solidFill>
-                                <a:prstClr val="black"/>
-                              </a:solidFill>
-                              <a:latin typeface="Cambria Math" panose="02040503050406030204" pitchFamily="18" charset="0"/>
-                            </a:rPr>
-                            <m:t>,</m:t>
-                          </m:r>
-                          <m:r>
-                            <a:rPr lang="en-US" altLang="zh-CN" sz="3200" b="0" i="1" smtClean="0">
-                              <a:solidFill>
-                                <a:prstClr val="black"/>
-                              </a:solidFill>
-                              <a:latin typeface="Cambria Math" panose="02040503050406030204" pitchFamily="18" charset="0"/>
-                            </a:rPr>
-                            <m:t>𝑥</m:t>
-                          </m:r>
-                        </m:e>
-                      </m:d>
-                      <m:r>
-                        <a:rPr lang="en-US" altLang="zh-CN" sz="3200" i="1">
-                          <a:solidFill>
-                            <a:prstClr val="black"/>
-                          </a:solidFill>
-                          <a:latin typeface="Cambria Math" panose="02040503050406030204" pitchFamily="18" charset="0"/>
-                        </a:rPr>
-                        <m:t>·</m:t>
-                      </m:r>
-                      <m:sSub>
-                        <m:sSubPr>
-                          <m:ctrlPr>
-                            <a:rPr lang="en-US" altLang="zh-CN" sz="3200" b="0" i="1" smtClean="0">
-                              <a:solidFill>
-                                <a:prstClr val="black"/>
-                              </a:solidFill>
-                              <a:latin typeface="Cambria Math" panose="02040503050406030204" pitchFamily="18" charset="0"/>
-                            </a:rPr>
-                          </m:ctrlPr>
-                        </m:sSubPr>
-                        <m:e>
-                          <m:r>
-                            <a:rPr lang="en-US" altLang="zh-CN" sz="3200" b="0" i="1" smtClean="0">
-                              <a:solidFill>
-                                <a:prstClr val="black"/>
-                              </a:solidFill>
-                              <a:latin typeface="Cambria Math" panose="02040503050406030204" pitchFamily="18" charset="0"/>
-                            </a:rPr>
-                            <m:t>𝑤</m:t>
-                          </m:r>
-                        </m:e>
-                        <m:sub>
-                          <m:r>
-                            <a:rPr lang="en-US" altLang="zh-CN" sz="3200" b="0" i="1" smtClean="0">
-                              <a:solidFill>
-                                <a:prstClr val="black"/>
-                              </a:solidFill>
-                              <a:latin typeface="Cambria Math" panose="02040503050406030204" pitchFamily="18" charset="0"/>
-                            </a:rPr>
-                            <m:t>𝑣𝑥</m:t>
-                          </m:r>
-                        </m:sub>
-                      </m:sSub>
-                    </m:oMath>
-                  </m:oMathPara>
-                </a14:m>
-                <a:endParaRPr lang="zh-CN" altLang="en-US" sz="2400" dirty="0"/>
-              </a:p>
-            </p:txBody>
-          </p:sp>
-        </mc:Choice>
-        <mc:Fallback xmlns="">
-          <p:sp>
-            <p:nvSpPr>
-              <p:cNvPr id="27" name="矩形 26">
-                <a:extLst>
-                  <a:ext uri="{FF2B5EF4-FFF2-40B4-BE49-F238E27FC236}">
-                    <a16:creationId xmlns:a16="http://schemas.microsoft.com/office/drawing/2014/main" id="{AADBFE3D-09D5-4FF3-8691-A4B9AA2EB1FB}"/>
-                  </a:ext>
-                </a:extLst>
-              </p:cNvPr>
-              <p:cNvSpPr>
-                <a:spLocks noRot="1" noChangeAspect="1" noMove="1" noResize="1" noEditPoints="1" noAdjustHandles="1" noChangeArrowheads="1" noChangeShapeType="1" noTextEdit="1"/>
-              </p:cNvSpPr>
-              <p:nvPr/>
-            </p:nvSpPr>
-            <p:spPr>
-              <a:xfrm>
-                <a:off x="1266256" y="5699993"/>
-                <a:ext cx="3910814" cy="622735"/>
-              </a:xfrm>
-              <a:prstGeom prst="rect">
-                <a:avLst/>
-              </a:prstGeom>
-              <a:blipFill>
-                <a:blip r:embed="rId6"/>
-                <a:stretch>
-                  <a:fillRect/>
-                </a:stretch>
-              </a:blipFill>
-            </p:spPr>
-            <p:txBody>
-              <a:bodyPr/>
-              <a:lstStyle/>
-              <a:p>
-                <a:r>
-                  <a:rPr lang="zh-CN" altLang="en-US">
-                    <a:noFill/>
-                  </a:rPr>
-                  <a:t> </a:t>
-                </a:r>
-              </a:p>
-            </p:txBody>
-          </p:sp>
-        </mc:Fallback>
-      </mc:AlternateContent>
-      <p:pic>
-        <p:nvPicPr>
-          <p:cNvPr id="28" name="图片 27">
-            <a:extLst>
-              <a:ext uri="{FF2B5EF4-FFF2-40B4-BE49-F238E27FC236}">
-                <a16:creationId xmlns:a16="http://schemas.microsoft.com/office/drawing/2014/main" id="{0CB489E7-B37F-4517-9B5F-BAAF9459556B}"/>
-              </a:ext>
-            </a:extLst>
-          </p:cNvPr>
-          <p:cNvPicPr>
-            <a:picLocks noChangeAspect="1"/>
-          </p:cNvPicPr>
-          <p:nvPr/>
-        </p:nvPicPr>
-        <p:blipFill>
-          <a:blip r:embed="rId7"/>
-          <a:stretch>
-            <a:fillRect/>
-          </a:stretch>
-        </p:blipFill>
-        <p:spPr>
-          <a:xfrm>
-            <a:off x="7014932" y="6163018"/>
-            <a:ext cx="3532237" cy="2519950"/>
-          </a:xfrm>
-          <a:prstGeom prst="rect">
-            <a:avLst/>
-          </a:prstGeom>
-        </p:spPr>
-      </p:pic>
-      <p:pic>
-        <p:nvPicPr>
-          <p:cNvPr id="29" name="图片 28">
-            <a:extLst>
-              <a:ext uri="{FF2B5EF4-FFF2-40B4-BE49-F238E27FC236}">
-                <a16:creationId xmlns:a16="http://schemas.microsoft.com/office/drawing/2014/main" id="{CCF2241A-58AC-472A-B371-0053D31C9EDE}"/>
-              </a:ext>
-            </a:extLst>
-          </p:cNvPr>
-          <p:cNvPicPr>
-            <a:picLocks noChangeAspect="1"/>
-          </p:cNvPicPr>
-          <p:nvPr/>
-        </p:nvPicPr>
-        <p:blipFill>
-          <a:blip r:embed="rId8"/>
-          <a:stretch>
-            <a:fillRect/>
-          </a:stretch>
-        </p:blipFill>
-        <p:spPr>
-          <a:xfrm>
-            <a:off x="1211022" y="6478996"/>
-            <a:ext cx="3793915" cy="1561659"/>
-          </a:xfrm>
-          <a:prstGeom prst="rect">
-            <a:avLst/>
-          </a:prstGeom>
-        </p:spPr>
-      </p:pic>
-      <mc:AlternateContent xmlns:mc="http://schemas.openxmlformats.org/markup-compatibility/2006" xmlns:a14="http://schemas.microsoft.com/office/drawing/2010/main">
-        <mc:Choice Requires="a14">
-          <p:sp>
-            <p:nvSpPr>
-              <p:cNvPr id="8" name="矩形 7">
-                <a:extLst>
-                  <a:ext uri="{FF2B5EF4-FFF2-40B4-BE49-F238E27FC236}">
-                    <a16:creationId xmlns:a16="http://schemas.microsoft.com/office/drawing/2014/main" id="{A7AEAB85-9C8D-4883-841C-8B891BCA6631}"/>
-                  </a:ext>
-                </a:extLst>
-              </p:cNvPr>
-              <p:cNvSpPr/>
-              <p:nvPr/>
-            </p:nvSpPr>
-            <p:spPr>
-              <a:xfrm>
-                <a:off x="857243" y="8313003"/>
-                <a:ext cx="4728839" cy="830997"/>
-              </a:xfrm>
-              <a:prstGeom prst="rect">
-                <a:avLst/>
-              </a:prstGeom>
-            </p:spPr>
-            <p:txBody>
-              <a:bodyPr wrap="square">
-                <a:spAutoFit/>
-              </a:bodyPr>
-              <a:lstStyle/>
-              <a:p>
-                <a14:m>
-                  <m:oMath xmlns:m="http://schemas.openxmlformats.org/officeDocument/2006/math">
-                    <m:sSub>
-                      <m:sSubPr>
-                        <m:ctrlPr>
-                          <a:rPr lang="en-US" altLang="zh-CN" sz="2400" i="1" smtClean="0">
-                            <a:solidFill>
-                              <a:schemeClr val="accent6">
-                                <a:lumMod val="75000"/>
-                              </a:schemeClr>
-                            </a:solidFill>
-                            <a:latin typeface="Cambria Math" panose="02040503050406030204" pitchFamily="18" charset="0"/>
-                          </a:rPr>
-                        </m:ctrlPr>
-                      </m:sSubPr>
-                      <m:e>
-                        <m:r>
-                          <a:rPr lang="en-US" altLang="zh-CN" sz="2400" i="1">
-                            <a:solidFill>
-                              <a:schemeClr val="accent6">
-                                <a:lumMod val="75000"/>
-                              </a:schemeClr>
-                            </a:solidFill>
-                            <a:latin typeface="Cambria Math" panose="02040503050406030204" pitchFamily="18" charset="0"/>
-                          </a:rPr>
-                          <m:t>𝑑</m:t>
-                        </m:r>
-                      </m:e>
-                      <m:sub>
-                        <m:r>
-                          <a:rPr lang="en-US" altLang="zh-CN" sz="2400" i="1">
-                            <a:solidFill>
-                              <a:schemeClr val="accent6">
-                                <a:lumMod val="75000"/>
-                              </a:schemeClr>
-                            </a:solidFill>
-                            <a:latin typeface="Cambria Math" panose="02040503050406030204" pitchFamily="18" charset="0"/>
-                          </a:rPr>
-                          <m:t>𝑡𝑥</m:t>
-                        </m:r>
-                      </m:sub>
-                    </m:sSub>
-                    <m:r>
-                      <a:rPr lang="en-US" altLang="zh-CN" sz="2400" i="1">
-                        <a:solidFill>
-                          <a:schemeClr val="accent6">
-                            <a:lumMod val="75000"/>
-                          </a:schemeClr>
-                        </a:solidFill>
-                        <a:latin typeface="Cambria Math" panose="02040503050406030204" pitchFamily="18" charset="0"/>
-                      </a:rPr>
-                      <m:t>∈{0,1,2}</m:t>
-                    </m:r>
-                  </m:oMath>
-                </a14:m>
-                <a:r>
-                  <a:rPr lang="en-US" altLang="zh-CN" dirty="0">
-                    <a:solidFill>
-                      <a:schemeClr val="accent6">
-                        <a:lumMod val="75000"/>
-                      </a:schemeClr>
-                    </a:solidFill>
-                  </a:rPr>
-                  <a:t>: </a:t>
-                </a:r>
-                <a:r>
-                  <a:rPr lang="en-US" altLang="zh-CN" sz="2400" dirty="0">
-                    <a:solidFill>
-                      <a:schemeClr val="accent6">
-                        <a:lumMod val="75000"/>
-                      </a:schemeClr>
-                    </a:solidFill>
-                  </a:rPr>
-                  <a:t>the shortest path distance between nodes </a:t>
-                </a:r>
-                <a14:m>
-                  <m:oMath xmlns:m="http://schemas.openxmlformats.org/officeDocument/2006/math">
-                    <m:r>
-                      <a:rPr lang="en-US" altLang="zh-CN" sz="2400" i="1">
-                        <a:solidFill>
-                          <a:schemeClr val="accent6">
-                            <a:lumMod val="75000"/>
-                          </a:schemeClr>
-                        </a:solidFill>
-                        <a:latin typeface="Cambria Math" panose="02040503050406030204" pitchFamily="18" charset="0"/>
-                        <a:cs typeface="Times New Roman" panose="02020603050405020304" pitchFamily="18" charset="0"/>
-                      </a:rPr>
-                      <m:t>𝑡</m:t>
-                    </m:r>
-                  </m:oMath>
-                </a14:m>
-                <a:r>
-                  <a:rPr lang="en-US" altLang="zh-CN" sz="2400" dirty="0">
-                    <a:solidFill>
-                      <a:schemeClr val="accent6">
-                        <a:lumMod val="75000"/>
-                      </a:schemeClr>
-                    </a:solidFill>
-                  </a:rPr>
-                  <a:t> and </a:t>
-                </a:r>
-                <a14:m>
-                  <m:oMath xmlns:m="http://schemas.openxmlformats.org/officeDocument/2006/math">
-                    <m:r>
-                      <a:rPr lang="en-US" altLang="zh-CN" sz="2400" i="1">
-                        <a:solidFill>
-                          <a:schemeClr val="accent6">
-                            <a:lumMod val="75000"/>
-                          </a:schemeClr>
-                        </a:solidFill>
-                        <a:latin typeface="Cambria Math" panose="02040503050406030204" pitchFamily="18" charset="0"/>
-                        <a:cs typeface="Times New Roman" panose="02020603050405020304" pitchFamily="18" charset="0"/>
-                      </a:rPr>
-                      <m:t>𝑥</m:t>
-                    </m:r>
-                  </m:oMath>
-                </a14:m>
-                <a:r>
-                  <a:rPr lang="en-US" altLang="zh-CN" sz="2400" dirty="0">
-                    <a:solidFill>
-                      <a:schemeClr val="accent6">
-                        <a:lumMod val="75000"/>
-                      </a:schemeClr>
-                    </a:solidFill>
-                  </a:rPr>
-                  <a:t>. </a:t>
-                </a:r>
-                <a:endParaRPr lang="zh-CN" altLang="en-US" dirty="0">
-                  <a:solidFill>
-                    <a:schemeClr val="accent6">
-                      <a:lumMod val="75000"/>
-                    </a:schemeClr>
-                  </a:solidFill>
-                </a:endParaRPr>
-              </a:p>
-            </p:txBody>
-          </p:sp>
-        </mc:Choice>
-        <mc:Fallback xmlns="">
-          <p:sp>
-            <p:nvSpPr>
-              <p:cNvPr id="8" name="矩形 7">
-                <a:extLst>
-                  <a:ext uri="{FF2B5EF4-FFF2-40B4-BE49-F238E27FC236}">
-                    <a16:creationId xmlns:a16="http://schemas.microsoft.com/office/drawing/2014/main" id="{A7AEAB85-9C8D-4883-841C-8B891BCA6631}"/>
-                  </a:ext>
-                </a:extLst>
-              </p:cNvPr>
-              <p:cNvSpPr>
-                <a:spLocks noRot="1" noChangeAspect="1" noMove="1" noResize="1" noEditPoints="1" noAdjustHandles="1" noChangeArrowheads="1" noChangeShapeType="1" noTextEdit="1"/>
-              </p:cNvSpPr>
-              <p:nvPr/>
-            </p:nvSpPr>
-            <p:spPr>
-              <a:xfrm>
-                <a:off x="857243" y="8313003"/>
-                <a:ext cx="4728839" cy="830997"/>
-              </a:xfrm>
-              <a:prstGeom prst="rect">
-                <a:avLst/>
-              </a:prstGeom>
-              <a:blipFill>
-                <a:blip r:embed="rId9"/>
-                <a:stretch>
-                  <a:fillRect l="-2065" t="-5882" b="-16176"/>
-                </a:stretch>
-              </a:blipFill>
-            </p:spPr>
-            <p:txBody>
-              <a:bodyPr/>
-              <a:lstStyle/>
-              <a:p>
-                <a:r>
-                  <a:rPr lang="zh-CN" altLang="en-US">
-                    <a:noFill/>
-                  </a:rPr>
-                  <a:t> </a:t>
-                </a:r>
-              </a:p>
-            </p:txBody>
-          </p:sp>
-        </mc:Fallback>
-      </mc:AlternateContent>
-    </p:spTree>
-    <p:extLst>
-      <p:ext uri="{BB962C8B-B14F-4D97-AF65-F5344CB8AC3E}">
-        <p14:creationId xmlns:p14="http://schemas.microsoft.com/office/powerpoint/2010/main" val="3078291749"/>
-      </p:ext>
-    </p:extLst>
-  </p:cSld>
-  <p:clrMapOvr>
-    <a:masterClrMapping/>
-  </p:clrMapOvr>
-</p:sld>
-</file>
-
-<file path=ppt/slides/slide13.xml><?xml version="1.0" encoding="utf-8"?>
-<p:sld xmlns:a="http://schemas.openxmlformats.org/drawingml/2006/main" xmlns:r="http://schemas.openxmlformats.org/officeDocument/2006/relationships" xmlns:p="http://schemas.openxmlformats.org/presentationml/2006/main">
-  <p:cSld>
-    <p:spTree>
-      <p:nvGrpSpPr>
-        <p:cNvPr id="1" name=""/>
-        <p:cNvGrpSpPr/>
-        <p:nvPr/>
-      </p:nvGrpSpPr>
-      <p:grpSpPr>
-        <a:xfrm>
-          <a:off x="0" y="0"/>
-          <a:ext cx="0" cy="0"/>
-          <a:chOff x="0" y="0"/>
-          <a:chExt cx="0" cy="0"/>
-        </a:xfrm>
-      </p:grpSpPr>
-      <p:sp>
-        <p:nvSpPr>
-          <p:cNvPr id="4" name="矩形 3">
-            <a:extLst>
-              <a:ext uri="{FF2B5EF4-FFF2-40B4-BE49-F238E27FC236}">
-                <a16:creationId xmlns:a16="http://schemas.microsoft.com/office/drawing/2014/main" id="{F7F56775-9DF5-4E8B-90D1-8A5DC5B1D139}"/>
-              </a:ext>
-            </a:extLst>
-          </p:cNvPr>
-          <p:cNvSpPr/>
-          <p:nvPr/>
-        </p:nvSpPr>
-        <p:spPr>
-          <a:xfrm>
-            <a:off x="0" y="0"/>
-            <a:ext cx="12192000" cy="1439334"/>
-          </a:xfrm>
-          <a:prstGeom prst="rect">
-            <a:avLst/>
-          </a:prstGeom>
-          <a:solidFill>
-            <a:schemeClr val="tx2"/>
-          </a:solidFill>
-        </p:spPr>
-        <p:style>
-          <a:lnRef idx="2">
-            <a:schemeClr val="accent1">
-              <a:shade val="50000"/>
-            </a:schemeClr>
-          </a:lnRef>
-          <a:fillRef idx="1">
-            <a:schemeClr val="accent1"/>
-          </a:fillRef>
-          <a:effectRef idx="0">
-            <a:schemeClr val="accent1"/>
-          </a:effectRef>
-          <a:fontRef idx="minor">
-            <a:schemeClr val="lt1"/>
-          </a:fontRef>
-        </p:style>
-        <p:txBody>
-          <a:bodyPr rtlCol="0" anchor="ctr"/>
-          <a:lstStyle/>
-          <a:p>
-            <a:pPr algn="ctr"/>
-            <a:endParaRPr lang="zh-CN" altLang="en-US">
-              <a:solidFill>
-                <a:srgbClr val="FF0000"/>
-              </a:solidFill>
-            </a:endParaRPr>
-          </a:p>
-        </p:txBody>
-      </p:sp>
-      <mc:AlternateContent xmlns:mc="http://schemas.openxmlformats.org/markup-compatibility/2006" xmlns:a14="http://schemas.microsoft.com/office/drawing/2010/main">
-        <mc:Choice Requires="a14">
-          <p:sp>
-            <p:nvSpPr>
-              <p:cNvPr id="7" name="矩形 6">
-                <a:extLst>
-                  <a:ext uri="{FF2B5EF4-FFF2-40B4-BE49-F238E27FC236}">
-                    <a16:creationId xmlns:a16="http://schemas.microsoft.com/office/drawing/2014/main" id="{45935406-9B51-4ACA-A604-DE84FECA04AD}"/>
-                  </a:ext>
-                </a:extLst>
-              </p:cNvPr>
-              <p:cNvSpPr/>
-              <p:nvPr/>
-            </p:nvSpPr>
-            <p:spPr>
-              <a:xfrm>
-                <a:off x="106638" y="326480"/>
-                <a:ext cx="9323450" cy="960328"/>
-              </a:xfrm>
-              <a:prstGeom prst="rect">
-                <a:avLst/>
-              </a:prstGeom>
-            </p:spPr>
-            <p:txBody>
-              <a:bodyPr wrap="none">
-                <a:spAutoFit/>
-              </a:bodyPr>
-              <a:lstStyle/>
-              <a:p>
-                <a:r>
-                  <a:rPr lang="en-US" altLang="zh-CN" sz="5400" dirty="0">
-                    <a:solidFill>
-                      <a:schemeClr val="bg1"/>
-                    </a:solidFill>
-                  </a:rPr>
-                  <a:t>Biased </a:t>
-                </a:r>
-                <a14:m>
-                  <m:oMath xmlns:m="http://schemas.openxmlformats.org/officeDocument/2006/math">
-                    <m:sSup>
-                      <m:sSupPr>
-                        <m:ctrlPr>
-                          <a:rPr lang="zh-CN" altLang="en-US" sz="5400" i="1" dirty="0" smtClean="0">
-                            <a:solidFill>
-                              <a:schemeClr val="bg1"/>
-                            </a:solidFill>
-                            <a:latin typeface="Cambria Math" panose="02040503050406030204" pitchFamily="18" charset="0"/>
-                          </a:rPr>
-                        </m:ctrlPr>
-                      </m:sSupPr>
-                      <m:e>
-                        <m:r>
-                          <a:rPr lang="zh-CN" altLang="en-US" sz="5400" dirty="0">
-                            <a:solidFill>
-                              <a:schemeClr val="bg1"/>
-                            </a:solidFill>
-                            <a:latin typeface="Cambria Math" panose="02040503050406030204" pitchFamily="18" charset="0"/>
-                          </a:rPr>
-                          <m:t>2</m:t>
-                        </m:r>
-                      </m:e>
-                      <m:sup>
-                        <m:r>
-                          <m:rPr>
-                            <m:sty m:val="p"/>
-                          </m:rPr>
-                          <a:rPr lang="en-US" altLang="zh-CN" sz="5400" dirty="0">
-                            <a:solidFill>
-                              <a:schemeClr val="bg1"/>
-                            </a:solidFill>
-                            <a:latin typeface="Cambria Math" panose="02040503050406030204" pitchFamily="18" charset="0"/>
-                          </a:rPr>
-                          <m:t>n</m:t>
-                        </m:r>
-                        <m:r>
-                          <m:rPr>
-                            <m:sty m:val="p"/>
-                          </m:rPr>
-                          <a:rPr lang="zh-CN" altLang="en-US" sz="5400" dirty="0">
-                            <a:solidFill>
-                              <a:schemeClr val="bg1"/>
-                            </a:solidFill>
-                            <a:latin typeface="Cambria Math" panose="02040503050406030204" pitchFamily="18" charset="0"/>
-                          </a:rPr>
-                          <m:t>d</m:t>
-                        </m:r>
-                      </m:sup>
-                    </m:sSup>
-                  </m:oMath>
-                </a14:m>
-                <a:r>
-                  <a:rPr lang="en-US" altLang="zh-CN" sz="5400" dirty="0">
-                    <a:solidFill>
-                      <a:schemeClr val="bg1"/>
-                    </a:solidFill>
-                    <a:cs typeface="Times New Roman" panose="02020603050405020304" pitchFamily="18" charset="0"/>
-                  </a:rPr>
-                  <a:t>-order Random Walks</a:t>
-                </a:r>
-                <a:endParaRPr lang="zh-CN" altLang="en-US" sz="5400" dirty="0">
-                  <a:cs typeface="Times New Roman" panose="02020603050405020304" pitchFamily="18" charset="0"/>
-                </a:endParaRPr>
-              </a:p>
-            </p:txBody>
-          </p:sp>
-        </mc:Choice>
-        <mc:Fallback xmlns="">
-          <p:sp>
-            <p:nvSpPr>
-              <p:cNvPr id="7" name="矩形 6">
-                <a:extLst>
-                  <a:ext uri="{FF2B5EF4-FFF2-40B4-BE49-F238E27FC236}">
-                    <a16:creationId xmlns:a16="http://schemas.microsoft.com/office/drawing/2014/main" id="{45935406-9B51-4ACA-A604-DE84FECA04AD}"/>
-                  </a:ext>
-                </a:extLst>
-              </p:cNvPr>
-              <p:cNvSpPr>
-                <a:spLocks noRot="1" noChangeAspect="1" noMove="1" noResize="1" noEditPoints="1" noAdjustHandles="1" noChangeArrowheads="1" noChangeShapeType="1" noTextEdit="1"/>
-              </p:cNvSpPr>
-              <p:nvPr/>
-            </p:nvSpPr>
-            <p:spPr>
-              <a:xfrm>
-                <a:off x="106638" y="326480"/>
-                <a:ext cx="9323450" cy="960328"/>
-              </a:xfrm>
-              <a:prstGeom prst="rect">
-                <a:avLst/>
-              </a:prstGeom>
-              <a:blipFill>
-                <a:blip r:embed="rId2"/>
-                <a:stretch>
-                  <a:fillRect l="-3464" t="-13376" r="-2614" b="-38854"/>
-                </a:stretch>
-              </a:blipFill>
-            </p:spPr>
-            <p:txBody>
-              <a:bodyPr/>
-              <a:lstStyle/>
-              <a:p>
-                <a:r>
-                  <a:rPr lang="zh-CN" altLang="en-US">
-                    <a:noFill/>
-                  </a:rPr>
-                  <a:t> </a:t>
-                </a:r>
-              </a:p>
-            </p:txBody>
-          </p:sp>
-        </mc:Fallback>
-      </mc:AlternateContent>
-      <p:pic>
-        <p:nvPicPr>
-          <p:cNvPr id="11" name="图片 10">
-            <a:extLst>
-              <a:ext uri="{FF2B5EF4-FFF2-40B4-BE49-F238E27FC236}">
-                <a16:creationId xmlns:a16="http://schemas.microsoft.com/office/drawing/2014/main" id="{2B650376-751B-40AA-9348-D2719F8BE9AD}"/>
-              </a:ext>
-            </a:extLst>
-          </p:cNvPr>
-          <p:cNvPicPr>
-            <a:picLocks noChangeAspect="1"/>
-          </p:cNvPicPr>
-          <p:nvPr/>
-        </p:nvPicPr>
-        <p:blipFill>
-          <a:blip r:embed="rId3"/>
-          <a:stretch>
-            <a:fillRect/>
-          </a:stretch>
-        </p:blipFill>
-        <p:spPr>
-          <a:xfrm>
-            <a:off x="1473989" y="5467161"/>
-            <a:ext cx="8941260" cy="3676839"/>
-          </a:xfrm>
-          <a:prstGeom prst="rect">
-            <a:avLst/>
-          </a:prstGeom>
-        </p:spPr>
-      </p:pic>
-      <mc:AlternateContent xmlns:mc="http://schemas.openxmlformats.org/markup-compatibility/2006" xmlns:a14="http://schemas.microsoft.com/office/drawing/2010/main">
-        <mc:Choice Requires="a14">
-          <p:sp>
-            <p:nvSpPr>
-              <p:cNvPr id="14" name="矩形 13">
-                <a:extLst>
-                  <a:ext uri="{FF2B5EF4-FFF2-40B4-BE49-F238E27FC236}">
-                    <a16:creationId xmlns:a16="http://schemas.microsoft.com/office/drawing/2014/main" id="{F789855B-54AB-40E9-8485-7D00130289B5}"/>
-                  </a:ext>
-                </a:extLst>
-              </p:cNvPr>
-              <p:cNvSpPr/>
-              <p:nvPr/>
-            </p:nvSpPr>
-            <p:spPr>
-              <a:xfrm>
-                <a:off x="488379" y="1691680"/>
-                <a:ext cx="10457788" cy="3970318"/>
-              </a:xfrm>
-              <a:prstGeom prst="rect">
-                <a:avLst/>
-              </a:prstGeom>
-            </p:spPr>
-            <p:txBody>
-              <a:bodyPr wrap="square">
-                <a:spAutoFit/>
-              </a:bodyPr>
-              <a:lstStyle/>
-              <a:p>
-                <a:pPr marL="571500" indent="-571500">
-                  <a:buClr>
-                    <a:schemeClr val="accent2"/>
-                  </a:buClr>
-                  <a:buFont typeface="Wingdings" panose="05000000000000000000" pitchFamily="2" charset="2"/>
-                  <a:buChar char="p"/>
-                </a:pPr>
-                <a:r>
-                  <a:rPr lang="en-US" altLang="zh-CN" sz="2800" dirty="0">
-                    <a:cs typeface="Times New Roman" panose="02020603050405020304" pitchFamily="18" charset="0"/>
-                  </a:rPr>
-                  <a:t> </a:t>
-                </a:r>
-                <a:r>
-                  <a:rPr lang="en-US" altLang="zh-CN" sz="2800" b="1" dirty="0">
-                    <a:solidFill>
-                      <a:prstClr val="black"/>
-                    </a:solidFill>
-                  </a:rPr>
-                  <a:t>Return parameter, </a:t>
-                </a:r>
-                <a14:m>
-                  <m:oMath xmlns:m="http://schemas.openxmlformats.org/officeDocument/2006/math">
-                    <m:r>
-                      <a:rPr lang="en-US" altLang="zh-CN" sz="2800" i="1">
-                        <a:solidFill>
-                          <a:prstClr val="black"/>
-                        </a:solidFill>
-                        <a:latin typeface="Cambria Math" panose="02040503050406030204" pitchFamily="18" charset="0"/>
-                      </a:rPr>
-                      <m:t>𝑝</m:t>
-                    </m:r>
-                  </m:oMath>
-                </a14:m>
-                <a:r>
-                  <a:rPr lang="en-US" altLang="zh-CN" sz="2800" dirty="0">
-                    <a:solidFill>
-                      <a:prstClr val="black"/>
-                    </a:solidFill>
-                  </a:rPr>
-                  <a:t>. Control the likelihood of immediately revisiting a node in the walk.</a:t>
-                </a:r>
-              </a:p>
-              <a:p>
-                <a:r>
-                  <a:rPr lang="en-US" altLang="zh-CN" sz="2800" dirty="0">
-                    <a:cs typeface="Times New Roman" panose="02020603050405020304" pitchFamily="18" charset="0"/>
-                  </a:rPr>
-                  <a:t>	 </a:t>
-                </a:r>
-                <a14:m>
-                  <m:oMath xmlns:m="http://schemas.openxmlformats.org/officeDocument/2006/math">
-                    <m:r>
-                      <a:rPr lang="en-US" altLang="zh-CN" sz="2800" i="1">
-                        <a:solidFill>
-                          <a:prstClr val="black"/>
-                        </a:solidFill>
-                        <a:latin typeface="Cambria Math" panose="02040503050406030204" pitchFamily="18" charset="0"/>
-                      </a:rPr>
-                      <m:t>𝑝</m:t>
-                    </m:r>
-                    <m:r>
-                      <a:rPr lang="en-US" altLang="zh-CN" sz="2800" i="1">
-                        <a:solidFill>
-                          <a:prstClr val="black"/>
-                        </a:solidFill>
-                        <a:latin typeface="Cambria Math" panose="02040503050406030204" pitchFamily="18" charset="0"/>
-                      </a:rPr>
-                      <m:t>&gt;</m:t>
-                    </m:r>
-                    <m:r>
-                      <m:rPr>
-                        <m:sty m:val="p"/>
-                      </m:rPr>
-                      <a:rPr lang="en-US" altLang="zh-CN" sz="2800">
-                        <a:solidFill>
-                          <a:prstClr val="black"/>
-                        </a:solidFill>
-                        <a:latin typeface="Cambria Math" panose="02040503050406030204" pitchFamily="18" charset="0"/>
-                      </a:rPr>
-                      <m:t>max</m:t>
-                    </m:r>
-                    <m:r>
-                      <a:rPr lang="en-US" altLang="zh-CN" sz="2800" i="1">
-                        <a:solidFill>
-                          <a:prstClr val="black"/>
-                        </a:solidFill>
-                        <a:latin typeface="Cambria Math" panose="02040503050406030204" pitchFamily="18" charset="0"/>
-                      </a:rPr>
-                      <m:t>⁡(</m:t>
-                    </m:r>
-                    <m:r>
-                      <a:rPr lang="en-US" altLang="zh-CN" sz="2800" i="1">
-                        <a:solidFill>
-                          <a:prstClr val="black"/>
-                        </a:solidFill>
-                        <a:latin typeface="Cambria Math" panose="02040503050406030204" pitchFamily="18" charset="0"/>
-                      </a:rPr>
-                      <m:t>𝑞</m:t>
-                    </m:r>
-                    <m:r>
-                      <a:rPr lang="en-US" altLang="zh-CN" sz="2800" i="1">
-                        <a:solidFill>
-                          <a:prstClr val="black"/>
-                        </a:solidFill>
-                        <a:latin typeface="Cambria Math" panose="02040503050406030204" pitchFamily="18" charset="0"/>
-                      </a:rPr>
-                      <m:t>,1)</m:t>
-                    </m:r>
-                  </m:oMath>
-                </a14:m>
-                <a:r>
-                  <a:rPr lang="en-US" altLang="zh-CN" sz="2800" dirty="0">
-                    <a:solidFill>
-                      <a:prstClr val="black"/>
-                    </a:solidFill>
-                  </a:rPr>
-                  <a:t>, less likely sample visited node.</a:t>
-                </a:r>
-              </a:p>
-              <a:p>
-                <a:r>
-                  <a:rPr lang="en-US" altLang="zh-CN" sz="2800" dirty="0">
-                    <a:solidFill>
-                      <a:prstClr val="black"/>
-                    </a:solidFill>
-                  </a:rPr>
-                  <a:t>	 </a:t>
-                </a:r>
-                <a14:m>
-                  <m:oMath xmlns:m="http://schemas.openxmlformats.org/officeDocument/2006/math">
-                    <m:r>
-                      <a:rPr lang="en-US" altLang="zh-CN" sz="2800" i="1">
-                        <a:solidFill>
-                          <a:prstClr val="black"/>
-                        </a:solidFill>
-                        <a:latin typeface="Cambria Math" panose="02040503050406030204" pitchFamily="18" charset="0"/>
-                      </a:rPr>
-                      <m:t>𝑝</m:t>
-                    </m:r>
-                    <m:r>
-                      <a:rPr lang="en-US" altLang="zh-CN" sz="2800" i="1">
-                        <a:solidFill>
-                          <a:prstClr val="black"/>
-                        </a:solidFill>
-                        <a:latin typeface="Cambria Math" panose="02040503050406030204" pitchFamily="18" charset="0"/>
-                      </a:rPr>
-                      <m:t>&lt;</m:t>
-                    </m:r>
-                    <m:func>
-                      <m:funcPr>
-                        <m:ctrlPr>
-                          <a:rPr lang="en-US" altLang="zh-CN" sz="2800" i="1">
-                            <a:solidFill>
-                              <a:prstClr val="black"/>
-                            </a:solidFill>
-                            <a:latin typeface="Cambria Math" panose="02040503050406030204" pitchFamily="18" charset="0"/>
-                          </a:rPr>
-                        </m:ctrlPr>
-                      </m:funcPr>
-                      <m:fName>
-                        <m:r>
-                          <m:rPr>
-                            <m:sty m:val="p"/>
-                          </m:rPr>
-                          <a:rPr lang="en-US" altLang="zh-CN" sz="2800">
-                            <a:solidFill>
-                              <a:prstClr val="black"/>
-                            </a:solidFill>
-                            <a:latin typeface="Cambria Math" panose="02040503050406030204" pitchFamily="18" charset="0"/>
-                          </a:rPr>
-                          <m:t>max</m:t>
-                        </m:r>
-                      </m:fName>
-                      <m:e>
-                        <m:d>
-                          <m:dPr>
-                            <m:ctrlPr>
-                              <a:rPr lang="en-US" altLang="zh-CN" sz="2800" i="1">
-                                <a:solidFill>
-                                  <a:prstClr val="black"/>
-                                </a:solidFill>
-                                <a:latin typeface="Cambria Math" panose="02040503050406030204" pitchFamily="18" charset="0"/>
-                              </a:rPr>
-                            </m:ctrlPr>
-                          </m:dPr>
-                          <m:e>
-                            <m:r>
-                              <a:rPr lang="en-US" altLang="zh-CN" sz="2800" i="1">
-                                <a:solidFill>
-                                  <a:prstClr val="black"/>
-                                </a:solidFill>
-                                <a:latin typeface="Cambria Math" panose="02040503050406030204" pitchFamily="18" charset="0"/>
-                              </a:rPr>
-                              <m:t>𝑞</m:t>
-                            </m:r>
-                            <m:r>
-                              <a:rPr lang="en-US" altLang="zh-CN" sz="2800" i="1">
-                                <a:solidFill>
-                                  <a:prstClr val="black"/>
-                                </a:solidFill>
-                                <a:latin typeface="Cambria Math" panose="02040503050406030204" pitchFamily="18" charset="0"/>
-                              </a:rPr>
-                              <m:t>,1</m:t>
-                            </m:r>
-                          </m:e>
-                        </m:d>
-                      </m:e>
-                    </m:func>
-                  </m:oMath>
-                </a14:m>
-                <a:r>
-                  <a:rPr lang="en-US" altLang="zh-CN" sz="2800" dirty="0">
-                    <a:solidFill>
-                      <a:prstClr val="black"/>
-                    </a:solidFill>
-                  </a:rPr>
-                  <a:t>, lead the walk to backtrack a step.</a:t>
-                </a:r>
-                <a:endParaRPr lang="en-US" altLang="zh-CN" sz="2800" dirty="0">
-                  <a:cs typeface="Times New Roman" panose="02020603050405020304" pitchFamily="18" charset="0"/>
-                </a:endParaRPr>
-              </a:p>
-              <a:p>
-                <a:pPr marL="571500" indent="-571500">
-                  <a:buClr>
-                    <a:schemeClr val="accent2"/>
-                  </a:buClr>
-                  <a:buFont typeface="Wingdings" panose="05000000000000000000" pitchFamily="2" charset="2"/>
-                  <a:buChar char="p"/>
-                </a:pPr>
-                <a:r>
-                  <a:rPr lang="en-US" altLang="zh-CN" sz="2800" dirty="0">
-                    <a:cs typeface="Times New Roman" panose="02020603050405020304" pitchFamily="18" charset="0"/>
-                  </a:rPr>
-                  <a:t> </a:t>
-                </a:r>
-                <a:r>
-                  <a:rPr lang="en-US" altLang="zh-CN" sz="2800" b="1" dirty="0">
-                    <a:solidFill>
-                      <a:prstClr val="black"/>
-                    </a:solidFill>
-                  </a:rPr>
-                  <a:t>In-out parameter, </a:t>
-                </a:r>
-                <a14:m>
-                  <m:oMath xmlns:m="http://schemas.openxmlformats.org/officeDocument/2006/math">
-                    <m:r>
-                      <a:rPr lang="en-US" altLang="zh-CN" sz="2800" i="1">
-                        <a:solidFill>
-                          <a:prstClr val="black"/>
-                        </a:solidFill>
-                        <a:latin typeface="Cambria Math" panose="02040503050406030204" pitchFamily="18" charset="0"/>
-                      </a:rPr>
-                      <m:t>𝑞</m:t>
-                    </m:r>
-                  </m:oMath>
-                </a14:m>
-                <a:r>
-                  <a:rPr lang="en-US" altLang="zh-CN" sz="2800" dirty="0">
-                    <a:solidFill>
-                      <a:prstClr val="black"/>
-                    </a:solidFill>
-                  </a:rPr>
-                  <a:t>. Allows the search to differentiate between “inward” and “outward” nodes.</a:t>
-                </a:r>
-              </a:p>
-              <a:p>
-                <a:pPr lvl="1">
-                  <a:buClr>
-                    <a:schemeClr val="accent2"/>
-                  </a:buClr>
-                </a:pPr>
-                <a14:m>
-                  <m:oMath xmlns:m="http://schemas.openxmlformats.org/officeDocument/2006/math">
-                    <m:r>
-                      <a:rPr lang="en-US" altLang="zh-CN" sz="2800" b="0" i="1" smtClean="0">
-                        <a:solidFill>
-                          <a:prstClr val="black"/>
-                        </a:solidFill>
-                        <a:latin typeface="Cambria Math" panose="02040503050406030204" pitchFamily="18" charset="0"/>
-                      </a:rPr>
-                      <m:t>𝑞</m:t>
-                    </m:r>
-                    <m:r>
-                      <a:rPr lang="en-US" altLang="zh-CN" sz="2800" b="0" i="1" smtClean="0">
-                        <a:solidFill>
-                          <a:prstClr val="black"/>
-                        </a:solidFill>
-                        <a:latin typeface="Cambria Math" panose="02040503050406030204" pitchFamily="18" charset="0"/>
-                      </a:rPr>
-                      <m:t>&gt;1</m:t>
-                    </m:r>
-                  </m:oMath>
-                </a14:m>
-                <a:r>
-                  <a:rPr lang="en-US" altLang="zh-CN" sz="2800" dirty="0"/>
-                  <a:t>, bias towards nodes close to node </a:t>
-                </a:r>
-                <a14:m>
-                  <m:oMath xmlns:m="http://schemas.openxmlformats.org/officeDocument/2006/math">
-                    <m:sSub>
-                      <m:sSubPr>
-                        <m:ctrlPr>
-                          <a:rPr lang="en-US" altLang="zh-CN" sz="2800" b="0" i="1" smtClean="0">
-                            <a:solidFill>
-                              <a:prstClr val="black"/>
-                            </a:solidFill>
-                            <a:latin typeface="Cambria Math" panose="02040503050406030204" pitchFamily="18" charset="0"/>
-                          </a:rPr>
-                        </m:ctrlPr>
-                      </m:sSubPr>
-                      <m:e>
-                        <m:r>
-                          <m:rPr>
-                            <m:sty m:val="p"/>
-                          </m:rPr>
-                          <a:rPr lang="en-US" altLang="zh-CN" sz="2800" b="0" i="0" smtClean="0">
-                            <a:solidFill>
-                              <a:prstClr val="black"/>
-                            </a:solidFill>
-                            <a:latin typeface="Cambria Math" panose="02040503050406030204" pitchFamily="18" charset="0"/>
-                          </a:rPr>
-                          <m:t>s</m:t>
-                        </m:r>
-                      </m:e>
-                      <m:sub>
-                        <m:r>
-                          <a:rPr lang="en-US" altLang="zh-CN" sz="2800" b="0" i="1" smtClean="0">
-                            <a:solidFill>
-                              <a:prstClr val="black"/>
-                            </a:solidFill>
-                            <a:latin typeface="Cambria Math" panose="02040503050406030204" pitchFamily="18" charset="0"/>
-                          </a:rPr>
-                          <m:t>1</m:t>
-                        </m:r>
-                      </m:sub>
-                    </m:sSub>
-                  </m:oMath>
-                </a14:m>
-                <a:r>
-                  <a:rPr lang="en-US" altLang="zh-CN" sz="2800" dirty="0"/>
-                  <a:t>, BFS behavior.</a:t>
-                </a:r>
-              </a:p>
-              <a:p>
-                <a:pPr lvl="1">
-                  <a:buClr>
-                    <a:schemeClr val="accent2"/>
-                  </a:buClr>
-                </a:pPr>
-                <a14:m>
-                  <m:oMath xmlns:m="http://schemas.openxmlformats.org/officeDocument/2006/math">
-                    <m:r>
-                      <a:rPr lang="en-US" altLang="zh-CN" sz="2800" i="1">
-                        <a:solidFill>
-                          <a:prstClr val="black"/>
-                        </a:solidFill>
-                        <a:latin typeface="Cambria Math" panose="02040503050406030204" pitchFamily="18" charset="0"/>
-                      </a:rPr>
-                      <m:t>𝑞</m:t>
-                    </m:r>
-                    <m:r>
-                      <a:rPr lang="en-US" altLang="zh-CN" sz="2800" b="0" i="1" smtClean="0">
-                        <a:solidFill>
-                          <a:prstClr val="black"/>
-                        </a:solidFill>
-                        <a:latin typeface="Cambria Math" panose="02040503050406030204" pitchFamily="18" charset="0"/>
-                      </a:rPr>
-                      <m:t>&lt;</m:t>
-                    </m:r>
-                    <m:r>
-                      <a:rPr lang="en-US" altLang="zh-CN" sz="2800" i="1">
-                        <a:solidFill>
-                          <a:prstClr val="black"/>
-                        </a:solidFill>
-                        <a:latin typeface="Cambria Math" panose="02040503050406030204" pitchFamily="18" charset="0"/>
-                      </a:rPr>
-                      <m:t>1</m:t>
-                    </m:r>
-                  </m:oMath>
-                </a14:m>
-                <a:r>
-                  <a:rPr lang="en-US" altLang="zh-CN" sz="2800" dirty="0"/>
-                  <a:t>, bias towards nodes far away from node</a:t>
-                </a:r>
-                <a:r>
-                  <a:rPr lang="en-US" altLang="zh-CN" sz="2800" dirty="0">
-                    <a:solidFill>
-                      <a:prstClr val="black"/>
-                    </a:solidFill>
-                  </a:rPr>
-                  <a:t> </a:t>
-                </a:r>
-                <a14:m>
-                  <m:oMath xmlns:m="http://schemas.openxmlformats.org/officeDocument/2006/math">
-                    <m:sSub>
-                      <m:sSubPr>
-                        <m:ctrlPr>
-                          <a:rPr lang="en-US" altLang="zh-CN" sz="2800" i="1">
-                            <a:solidFill>
-                              <a:prstClr val="black"/>
-                            </a:solidFill>
-                            <a:latin typeface="Cambria Math" panose="02040503050406030204" pitchFamily="18" charset="0"/>
-                          </a:rPr>
-                        </m:ctrlPr>
-                      </m:sSubPr>
-                      <m:e>
-                        <m:r>
-                          <m:rPr>
-                            <m:sty m:val="p"/>
-                          </m:rPr>
-                          <a:rPr lang="en-US" altLang="zh-CN" sz="2800" i="0">
-                            <a:solidFill>
-                              <a:prstClr val="black"/>
-                            </a:solidFill>
-                            <a:latin typeface="Cambria Math" panose="02040503050406030204" pitchFamily="18" charset="0"/>
-                          </a:rPr>
-                          <m:t>s</m:t>
-                        </m:r>
-                      </m:e>
-                      <m:sub>
-                        <m:r>
-                          <a:rPr lang="en-US" altLang="zh-CN" sz="2800" b="0" i="1" smtClean="0">
-                            <a:solidFill>
-                              <a:prstClr val="black"/>
-                            </a:solidFill>
-                            <a:latin typeface="Cambria Math" panose="02040503050406030204" pitchFamily="18" charset="0"/>
-                          </a:rPr>
-                          <m:t>1</m:t>
-                        </m:r>
-                      </m:sub>
-                    </m:sSub>
-                  </m:oMath>
-                </a14:m>
-                <a:r>
-                  <a:rPr lang="en-US" altLang="zh-CN" sz="2800" dirty="0"/>
-                  <a:t>, DFS behavior.</a:t>
-                </a:r>
-              </a:p>
-              <a:p>
-                <a:pPr>
-                  <a:buClr>
-                    <a:schemeClr val="accent2"/>
-                  </a:buClr>
-                </a:pPr>
-                <a:endParaRPr lang="zh-CN" altLang="en-US" sz="2800" dirty="0"/>
-              </a:p>
-            </p:txBody>
-          </p:sp>
-        </mc:Choice>
-        <mc:Fallback xmlns="">
-          <p:sp>
-            <p:nvSpPr>
-              <p:cNvPr id="14" name="矩形 13">
-                <a:extLst>
-                  <a:ext uri="{FF2B5EF4-FFF2-40B4-BE49-F238E27FC236}">
-                    <a16:creationId xmlns:a16="http://schemas.microsoft.com/office/drawing/2014/main" id="{F789855B-54AB-40E9-8485-7D00130289B5}"/>
-                  </a:ext>
-                </a:extLst>
-              </p:cNvPr>
-              <p:cNvSpPr>
-                <a:spLocks noRot="1" noChangeAspect="1" noMove="1" noResize="1" noEditPoints="1" noAdjustHandles="1" noChangeArrowheads="1" noChangeShapeType="1" noTextEdit="1"/>
-              </p:cNvSpPr>
-              <p:nvPr/>
-            </p:nvSpPr>
-            <p:spPr>
-              <a:xfrm>
-                <a:off x="488379" y="1691680"/>
-                <a:ext cx="10457788" cy="3970318"/>
-              </a:xfrm>
-              <a:prstGeom prst="rect">
-                <a:avLst/>
-              </a:prstGeom>
-              <a:blipFill>
-                <a:blip r:embed="rId4"/>
-                <a:stretch>
-                  <a:fillRect l="-991" t="-1536"/>
-                </a:stretch>
-              </a:blipFill>
-            </p:spPr>
-            <p:txBody>
-              <a:bodyPr/>
-              <a:lstStyle/>
-              <a:p>
-                <a:r>
-                  <a:rPr lang="zh-CN" altLang="en-US">
-                    <a:noFill/>
-                  </a:rPr>
-                  <a:t> </a:t>
-                </a:r>
-              </a:p>
-            </p:txBody>
-          </p:sp>
-        </mc:Fallback>
-      </mc:AlternateContent>
-    </p:spTree>
-    <p:extLst>
-      <p:ext uri="{BB962C8B-B14F-4D97-AF65-F5344CB8AC3E}">
-        <p14:creationId xmlns:p14="http://schemas.microsoft.com/office/powerpoint/2010/main" val="181409355"/>
-      </p:ext>
-    </p:extLst>
-  </p:cSld>
-  <p:clrMapOvr>
-    <a:masterClrMapping/>
-  </p:clrMapOvr>
-</p:sld>
-</file>
-
-<file path=ppt/slides/slide14.xml><?xml version="1.0" encoding="utf-8"?>
-<p:sld xmlns:a="http://schemas.openxmlformats.org/drawingml/2006/main" xmlns:r="http://schemas.openxmlformats.org/officeDocument/2006/relationships" xmlns:p="http://schemas.openxmlformats.org/presentationml/2006/main">
-  <p:cSld>
-    <p:spTree>
-      <p:nvGrpSpPr>
-        <p:cNvPr id="1" name=""/>
-        <p:cNvGrpSpPr/>
-        <p:nvPr/>
-      </p:nvGrpSpPr>
-      <p:grpSpPr>
-        <a:xfrm>
-          <a:off x="0" y="0"/>
-          <a:ext cx="0" cy="0"/>
-          <a:chOff x="0" y="0"/>
-          <a:chExt cx="0" cy="0"/>
-        </a:xfrm>
-      </p:grpSpPr>
-      <p:pic>
-        <p:nvPicPr>
-          <p:cNvPr id="5" name="图片 4">
-            <a:extLst>
-              <a:ext uri="{FF2B5EF4-FFF2-40B4-BE49-F238E27FC236}">
-                <a16:creationId xmlns:a16="http://schemas.microsoft.com/office/drawing/2014/main" id="{E399C6B7-A1A7-4DD1-9FB7-87760D92B171}"/>
-              </a:ext>
-            </a:extLst>
-          </p:cNvPr>
-          <p:cNvPicPr>
-            <a:picLocks noChangeAspect="1"/>
-          </p:cNvPicPr>
-          <p:nvPr/>
-        </p:nvPicPr>
-        <p:blipFill>
-          <a:blip r:embed="rId3"/>
-          <a:stretch>
-            <a:fillRect/>
-          </a:stretch>
-        </p:blipFill>
-        <p:spPr>
-          <a:xfrm>
-            <a:off x="397735" y="1549292"/>
-            <a:ext cx="5698265" cy="6414747"/>
-          </a:xfrm>
-          <a:prstGeom prst="rect">
-            <a:avLst/>
-          </a:prstGeom>
-        </p:spPr>
-      </p:pic>
-      <mc:AlternateContent xmlns:mc="http://schemas.openxmlformats.org/markup-compatibility/2006" xmlns:a14="http://schemas.microsoft.com/office/drawing/2010/main">
-        <mc:Choice Requires="a14">
-          <p:sp>
-            <p:nvSpPr>
-              <p:cNvPr id="6" name="矩形 5">
-                <a:extLst>
-                  <a:ext uri="{FF2B5EF4-FFF2-40B4-BE49-F238E27FC236}">
-                    <a16:creationId xmlns:a16="http://schemas.microsoft.com/office/drawing/2014/main" id="{812C5329-9AA5-41FF-8363-82C7BDB46C3F}"/>
-                  </a:ext>
-                </a:extLst>
-              </p:cNvPr>
-              <p:cNvSpPr/>
-              <p:nvPr/>
-            </p:nvSpPr>
-            <p:spPr>
-              <a:xfrm>
-                <a:off x="6382203" y="2944296"/>
-                <a:ext cx="1622752" cy="369332"/>
-              </a:xfrm>
-              <a:prstGeom prst="rect">
-                <a:avLst/>
-              </a:prstGeom>
-            </p:spPr>
-            <p:txBody>
-              <a:bodyPr wrap="none">
-                <a:spAutoFit/>
-              </a:bodyPr>
-              <a:lstStyle/>
-              <a:p>
-                <a:pPr/>
-                <a14:m>
-                  <m:oMathPara xmlns:m="http://schemas.openxmlformats.org/officeDocument/2006/math">
-                    <m:oMathParaPr>
-                      <m:jc m:val="centerGroup"/>
-                    </m:oMathParaPr>
-                    <m:oMath xmlns:m="http://schemas.openxmlformats.org/officeDocument/2006/math">
-                      <m:r>
-                        <a:rPr lang="en-US" altLang="zh-CN" b="0" i="1" smtClean="0">
-                          <a:solidFill>
-                            <a:prstClr val="black"/>
-                          </a:solidFill>
-                          <a:latin typeface="Cambria Math" panose="02040503050406030204" pitchFamily="18" charset="0"/>
-                        </a:rPr>
-                        <m:t>𝑝</m:t>
-                      </m:r>
-                      <m:r>
-                        <a:rPr lang="en-US" altLang="zh-CN" b="0" i="1" smtClean="0">
-                          <a:solidFill>
-                            <a:prstClr val="black"/>
-                          </a:solidFill>
-                          <a:latin typeface="Cambria Math" panose="02040503050406030204" pitchFamily="18" charset="0"/>
-                        </a:rPr>
-                        <m:t>=1,</m:t>
-                      </m:r>
-                      <m:r>
-                        <a:rPr lang="en-US" altLang="zh-CN" i="1" smtClean="0">
-                          <a:solidFill>
-                            <a:prstClr val="black"/>
-                          </a:solidFill>
-                          <a:latin typeface="Cambria Math" panose="02040503050406030204" pitchFamily="18" charset="0"/>
-                        </a:rPr>
-                        <m:t>𝑞</m:t>
-                      </m:r>
-                      <m:r>
-                        <a:rPr lang="en-US" altLang="zh-CN" b="0" i="1" smtClean="0">
-                          <a:solidFill>
-                            <a:prstClr val="black"/>
-                          </a:solidFill>
-                          <a:latin typeface="Cambria Math" panose="02040503050406030204" pitchFamily="18" charset="0"/>
-                        </a:rPr>
-                        <m:t>=0.5</m:t>
-                      </m:r>
-                    </m:oMath>
-                  </m:oMathPara>
-                </a14:m>
-                <a:endParaRPr lang="zh-CN" altLang="en-US" dirty="0"/>
-              </a:p>
-            </p:txBody>
-          </p:sp>
-        </mc:Choice>
-        <mc:Fallback xmlns="">
-          <p:sp>
-            <p:nvSpPr>
-              <p:cNvPr id="6" name="矩形 5">
-                <a:extLst>
-                  <a:ext uri="{FF2B5EF4-FFF2-40B4-BE49-F238E27FC236}">
-                    <a16:creationId xmlns:a16="http://schemas.microsoft.com/office/drawing/2014/main" id="{812C5329-9AA5-41FF-8363-82C7BDB46C3F}"/>
-                  </a:ext>
-                </a:extLst>
-              </p:cNvPr>
-              <p:cNvSpPr>
-                <a:spLocks noRot="1" noChangeAspect="1" noMove="1" noResize="1" noEditPoints="1" noAdjustHandles="1" noChangeArrowheads="1" noChangeShapeType="1" noTextEdit="1"/>
-              </p:cNvSpPr>
-              <p:nvPr/>
-            </p:nvSpPr>
-            <p:spPr>
-              <a:xfrm>
-                <a:off x="6382203" y="2944296"/>
-                <a:ext cx="1622752" cy="369332"/>
-              </a:xfrm>
-              <a:prstGeom prst="rect">
-                <a:avLst/>
-              </a:prstGeom>
-              <a:blipFill>
-                <a:blip r:embed="rId4"/>
-                <a:stretch>
-                  <a:fillRect b="-4918"/>
-                </a:stretch>
-              </a:blipFill>
-            </p:spPr>
-            <p:txBody>
-              <a:bodyPr/>
-              <a:lstStyle/>
-              <a:p>
-                <a:r>
-                  <a:rPr lang="zh-CN" altLang="en-US">
-                    <a:noFill/>
-                  </a:rPr>
-                  <a:t> </a:t>
-                </a:r>
-              </a:p>
-            </p:txBody>
-          </p:sp>
-        </mc:Fallback>
-      </mc:AlternateContent>
-      <mc:AlternateContent xmlns:mc="http://schemas.openxmlformats.org/markup-compatibility/2006" xmlns:a14="http://schemas.microsoft.com/office/drawing/2010/main">
-        <mc:Choice Requires="a14">
-          <p:sp>
-            <p:nvSpPr>
-              <p:cNvPr id="7" name="矩形 6">
-                <a:extLst>
-                  <a:ext uri="{FF2B5EF4-FFF2-40B4-BE49-F238E27FC236}">
-                    <a16:creationId xmlns:a16="http://schemas.microsoft.com/office/drawing/2014/main" id="{162E9BC1-DAC3-4643-B14D-1A9EE4846B2F}"/>
-                  </a:ext>
-                </a:extLst>
-              </p:cNvPr>
-              <p:cNvSpPr/>
-              <p:nvPr/>
-            </p:nvSpPr>
-            <p:spPr>
-              <a:xfrm>
-                <a:off x="6382203" y="5503903"/>
-                <a:ext cx="1446422" cy="369332"/>
-              </a:xfrm>
-              <a:prstGeom prst="rect">
-                <a:avLst/>
-              </a:prstGeom>
-            </p:spPr>
-            <p:txBody>
-              <a:bodyPr wrap="none">
-                <a:spAutoFit/>
-              </a:bodyPr>
-              <a:lstStyle/>
-              <a:p>
-                <a:pPr/>
-                <a14:m>
-                  <m:oMathPara xmlns:m="http://schemas.openxmlformats.org/officeDocument/2006/math">
-                    <m:oMathParaPr>
-                      <m:jc m:val="centerGroup"/>
-                    </m:oMathParaPr>
-                    <m:oMath xmlns:m="http://schemas.openxmlformats.org/officeDocument/2006/math">
-                      <m:r>
-                        <a:rPr lang="en-US" altLang="zh-CN" b="0" i="1" smtClean="0">
-                          <a:solidFill>
-                            <a:prstClr val="black"/>
-                          </a:solidFill>
-                          <a:latin typeface="Cambria Math" panose="02040503050406030204" pitchFamily="18" charset="0"/>
-                        </a:rPr>
-                        <m:t>𝑝</m:t>
-                      </m:r>
-                      <m:r>
-                        <a:rPr lang="en-US" altLang="zh-CN" b="0" i="1" smtClean="0">
-                          <a:solidFill>
-                            <a:prstClr val="black"/>
-                          </a:solidFill>
-                          <a:latin typeface="Cambria Math" panose="02040503050406030204" pitchFamily="18" charset="0"/>
-                        </a:rPr>
-                        <m:t>=1,</m:t>
-                      </m:r>
-                      <m:r>
-                        <a:rPr lang="en-US" altLang="zh-CN" i="1" smtClean="0">
-                          <a:solidFill>
-                            <a:prstClr val="black"/>
-                          </a:solidFill>
-                          <a:latin typeface="Cambria Math" panose="02040503050406030204" pitchFamily="18" charset="0"/>
-                        </a:rPr>
-                        <m:t>𝑞</m:t>
-                      </m:r>
-                      <m:r>
-                        <a:rPr lang="en-US" altLang="zh-CN" b="0" i="1" smtClean="0">
-                          <a:solidFill>
-                            <a:prstClr val="black"/>
-                          </a:solidFill>
-                          <a:latin typeface="Cambria Math" panose="02040503050406030204" pitchFamily="18" charset="0"/>
-                        </a:rPr>
-                        <m:t>=2</m:t>
-                      </m:r>
-                    </m:oMath>
-                  </m:oMathPara>
-                </a14:m>
-                <a:endParaRPr lang="zh-CN" altLang="en-US" dirty="0"/>
-              </a:p>
-            </p:txBody>
-          </p:sp>
-        </mc:Choice>
-        <mc:Fallback xmlns="">
-          <p:sp>
-            <p:nvSpPr>
-              <p:cNvPr id="7" name="矩形 6">
-                <a:extLst>
-                  <a:ext uri="{FF2B5EF4-FFF2-40B4-BE49-F238E27FC236}">
-                    <a16:creationId xmlns:a16="http://schemas.microsoft.com/office/drawing/2014/main" id="{162E9BC1-DAC3-4643-B14D-1A9EE4846B2F}"/>
-                  </a:ext>
-                </a:extLst>
-              </p:cNvPr>
-              <p:cNvSpPr>
-                <a:spLocks noRot="1" noChangeAspect="1" noMove="1" noResize="1" noEditPoints="1" noAdjustHandles="1" noChangeArrowheads="1" noChangeShapeType="1" noTextEdit="1"/>
-              </p:cNvSpPr>
-              <p:nvPr/>
-            </p:nvSpPr>
-            <p:spPr>
-              <a:xfrm>
-                <a:off x="6382203" y="5503903"/>
-                <a:ext cx="1446422" cy="369332"/>
-              </a:xfrm>
-              <a:prstGeom prst="rect">
-                <a:avLst/>
-              </a:prstGeom>
-              <a:blipFill>
-                <a:blip r:embed="rId5"/>
-                <a:stretch>
-                  <a:fillRect b="-6667"/>
-                </a:stretch>
-              </a:blipFill>
-            </p:spPr>
-            <p:txBody>
-              <a:bodyPr/>
-              <a:lstStyle/>
-              <a:p>
-                <a:r>
-                  <a:rPr lang="zh-CN" altLang="en-US">
-                    <a:noFill/>
-                  </a:rPr>
-                  <a:t> </a:t>
-                </a:r>
-              </a:p>
-            </p:txBody>
-          </p:sp>
-        </mc:Fallback>
-      </mc:AlternateContent>
-      <p:sp>
-        <p:nvSpPr>
-          <p:cNvPr id="8" name="矩形 7">
-            <a:extLst>
-              <a:ext uri="{FF2B5EF4-FFF2-40B4-BE49-F238E27FC236}">
-                <a16:creationId xmlns:a16="http://schemas.microsoft.com/office/drawing/2014/main" id="{363B01BC-449A-480D-AC4A-220D8BF4EC5C}"/>
-              </a:ext>
-            </a:extLst>
-          </p:cNvPr>
-          <p:cNvSpPr/>
-          <p:nvPr/>
-        </p:nvSpPr>
-        <p:spPr>
-          <a:xfrm>
-            <a:off x="0" y="16189"/>
-            <a:ext cx="12192000" cy="1439334"/>
-          </a:xfrm>
-          <a:prstGeom prst="rect">
-            <a:avLst/>
-          </a:prstGeom>
-          <a:solidFill>
-            <a:schemeClr val="tx2"/>
-          </a:solidFill>
-        </p:spPr>
-        <p:style>
-          <a:lnRef idx="2">
-            <a:schemeClr val="accent1">
-              <a:shade val="50000"/>
-            </a:schemeClr>
-          </a:lnRef>
-          <a:fillRef idx="1">
-            <a:schemeClr val="accent1"/>
-          </a:fillRef>
-          <a:effectRef idx="0">
-            <a:schemeClr val="accent1"/>
-          </a:effectRef>
-          <a:fontRef idx="minor">
-            <a:schemeClr val="lt1"/>
-          </a:fontRef>
-        </p:style>
-        <p:txBody>
-          <a:bodyPr rtlCol="0" anchor="ctr"/>
-          <a:lstStyle/>
-          <a:p>
-            <a:r>
-              <a:rPr lang="en-US" altLang="zh-CN" sz="5400" dirty="0">
-                <a:solidFill>
-                  <a:prstClr val="white"/>
-                </a:solidFill>
-                <a:cs typeface="Times New Roman" panose="02020603050405020304" pitchFamily="18" charset="0"/>
-              </a:rPr>
-              <a:t> Experiments</a:t>
-            </a:r>
-            <a:endParaRPr lang="zh-CN" altLang="en-US" dirty="0">
-              <a:solidFill>
-                <a:srgbClr val="FF0000"/>
-              </a:solidFill>
-            </a:endParaRPr>
-          </a:p>
-        </p:txBody>
-      </p:sp>
-    </p:spTree>
-    <p:extLst>
-      <p:ext uri="{BB962C8B-B14F-4D97-AF65-F5344CB8AC3E}">
-        <p14:creationId xmlns:p14="http://schemas.microsoft.com/office/powerpoint/2010/main" val="1255328815"/>
-      </p:ext>
-    </p:extLst>
-  </p:cSld>
-  <p:clrMapOvr>
-    <a:masterClrMapping/>
-  </p:clrMapOvr>
-</p:sld>
-</file>
-
-<file path=ppt/slides/slide15.xml><?xml version="1.0" encoding="utf-8"?>
-<p:sld xmlns:a="http://schemas.openxmlformats.org/drawingml/2006/main" xmlns:r="http://schemas.openxmlformats.org/officeDocument/2006/relationships" xmlns:p="http://schemas.openxmlformats.org/presentationml/2006/main">
-  <p:cSld>
-    <p:spTree>
-      <p:nvGrpSpPr>
-        <p:cNvPr id="1" name=""/>
-        <p:cNvGrpSpPr/>
-        <p:nvPr/>
-      </p:nvGrpSpPr>
-      <p:grpSpPr>
-        <a:xfrm>
-          <a:off x="0" y="0"/>
-          <a:ext cx="0" cy="0"/>
-          <a:chOff x="0" y="0"/>
-          <a:chExt cx="0" cy="0"/>
-        </a:xfrm>
-      </p:grpSpPr>
-      <p:sp>
-        <p:nvSpPr>
-          <p:cNvPr id="4" name="矩形 3">
-            <a:extLst>
-              <a:ext uri="{FF2B5EF4-FFF2-40B4-BE49-F238E27FC236}">
-                <a16:creationId xmlns:a16="http://schemas.microsoft.com/office/drawing/2014/main" id="{4E25F29D-0303-49DF-9F43-8BEC56C4A117}"/>
-              </a:ext>
-            </a:extLst>
-          </p:cNvPr>
-          <p:cNvSpPr/>
-          <p:nvPr/>
-        </p:nvSpPr>
-        <p:spPr>
-          <a:xfrm>
-            <a:off x="299584" y="520184"/>
-            <a:ext cx="3866123" cy="523220"/>
-          </a:xfrm>
-          <a:prstGeom prst="rect">
-            <a:avLst/>
-          </a:prstGeom>
-        </p:spPr>
-        <p:txBody>
-          <a:bodyPr wrap="none">
-            <a:spAutoFit/>
-          </a:bodyPr>
-          <a:lstStyle/>
-          <a:p>
-            <a:r>
-              <a:rPr lang="en-US" altLang="zh-CN" sz="2800" b="1" dirty="0">
-                <a:latin typeface="Calibri" panose="020F0502020204030204" pitchFamily="34" charset="0"/>
-                <a:cs typeface="Calibri" panose="020F0502020204030204" pitchFamily="34" charset="0"/>
-              </a:rPr>
-              <a:t>Multi-label Classification</a:t>
-            </a:r>
-          </a:p>
-        </p:txBody>
-      </p:sp>
-      <p:pic>
-        <p:nvPicPr>
-          <p:cNvPr id="6" name="图片 5">
-            <a:extLst>
-              <a:ext uri="{FF2B5EF4-FFF2-40B4-BE49-F238E27FC236}">
-                <a16:creationId xmlns:a16="http://schemas.microsoft.com/office/drawing/2014/main" id="{26CE9810-D8D5-4B05-BB48-186DB307AB3F}"/>
-              </a:ext>
-            </a:extLst>
-          </p:cNvPr>
-          <p:cNvPicPr>
-            <a:picLocks noChangeAspect="1"/>
-          </p:cNvPicPr>
-          <p:nvPr/>
-        </p:nvPicPr>
-        <p:blipFill>
-          <a:blip r:embed="rId3"/>
-          <a:stretch>
-            <a:fillRect/>
-          </a:stretch>
-        </p:blipFill>
-        <p:spPr>
-          <a:xfrm>
-            <a:off x="4265738" y="-35510"/>
-            <a:ext cx="5902199" cy="3176416"/>
-          </a:xfrm>
-          <a:prstGeom prst="rect">
-            <a:avLst/>
-          </a:prstGeom>
-        </p:spPr>
-      </p:pic>
-      <p:pic>
-        <p:nvPicPr>
-          <p:cNvPr id="7" name="图片 6">
-            <a:extLst>
-              <a:ext uri="{FF2B5EF4-FFF2-40B4-BE49-F238E27FC236}">
-                <a16:creationId xmlns:a16="http://schemas.microsoft.com/office/drawing/2014/main" id="{5EDA11F2-8265-4A6C-9C2C-92FF8EE2E719}"/>
-              </a:ext>
-            </a:extLst>
-          </p:cNvPr>
-          <p:cNvPicPr>
-            <a:picLocks noChangeAspect="1"/>
-          </p:cNvPicPr>
-          <p:nvPr/>
-        </p:nvPicPr>
-        <p:blipFill>
-          <a:blip r:embed="rId4"/>
-          <a:stretch>
-            <a:fillRect/>
-          </a:stretch>
-        </p:blipFill>
-        <p:spPr>
-          <a:xfrm>
-            <a:off x="1029333" y="3091234"/>
-            <a:ext cx="10133333" cy="5933333"/>
-          </a:xfrm>
-          <a:prstGeom prst="rect">
-            <a:avLst/>
-          </a:prstGeom>
-        </p:spPr>
-      </p:pic>
-    </p:spTree>
-    <p:extLst>
-      <p:ext uri="{BB962C8B-B14F-4D97-AF65-F5344CB8AC3E}">
-        <p14:creationId xmlns:p14="http://schemas.microsoft.com/office/powerpoint/2010/main" val="1364785835"/>
-      </p:ext>
-    </p:extLst>
-  </p:cSld>
-  <p:clrMapOvr>
-    <a:masterClrMapping/>
-  </p:clrMapOvr>
-</p:sld>
-</file>
-
-<file path=ppt/slides/slide16.xml><?xml version="1.0" encoding="utf-8"?>
-<p:sld xmlns:a="http://schemas.openxmlformats.org/drawingml/2006/main" xmlns:r="http://schemas.openxmlformats.org/officeDocument/2006/relationships" xmlns:p="http://schemas.openxmlformats.org/presentationml/2006/main">
-  <p:cSld>
-    <p:spTree>
-      <p:nvGrpSpPr>
-        <p:cNvPr id="1" name=""/>
-        <p:cNvGrpSpPr/>
-        <p:nvPr/>
-      </p:nvGrpSpPr>
-      <p:grpSpPr>
-        <a:xfrm>
-          <a:off x="0" y="0"/>
-          <a:ext cx="0" cy="0"/>
-          <a:chOff x="0" y="0"/>
-          <a:chExt cx="0" cy="0"/>
-        </a:xfrm>
-      </p:grpSpPr>
-      <p:pic>
-        <p:nvPicPr>
-          <p:cNvPr id="5" name="图片 4">
-            <a:extLst>
-              <a:ext uri="{FF2B5EF4-FFF2-40B4-BE49-F238E27FC236}">
-                <a16:creationId xmlns:a16="http://schemas.microsoft.com/office/drawing/2014/main" id="{257AC5E5-EE33-41C6-B18A-11DFAC0F86BB}"/>
-              </a:ext>
-            </a:extLst>
-          </p:cNvPr>
-          <p:cNvPicPr>
-            <a:picLocks noChangeAspect="1"/>
-          </p:cNvPicPr>
-          <p:nvPr/>
-        </p:nvPicPr>
-        <p:blipFill>
-          <a:blip r:embed="rId3"/>
-          <a:stretch>
-            <a:fillRect/>
-          </a:stretch>
-        </p:blipFill>
-        <p:spPr>
-          <a:xfrm>
-            <a:off x="891238" y="3266327"/>
-            <a:ext cx="10409524" cy="5780952"/>
-          </a:xfrm>
-          <a:prstGeom prst="rect">
-            <a:avLst/>
-          </a:prstGeom>
-        </p:spPr>
-      </p:pic>
-      <p:sp>
-        <p:nvSpPr>
-          <p:cNvPr id="6" name="矩形 5">
-            <a:extLst>
-              <a:ext uri="{FF2B5EF4-FFF2-40B4-BE49-F238E27FC236}">
-                <a16:creationId xmlns:a16="http://schemas.microsoft.com/office/drawing/2014/main" id="{42925D76-947D-4EF9-B5AE-DF88B51C9647}"/>
-              </a:ext>
-            </a:extLst>
-          </p:cNvPr>
-          <p:cNvSpPr/>
-          <p:nvPr/>
-        </p:nvSpPr>
-        <p:spPr>
-          <a:xfrm>
-            <a:off x="299584" y="520184"/>
-            <a:ext cx="3388876" cy="954107"/>
-          </a:xfrm>
-          <a:prstGeom prst="rect">
-            <a:avLst/>
-          </a:prstGeom>
-        </p:spPr>
-        <p:txBody>
-          <a:bodyPr wrap="none">
-            <a:spAutoFit/>
-          </a:bodyPr>
-          <a:lstStyle/>
-          <a:p>
-            <a:r>
-              <a:rPr lang="en-US" altLang="zh-CN" sz="2800" b="1" dirty="0">
-                <a:latin typeface="Calibri" panose="020F0502020204030204" pitchFamily="34" charset="0"/>
-                <a:cs typeface="Calibri" panose="020F0502020204030204" pitchFamily="34" charset="0"/>
-              </a:rPr>
-              <a:t>Parameter Sensitivity</a:t>
-            </a:r>
-          </a:p>
-          <a:p>
-            <a:r>
-              <a:rPr lang="en-US" altLang="zh-CN" sz="2800" b="1" dirty="0">
-                <a:latin typeface="Calibri" panose="020F0502020204030204" pitchFamily="34" charset="0"/>
-                <a:cs typeface="Calibri" panose="020F0502020204030204" pitchFamily="34" charset="0"/>
-              </a:rPr>
-              <a:t>Perturbation Analysis</a:t>
-            </a:r>
-          </a:p>
-        </p:txBody>
-      </p:sp>
-      <p:pic>
-        <p:nvPicPr>
-          <p:cNvPr id="7" name="图片 6">
-            <a:extLst>
-              <a:ext uri="{FF2B5EF4-FFF2-40B4-BE49-F238E27FC236}">
-                <a16:creationId xmlns:a16="http://schemas.microsoft.com/office/drawing/2014/main" id="{29E44521-5150-4CEE-BEFB-801EA041B3D2}"/>
-              </a:ext>
-            </a:extLst>
-          </p:cNvPr>
-          <p:cNvPicPr>
-            <a:picLocks noChangeAspect="1"/>
-          </p:cNvPicPr>
-          <p:nvPr/>
-        </p:nvPicPr>
-        <p:blipFill>
-          <a:blip r:embed="rId4"/>
-          <a:stretch>
-            <a:fillRect/>
-          </a:stretch>
-        </p:blipFill>
-        <p:spPr>
-          <a:xfrm>
-            <a:off x="9060242" y="1404590"/>
-            <a:ext cx="2563597" cy="1828908"/>
-          </a:xfrm>
-          <a:prstGeom prst="rect">
-            <a:avLst/>
-          </a:prstGeom>
-        </p:spPr>
-      </p:pic>
-      <mc:AlternateContent xmlns:mc="http://schemas.openxmlformats.org/markup-compatibility/2006" xmlns:a14="http://schemas.microsoft.com/office/drawing/2010/main">
-        <mc:Choice Requires="a14">
-          <p:sp>
-            <p:nvSpPr>
-              <p:cNvPr id="8" name="矩形 7">
-                <a:extLst>
-                  <a:ext uri="{FF2B5EF4-FFF2-40B4-BE49-F238E27FC236}">
-                    <a16:creationId xmlns:a16="http://schemas.microsoft.com/office/drawing/2014/main" id="{9DA647D3-2868-41AB-80E2-5A9FC36F8E0C}"/>
-                  </a:ext>
-                </a:extLst>
-              </p:cNvPr>
-              <p:cNvSpPr/>
-              <p:nvPr/>
-            </p:nvSpPr>
-            <p:spPr>
-              <a:xfrm>
-                <a:off x="568161" y="2828280"/>
-                <a:ext cx="2130776" cy="369332"/>
-              </a:xfrm>
-              <a:prstGeom prst="rect">
-                <a:avLst/>
-              </a:prstGeom>
-            </p:spPr>
-            <p:txBody>
-              <a:bodyPr wrap="none">
-                <a:spAutoFit/>
-              </a:bodyPr>
-              <a:lstStyle/>
-              <a:p>
-                <a:r>
-                  <a:rPr lang="en-US" altLang="zh-CN" b="0" dirty="0">
-                    <a:solidFill>
-                      <a:prstClr val="black"/>
-                    </a:solidFill>
-                  </a:rPr>
-                  <a:t>Default </a:t>
-                </a:r>
-                <a14:m>
-                  <m:oMath xmlns:m="http://schemas.openxmlformats.org/officeDocument/2006/math">
-                    <m:r>
-                      <a:rPr lang="en-US" altLang="zh-CN" b="0" i="1" smtClean="0">
-                        <a:solidFill>
-                          <a:prstClr val="black"/>
-                        </a:solidFill>
-                        <a:latin typeface="Cambria Math" panose="02040503050406030204" pitchFamily="18" charset="0"/>
-                      </a:rPr>
-                      <m:t>𝑝</m:t>
-                    </m:r>
-                    <m:r>
-                      <a:rPr lang="en-US" altLang="zh-CN" b="0" i="1" smtClean="0">
-                        <a:solidFill>
-                          <a:prstClr val="black"/>
-                        </a:solidFill>
-                        <a:latin typeface="Cambria Math" panose="02040503050406030204" pitchFamily="18" charset="0"/>
-                      </a:rPr>
-                      <m:t>=1,</m:t>
-                    </m:r>
-                    <m:r>
-                      <a:rPr lang="en-US" altLang="zh-CN" i="1" smtClean="0">
-                        <a:solidFill>
-                          <a:prstClr val="black"/>
-                        </a:solidFill>
-                        <a:latin typeface="Cambria Math" panose="02040503050406030204" pitchFamily="18" charset="0"/>
-                      </a:rPr>
-                      <m:t>𝑞</m:t>
-                    </m:r>
-                    <m:r>
-                      <a:rPr lang="en-US" altLang="zh-CN" b="0" i="1" smtClean="0">
-                        <a:solidFill>
-                          <a:prstClr val="black"/>
-                        </a:solidFill>
-                        <a:latin typeface="Cambria Math" panose="02040503050406030204" pitchFamily="18" charset="0"/>
-                      </a:rPr>
-                      <m:t>=1</m:t>
-                    </m:r>
-                  </m:oMath>
-                </a14:m>
-                <a:endParaRPr lang="zh-CN" altLang="en-US" dirty="0"/>
-              </a:p>
-            </p:txBody>
-          </p:sp>
-        </mc:Choice>
-        <mc:Fallback xmlns="">
-          <p:sp>
-            <p:nvSpPr>
-              <p:cNvPr id="8" name="矩形 7">
-                <a:extLst>
-                  <a:ext uri="{FF2B5EF4-FFF2-40B4-BE49-F238E27FC236}">
-                    <a16:creationId xmlns:a16="http://schemas.microsoft.com/office/drawing/2014/main" id="{9DA647D3-2868-41AB-80E2-5A9FC36F8E0C}"/>
-                  </a:ext>
-                </a:extLst>
-              </p:cNvPr>
-              <p:cNvSpPr>
-                <a:spLocks noRot="1" noChangeAspect="1" noMove="1" noResize="1" noEditPoints="1" noAdjustHandles="1" noChangeArrowheads="1" noChangeShapeType="1" noTextEdit="1"/>
-              </p:cNvSpPr>
-              <p:nvPr/>
-            </p:nvSpPr>
-            <p:spPr>
-              <a:xfrm>
-                <a:off x="568161" y="2828280"/>
-                <a:ext cx="2130776" cy="369332"/>
-              </a:xfrm>
-              <a:prstGeom prst="rect">
-                <a:avLst/>
-              </a:prstGeom>
-              <a:blipFill>
-                <a:blip r:embed="rId5"/>
-                <a:stretch>
-                  <a:fillRect l="-2286" t="-9836" b="-24590"/>
-                </a:stretch>
-              </a:blipFill>
-            </p:spPr>
-            <p:txBody>
-              <a:bodyPr/>
-              <a:lstStyle/>
-              <a:p>
-                <a:r>
-                  <a:rPr lang="zh-CN" altLang="en-US">
-                    <a:noFill/>
-                  </a:rPr>
-                  <a:t> </a:t>
-                </a:r>
-              </a:p>
-            </p:txBody>
-          </p:sp>
-        </mc:Fallback>
-      </mc:AlternateContent>
-    </p:spTree>
-    <p:extLst>
-      <p:ext uri="{BB962C8B-B14F-4D97-AF65-F5344CB8AC3E}">
-        <p14:creationId xmlns:p14="http://schemas.microsoft.com/office/powerpoint/2010/main" val="1939594427"/>
-      </p:ext>
-    </p:extLst>
-  </p:cSld>
-  <p:clrMapOvr>
-    <a:masterClrMapping/>
-  </p:clrMapOvr>
-</p:sld>
-</file>
-
-<file path=ppt/slides/slide17.xml><?xml version="1.0" encoding="utf-8"?>
-<p:sld xmlns:a="http://schemas.openxmlformats.org/drawingml/2006/main" xmlns:r="http://schemas.openxmlformats.org/officeDocument/2006/relationships" xmlns:p="http://schemas.openxmlformats.org/presentationml/2006/main">
-  <p:cSld>
-    <p:spTree>
-      <p:nvGrpSpPr>
-        <p:cNvPr id="1" name=""/>
-        <p:cNvGrpSpPr/>
-        <p:nvPr/>
-      </p:nvGrpSpPr>
-      <p:grpSpPr>
-        <a:xfrm>
-          <a:off x="0" y="0"/>
-          <a:ext cx="0" cy="0"/>
-          <a:chOff x="0" y="0"/>
-          <a:chExt cx="0" cy="0"/>
-        </a:xfrm>
-      </p:grpSpPr>
-      <p:sp>
-        <p:nvSpPr>
-          <p:cNvPr id="4" name="矩形 3">
-            <a:extLst>
-              <a:ext uri="{FF2B5EF4-FFF2-40B4-BE49-F238E27FC236}">
-                <a16:creationId xmlns:a16="http://schemas.microsoft.com/office/drawing/2014/main" id="{E812B004-3041-475D-AD41-01D46E71E2AD}"/>
-              </a:ext>
-            </a:extLst>
-          </p:cNvPr>
-          <p:cNvSpPr/>
-          <p:nvPr/>
-        </p:nvSpPr>
-        <p:spPr>
-          <a:xfrm>
-            <a:off x="299584" y="520184"/>
-            <a:ext cx="1698991" cy="523220"/>
-          </a:xfrm>
-          <a:prstGeom prst="rect">
-            <a:avLst/>
-          </a:prstGeom>
-        </p:spPr>
-        <p:txBody>
-          <a:bodyPr wrap="none">
-            <a:spAutoFit/>
-          </a:bodyPr>
-          <a:lstStyle/>
-          <a:p>
-            <a:r>
-              <a:rPr lang="en-US" altLang="zh-CN" sz="2800" b="1" dirty="0">
-                <a:latin typeface="Calibri" panose="020F0502020204030204" pitchFamily="34" charset="0"/>
-                <a:cs typeface="Calibri" panose="020F0502020204030204" pitchFamily="34" charset="0"/>
-              </a:rPr>
-              <a:t>Scalability</a:t>
-            </a:r>
-          </a:p>
-        </p:txBody>
-      </p:sp>
-      <p:pic>
-        <p:nvPicPr>
-          <p:cNvPr id="5" name="图片 4">
-            <a:extLst>
-              <a:ext uri="{FF2B5EF4-FFF2-40B4-BE49-F238E27FC236}">
-                <a16:creationId xmlns:a16="http://schemas.microsoft.com/office/drawing/2014/main" id="{83423653-81CE-45CE-9421-197DB9D9DF56}"/>
-              </a:ext>
-            </a:extLst>
-          </p:cNvPr>
-          <p:cNvPicPr>
-            <a:picLocks noChangeAspect="1"/>
-          </p:cNvPicPr>
-          <p:nvPr/>
-        </p:nvPicPr>
-        <p:blipFill>
-          <a:blip r:embed="rId2"/>
-          <a:stretch>
-            <a:fillRect/>
-          </a:stretch>
-        </p:blipFill>
-        <p:spPr>
-          <a:xfrm>
-            <a:off x="299584" y="1514715"/>
-            <a:ext cx="5996030" cy="4643198"/>
-          </a:xfrm>
-          <a:prstGeom prst="rect">
-            <a:avLst/>
-          </a:prstGeom>
-        </p:spPr>
-      </p:pic>
-      <p:sp>
-        <p:nvSpPr>
-          <p:cNvPr id="7" name="矩形 6">
-            <a:extLst>
-              <a:ext uri="{FF2B5EF4-FFF2-40B4-BE49-F238E27FC236}">
-                <a16:creationId xmlns:a16="http://schemas.microsoft.com/office/drawing/2014/main" id="{0A20903C-F8CC-48A1-ABFC-EEC7A918D01E}"/>
-              </a:ext>
-            </a:extLst>
-          </p:cNvPr>
-          <p:cNvSpPr/>
-          <p:nvPr/>
-        </p:nvSpPr>
-        <p:spPr>
-          <a:xfrm>
-            <a:off x="6295614" y="1669406"/>
-            <a:ext cx="3974678" cy="3046988"/>
-          </a:xfrm>
-          <a:prstGeom prst="rect">
-            <a:avLst/>
-          </a:prstGeom>
-        </p:spPr>
-        <p:txBody>
-          <a:bodyPr wrap="none">
-            <a:spAutoFit/>
-          </a:bodyPr>
-          <a:lstStyle/>
-          <a:p>
-            <a:r>
-              <a:rPr lang="en-US" altLang="zh-CN" sz="2400" dirty="0">
-                <a:solidFill>
-                  <a:prstClr val="black"/>
-                </a:solidFill>
-              </a:rPr>
-              <a:t>Sampling:</a:t>
-            </a:r>
-          </a:p>
-          <a:p>
-            <a:pPr marL="342900" indent="-342900">
-              <a:buFont typeface="Arial" panose="020B0604020202020204" pitchFamily="34" charset="0"/>
-              <a:buChar char="•"/>
-            </a:pPr>
-            <a:r>
-              <a:rPr lang="en-US" altLang="zh-CN" sz="2400" dirty="0">
-                <a:solidFill>
-                  <a:prstClr val="black"/>
-                </a:solidFill>
-              </a:rPr>
-              <a:t>transition probabilities</a:t>
-            </a:r>
-          </a:p>
-          <a:p>
-            <a:r>
-              <a:rPr lang="en-US" altLang="zh-CN" sz="2400" dirty="0">
-                <a:solidFill>
-                  <a:prstClr val="black"/>
-                </a:solidFill>
-              </a:rPr>
-              <a:t>	alias sampling</a:t>
-            </a:r>
-          </a:p>
-          <a:p>
-            <a:pPr marL="342900" indent="-342900">
-              <a:buFont typeface="Arial" panose="020B0604020202020204" pitchFamily="34" charset="0"/>
-              <a:buChar char="•"/>
-            </a:pPr>
-            <a:r>
-              <a:rPr lang="en-US" altLang="zh-CN" sz="2400" dirty="0">
-                <a:solidFill>
-                  <a:prstClr val="black"/>
-                </a:solidFill>
-              </a:rPr>
-              <a:t>simulation of random walks</a:t>
-            </a:r>
-          </a:p>
-          <a:p>
-            <a:pPr lvl="1"/>
-            <a:r>
-              <a:rPr lang="en-US" altLang="zh-CN" sz="2400" dirty="0">
-                <a:solidFill>
-                  <a:prstClr val="black"/>
-                </a:solidFill>
-              </a:rPr>
-              <a:t>reuse sampled nodes </a:t>
-            </a:r>
-          </a:p>
-          <a:p>
-            <a:r>
-              <a:rPr lang="en-US" altLang="zh-CN" sz="2400" dirty="0">
-                <a:solidFill>
-                  <a:prstClr val="black"/>
-                </a:solidFill>
-              </a:rPr>
-              <a:t>Optimization:</a:t>
-            </a:r>
-          </a:p>
-          <a:p>
-            <a:pPr marL="342900" indent="-342900">
-              <a:buFont typeface="Arial" panose="020B0604020202020204" pitchFamily="34" charset="0"/>
-              <a:buChar char="•"/>
-            </a:pPr>
-            <a:r>
-              <a:rPr lang="en-US" altLang="zh-CN" sz="2400" dirty="0">
-                <a:solidFill>
-                  <a:prstClr val="black"/>
-                </a:solidFill>
-              </a:rPr>
-              <a:t>Negative sampling</a:t>
-            </a:r>
-          </a:p>
-          <a:p>
-            <a:pPr marL="342900" indent="-342900">
-              <a:buFont typeface="Arial" panose="020B0604020202020204" pitchFamily="34" charset="0"/>
-              <a:buChar char="•"/>
-            </a:pPr>
-            <a:r>
-              <a:rPr lang="en-US" altLang="zh-CN" sz="2400" dirty="0">
-                <a:solidFill>
-                  <a:prstClr val="black"/>
-                </a:solidFill>
-              </a:rPr>
-              <a:t>Asynchronous SGD</a:t>
-            </a:r>
-            <a:endParaRPr lang="zh-CN" altLang="en-US" dirty="0"/>
-          </a:p>
-        </p:txBody>
-      </p:sp>
-      <p:pic>
-        <p:nvPicPr>
-          <p:cNvPr id="9" name="图片 8">
-            <a:extLst>
-              <a:ext uri="{FF2B5EF4-FFF2-40B4-BE49-F238E27FC236}">
-                <a16:creationId xmlns:a16="http://schemas.microsoft.com/office/drawing/2014/main" id="{DA248C6F-2901-4623-BC53-420F0BE7583B}"/>
-              </a:ext>
-            </a:extLst>
-          </p:cNvPr>
-          <p:cNvPicPr>
-            <a:picLocks noChangeAspect="1"/>
-          </p:cNvPicPr>
-          <p:nvPr/>
-        </p:nvPicPr>
-        <p:blipFill>
-          <a:blip r:embed="rId3"/>
-          <a:stretch>
-            <a:fillRect/>
-          </a:stretch>
-        </p:blipFill>
-        <p:spPr>
-          <a:xfrm>
-            <a:off x="4257978" y="6157913"/>
-            <a:ext cx="6112978" cy="828675"/>
-          </a:xfrm>
-          <a:prstGeom prst="rect">
-            <a:avLst/>
-          </a:prstGeom>
-        </p:spPr>
-      </p:pic>
-    </p:spTree>
-    <p:extLst>
-      <p:ext uri="{BB962C8B-B14F-4D97-AF65-F5344CB8AC3E}">
-        <p14:creationId xmlns:p14="http://schemas.microsoft.com/office/powerpoint/2010/main" val="2326924624"/>
-      </p:ext>
-    </p:extLst>
-  </p:cSld>
-  <p:clrMapOvr>
-    <a:masterClrMapping/>
-  </p:clrMapOvr>
-</p:sld>
-</file>
-
-<file path=ppt/slides/slide18.xml><?xml version="1.0" encoding="utf-8"?>
-<p:sld xmlns:a="http://schemas.openxmlformats.org/drawingml/2006/main" xmlns:r="http://schemas.openxmlformats.org/officeDocument/2006/relationships" xmlns:p="http://schemas.openxmlformats.org/presentationml/2006/main">
-  <p:cSld>
-    <p:spTree>
-      <p:nvGrpSpPr>
-        <p:cNvPr id="1" name=""/>
-        <p:cNvGrpSpPr/>
-        <p:nvPr/>
-      </p:nvGrpSpPr>
-      <p:grpSpPr>
-        <a:xfrm>
-          <a:off x="0" y="0"/>
-          <a:ext cx="0" cy="0"/>
-          <a:chOff x="0" y="0"/>
-          <a:chExt cx="0" cy="0"/>
-        </a:xfrm>
-      </p:grpSpPr>
-      <p:pic>
-        <p:nvPicPr>
-          <p:cNvPr id="4" name="图片 3">
-            <a:extLst>
-              <a:ext uri="{FF2B5EF4-FFF2-40B4-BE49-F238E27FC236}">
-                <a16:creationId xmlns:a16="http://schemas.microsoft.com/office/drawing/2014/main" id="{A9089061-785B-431E-81B9-3D9B33CCD61F}"/>
-              </a:ext>
-            </a:extLst>
-          </p:cNvPr>
-          <p:cNvPicPr>
-            <a:picLocks noChangeAspect="1"/>
-          </p:cNvPicPr>
-          <p:nvPr/>
-        </p:nvPicPr>
-        <p:blipFill>
-          <a:blip r:embed="rId3"/>
-          <a:stretch>
-            <a:fillRect/>
-          </a:stretch>
-        </p:blipFill>
-        <p:spPr>
-          <a:xfrm>
-            <a:off x="0" y="4226996"/>
-            <a:ext cx="6280890" cy="2181530"/>
-          </a:xfrm>
-          <a:prstGeom prst="rect">
-            <a:avLst/>
-          </a:prstGeom>
-        </p:spPr>
-      </p:pic>
-      <p:pic>
-        <p:nvPicPr>
-          <p:cNvPr id="5" name="图片 4">
-            <a:extLst>
-              <a:ext uri="{FF2B5EF4-FFF2-40B4-BE49-F238E27FC236}">
-                <a16:creationId xmlns:a16="http://schemas.microsoft.com/office/drawing/2014/main" id="{1191B810-A390-40FB-B7C0-AC4C2BE60C80}"/>
-              </a:ext>
-            </a:extLst>
-          </p:cNvPr>
-          <p:cNvPicPr>
-            <a:picLocks noChangeAspect="1"/>
-          </p:cNvPicPr>
-          <p:nvPr/>
-        </p:nvPicPr>
-        <p:blipFill>
-          <a:blip r:embed="rId4"/>
-          <a:stretch>
-            <a:fillRect/>
-          </a:stretch>
-        </p:blipFill>
-        <p:spPr>
-          <a:xfrm>
-            <a:off x="6715427" y="1195943"/>
-            <a:ext cx="5194634" cy="6062107"/>
-          </a:xfrm>
-          <a:prstGeom prst="rect">
-            <a:avLst/>
-          </a:prstGeom>
-        </p:spPr>
-      </p:pic>
-      <p:sp>
-        <p:nvSpPr>
-          <p:cNvPr id="6" name="矩形 5">
-            <a:extLst>
-              <a:ext uri="{FF2B5EF4-FFF2-40B4-BE49-F238E27FC236}">
-                <a16:creationId xmlns:a16="http://schemas.microsoft.com/office/drawing/2014/main" id="{4920893D-039C-49F0-BC72-140EEA513E55}"/>
-              </a:ext>
-            </a:extLst>
-          </p:cNvPr>
-          <p:cNvSpPr/>
-          <p:nvPr/>
-        </p:nvSpPr>
-        <p:spPr>
-          <a:xfrm>
-            <a:off x="329517" y="313965"/>
-            <a:ext cx="2492990" cy="523220"/>
-          </a:xfrm>
-          <a:prstGeom prst="rect">
-            <a:avLst/>
-          </a:prstGeom>
-        </p:spPr>
-        <p:txBody>
-          <a:bodyPr wrap="none">
-            <a:spAutoFit/>
-          </a:bodyPr>
-          <a:lstStyle/>
-          <a:p>
-            <a:r>
-              <a:rPr lang="en-US" altLang="zh-CN" sz="2800" b="1" dirty="0">
-                <a:latin typeface="Calibri" panose="020F0502020204030204" pitchFamily="34" charset="0"/>
-                <a:cs typeface="Calibri" panose="020F0502020204030204" pitchFamily="34" charset="0"/>
-              </a:rPr>
-              <a:t>Link Prediction	</a:t>
-            </a:r>
-          </a:p>
-        </p:txBody>
-      </p:sp>
-      <p:sp>
-        <p:nvSpPr>
-          <p:cNvPr id="8" name="矩形 7">
-            <a:extLst>
-              <a:ext uri="{FF2B5EF4-FFF2-40B4-BE49-F238E27FC236}">
-                <a16:creationId xmlns:a16="http://schemas.microsoft.com/office/drawing/2014/main" id="{59325F53-4513-41E6-B2EA-7C604FE0DB27}"/>
-              </a:ext>
-            </a:extLst>
-          </p:cNvPr>
-          <p:cNvSpPr/>
-          <p:nvPr/>
-        </p:nvSpPr>
-        <p:spPr>
-          <a:xfrm>
-            <a:off x="329517" y="847265"/>
-            <a:ext cx="5621855" cy="3046988"/>
-          </a:xfrm>
-          <a:prstGeom prst="rect">
-            <a:avLst/>
-          </a:prstGeom>
-        </p:spPr>
-        <p:txBody>
-          <a:bodyPr wrap="square">
-            <a:spAutoFit/>
-          </a:bodyPr>
-          <a:lstStyle/>
-          <a:p>
-            <a:pPr lvl="0"/>
-            <a:r>
-              <a:rPr lang="en-US" altLang="zh-CN" sz="2400" dirty="0">
-                <a:solidFill>
-                  <a:prstClr val="black"/>
-                </a:solidFill>
-              </a:rPr>
-              <a:t>Labeled dataset of edges:</a:t>
-            </a:r>
-          </a:p>
-          <a:p>
-            <a:pPr marL="342900" lvl="0" indent="-342900">
-              <a:buFont typeface="Arial" panose="020B0604020202020204" pitchFamily="34" charset="0"/>
-              <a:buChar char="•"/>
-            </a:pPr>
-            <a:r>
-              <a:rPr lang="en-US" altLang="zh-CN" sz="2400" dirty="0">
-                <a:solidFill>
-                  <a:prstClr val="black"/>
-                </a:solidFill>
-              </a:rPr>
-              <a:t>Positive examples:</a:t>
-            </a:r>
-          </a:p>
-          <a:p>
-            <a:pPr lvl="0"/>
-            <a:r>
-              <a:rPr lang="en-US" altLang="zh-CN" sz="2400" dirty="0">
-                <a:solidFill>
-                  <a:prstClr val="black"/>
-                </a:solidFill>
-              </a:rPr>
-              <a:t>	removed 50% of edges in the original 	network,  and ensure the residual 	network is connected. </a:t>
-            </a:r>
-          </a:p>
-          <a:p>
-            <a:pPr marL="342900" lvl="0" indent="-342900">
-              <a:buFont typeface="Arial" panose="020B0604020202020204" pitchFamily="34" charset="0"/>
-              <a:buChar char="•"/>
-            </a:pPr>
-            <a:r>
-              <a:rPr lang="en-US" altLang="zh-CN" sz="2400" dirty="0">
-                <a:solidFill>
-                  <a:prstClr val="black"/>
-                </a:solidFill>
-              </a:rPr>
-              <a:t>Negative examples:</a:t>
-            </a:r>
-          </a:p>
-          <a:p>
-            <a:pPr lvl="0"/>
-            <a:r>
-              <a:rPr lang="en-US" altLang="zh-CN" sz="2400" dirty="0">
-                <a:solidFill>
-                  <a:prstClr val="black"/>
-                </a:solidFill>
-              </a:rPr>
-              <a:t>	A equal number of node pairs from the 	original network which have no edge.</a:t>
-            </a:r>
-          </a:p>
-        </p:txBody>
-      </p:sp>
-      <p:pic>
-        <p:nvPicPr>
-          <p:cNvPr id="9" name="图片 8">
-            <a:extLst>
-              <a:ext uri="{FF2B5EF4-FFF2-40B4-BE49-F238E27FC236}">
-                <a16:creationId xmlns:a16="http://schemas.microsoft.com/office/drawing/2014/main" id="{24447CFA-FF53-4700-B860-439712E86E15}"/>
-              </a:ext>
-            </a:extLst>
-          </p:cNvPr>
-          <p:cNvPicPr>
-            <a:picLocks noChangeAspect="1"/>
-          </p:cNvPicPr>
-          <p:nvPr/>
-        </p:nvPicPr>
-        <p:blipFill>
-          <a:blip r:embed="rId5"/>
-          <a:stretch>
-            <a:fillRect/>
-          </a:stretch>
-        </p:blipFill>
-        <p:spPr>
-          <a:xfrm>
-            <a:off x="281939" y="6929545"/>
-            <a:ext cx="5405837" cy="1900490"/>
-          </a:xfrm>
-          <a:prstGeom prst="rect">
-            <a:avLst/>
-          </a:prstGeom>
-        </p:spPr>
-      </p:pic>
-      <p:sp>
-        <p:nvSpPr>
-          <p:cNvPr id="11" name="矩形 10">
-            <a:extLst>
-              <a:ext uri="{FF2B5EF4-FFF2-40B4-BE49-F238E27FC236}">
-                <a16:creationId xmlns:a16="http://schemas.microsoft.com/office/drawing/2014/main" id="{56940A5C-A299-4A82-8DBD-A18DB8D78CFE}"/>
-              </a:ext>
-            </a:extLst>
-          </p:cNvPr>
-          <p:cNvSpPr/>
-          <p:nvPr/>
-        </p:nvSpPr>
-        <p:spPr>
-          <a:xfrm>
-            <a:off x="5951372" y="7948057"/>
-            <a:ext cx="3593612" cy="461665"/>
-          </a:xfrm>
-          <a:prstGeom prst="rect">
-            <a:avLst/>
-          </a:prstGeom>
-        </p:spPr>
-        <p:txBody>
-          <a:bodyPr wrap="none">
-            <a:spAutoFit/>
-          </a:bodyPr>
-          <a:lstStyle/>
-          <a:p>
-            <a:r>
-              <a:rPr lang="en-US" altLang="zh-CN" sz="2400" dirty="0">
-                <a:solidFill>
-                  <a:prstClr val="black"/>
-                </a:solidFill>
-              </a:rPr>
-              <a:t>Hadamard operator is best.</a:t>
-            </a:r>
-            <a:endParaRPr lang="zh-CN" altLang="en-US" dirty="0"/>
-          </a:p>
-        </p:txBody>
-      </p:sp>
-    </p:spTree>
-    <p:extLst>
-      <p:ext uri="{BB962C8B-B14F-4D97-AF65-F5344CB8AC3E}">
-        <p14:creationId xmlns:p14="http://schemas.microsoft.com/office/powerpoint/2010/main" val="2337928434"/>
-      </p:ext>
-    </p:extLst>
-  </p:cSld>
-  <p:clrMapOvr>
-    <a:masterClrMapping/>
-  </p:clrMapOvr>
-</p:sld>
-</file>
-
-<file path=ppt/slides/slide19.xml><?xml version="1.0" encoding="utf-8"?>
-<p:sld xmlns:a="http://schemas.openxmlformats.org/drawingml/2006/main" xmlns:r="http://schemas.openxmlformats.org/officeDocument/2006/relationships" xmlns:p="http://schemas.openxmlformats.org/presentationml/2006/main">
-  <p:cSld>
-    <p:spTree>
-      <p:nvGrpSpPr>
-        <p:cNvPr id="1" name=""/>
-        <p:cNvGrpSpPr/>
-        <p:nvPr/>
-      </p:nvGrpSpPr>
-      <p:grpSpPr>
-        <a:xfrm>
-          <a:off x="0" y="0"/>
-          <a:ext cx="0" cy="0"/>
-          <a:chOff x="0" y="0"/>
-          <a:chExt cx="0" cy="0"/>
-        </a:xfrm>
-      </p:grpSpPr>
-      <p:sp>
-        <p:nvSpPr>
-          <p:cNvPr id="4" name="矩形 3">
-            <a:extLst>
-              <a:ext uri="{FF2B5EF4-FFF2-40B4-BE49-F238E27FC236}">
-                <a16:creationId xmlns:a16="http://schemas.microsoft.com/office/drawing/2014/main" id="{F7F56775-9DF5-4E8B-90D1-8A5DC5B1D139}"/>
-              </a:ext>
-            </a:extLst>
-          </p:cNvPr>
-          <p:cNvSpPr/>
-          <p:nvPr/>
-        </p:nvSpPr>
-        <p:spPr>
-          <a:xfrm>
-            <a:off x="0" y="0"/>
-            <a:ext cx="12192000" cy="1439334"/>
-          </a:xfrm>
-          <a:prstGeom prst="rect">
-            <a:avLst/>
-          </a:prstGeom>
-          <a:solidFill>
-            <a:schemeClr val="tx2"/>
-          </a:solidFill>
-        </p:spPr>
-        <p:style>
-          <a:lnRef idx="2">
-            <a:schemeClr val="accent1">
-              <a:shade val="50000"/>
-            </a:schemeClr>
-          </a:lnRef>
-          <a:fillRef idx="1">
-            <a:schemeClr val="accent1"/>
-          </a:fillRef>
-          <a:effectRef idx="0">
-            <a:schemeClr val="accent1"/>
-          </a:effectRef>
-          <a:fontRef idx="minor">
-            <a:schemeClr val="lt1"/>
-          </a:fontRef>
-        </p:style>
-        <p:txBody>
-          <a:bodyPr rtlCol="0" anchor="ctr"/>
-          <a:lstStyle/>
-          <a:p>
-            <a:pPr algn="ctr"/>
-            <a:endParaRPr lang="zh-CN" altLang="en-US">
-              <a:solidFill>
-                <a:srgbClr val="FF0000"/>
-              </a:solidFill>
-            </a:endParaRPr>
-          </a:p>
-        </p:txBody>
-      </p:sp>
-      <p:sp>
-        <p:nvSpPr>
-          <p:cNvPr id="7" name="矩形 6">
-            <a:extLst>
-              <a:ext uri="{FF2B5EF4-FFF2-40B4-BE49-F238E27FC236}">
-                <a16:creationId xmlns:a16="http://schemas.microsoft.com/office/drawing/2014/main" id="{45935406-9B51-4ACA-A604-DE84FECA04AD}"/>
-              </a:ext>
-            </a:extLst>
-          </p:cNvPr>
-          <p:cNvSpPr/>
-          <p:nvPr/>
-        </p:nvSpPr>
-        <p:spPr>
-          <a:xfrm>
-            <a:off x="106638" y="326480"/>
-            <a:ext cx="3776675" cy="923330"/>
-          </a:xfrm>
-          <a:prstGeom prst="rect">
-            <a:avLst/>
-          </a:prstGeom>
-        </p:spPr>
-        <p:txBody>
-          <a:bodyPr wrap="none">
-            <a:spAutoFit/>
-          </a:bodyPr>
-          <a:lstStyle/>
-          <a:p>
-            <a:r>
-              <a:rPr lang="en-US" altLang="zh-CN" sz="5400" dirty="0">
-                <a:solidFill>
-                  <a:srgbClr val="FCFCFF"/>
-                </a:solidFill>
-                <a:latin typeface="微软雅黑" panose="020B0503020204020204" pitchFamily="34" charset="-122"/>
-                <a:ea typeface="微软雅黑" panose="020B0503020204020204" pitchFamily="34" charset="-122"/>
-                <a:cs typeface="Times New Roman" panose="02020603050405020304" pitchFamily="18" charset="0"/>
-              </a:rPr>
-              <a:t>References</a:t>
-            </a:r>
-            <a:endParaRPr lang="zh-CN" altLang="en-US" sz="5400" dirty="0">
-              <a:solidFill>
-                <a:srgbClr val="FCFCFF"/>
-              </a:solidFill>
-              <a:latin typeface="微软雅黑" panose="020B0503020204020204" pitchFamily="34" charset="-122"/>
-              <a:ea typeface="微软雅黑" panose="020B0503020204020204" pitchFamily="34" charset="-122"/>
-            </a:endParaRPr>
-          </a:p>
-        </p:txBody>
-      </p:sp>
-      <p:sp>
-        <p:nvSpPr>
-          <p:cNvPr id="3" name="矩形 2">
-            <a:extLst>
-              <a:ext uri="{FF2B5EF4-FFF2-40B4-BE49-F238E27FC236}">
-                <a16:creationId xmlns:a16="http://schemas.microsoft.com/office/drawing/2014/main" id="{EE5EB2E0-8700-4268-A14A-394B2D309FB1}"/>
-              </a:ext>
-            </a:extLst>
-          </p:cNvPr>
-          <p:cNvSpPr/>
-          <p:nvPr/>
-        </p:nvSpPr>
-        <p:spPr>
-          <a:xfrm>
-            <a:off x="843229" y="2256693"/>
-            <a:ext cx="8849412" cy="1754326"/>
-          </a:xfrm>
-          <a:prstGeom prst="rect">
-            <a:avLst/>
-          </a:prstGeom>
-        </p:spPr>
-        <p:txBody>
-          <a:bodyPr wrap="square">
-            <a:spAutoFit/>
-          </a:bodyPr>
-          <a:lstStyle/>
-          <a:p>
-            <a:pPr marL="571500" indent="-571500">
-              <a:buFont typeface="Arial" panose="020B0604020202020204" pitchFamily="34" charset="0"/>
-              <a:buChar char="•"/>
-            </a:pPr>
-            <a:r>
-              <a:rPr lang="en-US" altLang="zh-CN" sz="3600" dirty="0">
-                <a:hlinkClick r:id="rId2"/>
-              </a:rPr>
-              <a:t>CS224W | Home (stanford.edu)</a:t>
-            </a:r>
-            <a:endParaRPr lang="en-US" altLang="zh-CN" sz="3600" dirty="0"/>
-          </a:p>
-          <a:p>
-            <a:pPr marL="571500" indent="-571500">
-              <a:buFont typeface="Arial" panose="020B0604020202020204" pitchFamily="34" charset="0"/>
-              <a:buChar char="•"/>
-            </a:pPr>
-            <a:r>
-              <a:rPr lang="en-US" altLang="zh-CN" sz="3600" dirty="0">
-                <a:hlinkClick r:id="rId3"/>
-              </a:rPr>
-              <a:t>【Graph Embedding】node2vec</a:t>
-            </a:r>
-            <a:r>
-              <a:rPr lang="zh-CN" altLang="en-US" sz="3600" dirty="0">
-                <a:hlinkClick r:id="rId3"/>
-              </a:rPr>
-              <a:t>：算法原理，实现和应用 </a:t>
-            </a:r>
-            <a:r>
-              <a:rPr lang="en-US" altLang="zh-CN" sz="3600" dirty="0">
-                <a:hlinkClick r:id="rId3"/>
-              </a:rPr>
-              <a:t>- </a:t>
-            </a:r>
-            <a:r>
-              <a:rPr lang="zh-CN" altLang="en-US" sz="3600" dirty="0">
-                <a:hlinkClick r:id="rId3"/>
-              </a:rPr>
-              <a:t>知乎 </a:t>
-            </a:r>
-            <a:r>
-              <a:rPr lang="en-US" altLang="zh-CN" sz="3600" dirty="0">
-                <a:hlinkClick r:id="rId3"/>
-              </a:rPr>
-              <a:t>(zhihu.com)</a:t>
-            </a:r>
-            <a:endParaRPr lang="zh-CN" altLang="en-US" sz="3600" dirty="0"/>
-          </a:p>
-        </p:txBody>
-      </p:sp>
-    </p:spTree>
-    <p:extLst>
-      <p:ext uri="{BB962C8B-B14F-4D97-AF65-F5344CB8AC3E}">
-        <p14:creationId xmlns:p14="http://schemas.microsoft.com/office/powerpoint/2010/main" val="1351808209"/>
-      </p:ext>
-    </p:extLst>
-  </p:cSld>
-  <p:clrMapOvr>
-    <a:masterClrMapping/>
-  </p:clrMapOvr>
-</p:sld>
-</file>
-
 <file path=ppt/slides/slide2.xml><?xml version="1.0" encoding="utf-8"?>
 <p:sld xmlns:a="http://schemas.openxmlformats.org/drawingml/2006/main" xmlns:r="http://schemas.openxmlformats.org/officeDocument/2006/relationships" xmlns:p="http://schemas.openxmlformats.org/presentationml/2006/main">
   <p:cSld>
@@ -15146,8 +10296,8 @@
           </p:sp>
         </mc:Fallback>
       </mc:AlternateContent>
-      <mc:AlternateContent xmlns:mc="http://schemas.openxmlformats.org/markup-compatibility/2006" xmlns:a14="http://schemas.microsoft.com/office/drawing/2010/main">
-        <mc:Choice Requires="a14">
+      <mc:AlternateContent xmlns:mc="http://schemas.openxmlformats.org/markup-compatibility/2006">
+        <mc:Choice xmlns:a14="http://schemas.microsoft.com/office/drawing/2010/main" Requires="a14">
           <p:sp>
             <p:nvSpPr>
               <p:cNvPr id="15" name="矩形 14">
@@ -15163,7 +10313,7 @@
             <p:spPr>
               <a:xfrm>
                 <a:off x="629542" y="4353556"/>
-                <a:ext cx="9755649" cy="970202"/>
+                <a:ext cx="10997780" cy="970202"/>
               </a:xfrm>
               <a:prstGeom prst="rect">
                 <a:avLst/>
@@ -15305,7 +10455,7 @@
                     <a:latin typeface="微软雅黑" panose="020B0503020204020204" pitchFamily="34" charset="-122"/>
                     <a:ea typeface="微软雅黑" panose="020B0503020204020204" pitchFamily="34" charset="-122"/>
                   </a:rPr>
-                  <a:t>为</a:t>
+                  <a:t>的位置为</a:t>
                 </a:r>
                 <a:r>
                   <a:rPr lang="en-US" altLang="zh-CN" sz="2800" dirty="0">
@@ -15343,7 +10493,7 @@
             </p:txBody>
           </p:sp>
         </mc:Choice>
-        <mc:Fallback xmlns="">
+        <mc:Fallback>
           <p:sp>
             <p:nvSpPr>
               <p:cNvPr id="15" name="矩形 14">
@@ -15361,7 +10511,7 @@
             <p:spPr>
               <a:xfrm>
                 <a:off x="629542" y="4353556"/>
-                <a:ext cx="9755649" cy="970202"/>
+                <a:ext cx="10997780" cy="970202"/>
               </a:xfrm>
               <a:prstGeom prst="rect">
                 <a:avLst/>
@@ -15369,7 +10519,7 @@
               <a:blipFill>
                 <a:blip r:embed="rId5"/>
                 <a:stretch>
-                  <a:fillRect l="-1249" t="-4403" r="-999" b="-16981"/>
+                  <a:fillRect l="-1109" t="-4403" b="-16981"/>
                 </a:stretch>
               </a:blipFill>
             </p:spPr>
@@ -16081,8 +11231,8 @@
           </a:p>
         </p:txBody>
       </p:sp>
-      <mc:AlternateContent xmlns:mc="http://schemas.openxmlformats.org/markup-compatibility/2006">
-        <mc:Choice xmlns:a14="http://schemas.microsoft.com/office/drawing/2010/main" Requires="a14">
+      <mc:AlternateContent xmlns:mc="http://schemas.openxmlformats.org/markup-compatibility/2006" xmlns:a14="http://schemas.microsoft.com/office/drawing/2010/main">
+        <mc:Choice Requires="a14">
           <p:sp>
             <p:nvSpPr>
               <p:cNvPr id="27" name="矩形 26">
@@ -16285,7 +11435,7 @@
             </p:txBody>
           </p:sp>
         </mc:Choice>
-        <mc:Fallback>
+        <mc:Fallback xmlns="">
           <p:sp>
             <p:nvSpPr>
               <p:cNvPr id="27" name="矩形 26">
@@ -16330,8 +11480,8 @@
           </p:sp>
         </mc:Fallback>
       </mc:AlternateContent>
-      <mc:AlternateContent xmlns:mc="http://schemas.openxmlformats.org/markup-compatibility/2006">
-        <mc:Choice xmlns:a14="http://schemas.microsoft.com/office/drawing/2010/main" Requires="a14">
+      <mc:AlternateContent xmlns:mc="http://schemas.openxmlformats.org/markup-compatibility/2006" xmlns:a14="http://schemas.microsoft.com/office/drawing/2010/main">
+        <mc:Choice Requires="a14">
           <p:sp>
             <p:nvSpPr>
               <p:cNvPr id="18" name="文本框 17">
@@ -16549,7 +11699,7 @@
             </p:txBody>
           </p:sp>
         </mc:Choice>
-        <mc:Fallback>
+        <mc:Fallback xmlns="">
           <p:sp>
             <p:nvSpPr>
               <p:cNvPr id="18" name="文本框 17">
@@ -16611,7 +11761,7 @@
             <p:spPr>
               <a:xfrm>
                 <a:off x="883611" y="6691046"/>
-                <a:ext cx="10600402" cy="1216551"/>
+                <a:ext cx="10724859" cy="1216551"/>
               </a:xfrm>
               <a:prstGeom prst="rect">
                 <a:avLst/>
@@ -16760,7 +11910,7 @@
                             <a:latin typeface="Cambria Math" panose="02040503050406030204" pitchFamily="18" charset="0"/>
                             <a:ea typeface="微软雅黑" panose="020B0503020204020204" pitchFamily="34" charset="-122"/>
                           </a:rPr>
-                          <m:t>𝑃</m:t>
+                          <m:t>𝑝</m:t>
                         </m:r>
                       </m:e>
                       <m:sub>
@@ -16859,7 +12009,7 @@
             <p:spPr>
               <a:xfrm>
                 <a:off x="883611" y="6691046"/>
-                <a:ext cx="10600402" cy="1216551"/>
+                <a:ext cx="10724859" cy="1216551"/>
               </a:xfrm>
               <a:prstGeom prst="rect">
                 <a:avLst/>
@@ -16867,7 +12017,7 @@
               <a:blipFill>
                 <a:blip r:embed="rId6"/>
                 <a:stretch>
-                  <a:fillRect l="-920" t="-4020" b="-11055"/>
+                  <a:fillRect l="-910" t="-4020" b="-11055"/>
                 </a:stretch>
               </a:blipFill>
             </p:spPr>
@@ -16942,7 +12092,7 @@
         <p:spPr>
           <a:xfrm>
             <a:off x="883611" y="8258018"/>
-            <a:ext cx="2954655" cy="461665"/>
+            <a:ext cx="9110186" cy="461665"/>
           </a:xfrm>
           <a:prstGeom prst="rect">
             <a:avLst/>
@@ -16955,19 +12105,49 @@
           <a:lstStyle/>
           <a:p>
             <a:r>
-              <a:rPr lang="zh-CN" altLang="en-US" sz="2400">
+              <a:rPr lang="zh-CN" altLang="en-US" sz="2400" dirty="0">
                 <a:solidFill>
                   <a:prstClr val="black"/>
                 </a:solidFill>
                 <a:latin typeface="微软雅黑" panose="020B0503020204020204" pitchFamily="34" charset="-122"/>
                 <a:ea typeface="微软雅黑" panose="020B0503020204020204" pitchFamily="34" charset="-122"/>
               </a:rPr>
-              <a:t>类似于极大似然估计</a:t>
+              <a:t>利用极大似然估计，最小化负对数似然函数与最小化交叉熵等价</a:t>
             </a:r>
             <a:endParaRPr lang="zh-CN" altLang="en-US" dirty="0"/>
           </a:p>
         </p:txBody>
       </p:sp>
+      <p:pic>
+        <p:nvPicPr>
+          <p:cNvPr id="5" name="图片 4">
+            <a:extLst>
+              <a:ext uri="{FF2B5EF4-FFF2-40B4-BE49-F238E27FC236}">
+                <a16:creationId xmlns:a16="http://schemas.microsoft.com/office/drawing/2014/main" id="{55416EF3-E2F1-4CE1-ACAC-2041DB616D36}"/>
+              </a:ext>
+            </a:extLst>
+          </p:cNvPr>
+          <p:cNvPicPr>
+            <a:picLocks noChangeAspect="1"/>
+          </p:cNvPicPr>
+          <p:nvPr/>
+        </p:nvPicPr>
+        <p:blipFill>
+          <a:blip r:embed="rId7"/>
+          <a:stretch>
+            <a:fillRect/>
+          </a:stretch>
+        </p:blipFill>
+        <p:spPr>
+          <a:xfrm>
+            <a:off x="6558124" y="2287390"/>
+            <a:ext cx="3665376" cy="459863"/>
+          </a:xfrm>
+          <a:prstGeom prst="rect">
+            <a:avLst/>
+          </a:prstGeom>
+        </p:spPr>
+      </p:pic>
     </p:spTree>
     <p:extLst>
       <p:ext uri="{BB962C8B-B14F-4D97-AF65-F5344CB8AC3E}">
@@ -16982,310 +12162,6 @@
 </file>
 
 <file path=ppt/slides/slide7.xml><?xml version="1.0" encoding="utf-8"?>
-<p:sld xmlns:a="http://schemas.openxmlformats.org/drawingml/2006/main" xmlns:r="http://schemas.openxmlformats.org/officeDocument/2006/relationships" xmlns:p="http://schemas.openxmlformats.org/presentationml/2006/main">
-  <p:cSld>
-    <p:spTree>
-      <p:nvGrpSpPr>
-        <p:cNvPr id="1" name=""/>
-        <p:cNvGrpSpPr/>
-        <p:nvPr/>
-      </p:nvGrpSpPr>
-      <p:grpSpPr>
-        <a:xfrm>
-          <a:off x="0" y="0"/>
-          <a:ext cx="0" cy="0"/>
-          <a:chOff x="0" y="0"/>
-          <a:chExt cx="0" cy="0"/>
-        </a:xfrm>
-      </p:grpSpPr>
-      <p:sp>
-        <p:nvSpPr>
-          <p:cNvPr id="4" name="矩形 3">
-            <a:extLst>
-              <a:ext uri="{FF2B5EF4-FFF2-40B4-BE49-F238E27FC236}">
-                <a16:creationId xmlns:a16="http://schemas.microsoft.com/office/drawing/2014/main" id="{F7F56775-9DF5-4E8B-90D1-8A5DC5B1D139}"/>
-              </a:ext>
-            </a:extLst>
-          </p:cNvPr>
-          <p:cNvSpPr/>
-          <p:nvPr/>
-        </p:nvSpPr>
-        <p:spPr>
-          <a:xfrm>
-            <a:off x="0" y="0"/>
-            <a:ext cx="12192000" cy="1439334"/>
-          </a:xfrm>
-          <a:prstGeom prst="rect">
-            <a:avLst/>
-          </a:prstGeom>
-          <a:solidFill>
-            <a:schemeClr val="tx2"/>
-          </a:solidFill>
-        </p:spPr>
-        <p:style>
-          <a:lnRef idx="2">
-            <a:schemeClr val="accent1">
-              <a:shade val="50000"/>
-            </a:schemeClr>
-          </a:lnRef>
-          <a:fillRef idx="1">
-            <a:schemeClr val="accent1"/>
-          </a:fillRef>
-          <a:effectRef idx="0">
-            <a:schemeClr val="accent1"/>
-          </a:effectRef>
-          <a:fontRef idx="minor">
-            <a:schemeClr val="lt1"/>
-          </a:fontRef>
-        </p:style>
-        <p:txBody>
-          <a:bodyPr rtlCol="0" anchor="ctr"/>
-          <a:lstStyle/>
-          <a:p>
-            <a:pPr algn="ctr"/>
-            <a:endParaRPr lang="zh-CN" altLang="en-US">
-              <a:solidFill>
-                <a:srgbClr val="FF0000"/>
-              </a:solidFill>
-            </a:endParaRPr>
-          </a:p>
-        </p:txBody>
-      </p:sp>
-      <p:sp>
-        <p:nvSpPr>
-          <p:cNvPr id="7" name="矩形 6">
-            <a:extLst>
-              <a:ext uri="{FF2B5EF4-FFF2-40B4-BE49-F238E27FC236}">
-                <a16:creationId xmlns:a16="http://schemas.microsoft.com/office/drawing/2014/main" id="{45935406-9B51-4ACA-A604-DE84FECA04AD}"/>
-              </a:ext>
-            </a:extLst>
-          </p:cNvPr>
-          <p:cNvSpPr/>
-          <p:nvPr/>
-        </p:nvSpPr>
-        <p:spPr>
-          <a:xfrm>
-            <a:off x="106638" y="326480"/>
-            <a:ext cx="5032147" cy="923330"/>
-          </a:xfrm>
-          <a:prstGeom prst="rect">
-            <a:avLst/>
-          </a:prstGeom>
-        </p:spPr>
-        <p:txBody>
-          <a:bodyPr wrap="none">
-            <a:spAutoFit/>
-          </a:bodyPr>
-          <a:lstStyle/>
-          <a:p>
-            <a:r>
-              <a:rPr lang="zh-CN" altLang="en-US" sz="5400" dirty="0">
-                <a:solidFill>
-                  <a:srgbClr val="FCFCFF"/>
-                </a:solidFill>
-                <a:latin typeface="微软雅黑" panose="020B0503020204020204" pitchFamily="34" charset="-122"/>
-                <a:ea typeface="微软雅黑" panose="020B0503020204020204" pitchFamily="34" charset="-122"/>
-                <a:cs typeface="Times New Roman" panose="02020603050405020304" pitchFamily="18" charset="0"/>
-              </a:rPr>
-              <a:t>定义结点相似性</a:t>
-            </a:r>
-            <a:endParaRPr lang="zh-CN" altLang="en-US" sz="5400" dirty="0">
-              <a:solidFill>
-                <a:srgbClr val="FCFCFF"/>
-              </a:solidFill>
-              <a:latin typeface="微软雅黑" panose="020B0503020204020204" pitchFamily="34" charset="-122"/>
-              <a:ea typeface="微软雅黑" panose="020B0503020204020204" pitchFamily="34" charset="-122"/>
-            </a:endParaRPr>
-          </a:p>
-        </p:txBody>
-      </p:sp>
-      <p:sp>
-        <p:nvSpPr>
-          <p:cNvPr id="8" name="矩形 7">
-            <a:extLst>
-              <a:ext uri="{FF2B5EF4-FFF2-40B4-BE49-F238E27FC236}">
-                <a16:creationId xmlns:a16="http://schemas.microsoft.com/office/drawing/2014/main" id="{604D1639-1F48-425B-A806-E1247E4105F4}"/>
-              </a:ext>
-            </a:extLst>
-          </p:cNvPr>
-          <p:cNvSpPr/>
-          <p:nvPr/>
-        </p:nvSpPr>
-        <p:spPr>
-          <a:xfrm>
-            <a:off x="739546" y="2493634"/>
-            <a:ext cx="10712908" cy="2308324"/>
-          </a:xfrm>
-          <a:prstGeom prst="rect">
-            <a:avLst/>
-          </a:prstGeom>
-        </p:spPr>
-        <p:txBody>
-          <a:bodyPr wrap="square">
-            <a:spAutoFit/>
-          </a:bodyPr>
-          <a:lstStyle/>
-          <a:p>
-            <a:pPr marL="571500" indent="-571500">
-              <a:buClr>
-                <a:schemeClr val="accent2"/>
-              </a:buClr>
-              <a:buFont typeface="Wingdings" panose="05000000000000000000" pitchFamily="2" charset="2"/>
-              <a:buChar char="p"/>
-            </a:pPr>
-            <a:r>
-              <a:rPr lang="zh-CN" altLang="en-US" sz="3600" dirty="0">
-                <a:latin typeface="微软雅黑" panose="020B0503020204020204" pitchFamily="34" charset="-122"/>
-                <a:ea typeface="微软雅黑" panose="020B0503020204020204" pitchFamily="34" charset="-122"/>
-                <a:cs typeface="Times New Roman" panose="02020603050405020304" pitchFamily="18" charset="0"/>
-              </a:rPr>
-              <a:t>有边相连</a:t>
-            </a:r>
-            <a:endParaRPr lang="en-US" altLang="zh-CN" sz="3600" dirty="0">
-              <a:latin typeface="微软雅黑" panose="020B0503020204020204" pitchFamily="34" charset="-122"/>
-              <a:ea typeface="微软雅黑" panose="020B0503020204020204" pitchFamily="34" charset="-122"/>
-              <a:cs typeface="Times New Roman" panose="02020603050405020304" pitchFamily="18" charset="0"/>
-            </a:endParaRPr>
-          </a:p>
-          <a:p>
-            <a:pPr marL="571500" indent="-571500">
-              <a:buClr>
-                <a:schemeClr val="accent2"/>
-              </a:buClr>
-              <a:buFont typeface="Wingdings" panose="05000000000000000000" pitchFamily="2" charset="2"/>
-              <a:buChar char="p"/>
-            </a:pPr>
-            <a:r>
-              <a:rPr lang="zh-CN" altLang="en-US" sz="3600" dirty="0">
-                <a:latin typeface="微软雅黑" panose="020B0503020204020204" pitchFamily="34" charset="-122"/>
-                <a:ea typeface="微软雅黑" panose="020B0503020204020204" pitchFamily="34" charset="-122"/>
-                <a:cs typeface="Times New Roman" panose="02020603050405020304" pitchFamily="18" charset="0"/>
-              </a:rPr>
-              <a:t>共享的邻居</a:t>
-            </a:r>
-            <a:endParaRPr lang="en-US" altLang="zh-CN" sz="3600" dirty="0">
-              <a:latin typeface="微软雅黑" panose="020B0503020204020204" pitchFamily="34" charset="-122"/>
-              <a:ea typeface="微软雅黑" panose="020B0503020204020204" pitchFamily="34" charset="-122"/>
-              <a:cs typeface="Times New Roman" panose="02020603050405020304" pitchFamily="18" charset="0"/>
-            </a:endParaRPr>
-          </a:p>
-          <a:p>
-            <a:pPr marL="571500" indent="-571500">
-              <a:buClr>
-                <a:schemeClr val="accent2"/>
-              </a:buClr>
-              <a:buFont typeface="Wingdings" panose="05000000000000000000" pitchFamily="2" charset="2"/>
-              <a:buChar char="p"/>
-            </a:pPr>
-            <a:r>
-              <a:rPr lang="zh-CN" altLang="en-US" sz="3600" dirty="0">
-                <a:latin typeface="微软雅黑" panose="020B0503020204020204" pitchFamily="34" charset="-122"/>
-                <a:ea typeface="微软雅黑" panose="020B0503020204020204" pitchFamily="34" charset="-122"/>
-                <a:cs typeface="Times New Roman" panose="02020603050405020304" pitchFamily="18" charset="0"/>
-              </a:rPr>
-              <a:t>相似的结构</a:t>
-            </a:r>
-            <a:endParaRPr lang="en-US" altLang="zh-CN" sz="3600" dirty="0">
-              <a:latin typeface="微软雅黑" panose="020B0503020204020204" pitchFamily="34" charset="-122"/>
-              <a:ea typeface="微软雅黑" panose="020B0503020204020204" pitchFamily="34" charset="-122"/>
-              <a:cs typeface="Times New Roman" panose="02020603050405020304" pitchFamily="18" charset="0"/>
-            </a:endParaRPr>
-          </a:p>
-          <a:p>
-            <a:pPr marL="571500" indent="-571500">
-              <a:buClr>
-                <a:schemeClr val="accent2"/>
-              </a:buClr>
-              <a:buFont typeface="Wingdings" panose="05000000000000000000" pitchFamily="2" charset="2"/>
-              <a:buChar char="p"/>
-            </a:pPr>
-            <a:r>
-              <a:rPr lang="en-US" altLang="zh-CN" sz="3600" dirty="0">
-                <a:latin typeface="微软雅黑" panose="020B0503020204020204" pitchFamily="34" charset="-122"/>
-                <a:ea typeface="微软雅黑" panose="020B0503020204020204" pitchFamily="34" charset="-122"/>
-                <a:cs typeface="Times New Roman" panose="02020603050405020304" pitchFamily="18" charset="0"/>
-              </a:rPr>
-              <a:t>Skip-Gram</a:t>
-            </a:r>
-            <a:r>
-              <a:rPr lang="zh-CN" altLang="en-US" sz="3600" dirty="0">
-                <a:latin typeface="微软雅黑" panose="020B0503020204020204" pitchFamily="34" charset="-122"/>
-                <a:ea typeface="微软雅黑" panose="020B0503020204020204" pitchFamily="34" charset="-122"/>
-                <a:cs typeface="Times New Roman" panose="02020603050405020304" pitchFamily="18" charset="0"/>
-              </a:rPr>
-              <a:t>框架下的不同</a:t>
-            </a:r>
-            <a:r>
-              <a:rPr lang="zh-CN" altLang="en-US" sz="3600" dirty="0">
-                <a:solidFill>
-                  <a:srgbClr val="C00000"/>
-                </a:solidFill>
-                <a:latin typeface="微软雅黑" panose="020B0503020204020204" pitchFamily="34" charset="-122"/>
-                <a:ea typeface="微软雅黑" panose="020B0503020204020204" pitchFamily="34" charset="-122"/>
-                <a:cs typeface="Times New Roman" panose="02020603050405020304" pitchFamily="18" charset="0"/>
-              </a:rPr>
-              <a:t>采样策略</a:t>
-            </a:r>
-            <a:r>
-              <a:rPr lang="zh-CN" altLang="en-US" sz="3600" dirty="0">
-                <a:latin typeface="微软雅黑" panose="020B0503020204020204" pitchFamily="34" charset="-122"/>
-                <a:ea typeface="微软雅黑" panose="020B0503020204020204" pitchFamily="34" charset="-122"/>
-                <a:cs typeface="Times New Roman" panose="02020603050405020304" pitchFamily="18" charset="0"/>
-              </a:rPr>
-              <a:t>下的结点邻居</a:t>
-            </a:r>
-            <a:endParaRPr lang="en-US" altLang="zh-CN" sz="3600" dirty="0">
-              <a:latin typeface="微软雅黑" panose="020B0503020204020204" pitchFamily="34" charset="-122"/>
-              <a:ea typeface="微软雅黑" panose="020B0503020204020204" pitchFamily="34" charset="-122"/>
-              <a:cs typeface="Times New Roman" panose="02020603050405020304" pitchFamily="18" charset="0"/>
-            </a:endParaRPr>
-          </a:p>
-        </p:txBody>
-      </p:sp>
-      <p:pic>
-        <p:nvPicPr>
-          <p:cNvPr id="9" name="图片 8">
-            <a:extLst>
-              <a:ext uri="{FF2B5EF4-FFF2-40B4-BE49-F238E27FC236}">
-                <a16:creationId xmlns:a16="http://schemas.microsoft.com/office/drawing/2014/main" id="{FC35AFBA-15F9-49BF-AA73-D98254EEDD4B}"/>
-              </a:ext>
-            </a:extLst>
-          </p:cNvPr>
-          <p:cNvPicPr>
-            <a:picLocks noChangeAspect="1"/>
-          </p:cNvPicPr>
-          <p:nvPr/>
-        </p:nvPicPr>
-        <p:blipFill>
-          <a:blip r:embed="rId2"/>
-          <a:stretch>
-            <a:fillRect/>
-          </a:stretch>
-        </p:blipFill>
-        <p:spPr>
-          <a:xfrm>
-            <a:off x="1817735" y="5665759"/>
-            <a:ext cx="6642100" cy="2231745"/>
-          </a:xfrm>
-          <a:prstGeom prst="rect">
-            <a:avLst/>
-          </a:prstGeom>
-        </p:spPr>
-      </p:pic>
-    </p:spTree>
-    <p:extLst>
-      <p:ext uri="{BB962C8B-B14F-4D97-AF65-F5344CB8AC3E}">
-        <p14:creationId xmlns:p14="http://schemas.microsoft.com/office/powerpoint/2010/main" val="3310703108"/>
-      </p:ext>
-    </p:extLst>
-  </p:cSld>
-  <p:clrMapOvr>
-    <a:masterClrMapping/>
-  </p:clrMapOvr>
-</p:sld>
-</file>
-
-<file path=ppt/slides/slide8.xml><?xml version="1.0" encoding="utf-8"?>
 <p:sld xmlns:a="http://schemas.openxmlformats.org/drawingml/2006/main" xmlns:r="http://schemas.openxmlformats.org/officeDocument/2006/relationships" xmlns:p="http://schemas.openxmlformats.org/presentationml/2006/main">
   <p:cSld>
     <p:spTree>
@@ -18212,6 +13088,310 @@
 </p:sld>
 </file>
 
+<file path=ppt/slides/slide8.xml><?xml version="1.0" encoding="utf-8"?>
+<p:sld xmlns:a="http://schemas.openxmlformats.org/drawingml/2006/main" xmlns:r="http://schemas.openxmlformats.org/officeDocument/2006/relationships" xmlns:p="http://schemas.openxmlformats.org/presentationml/2006/main">
+  <p:cSld>
+    <p:spTree>
+      <p:nvGrpSpPr>
+        <p:cNvPr id="1" name=""/>
+        <p:cNvGrpSpPr/>
+        <p:nvPr/>
+      </p:nvGrpSpPr>
+      <p:grpSpPr>
+        <a:xfrm>
+          <a:off x="0" y="0"/>
+          <a:ext cx="0" cy="0"/>
+          <a:chOff x="0" y="0"/>
+          <a:chExt cx="0" cy="0"/>
+        </a:xfrm>
+      </p:grpSpPr>
+      <p:sp>
+        <p:nvSpPr>
+          <p:cNvPr id="4" name="矩形 3">
+            <a:extLst>
+              <a:ext uri="{FF2B5EF4-FFF2-40B4-BE49-F238E27FC236}">
+                <a16:creationId xmlns:a16="http://schemas.microsoft.com/office/drawing/2014/main" id="{F7F56775-9DF5-4E8B-90D1-8A5DC5B1D139}"/>
+              </a:ext>
+            </a:extLst>
+          </p:cNvPr>
+          <p:cNvSpPr/>
+          <p:nvPr/>
+        </p:nvSpPr>
+        <p:spPr>
+          <a:xfrm>
+            <a:off x="0" y="0"/>
+            <a:ext cx="12192000" cy="1439334"/>
+          </a:xfrm>
+          <a:prstGeom prst="rect">
+            <a:avLst/>
+          </a:prstGeom>
+          <a:solidFill>
+            <a:schemeClr val="tx2"/>
+          </a:solidFill>
+        </p:spPr>
+        <p:style>
+          <a:lnRef idx="2">
+            <a:schemeClr val="accent1">
+              <a:shade val="50000"/>
+            </a:schemeClr>
+          </a:lnRef>
+          <a:fillRef idx="1">
+            <a:schemeClr val="accent1"/>
+          </a:fillRef>
+          <a:effectRef idx="0">
+            <a:schemeClr val="accent1"/>
+          </a:effectRef>
+          <a:fontRef idx="minor">
+            <a:schemeClr val="lt1"/>
+          </a:fontRef>
+        </p:style>
+        <p:txBody>
+          <a:bodyPr rtlCol="0" anchor="ctr"/>
+          <a:lstStyle/>
+          <a:p>
+            <a:pPr algn="ctr"/>
+            <a:endParaRPr lang="zh-CN" altLang="en-US">
+              <a:solidFill>
+                <a:srgbClr val="FF0000"/>
+              </a:solidFill>
+            </a:endParaRPr>
+          </a:p>
+        </p:txBody>
+      </p:sp>
+      <p:sp>
+        <p:nvSpPr>
+          <p:cNvPr id="7" name="矩形 6">
+            <a:extLst>
+              <a:ext uri="{FF2B5EF4-FFF2-40B4-BE49-F238E27FC236}">
+                <a16:creationId xmlns:a16="http://schemas.microsoft.com/office/drawing/2014/main" id="{45935406-9B51-4ACA-A604-DE84FECA04AD}"/>
+              </a:ext>
+            </a:extLst>
+          </p:cNvPr>
+          <p:cNvSpPr/>
+          <p:nvPr/>
+        </p:nvSpPr>
+        <p:spPr>
+          <a:xfrm>
+            <a:off x="106638" y="326480"/>
+            <a:ext cx="5032147" cy="923330"/>
+          </a:xfrm>
+          <a:prstGeom prst="rect">
+            <a:avLst/>
+          </a:prstGeom>
+        </p:spPr>
+        <p:txBody>
+          <a:bodyPr wrap="none">
+            <a:spAutoFit/>
+          </a:bodyPr>
+          <a:lstStyle/>
+          <a:p>
+            <a:r>
+              <a:rPr lang="zh-CN" altLang="en-US" sz="5400" dirty="0">
+                <a:solidFill>
+                  <a:srgbClr val="FCFCFF"/>
+                </a:solidFill>
+                <a:latin typeface="微软雅黑" panose="020B0503020204020204" pitchFamily="34" charset="-122"/>
+                <a:ea typeface="微软雅黑" panose="020B0503020204020204" pitchFamily="34" charset="-122"/>
+                <a:cs typeface="Times New Roman" panose="02020603050405020304" pitchFamily="18" charset="0"/>
+              </a:rPr>
+              <a:t>定义结点相似性</a:t>
+            </a:r>
+            <a:endParaRPr lang="zh-CN" altLang="en-US" sz="5400" dirty="0">
+              <a:solidFill>
+                <a:srgbClr val="FCFCFF"/>
+              </a:solidFill>
+              <a:latin typeface="微软雅黑" panose="020B0503020204020204" pitchFamily="34" charset="-122"/>
+              <a:ea typeface="微软雅黑" panose="020B0503020204020204" pitchFamily="34" charset="-122"/>
+            </a:endParaRPr>
+          </a:p>
+        </p:txBody>
+      </p:sp>
+      <p:sp>
+        <p:nvSpPr>
+          <p:cNvPr id="8" name="矩形 7">
+            <a:extLst>
+              <a:ext uri="{FF2B5EF4-FFF2-40B4-BE49-F238E27FC236}">
+                <a16:creationId xmlns:a16="http://schemas.microsoft.com/office/drawing/2014/main" id="{604D1639-1F48-425B-A806-E1247E4105F4}"/>
+              </a:ext>
+            </a:extLst>
+          </p:cNvPr>
+          <p:cNvSpPr/>
+          <p:nvPr/>
+        </p:nvSpPr>
+        <p:spPr>
+          <a:xfrm>
+            <a:off x="739546" y="2493634"/>
+            <a:ext cx="10712908" cy="2308324"/>
+          </a:xfrm>
+          <a:prstGeom prst="rect">
+            <a:avLst/>
+          </a:prstGeom>
+        </p:spPr>
+        <p:txBody>
+          <a:bodyPr wrap="square">
+            <a:spAutoFit/>
+          </a:bodyPr>
+          <a:lstStyle/>
+          <a:p>
+            <a:pPr marL="571500" indent="-571500">
+              <a:buClr>
+                <a:schemeClr val="accent2"/>
+              </a:buClr>
+              <a:buFont typeface="Wingdings" panose="05000000000000000000" pitchFamily="2" charset="2"/>
+              <a:buChar char="p"/>
+            </a:pPr>
+            <a:r>
+              <a:rPr lang="zh-CN" altLang="en-US" sz="3600" dirty="0">
+                <a:latin typeface="微软雅黑" panose="020B0503020204020204" pitchFamily="34" charset="-122"/>
+                <a:ea typeface="微软雅黑" panose="020B0503020204020204" pitchFamily="34" charset="-122"/>
+                <a:cs typeface="Times New Roman" panose="02020603050405020304" pitchFamily="18" charset="0"/>
+              </a:rPr>
+              <a:t>有边相连</a:t>
+            </a:r>
+            <a:endParaRPr lang="en-US" altLang="zh-CN" sz="3600" dirty="0">
+              <a:latin typeface="微软雅黑" panose="020B0503020204020204" pitchFamily="34" charset="-122"/>
+              <a:ea typeface="微软雅黑" panose="020B0503020204020204" pitchFamily="34" charset="-122"/>
+              <a:cs typeface="Times New Roman" panose="02020603050405020304" pitchFamily="18" charset="0"/>
+            </a:endParaRPr>
+          </a:p>
+          <a:p>
+            <a:pPr marL="571500" indent="-571500">
+              <a:buClr>
+                <a:schemeClr val="accent2"/>
+              </a:buClr>
+              <a:buFont typeface="Wingdings" panose="05000000000000000000" pitchFamily="2" charset="2"/>
+              <a:buChar char="p"/>
+            </a:pPr>
+            <a:r>
+              <a:rPr lang="zh-CN" altLang="en-US" sz="3600" dirty="0">
+                <a:latin typeface="微软雅黑" panose="020B0503020204020204" pitchFamily="34" charset="-122"/>
+                <a:ea typeface="微软雅黑" panose="020B0503020204020204" pitchFamily="34" charset="-122"/>
+                <a:cs typeface="Times New Roman" panose="02020603050405020304" pitchFamily="18" charset="0"/>
+              </a:rPr>
+              <a:t>共享的邻居</a:t>
+            </a:r>
+            <a:endParaRPr lang="en-US" altLang="zh-CN" sz="3600" dirty="0">
+              <a:latin typeface="微软雅黑" panose="020B0503020204020204" pitchFamily="34" charset="-122"/>
+              <a:ea typeface="微软雅黑" panose="020B0503020204020204" pitchFamily="34" charset="-122"/>
+              <a:cs typeface="Times New Roman" panose="02020603050405020304" pitchFamily="18" charset="0"/>
+            </a:endParaRPr>
+          </a:p>
+          <a:p>
+            <a:pPr marL="571500" indent="-571500">
+              <a:buClr>
+                <a:schemeClr val="accent2"/>
+              </a:buClr>
+              <a:buFont typeface="Wingdings" panose="05000000000000000000" pitchFamily="2" charset="2"/>
+              <a:buChar char="p"/>
+            </a:pPr>
+            <a:r>
+              <a:rPr lang="zh-CN" altLang="en-US" sz="3600" dirty="0">
+                <a:latin typeface="微软雅黑" panose="020B0503020204020204" pitchFamily="34" charset="-122"/>
+                <a:ea typeface="微软雅黑" panose="020B0503020204020204" pitchFamily="34" charset="-122"/>
+                <a:cs typeface="Times New Roman" panose="02020603050405020304" pitchFamily="18" charset="0"/>
+              </a:rPr>
+              <a:t>相似的结构</a:t>
+            </a:r>
+            <a:endParaRPr lang="en-US" altLang="zh-CN" sz="3600" dirty="0">
+              <a:latin typeface="微软雅黑" panose="020B0503020204020204" pitchFamily="34" charset="-122"/>
+              <a:ea typeface="微软雅黑" panose="020B0503020204020204" pitchFamily="34" charset="-122"/>
+              <a:cs typeface="Times New Roman" panose="02020603050405020304" pitchFamily="18" charset="0"/>
+            </a:endParaRPr>
+          </a:p>
+          <a:p>
+            <a:pPr marL="571500" indent="-571500">
+              <a:buClr>
+                <a:schemeClr val="accent2"/>
+              </a:buClr>
+              <a:buFont typeface="Wingdings" panose="05000000000000000000" pitchFamily="2" charset="2"/>
+              <a:buChar char="p"/>
+            </a:pPr>
+            <a:r>
+              <a:rPr lang="en-US" altLang="zh-CN" sz="3600" dirty="0">
+                <a:latin typeface="微软雅黑" panose="020B0503020204020204" pitchFamily="34" charset="-122"/>
+                <a:ea typeface="微软雅黑" panose="020B0503020204020204" pitchFamily="34" charset="-122"/>
+                <a:cs typeface="Times New Roman" panose="02020603050405020304" pitchFamily="18" charset="0"/>
+              </a:rPr>
+              <a:t>Skip-Gram</a:t>
+            </a:r>
+            <a:r>
+              <a:rPr lang="zh-CN" altLang="en-US" sz="3600" dirty="0">
+                <a:latin typeface="微软雅黑" panose="020B0503020204020204" pitchFamily="34" charset="-122"/>
+                <a:ea typeface="微软雅黑" panose="020B0503020204020204" pitchFamily="34" charset="-122"/>
+                <a:cs typeface="Times New Roman" panose="02020603050405020304" pitchFamily="18" charset="0"/>
+              </a:rPr>
+              <a:t>框架下的不同</a:t>
+            </a:r>
+            <a:r>
+              <a:rPr lang="zh-CN" altLang="en-US" sz="3600" dirty="0">
+                <a:solidFill>
+                  <a:srgbClr val="C00000"/>
+                </a:solidFill>
+                <a:latin typeface="微软雅黑" panose="020B0503020204020204" pitchFamily="34" charset="-122"/>
+                <a:ea typeface="微软雅黑" panose="020B0503020204020204" pitchFamily="34" charset="-122"/>
+                <a:cs typeface="Times New Roman" panose="02020603050405020304" pitchFamily="18" charset="0"/>
+              </a:rPr>
+              <a:t>采样策略</a:t>
+            </a:r>
+            <a:r>
+              <a:rPr lang="zh-CN" altLang="en-US" sz="3600" dirty="0">
+                <a:latin typeface="微软雅黑" panose="020B0503020204020204" pitchFamily="34" charset="-122"/>
+                <a:ea typeface="微软雅黑" panose="020B0503020204020204" pitchFamily="34" charset="-122"/>
+                <a:cs typeface="Times New Roman" panose="02020603050405020304" pitchFamily="18" charset="0"/>
+              </a:rPr>
+              <a:t>下的结点邻居</a:t>
+            </a:r>
+            <a:endParaRPr lang="en-US" altLang="zh-CN" sz="3600" dirty="0">
+              <a:latin typeface="微软雅黑" panose="020B0503020204020204" pitchFamily="34" charset="-122"/>
+              <a:ea typeface="微软雅黑" panose="020B0503020204020204" pitchFamily="34" charset="-122"/>
+              <a:cs typeface="Times New Roman" panose="02020603050405020304" pitchFamily="18" charset="0"/>
+            </a:endParaRPr>
+          </a:p>
+        </p:txBody>
+      </p:sp>
+      <p:pic>
+        <p:nvPicPr>
+          <p:cNvPr id="9" name="图片 8">
+            <a:extLst>
+              <a:ext uri="{FF2B5EF4-FFF2-40B4-BE49-F238E27FC236}">
+                <a16:creationId xmlns:a16="http://schemas.microsoft.com/office/drawing/2014/main" id="{FC35AFBA-15F9-49BF-AA73-D98254EEDD4B}"/>
+              </a:ext>
+            </a:extLst>
+          </p:cNvPr>
+          <p:cNvPicPr>
+            <a:picLocks noChangeAspect="1"/>
+          </p:cNvPicPr>
+          <p:nvPr/>
+        </p:nvPicPr>
+        <p:blipFill>
+          <a:blip r:embed="rId2"/>
+          <a:stretch>
+            <a:fillRect/>
+          </a:stretch>
+        </p:blipFill>
+        <p:spPr>
+          <a:xfrm>
+            <a:off x="1817735" y="5665759"/>
+            <a:ext cx="6642100" cy="2231745"/>
+          </a:xfrm>
+          <a:prstGeom prst="rect">
+            <a:avLst/>
+          </a:prstGeom>
+        </p:spPr>
+      </p:pic>
+    </p:spTree>
+    <p:extLst>
+      <p:ext uri="{BB962C8B-B14F-4D97-AF65-F5344CB8AC3E}">
+        <p14:creationId xmlns:p14="http://schemas.microsoft.com/office/powerpoint/2010/main" val="3310703108"/>
+      </p:ext>
+    </p:extLst>
+  </p:cSld>
+  <p:clrMapOvr>
+    <a:masterClrMapping/>
+  </p:clrMapOvr>
+</p:sld>
+</file>
+
 <file path=ppt/slides/slide9.xml><?xml version="1.0" encoding="utf-8"?>
 <p:sld xmlns:a="http://schemas.openxmlformats.org/drawingml/2006/main" xmlns:r="http://schemas.openxmlformats.org/officeDocument/2006/relationships" xmlns:p="http://schemas.openxmlformats.org/presentationml/2006/main">
   <p:cSld>
